--- a/doc/setup/Cluster-Consul-v1.0.pptx
+++ b/doc/setup/Cluster-Consul-v1.0.pptx
@@ -5,19 +5,20 @@
     <p:sldMasterId id="2147483648" r:id="rId4"/>
   </p:sldMasterIdLst>
   <p:notesMasterIdLst>
-    <p:notesMasterId r:id="rId12"/>
+    <p:notesMasterId r:id="rId13"/>
   </p:notesMasterIdLst>
   <p:handoutMasterIdLst>
-    <p:handoutMasterId r:id="rId13"/>
+    <p:handoutMasterId r:id="rId14"/>
   </p:handoutMasterIdLst>
   <p:sldIdLst>
     <p:sldId id="639" r:id="rId5"/>
     <p:sldId id="670" r:id="rId6"/>
     <p:sldId id="665" r:id="rId7"/>
     <p:sldId id="671" r:id="rId8"/>
-    <p:sldId id="673" r:id="rId9"/>
-    <p:sldId id="672" r:id="rId10"/>
+    <p:sldId id="675" r:id="rId9"/>
+    <p:sldId id="673" r:id="rId10"/>
     <p:sldId id="674" r:id="rId11"/>
+    <p:sldId id="672" r:id="rId12"/>
   </p:sldIdLst>
   <p:sldSz cx="9144000" cy="6858000" type="screen4x3"/>
   <p:notesSz cx="6797675" cy="9926638"/>
@@ -3063,7 +3064,7 @@
                 </a:solidFill>
                 <a:latin typeface="Trebuchet MS" pitchFamily="34" charset="0"/>
               </a:rPr>
-              <a:t>Consul agent</a:t>
+              <a:t>Agent Consul</a:t>
             </a:r>
             <a:endParaRPr lang="fr-FR" sz="4000" b="1" dirty="0">
               <a:solidFill>
@@ -3190,7 +3191,16 @@
                 </a:solidFill>
                 <a:latin typeface="+mn-lt"/>
               </a:rPr>
-              <a:t>Consul agent</a:t>
+              <a:t>Agent </a:t>
+            </a:r>
+            <a:r>
+              <a:rPr lang="fr-FR" sz="2800" dirty="0" smtClean="0">
+                <a:solidFill>
+                  <a:schemeClr val="accent4"/>
+                </a:solidFill>
+                <a:latin typeface="+mn-lt"/>
+              </a:rPr>
+              <a:t>Consul</a:t>
             </a:r>
             <a:endParaRPr lang="fr-FR" sz="2800" dirty="0">
               <a:solidFill>
@@ -3206,7 +3216,7 @@
           <p:cNvPr id="20" name="ZoneTexte 19">
             <a:extLst>
               <a:ext uri="{FF2B5EF4-FFF2-40B4-BE49-F238E27FC236}">
-                <a16:creationId xmlns:a16="http://schemas.microsoft.com/office/drawing/2014/main" xmlns="" id="{02012D19-F34D-4179-AA25-13C4AC886B01}"/>
+                <a16:creationId xmlns="" xmlns:a16="http://schemas.microsoft.com/office/drawing/2014/main" id="{02012D19-F34D-4179-AA25-13C4AC886B01}"/>
               </a:ext>
             </a:extLst>
           </p:cNvPr>
@@ -3216,7 +3226,7 @@
         <p:spPr>
           <a:xfrm>
             <a:off x="241581" y="872716"/>
-            <a:ext cx="8821515" cy="3785652"/>
+            <a:ext cx="8821515" cy="5016758"/>
           </a:xfrm>
           <a:prstGeom prst="rect">
             <a:avLst/>
@@ -3231,8 +3241,50 @@
           <a:p>
             <a:r>
               <a:rPr lang="fr-FR" sz="2000" dirty="0" smtClean="0"/>
-              <a:t>Pour mettre en place un agent il faut, au minimum, les 5 options suivantes :</a:t>
-            </a:r>
+              <a:t>Un agent Consul peut être soit un serveur, soit un client.</a:t>
+            </a:r>
+          </a:p>
+          <a:p>
+            <a:endParaRPr lang="fr-FR" sz="2000" dirty="0"/>
+          </a:p>
+          <a:p>
+            <a:r>
+              <a:rPr lang="fr-FR" sz="2000" dirty="0" smtClean="0"/>
+              <a:t>Pour </a:t>
+            </a:r>
+            <a:r>
+              <a:rPr lang="fr-FR" sz="2000" dirty="0" smtClean="0"/>
+              <a:t>mettre en place un </a:t>
+            </a:r>
+            <a:r>
+              <a:rPr lang="fr-FR" sz="2000" dirty="0" smtClean="0"/>
+              <a:t>agent, </a:t>
+            </a:r>
+            <a:r>
+              <a:rPr lang="fr-FR" sz="2000" dirty="0" smtClean="0"/>
+              <a:t>il </a:t>
+            </a:r>
+            <a:r>
+              <a:rPr lang="fr-FR" sz="2000" dirty="0" smtClean="0"/>
+              <a:t>faut </a:t>
+            </a:r>
+            <a:r>
+              <a:rPr lang="fr-FR" sz="2000" dirty="0" smtClean="0"/>
+              <a:t>au </a:t>
+            </a:r>
+            <a:r>
+              <a:rPr lang="fr-FR" sz="2000" dirty="0" smtClean="0"/>
+              <a:t>minimum </a:t>
+            </a:r>
+            <a:r>
+              <a:rPr lang="fr-FR" sz="2000" dirty="0" smtClean="0"/>
+              <a:t>les 5 options suivantes </a:t>
+            </a:r>
+            <a:r>
+              <a:rPr lang="fr-FR" sz="2000" dirty="0" smtClean="0"/>
+              <a:t>dans le fichier de configuration :</a:t>
+            </a:r>
+            <a:endParaRPr lang="fr-FR" sz="2000" dirty="0" smtClean="0"/>
           </a:p>
           <a:p>
             <a:endParaRPr lang="fr-FR" sz="2000" dirty="0"/>
@@ -3282,7 +3334,15 @@
             </a:r>
             <a:r>
               <a:rPr lang="fr-FR" sz="2000" dirty="0" smtClean="0"/>
-              <a:t> » : Liste des adresses des autres serveurs du cluster.</a:t>
+              <a:t> » : Liste des adresses </a:t>
+            </a:r>
+            <a:r>
+              <a:rPr lang="fr-FR" sz="2000" dirty="0" smtClean="0"/>
+              <a:t>IP des </a:t>
+            </a:r>
+            <a:r>
+              <a:rPr lang="fr-FR" sz="2000" dirty="0" smtClean="0"/>
+              <a:t>autres serveurs du cluster.</a:t>
             </a:r>
           </a:p>
           <a:p>
@@ -3299,7 +3359,15 @@
             </a:r>
             <a:r>
               <a:rPr lang="fr-FR" sz="2000" dirty="0" smtClean="0"/>
-              <a:t> » : Adresse de la machine sur le réseau</a:t>
+              <a:t> » : </a:t>
+            </a:r>
+            <a:r>
+              <a:rPr lang="fr-FR" sz="2000" dirty="0" smtClean="0"/>
+              <a:t>Adresse IP </a:t>
+            </a:r>
+            <a:r>
+              <a:rPr lang="fr-FR" sz="2000" dirty="0" smtClean="0"/>
+              <a:t>de la machine sur le réseau</a:t>
             </a:r>
           </a:p>
           <a:p>
@@ -3316,7 +3384,29 @@
             </a:r>
             <a:r>
               <a:rPr lang="fr-FR" sz="2000" dirty="0" smtClean="0"/>
-              <a:t> » : La clé secrète de chiffrement pour le trafic réseau de Consul</a:t>
+              <a:t> » : La clé secrète de chiffrement pour le trafic réseau de </a:t>
+            </a:r>
+            <a:r>
+              <a:rPr lang="fr-FR" sz="2000" dirty="0" smtClean="0"/>
+              <a:t>Consul</a:t>
+            </a:r>
+          </a:p>
+          <a:p>
+            <a:r>
+              <a:rPr lang="fr-FR" sz="2000" dirty="0"/>
+              <a:t>	</a:t>
+            </a:r>
+            <a:r>
+              <a:rPr lang="fr-FR" sz="2000" dirty="0" smtClean="0"/>
+              <a:t>La clé peut être générée avec la commande « consul </a:t>
+            </a:r>
+            <a:r>
+              <a:rPr lang="fr-FR" sz="2000" dirty="0" err="1" smtClean="0"/>
+              <a:t>keygen</a:t>
+            </a:r>
+            <a:r>
+              <a:rPr lang="fr-FR" sz="2000" dirty="0" smtClean="0"/>
+              <a:t> »</a:t>
             </a:r>
             <a:endParaRPr lang="fr-FR" sz="2000" dirty="0"/>
           </a:p>
@@ -3399,7 +3489,7 @@
                 </a:solidFill>
                 <a:latin typeface="+mn-lt"/>
               </a:rPr>
-              <a:t>Consul agent</a:t>
+              <a:t>Agent Consul</a:t>
             </a:r>
             <a:endParaRPr lang="fr-FR" sz="2800" dirty="0">
               <a:solidFill>
@@ -3415,7 +3505,7 @@
           <p:cNvPr id="20" name="ZoneTexte 19">
             <a:extLst>
               <a:ext uri="{FF2B5EF4-FFF2-40B4-BE49-F238E27FC236}">
-                <a16:creationId xmlns:a16="http://schemas.microsoft.com/office/drawing/2014/main" xmlns="" id="{02012D19-F34D-4179-AA25-13C4AC886B01}"/>
+                <a16:creationId xmlns="" xmlns:a16="http://schemas.microsoft.com/office/drawing/2014/main" id="{02012D19-F34D-4179-AA25-13C4AC886B01}"/>
               </a:ext>
             </a:extLst>
           </p:cNvPr>
@@ -3425,7 +3515,7 @@
         <p:spPr>
           <a:xfrm>
             <a:off x="241581" y="872716"/>
-            <a:ext cx="8821515" cy="1323439"/>
+            <a:ext cx="8821515" cy="2862322"/>
           </a:xfrm>
           <a:prstGeom prst="rect">
             <a:avLst/>
@@ -3466,7 +3556,69 @@
             </a:r>
             <a:r>
               <a:rPr lang="fr-FR" sz="2000" dirty="0" smtClean="0"/>
-              <a:t> » Permet au premier serveur lancé de s’auto élire en tant que leader. Laisser à false pour le lancement de serveurs standards.</a:t>
+              <a:t> » </a:t>
+            </a:r>
+            <a:r>
+              <a:rPr lang="fr-FR" sz="2000" dirty="0" smtClean="0"/>
+              <a:t>Lance un serveur avec le droit de prendre des décisions sans se concerter avec les autres serveurs du cluster. Cela lui permet entre autre de se lancer en leader.</a:t>
+            </a:r>
+          </a:p>
+          <a:p>
+            <a:r>
+              <a:rPr lang="fr-FR" sz="2000" dirty="0" smtClean="0"/>
+              <a:t>Les options « </a:t>
+            </a:r>
+            <a:r>
+              <a:rPr lang="fr-FR" sz="2000" b="1" dirty="0" err="1" smtClean="0"/>
+              <a:t>start_join</a:t>
+            </a:r>
+            <a:r>
+              <a:rPr lang="fr-FR" sz="2000" dirty="0" smtClean="0"/>
+              <a:t> » et « </a:t>
+            </a:r>
+            <a:r>
+              <a:rPr lang="fr-FR" sz="2000" b="1" dirty="0" err="1" smtClean="0"/>
+              <a:t>bind_addr</a:t>
+            </a:r>
+            <a:r>
+              <a:rPr lang="fr-FR" sz="2000" dirty="0" smtClean="0"/>
+              <a:t> » ne sont pa</a:t>
+            </a:r>
+            <a:r>
+              <a:rPr lang="fr-FR" sz="2000" dirty="0" smtClean="0"/>
+              <a:t>s à mettre dans le fichier de configuration dans le cas du serveur </a:t>
+            </a:r>
+            <a:r>
+              <a:rPr lang="fr-FR" sz="2000" dirty="0" err="1" smtClean="0"/>
+              <a:t>bootstrap</a:t>
+            </a:r>
+            <a:r>
+              <a:rPr lang="fr-FR" sz="2000" dirty="0" smtClean="0"/>
+              <a:t>.</a:t>
+            </a:r>
+          </a:p>
+          <a:p>
+            <a:endParaRPr lang="fr-FR" sz="2000" dirty="0" smtClean="0"/>
+          </a:p>
+          <a:p>
+            <a:r>
+              <a:rPr lang="fr-FR" sz="2000" dirty="0" smtClean="0"/>
+              <a:t>Laisser </a:t>
+            </a:r>
+            <a:r>
+              <a:rPr lang="fr-FR" sz="2000" dirty="0" smtClean="0"/>
+              <a:t>à </a:t>
+            </a:r>
+            <a:r>
+              <a:rPr lang="fr-FR" sz="2000" dirty="0" smtClean="0">
+                <a:latin typeface="Courier New" panose="02070309020205020404" pitchFamily="49" charset="0"/>
+                <a:cs typeface="Courier New" panose="02070309020205020404" pitchFamily="49" charset="0"/>
+              </a:rPr>
+              <a:t>false</a:t>
+            </a:r>
+            <a:r>
+              <a:rPr lang="fr-FR" sz="2000" dirty="0" smtClean="0"/>
+              <a:t> pour le lancement de serveurs standards.</a:t>
             </a:r>
           </a:p>
         </p:txBody>
@@ -3476,7 +3628,7 @@
           <p:cNvPr id="6" name="ZoneTexte 5">
             <a:extLst>
               <a:ext uri="{FF2B5EF4-FFF2-40B4-BE49-F238E27FC236}">
-                <a16:creationId xmlns:a16="http://schemas.microsoft.com/office/drawing/2014/main" xmlns="" id="{02012D19-F34D-4179-AA25-13C4AC886B01}"/>
+                <a16:creationId xmlns="" xmlns:a16="http://schemas.microsoft.com/office/drawing/2014/main" id="{02012D19-F34D-4179-AA25-13C4AC886B01}"/>
               </a:ext>
             </a:extLst>
           </p:cNvPr>
@@ -3485,8 +3637,8 @@
         </p:nvSpPr>
         <p:spPr>
           <a:xfrm>
-            <a:off x="319309" y="2960948"/>
-            <a:ext cx="8821515" cy="1015663"/>
+            <a:off x="247386" y="4545124"/>
+            <a:ext cx="8821515" cy="1938992"/>
           </a:xfrm>
           <a:prstGeom prst="rect">
             <a:avLst/>
@@ -3530,7 +3682,38 @@
             </a:r>
             <a:r>
               <a:rPr lang="fr-FR" sz="2000" dirty="0"/>
-              <a:t> » : Définit si l’agent implémente une interface utilisateur.</a:t>
+              <a:t> » : Définit si l’agent implémente une interface utilisateur</a:t>
+            </a:r>
+            <a:r>
+              <a:rPr lang="fr-FR" sz="2000" dirty="0" smtClean="0"/>
+              <a:t>.</a:t>
+            </a:r>
+          </a:p>
+          <a:p>
+            <a:endParaRPr lang="fr-FR" sz="2000" dirty="0"/>
+          </a:p>
+          <a:p>
+            <a:r>
+              <a:rPr lang="fr-FR" sz="2000" dirty="0" smtClean="0"/>
+              <a:t>L’interface Web est accessible via l’URL :</a:t>
+            </a:r>
+          </a:p>
+          <a:p>
+            <a:pPr marL="1257300" lvl="2" indent="-342900">
+              <a:buFont typeface="Arial" panose="020B0604020202020204" pitchFamily="34" charset="0"/>
+              <a:buChar char="•"/>
+            </a:pPr>
+            <a:r>
+              <a:rPr lang="fr-FR" sz="2000" dirty="0" smtClean="0"/>
+              <a:t>« http</a:t>
+            </a:r>
+            <a:r>
+              <a:rPr lang="fr-FR" sz="2000" dirty="0"/>
+              <a:t>://</a:t>
+            </a:r>
+            <a:r>
+              <a:rPr lang="fr-FR" sz="2000" dirty="0" smtClean="0"/>
+              <a:t>localhost:8500/ui »</a:t>
             </a:r>
             <a:endParaRPr lang="fr-FR" sz="2000" dirty="0"/>
           </a:p>
@@ -3550,6 +3733,379 @@
 </file>
 
 <file path=ppt/slides/slide5.xml><?xml version="1.0" encoding="utf-8"?>
+<p:sld xmlns:a="http://schemas.openxmlformats.org/drawingml/2006/main" xmlns:r="http://schemas.openxmlformats.org/officeDocument/2006/relationships" xmlns:p="http://schemas.openxmlformats.org/presentationml/2006/main">
+  <p:cSld>
+    <p:spTree>
+      <p:nvGrpSpPr>
+        <p:cNvPr id="1" name=""/>
+        <p:cNvGrpSpPr/>
+        <p:nvPr/>
+      </p:nvGrpSpPr>
+      <p:grpSpPr>
+        <a:xfrm>
+          <a:off x="0" y="0"/>
+          <a:ext cx="0" cy="0"/>
+          <a:chOff x="0" y="0"/>
+          <a:chExt cx="0" cy="0"/>
+        </a:xfrm>
+      </p:grpSpPr>
+      <p:sp>
+        <p:nvSpPr>
+          <p:cNvPr id="2" name="ZoneTexte 1"/>
+          <p:cNvSpPr txBox="1"/>
+          <p:nvPr/>
+        </p:nvSpPr>
+        <p:spPr>
+          <a:xfrm>
+            <a:off x="-1" y="0"/>
+            <a:ext cx="9140825" cy="523220"/>
+          </a:xfrm>
+          <a:prstGeom prst="rect">
+            <a:avLst/>
+          </a:prstGeom>
+          <a:noFill/>
+        </p:spPr>
+        <p:txBody>
+          <a:bodyPr wrap="square" rtlCol="0">
+            <a:spAutoFit/>
+          </a:bodyPr>
+          <a:lstStyle/>
+          <a:p>
+            <a:r>
+              <a:rPr lang="fr-FR" sz="2800" dirty="0" smtClean="0">
+                <a:solidFill>
+                  <a:schemeClr val="accent4"/>
+                </a:solidFill>
+                <a:latin typeface="+mn-lt"/>
+              </a:rPr>
+              <a:t>Mise en place </a:t>
+            </a:r>
+            <a:r>
+              <a:rPr lang="fr-FR" sz="2800" dirty="0">
+                <a:solidFill>
+                  <a:schemeClr val="accent4"/>
+                </a:solidFill>
+                <a:latin typeface="+mn-lt"/>
+              </a:rPr>
+              <a:t>– </a:t>
+            </a:r>
+            <a:r>
+              <a:rPr lang="fr-FR" sz="2800" dirty="0" smtClean="0">
+                <a:solidFill>
+                  <a:schemeClr val="accent4"/>
+                </a:solidFill>
+                <a:latin typeface="+mn-lt"/>
+              </a:rPr>
+              <a:t>Exemple de fichier de configuration</a:t>
+            </a:r>
+            <a:endParaRPr lang="fr-FR" sz="2800" dirty="0">
+              <a:solidFill>
+                <a:schemeClr val="accent4"/>
+              </a:solidFill>
+              <a:latin typeface="+mn-lt"/>
+            </a:endParaRPr>
+          </a:p>
+        </p:txBody>
+      </p:sp>
+      <p:sp>
+        <p:nvSpPr>
+          <p:cNvPr id="3" name="ZoneTexte 2">
+            <a:extLst>
+              <a:ext uri="{FF2B5EF4-FFF2-40B4-BE49-F238E27FC236}">
+                <a16:creationId xmlns="" xmlns:a16="http://schemas.microsoft.com/office/drawing/2014/main" id="{02012D19-F34D-4179-AA25-13C4AC886B01}"/>
+              </a:ext>
+            </a:extLst>
+          </p:cNvPr>
+          <p:cNvSpPr txBox="1"/>
+          <p:nvPr/>
+        </p:nvSpPr>
+        <p:spPr>
+          <a:xfrm>
+            <a:off x="241581" y="872716"/>
+            <a:ext cx="8821515" cy="3754874"/>
+          </a:xfrm>
+          <a:prstGeom prst="rect">
+            <a:avLst/>
+          </a:prstGeom>
+          <a:noFill/>
+        </p:spPr>
+        <p:txBody>
+          <a:bodyPr wrap="square" rtlCol="0">
+            <a:spAutoFit/>
+          </a:bodyPr>
+          <a:lstStyle/>
+          <a:p>
+            <a:r>
+              <a:rPr lang="fr-FR" sz="2000" dirty="0" smtClean="0"/>
+              <a:t>Exemple de fichier JSON de configuration pour un serveur :</a:t>
+            </a:r>
+          </a:p>
+          <a:p>
+            <a:endParaRPr lang="fr-FR" sz="2000" dirty="0" smtClean="0"/>
+          </a:p>
+          <a:p>
+            <a:r>
+              <a:rPr lang="fr-FR" dirty="0">
+                <a:latin typeface="Courier New" panose="02070309020205020404" pitchFamily="49" charset="0"/>
+                <a:cs typeface="Courier New" panose="02070309020205020404" pitchFamily="49" charset="0"/>
+              </a:rPr>
+              <a:t>{</a:t>
+            </a:r>
+          </a:p>
+          <a:p>
+            <a:r>
+              <a:rPr lang="fr-FR" dirty="0" smtClean="0">
+                <a:latin typeface="Courier New" panose="02070309020205020404" pitchFamily="49" charset="0"/>
+                <a:cs typeface="Courier New" panose="02070309020205020404" pitchFamily="49" charset="0"/>
+              </a:rPr>
+              <a:t>  "</a:t>
+            </a:r>
+            <a:r>
+              <a:rPr lang="fr-FR" dirty="0">
+                <a:latin typeface="Courier New" panose="02070309020205020404" pitchFamily="49" charset="0"/>
+                <a:cs typeface="Courier New" panose="02070309020205020404" pitchFamily="49" charset="0"/>
+              </a:rPr>
+              <a:t>server": </a:t>
+            </a:r>
+            <a:r>
+              <a:rPr lang="fr-FR" dirty="0" err="1">
+                <a:latin typeface="Courier New" panose="02070309020205020404" pitchFamily="49" charset="0"/>
+                <a:cs typeface="Courier New" panose="02070309020205020404" pitchFamily="49" charset="0"/>
+              </a:rPr>
+              <a:t>true</a:t>
+            </a:r>
+            <a:r>
+              <a:rPr lang="fr-FR" dirty="0" smtClean="0">
+                <a:latin typeface="Courier New" panose="02070309020205020404" pitchFamily="49" charset="0"/>
+                <a:cs typeface="Courier New" panose="02070309020205020404" pitchFamily="49" charset="0"/>
+              </a:rPr>
+              <a:t>,</a:t>
+            </a:r>
+          </a:p>
+          <a:p>
+            <a:r>
+              <a:rPr lang="fr-FR" dirty="0">
+                <a:latin typeface="Courier New" panose="02070309020205020404" pitchFamily="49" charset="0"/>
+                <a:cs typeface="Courier New" panose="02070309020205020404" pitchFamily="49" charset="0"/>
+              </a:rPr>
+              <a:t> </a:t>
+            </a:r>
+            <a:r>
+              <a:rPr lang="fr-FR" dirty="0" smtClean="0">
+                <a:latin typeface="Courier New" panose="02070309020205020404" pitchFamily="49" charset="0"/>
+                <a:cs typeface="Courier New" panose="02070309020205020404" pitchFamily="49" charset="0"/>
+              </a:rPr>
+              <a:t> "</a:t>
+            </a:r>
+            <a:r>
+              <a:rPr lang="fr-FR" dirty="0" err="1">
+                <a:latin typeface="Courier New" panose="02070309020205020404" pitchFamily="49" charset="0"/>
+                <a:cs typeface="Courier New" panose="02070309020205020404" pitchFamily="49" charset="0"/>
+              </a:rPr>
+              <a:t>bootstrap</a:t>
+            </a:r>
+            <a:r>
+              <a:rPr lang="fr-FR" dirty="0">
+                <a:latin typeface="Courier New" panose="02070309020205020404" pitchFamily="49" charset="0"/>
+                <a:cs typeface="Courier New" panose="02070309020205020404" pitchFamily="49" charset="0"/>
+              </a:rPr>
+              <a:t>": false,</a:t>
+            </a:r>
+          </a:p>
+          <a:p>
+            <a:r>
+              <a:rPr lang="fr-FR" dirty="0" smtClean="0">
+                <a:latin typeface="Courier New" panose="02070309020205020404" pitchFamily="49" charset="0"/>
+                <a:cs typeface="Courier New" panose="02070309020205020404" pitchFamily="49" charset="0"/>
+              </a:rPr>
+              <a:t>  "</a:t>
+            </a:r>
+            <a:r>
+              <a:rPr lang="fr-FR" dirty="0" err="1">
+                <a:latin typeface="Courier New" panose="02070309020205020404" pitchFamily="49" charset="0"/>
+                <a:cs typeface="Courier New" panose="02070309020205020404" pitchFamily="49" charset="0"/>
+              </a:rPr>
+              <a:t>data_dir</a:t>
+            </a:r>
+            <a:r>
+              <a:rPr lang="fr-FR" dirty="0">
+                <a:latin typeface="Courier New" panose="02070309020205020404" pitchFamily="49" charset="0"/>
+                <a:cs typeface="Courier New" panose="02070309020205020404" pitchFamily="49" charset="0"/>
+              </a:rPr>
+              <a:t>": "/var/consul",</a:t>
+            </a:r>
+          </a:p>
+          <a:p>
+            <a:r>
+              <a:rPr lang="fr-FR" dirty="0">
+                <a:latin typeface="Courier New" panose="02070309020205020404" pitchFamily="49" charset="0"/>
+                <a:cs typeface="Courier New" panose="02070309020205020404" pitchFamily="49" charset="0"/>
+              </a:rPr>
+              <a:t>  "</a:t>
+            </a:r>
+            <a:r>
+              <a:rPr lang="fr-FR" dirty="0" err="1">
+                <a:latin typeface="Courier New" panose="02070309020205020404" pitchFamily="49" charset="0"/>
+                <a:cs typeface="Courier New" panose="02070309020205020404" pitchFamily="49" charset="0"/>
+              </a:rPr>
+              <a:t>start_join</a:t>
+            </a:r>
+            <a:r>
+              <a:rPr lang="fr-FR" dirty="0" smtClean="0">
+                <a:latin typeface="Courier New" panose="02070309020205020404" pitchFamily="49" charset="0"/>
+                <a:cs typeface="Courier New" panose="02070309020205020404" pitchFamily="49" charset="0"/>
+              </a:rPr>
+              <a:t>": [</a:t>
+            </a:r>
+          </a:p>
+          <a:p>
+            <a:r>
+              <a:rPr lang="fr-FR" dirty="0">
+                <a:latin typeface="Courier New" panose="02070309020205020404" pitchFamily="49" charset="0"/>
+                <a:cs typeface="Courier New" panose="02070309020205020404" pitchFamily="49" charset="0"/>
+              </a:rPr>
+              <a:t> </a:t>
+            </a:r>
+            <a:r>
+              <a:rPr lang="fr-FR" dirty="0" smtClean="0">
+                <a:latin typeface="Courier New" panose="02070309020205020404" pitchFamily="49" charset="0"/>
+                <a:cs typeface="Courier New" panose="02070309020205020404" pitchFamily="49" charset="0"/>
+              </a:rPr>
+              <a:t>     &lt;adresse IP du serveur 1 de consul&gt;,</a:t>
+            </a:r>
+          </a:p>
+          <a:p>
+            <a:r>
+              <a:rPr lang="fr-FR" dirty="0">
+                <a:latin typeface="Courier New" panose="02070309020205020404" pitchFamily="49" charset="0"/>
+                <a:cs typeface="Courier New" panose="02070309020205020404" pitchFamily="49" charset="0"/>
+              </a:rPr>
+              <a:t> </a:t>
+            </a:r>
+            <a:r>
+              <a:rPr lang="fr-FR" dirty="0" smtClean="0">
+                <a:latin typeface="Courier New" panose="02070309020205020404" pitchFamily="49" charset="0"/>
+                <a:cs typeface="Courier New" panose="02070309020205020404" pitchFamily="49" charset="0"/>
+              </a:rPr>
+              <a:t>     &lt;</a:t>
+            </a:r>
+            <a:r>
+              <a:rPr lang="fr-FR" dirty="0">
+                <a:latin typeface="Courier New" panose="02070309020205020404" pitchFamily="49" charset="0"/>
+                <a:cs typeface="Courier New" panose="02070309020205020404" pitchFamily="49" charset="0"/>
+              </a:rPr>
+              <a:t>adresse IP du serveur </a:t>
+            </a:r>
+            <a:r>
+              <a:rPr lang="fr-FR" dirty="0" smtClean="0">
+                <a:latin typeface="Courier New" panose="02070309020205020404" pitchFamily="49" charset="0"/>
+                <a:cs typeface="Courier New" panose="02070309020205020404" pitchFamily="49" charset="0"/>
+              </a:rPr>
+              <a:t>2 </a:t>
+            </a:r>
+            <a:r>
+              <a:rPr lang="fr-FR" dirty="0">
+                <a:latin typeface="Courier New" panose="02070309020205020404" pitchFamily="49" charset="0"/>
+                <a:cs typeface="Courier New" panose="02070309020205020404" pitchFamily="49" charset="0"/>
+              </a:rPr>
+              <a:t>de consul</a:t>
+            </a:r>
+            <a:r>
+              <a:rPr lang="fr-FR" dirty="0" smtClean="0">
+                <a:latin typeface="Courier New" panose="02070309020205020404" pitchFamily="49" charset="0"/>
+                <a:cs typeface="Courier New" panose="02070309020205020404" pitchFamily="49" charset="0"/>
+              </a:rPr>
+              <a:t>&gt;,</a:t>
+            </a:r>
+          </a:p>
+          <a:p>
+            <a:r>
+              <a:rPr lang="fr-FR" dirty="0">
+                <a:latin typeface="Courier New" panose="02070309020205020404" pitchFamily="49" charset="0"/>
+                <a:cs typeface="Courier New" panose="02070309020205020404" pitchFamily="49" charset="0"/>
+              </a:rPr>
+              <a:t> </a:t>
+            </a:r>
+            <a:r>
+              <a:rPr lang="fr-FR" dirty="0" smtClean="0">
+                <a:latin typeface="Courier New" panose="02070309020205020404" pitchFamily="49" charset="0"/>
+                <a:cs typeface="Courier New" panose="02070309020205020404" pitchFamily="49" charset="0"/>
+              </a:rPr>
+              <a:t>     …</a:t>
+            </a:r>
+          </a:p>
+          <a:p>
+            <a:r>
+              <a:rPr lang="fr-FR" dirty="0">
+                <a:latin typeface="Courier New" panose="02070309020205020404" pitchFamily="49" charset="0"/>
+                <a:cs typeface="Courier New" panose="02070309020205020404" pitchFamily="49" charset="0"/>
+              </a:rPr>
+              <a:t> </a:t>
+            </a:r>
+            <a:r>
+              <a:rPr lang="fr-FR" dirty="0" smtClean="0">
+                <a:latin typeface="Courier New" panose="02070309020205020404" pitchFamily="49" charset="0"/>
+                <a:cs typeface="Courier New" panose="02070309020205020404" pitchFamily="49" charset="0"/>
+              </a:rPr>
+              <a:t> ],</a:t>
+            </a:r>
+            <a:endParaRPr lang="fr-FR" dirty="0">
+              <a:latin typeface="Courier New" panose="02070309020205020404" pitchFamily="49" charset="0"/>
+              <a:cs typeface="Courier New" panose="02070309020205020404" pitchFamily="49" charset="0"/>
+            </a:endParaRPr>
+          </a:p>
+          <a:p>
+            <a:r>
+              <a:rPr lang="fr-FR" dirty="0">
+                <a:latin typeface="Courier New" panose="02070309020205020404" pitchFamily="49" charset="0"/>
+                <a:cs typeface="Courier New" panose="02070309020205020404" pitchFamily="49" charset="0"/>
+              </a:rPr>
+              <a:t>  "</a:t>
+            </a:r>
+            <a:r>
+              <a:rPr lang="fr-FR" dirty="0" err="1">
+                <a:latin typeface="Courier New" panose="02070309020205020404" pitchFamily="49" charset="0"/>
+                <a:cs typeface="Courier New" panose="02070309020205020404" pitchFamily="49" charset="0"/>
+              </a:rPr>
+              <a:t>bind_addr</a:t>
+            </a:r>
+            <a:r>
+              <a:rPr lang="fr-FR" dirty="0">
+                <a:latin typeface="Courier New" panose="02070309020205020404" pitchFamily="49" charset="0"/>
+                <a:cs typeface="Courier New" panose="02070309020205020404" pitchFamily="49" charset="0"/>
+              </a:rPr>
+              <a:t>": "&lt;adresse IP de la machine hôte&gt;"</a:t>
+            </a:r>
+          </a:p>
+          <a:p>
+            <a:r>
+              <a:rPr lang="fr-FR" dirty="0">
+                <a:latin typeface="Courier New" panose="02070309020205020404" pitchFamily="49" charset="0"/>
+                <a:cs typeface="Courier New" panose="02070309020205020404" pitchFamily="49" charset="0"/>
+              </a:rPr>
+              <a:t>}</a:t>
+            </a:r>
+            <a:endParaRPr lang="fr-FR" dirty="0">
+              <a:latin typeface="Courier New" panose="02070309020205020404" pitchFamily="49" charset="0"/>
+              <a:cs typeface="Courier New" panose="02070309020205020404" pitchFamily="49" charset="0"/>
+            </a:endParaRPr>
+          </a:p>
+        </p:txBody>
+      </p:sp>
+    </p:spTree>
+    <p:extLst>
+      <p:ext uri="{BB962C8B-B14F-4D97-AF65-F5344CB8AC3E}">
+        <p14:creationId xmlns:p14="http://schemas.microsoft.com/office/powerpoint/2010/main" val="3446841099"/>
+      </p:ext>
+    </p:extLst>
+  </p:cSld>
+  <p:clrMapOvr>
+    <a:masterClrMapping/>
+  </p:clrMapOvr>
+</p:sld>
+</file>
+
+<file path=ppt/slides/slide6.xml><?xml version="1.0" encoding="utf-8"?>
 <p:sld xmlns:a="http://schemas.openxmlformats.org/drawingml/2006/main" xmlns:r="http://schemas.openxmlformats.org/officeDocument/2006/relationships" xmlns:p="http://schemas.openxmlformats.org/presentationml/2006/main">
   <p:cSld>
     <p:spTree>
@@ -3682,182 +4238,6 @@
 </p:sld>
 </file>
 
-<file path=ppt/slides/slide6.xml><?xml version="1.0" encoding="utf-8"?>
-<p:sld xmlns:a="http://schemas.openxmlformats.org/drawingml/2006/main" xmlns:r="http://schemas.openxmlformats.org/officeDocument/2006/relationships" xmlns:p="http://schemas.openxmlformats.org/presentationml/2006/main">
-  <p:cSld>
-    <p:spTree>
-      <p:nvGrpSpPr>
-        <p:cNvPr id="1" name=""/>
-        <p:cNvGrpSpPr/>
-        <p:nvPr/>
-      </p:nvGrpSpPr>
-      <p:grpSpPr>
-        <a:xfrm>
-          <a:off x="0" y="0"/>
-          <a:ext cx="0" cy="0"/>
-          <a:chOff x="0" y="0"/>
-          <a:chExt cx="0" cy="0"/>
-        </a:xfrm>
-      </p:grpSpPr>
-      <p:sp>
-        <p:nvSpPr>
-          <p:cNvPr id="2" name="ZoneTexte 1"/>
-          <p:cNvSpPr txBox="1"/>
-          <p:nvPr/>
-        </p:nvSpPr>
-        <p:spPr>
-          <a:xfrm>
-            <a:off x="-1" y="0"/>
-            <a:ext cx="9140825" cy="523220"/>
-          </a:xfrm>
-          <a:prstGeom prst="rect">
-            <a:avLst/>
-          </a:prstGeom>
-          <a:noFill/>
-        </p:spPr>
-        <p:txBody>
-          <a:bodyPr wrap="square" rtlCol="0">
-            <a:spAutoFit/>
-          </a:bodyPr>
-          <a:lstStyle/>
-          <a:p>
-            <a:r>
-              <a:rPr lang="fr-FR" sz="2800" dirty="0" smtClean="0">
-                <a:solidFill>
-                  <a:schemeClr val="accent4"/>
-                </a:solidFill>
-                <a:latin typeface="+mn-lt"/>
-              </a:rPr>
-              <a:t>Mise en place – Démarrer un cluster</a:t>
-            </a:r>
-            <a:endParaRPr lang="fr-FR" sz="2800" dirty="0">
-              <a:solidFill>
-                <a:schemeClr val="accent4"/>
-              </a:solidFill>
-              <a:latin typeface="+mn-lt"/>
-            </a:endParaRPr>
-          </a:p>
-        </p:txBody>
-      </p:sp>
-      <p:sp>
-        <p:nvSpPr>
-          <p:cNvPr id="5" name="ZoneTexte 4">
-            <a:extLst>
-              <a:ext uri="{FF2B5EF4-FFF2-40B4-BE49-F238E27FC236}">
-                <a16:creationId xmlns:a16="http://schemas.microsoft.com/office/drawing/2014/main" xmlns="" id="{02012D19-F34D-4179-AA25-13C4AC886B01}"/>
-              </a:ext>
-            </a:extLst>
-          </p:cNvPr>
-          <p:cNvSpPr txBox="1"/>
-          <p:nvPr/>
-        </p:nvSpPr>
-        <p:spPr>
-          <a:xfrm>
-            <a:off x="241581" y="872716"/>
-            <a:ext cx="8821515" cy="3170099"/>
-          </a:xfrm>
-          <a:prstGeom prst="rect">
-            <a:avLst/>
-          </a:prstGeom>
-          <a:noFill/>
-        </p:spPr>
-        <p:txBody>
-          <a:bodyPr wrap="square" rtlCol="0">
-            <a:spAutoFit/>
-          </a:bodyPr>
-          <a:lstStyle/>
-          <a:p>
-            <a:r>
-              <a:rPr lang="fr-FR" sz="2000" dirty="0" smtClean="0"/>
-              <a:t>Afin de démarrer un cluster Consul il faut procéder comme suit :</a:t>
-            </a:r>
-          </a:p>
-          <a:p>
-            <a:endParaRPr lang="fr-FR" sz="2000" dirty="0"/>
-          </a:p>
-          <a:p>
-            <a:pPr marL="800100" lvl="1" indent="-342900">
-              <a:buFont typeface="Arial" panose="020B0604020202020204" pitchFamily="34" charset="0"/>
-              <a:buChar char="•"/>
-            </a:pPr>
-            <a:r>
-              <a:rPr lang="fr-FR" sz="2000" dirty="0" smtClean="0"/>
-              <a:t>Démarrer un premier serveur en « </a:t>
-            </a:r>
-            <a:r>
-              <a:rPr lang="fr-FR" sz="2000" dirty="0" err="1" smtClean="0"/>
-              <a:t>bootstrap</a:t>
-            </a:r>
-            <a:r>
-              <a:rPr lang="fr-FR" sz="2000" dirty="0" smtClean="0"/>
-              <a:t> mode »</a:t>
-            </a:r>
-          </a:p>
-          <a:p>
-            <a:pPr lvl="1"/>
-            <a:endParaRPr lang="fr-FR" sz="2000" dirty="0" smtClean="0"/>
-          </a:p>
-          <a:p>
-            <a:pPr marL="800100" lvl="1" indent="-342900">
-              <a:buFont typeface="Arial" panose="020B0604020202020204" pitchFamily="34" charset="0"/>
-              <a:buChar char="•"/>
-            </a:pPr>
-            <a:r>
-              <a:rPr lang="fr-FR" sz="2000" dirty="0" smtClean="0"/>
-              <a:t>Démarrer les autres serveurs une fois que le leader est initialisé</a:t>
-            </a:r>
-          </a:p>
-          <a:p>
-            <a:pPr lvl="1"/>
-            <a:endParaRPr lang="fr-FR" sz="2000" dirty="0" smtClean="0"/>
-          </a:p>
-          <a:p>
-            <a:pPr marL="800100" lvl="1" indent="-342900">
-              <a:buFont typeface="Arial" panose="020B0604020202020204" pitchFamily="34" charset="0"/>
-              <a:buChar char="•"/>
-            </a:pPr>
-            <a:r>
-              <a:rPr lang="fr-FR" sz="2000" dirty="0" smtClean="0"/>
-              <a:t>Couper le serveur </a:t>
-            </a:r>
-            <a:r>
-              <a:rPr lang="fr-FR" sz="2000" dirty="0" err="1" smtClean="0"/>
-              <a:t>bootstrap</a:t>
-            </a:r>
-            <a:r>
-              <a:rPr lang="fr-FR" sz="2000" dirty="0" smtClean="0"/>
-              <a:t> et le relancer en « standard » afin qu’une élection de leader sois faite entre tous les serveurs</a:t>
-            </a:r>
-          </a:p>
-          <a:p>
-            <a:pPr lvl="1"/>
-            <a:endParaRPr lang="fr-FR" sz="2000" dirty="0" smtClean="0"/>
-          </a:p>
-          <a:p>
-            <a:pPr marL="800100" lvl="1" indent="-342900">
-              <a:buFont typeface="Arial" panose="020B0604020202020204" pitchFamily="34" charset="0"/>
-              <a:buChar char="•"/>
-            </a:pPr>
-            <a:r>
-              <a:rPr lang="fr-FR" sz="2000" dirty="0" smtClean="0"/>
-              <a:t>Lancer les clients</a:t>
-            </a:r>
-          </a:p>
-        </p:txBody>
-      </p:sp>
-    </p:spTree>
-    <p:extLst>
-      <p:ext uri="{BB962C8B-B14F-4D97-AF65-F5344CB8AC3E}">
-        <p14:creationId xmlns:p14="http://schemas.microsoft.com/office/powerpoint/2010/main" val="1958763911"/>
-      </p:ext>
-    </p:extLst>
-  </p:cSld>
-  <p:clrMapOvr>
-    <a:masterClrMapping/>
-  </p:clrMapOvr>
-</p:sld>
-</file>
-
 <file path=ppt/slides/slide7.xml><?xml version="1.0" encoding="utf-8"?>
 <p:sld xmlns:a="http://schemas.openxmlformats.org/drawingml/2006/main" xmlns:r="http://schemas.openxmlformats.org/officeDocument/2006/relationships" xmlns:p="http://schemas.openxmlformats.org/presentationml/2006/main">
   <p:cSld>
@@ -3877,41 +4257,47 @@
       </p:grpSpPr>
       <p:sp>
         <p:nvSpPr>
-          <p:cNvPr id="2" name="ZoneTexte 1"/>
-          <p:cNvSpPr txBox="1"/>
+          <p:cNvPr id="5" name="Ellipse 4"/>
+          <p:cNvSpPr/>
           <p:nvPr/>
         </p:nvSpPr>
         <p:spPr>
           <a:xfrm>
-            <a:off x="-1" y="0"/>
-            <a:ext cx="9140825" cy="523220"/>
+            <a:off x="2405694" y="2173147"/>
+            <a:ext cx="4266524" cy="2711266"/>
           </a:xfrm>
-          <a:prstGeom prst="rect">
+          <a:prstGeom prst="ellipse">
             <a:avLst/>
           </a:prstGeom>
           <a:noFill/>
+          <a:ln>
+            <a:solidFill>
+              <a:srgbClr val="7030A0"/>
+            </a:solidFill>
+          </a:ln>
         </p:spPr>
+        <p:style>
+          <a:lnRef idx="2">
+            <a:schemeClr val="accent1">
+              <a:shade val="50000"/>
+            </a:schemeClr>
+          </a:lnRef>
+          <a:fillRef idx="1">
+            <a:schemeClr val="accent1"/>
+          </a:fillRef>
+          <a:effectRef idx="0">
+            <a:schemeClr val="accent1"/>
+          </a:effectRef>
+          <a:fontRef idx="minor">
+            <a:schemeClr val="lt1"/>
+          </a:fontRef>
+        </p:style>
         <p:txBody>
-          <a:bodyPr wrap="square" rtlCol="0">
-            <a:spAutoFit/>
-          </a:bodyPr>
+          <a:bodyPr rtlCol="0" anchor="ctr"/>
           <a:lstStyle/>
           <a:p>
-            <a:r>
-              <a:rPr lang="fr-FR" sz="2800" dirty="0" smtClean="0">
-                <a:solidFill>
-                  <a:schemeClr val="accent4"/>
-                </a:solidFill>
-                <a:latin typeface="+mn-lt"/>
-              </a:rPr>
-              <a:t>Mise en place – Démarrer un cluster</a:t>
-            </a:r>
-            <a:endParaRPr lang="fr-FR" sz="2800" dirty="0">
-              <a:solidFill>
-                <a:schemeClr val="accent4"/>
-              </a:solidFill>
-              <a:latin typeface="+mn-lt"/>
-            </a:endParaRPr>
+            <a:pPr algn="ctr"/>
+            <a:endParaRPr lang="fr-FR"/>
           </a:p>
         </p:txBody>
       </p:sp>
@@ -3920,7 +4306,7 @@
           <p:cNvPr id="15" name="Groupe 14">
             <a:extLst>
               <a:ext uri="{FF2B5EF4-FFF2-40B4-BE49-F238E27FC236}">
-                <a16:creationId xmlns="" xmlns:a16="http://schemas.microsoft.com/office/drawing/2014/main" xmlns:lc="http://schemas.openxmlformats.org/drawingml/2006/lockedCanvas" id="{E0E230ED-9E76-46B5-92C4-AB7962005D3F}"/>
+                <a16:creationId xmlns:lc="http://schemas.openxmlformats.org/drawingml/2006/lockedCanvas" xmlns:a16="http://schemas.microsoft.com/office/drawing/2014/main" xmlns="" id="{E0E230ED-9E76-46B5-92C4-AB7962005D3F}"/>
               </a:ext>
             </a:extLst>
           </p:cNvPr>
@@ -3934,13 +4320,16 @@
             <a:chOff x="2155105" y="3861048"/>
             <a:chExt cx="1336774" cy="720080"/>
           </a:xfrm>
+          <a:solidFill>
+            <a:schemeClr val="bg1"/>
+          </a:solidFill>
         </p:grpSpPr>
         <p:pic>
           <p:nvPicPr>
             <p:cNvPr id="26" name="Image 25">
               <a:extLst>
                 <a:ext uri="{FF2B5EF4-FFF2-40B4-BE49-F238E27FC236}">
-                  <a16:creationId xmlns="" xmlns:a16="http://schemas.microsoft.com/office/drawing/2014/main" xmlns:lc="http://schemas.openxmlformats.org/drawingml/2006/lockedCanvas" id="{8A3CA8B9-B9C7-4C5E-945E-30789F67099A}"/>
+                  <a16:creationId xmlns:lc="http://schemas.openxmlformats.org/drawingml/2006/lockedCanvas" xmlns:a16="http://schemas.microsoft.com/office/drawing/2014/main" xmlns="" id="{8A3CA8B9-B9C7-4C5E-945E-30789F67099A}"/>
                 </a:ext>
               </a:extLst>
             </p:cNvPr>
@@ -3963,12 +4352,13 @@
           </p:blipFill>
           <p:spPr>
             <a:xfrm>
-              <a:off x="2204095" y="3905903"/>
-              <a:ext cx="517589" cy="222637"/>
+              <a:off x="2204094" y="3905903"/>
+              <a:ext cx="612028" cy="263259"/>
             </a:xfrm>
             <a:prstGeom prst="rect">
               <a:avLst/>
             </a:prstGeom>
+            <a:grpFill/>
           </p:spPr>
         </p:pic>
         <p:sp>
@@ -3976,7 +4366,7 @@
             <p:cNvPr id="27" name="Rectangle à coins arrondis 26">
               <a:extLst>
                 <a:ext uri="{FF2B5EF4-FFF2-40B4-BE49-F238E27FC236}">
-                  <a16:creationId xmlns="" xmlns:a16="http://schemas.microsoft.com/office/drawing/2014/main" xmlns:lc="http://schemas.openxmlformats.org/drawingml/2006/lockedCanvas" id="{D95582EE-8B26-42D1-A65F-CB3D8ACB3AAF}"/>
+                  <a16:creationId xmlns:lc="http://schemas.openxmlformats.org/drawingml/2006/lockedCanvas" xmlns:a16="http://schemas.microsoft.com/office/drawing/2014/main" xmlns="" id="{D95582EE-8B26-42D1-A65F-CB3D8ACB3AAF}"/>
                 </a:ext>
               </a:extLst>
             </p:cNvPr>
@@ -3993,7 +4383,7 @@
                 <a:gd name="adj" fmla="val 9644"/>
               </a:avLst>
             </a:prstGeom>
-            <a:noFill/>
+            <a:grpFill/>
           </p:spPr>
           <p:style>
             <a:lnRef idx="2">
@@ -4147,10 +4537,50 @@
       </p:grpSp>
       <p:sp>
         <p:nvSpPr>
+          <p:cNvPr id="2" name="ZoneTexte 1"/>
+          <p:cNvSpPr txBox="1"/>
+          <p:nvPr/>
+        </p:nvSpPr>
+        <p:spPr>
+          <a:xfrm>
+            <a:off x="-1" y="0"/>
+            <a:ext cx="9140825" cy="523220"/>
+          </a:xfrm>
+          <a:prstGeom prst="rect">
+            <a:avLst/>
+          </a:prstGeom>
+          <a:noFill/>
+        </p:spPr>
+        <p:txBody>
+          <a:bodyPr wrap="square" rtlCol="0">
+            <a:spAutoFit/>
+          </a:bodyPr>
+          <a:lstStyle/>
+          <a:p>
+            <a:r>
+              <a:rPr lang="fr-FR" sz="2800" dirty="0" smtClean="0">
+                <a:solidFill>
+                  <a:schemeClr val="accent4"/>
+                </a:solidFill>
+                <a:latin typeface="+mn-lt"/>
+              </a:rPr>
+              <a:t>Mise en place – Démarrer un cluster</a:t>
+            </a:r>
+            <a:endParaRPr lang="fr-FR" sz="2800" dirty="0">
+              <a:solidFill>
+                <a:schemeClr val="accent4"/>
+              </a:solidFill>
+              <a:latin typeface="+mn-lt"/>
+            </a:endParaRPr>
+          </a:p>
+        </p:txBody>
+      </p:sp>
+      <p:sp>
+        <p:nvSpPr>
           <p:cNvPr id="25" name="Rectangle à coins arrondis 24">
             <a:extLst>
               <a:ext uri="{FF2B5EF4-FFF2-40B4-BE49-F238E27FC236}">
-                <a16:creationId xmlns="" xmlns:a16="http://schemas.microsoft.com/office/drawing/2014/main" xmlns:lc="http://schemas.openxmlformats.org/drawingml/2006/lockedCanvas" id="{8A4861F3-3648-4041-BBFF-4AAA68264099}"/>
+                <a16:creationId xmlns:lc="http://schemas.openxmlformats.org/drawingml/2006/lockedCanvas" xmlns:a16="http://schemas.microsoft.com/office/drawing/2014/main" xmlns="" id="{8A4861F3-3648-4041-BBFF-4AAA68264099}"/>
               </a:ext>
             </a:extLst>
           </p:cNvPr>
@@ -4167,7 +4597,9 @@
               <a:gd name="adj" fmla="val 9644"/>
             </a:avLst>
           </a:prstGeom>
-          <a:noFill/>
+          <a:solidFill>
+            <a:schemeClr val="bg1"/>
+          </a:solidFill>
         </p:spPr>
         <p:style>
           <a:lnRef idx="2">
@@ -4323,7 +4755,7 @@
           <p:cNvPr id="23" name="Rectangle à coins arrondis 22">
             <a:extLst>
               <a:ext uri="{FF2B5EF4-FFF2-40B4-BE49-F238E27FC236}">
-                <a16:creationId xmlns="" xmlns:a16="http://schemas.microsoft.com/office/drawing/2014/main" xmlns:lc="http://schemas.openxmlformats.org/drawingml/2006/lockedCanvas" id="{39EF6DF5-5B2C-46F6-9EF9-79BC9ADA4131}"/>
+                <a16:creationId xmlns:lc="http://schemas.openxmlformats.org/drawingml/2006/lockedCanvas" xmlns:a16="http://schemas.microsoft.com/office/drawing/2014/main" xmlns="" id="{39EF6DF5-5B2C-46F6-9EF9-79BC9ADA4131}"/>
               </a:ext>
             </a:extLst>
           </p:cNvPr>
@@ -4340,7 +4772,9 @@
               <a:gd name="adj" fmla="val 9644"/>
             </a:avLst>
           </a:prstGeom>
-          <a:noFill/>
+          <a:solidFill>
+            <a:schemeClr val="bg1"/>
+          </a:solidFill>
         </p:spPr>
         <p:style>
           <a:lnRef idx="2">
@@ -4496,7 +4930,7 @@
           <p:cNvPr id="18" name="Rectangle à coins arrondis 17">
             <a:extLst>
               <a:ext uri="{FF2B5EF4-FFF2-40B4-BE49-F238E27FC236}">
-                <a16:creationId xmlns="" xmlns:a16="http://schemas.microsoft.com/office/drawing/2014/main" xmlns:lc="http://schemas.openxmlformats.org/drawingml/2006/lockedCanvas" id="{73A81684-A042-48EE-B7E8-F8866E052C48}"/>
+                <a16:creationId xmlns:lc="http://schemas.openxmlformats.org/drawingml/2006/lockedCanvas" xmlns:a16="http://schemas.microsoft.com/office/drawing/2014/main" xmlns="" id="{73A81684-A042-48EE-B7E8-F8866E052C48}"/>
               </a:ext>
             </a:extLst>
           </p:cNvPr>
@@ -4668,98 +5102,12 @@
           </a:p>
         </p:txBody>
       </p:sp>
-      <p:cxnSp>
-        <p:nvCxnSpPr>
-          <p:cNvPr id="19" name="Connecteur droit avec flèche 18">
-            <a:extLst>
-              <a:ext uri="{FF2B5EF4-FFF2-40B4-BE49-F238E27FC236}">
-                <a16:creationId xmlns="" xmlns:a16="http://schemas.microsoft.com/office/drawing/2014/main" xmlns:lc="http://schemas.openxmlformats.org/drawingml/2006/lockedCanvas" id="{2671D7D3-4838-4656-8E59-51270B18B09E}"/>
-              </a:ext>
-            </a:extLst>
-          </p:cNvPr>
-          <p:cNvCxnSpPr>
-            <a:cxnSpLocks/>
-            <a:stCxn id="27" idx="0"/>
-            <a:endCxn id="25" idx="3"/>
-          </p:cNvCxnSpPr>
-          <p:nvPr/>
-        </p:nvCxnSpPr>
-        <p:spPr>
-          <a:xfrm flipV="1">
-            <a:off x="2347438" y="2012791"/>
-            <a:ext cx="1256706" cy="1200183"/>
-          </a:xfrm>
-          <a:prstGeom prst="straightConnector1">
-            <a:avLst/>
-          </a:prstGeom>
-          <a:ln w="25400">
-            <a:tailEnd type="none"/>
-          </a:ln>
-        </p:spPr>
-        <p:style>
-          <a:lnRef idx="1">
-            <a:schemeClr val="accent1"/>
-          </a:lnRef>
-          <a:fillRef idx="0">
-            <a:schemeClr val="accent1"/>
-          </a:fillRef>
-          <a:effectRef idx="0">
-            <a:schemeClr val="accent1"/>
-          </a:effectRef>
-          <a:fontRef idx="minor">
-            <a:schemeClr val="tx1"/>
-          </a:fontRef>
-        </p:style>
-      </p:cxnSp>
-      <p:cxnSp>
-        <p:nvCxnSpPr>
-          <p:cNvPr id="20" name="Connecteur droit avec flèche 19">
-            <a:extLst>
-              <a:ext uri="{FF2B5EF4-FFF2-40B4-BE49-F238E27FC236}">
-                <a16:creationId xmlns="" xmlns:a16="http://schemas.microsoft.com/office/drawing/2014/main" xmlns:lc="http://schemas.openxmlformats.org/drawingml/2006/lockedCanvas" id="{A0689A2F-8150-4EE8-86E5-36A4AD124EC4}"/>
-              </a:ext>
-            </a:extLst>
-          </p:cNvPr>
-          <p:cNvCxnSpPr>
-            <a:cxnSpLocks/>
-            <a:stCxn id="23" idx="0"/>
-            <a:endCxn id="25" idx="1"/>
-          </p:cNvCxnSpPr>
-          <p:nvPr/>
-        </p:nvCxnSpPr>
-        <p:spPr>
-          <a:xfrm flipH="1" flipV="1">
-            <a:off x="5475286" y="2012791"/>
-            <a:ext cx="1351613" cy="1200183"/>
-          </a:xfrm>
-          <a:prstGeom prst="straightConnector1">
-            <a:avLst/>
-          </a:prstGeom>
-          <a:ln w="25400">
-            <a:tailEnd type="none"/>
-          </a:ln>
-        </p:spPr>
-        <p:style>
-          <a:lnRef idx="1">
-            <a:schemeClr val="accent1"/>
-          </a:lnRef>
-          <a:fillRef idx="0">
-            <a:schemeClr val="accent1"/>
-          </a:fillRef>
-          <a:effectRef idx="0">
-            <a:schemeClr val="accent1"/>
-          </a:effectRef>
-          <a:fontRef idx="minor">
-            <a:schemeClr val="tx1"/>
-          </a:fontRef>
-        </p:style>
-      </p:cxnSp>
       <p:pic>
         <p:nvPicPr>
           <p:cNvPr id="37" name="Image 36">
             <a:extLst>
               <a:ext uri="{FF2B5EF4-FFF2-40B4-BE49-F238E27FC236}">
-                <a16:creationId xmlns="" xmlns:a16="http://schemas.microsoft.com/office/drawing/2014/main" xmlns:lc="http://schemas.openxmlformats.org/drawingml/2006/lockedCanvas" id="{8A3CA8B9-B9C7-4C5E-945E-30789F67099A}"/>
+                <a16:creationId xmlns:lc="http://schemas.openxmlformats.org/drawingml/2006/lockedCanvas" xmlns:a16="http://schemas.microsoft.com/office/drawing/2014/main" xmlns="" id="{8A3CA8B9-B9C7-4C5E-945E-30789F67099A}"/>
               </a:ext>
             </a:extLst>
           </p:cNvPr>
@@ -4782,44 +5130,8 @@
         </p:blipFill>
         <p:spPr>
           <a:xfrm>
-            <a:off x="3670684" y="1605531"/>
-            <a:ext cx="724492" cy="300767"/>
-          </a:xfrm>
-          <a:prstGeom prst="rect">
-            <a:avLst/>
-          </a:prstGeom>
-        </p:spPr>
-      </p:pic>
-      <p:pic>
-        <p:nvPicPr>
-          <p:cNvPr id="38" name="Image 37">
-            <a:extLst>
-              <a:ext uri="{FF2B5EF4-FFF2-40B4-BE49-F238E27FC236}">
-                <a16:creationId xmlns="" xmlns:a16="http://schemas.microsoft.com/office/drawing/2014/main" xmlns:lc="http://schemas.openxmlformats.org/drawingml/2006/lockedCanvas" id="{8A3CA8B9-B9C7-4C5E-945E-30789F67099A}"/>
-              </a:ext>
-            </a:extLst>
-          </p:cNvPr>
-          <p:cNvPicPr>
-            <a:picLocks noChangeAspect="1"/>
-          </p:cNvPicPr>
-          <p:nvPr/>
-        </p:nvPicPr>
-        <p:blipFill>
-          <a:blip r:embed="rId2" cstate="print">
-            <a:extLst>
-              <a:ext uri="{28A0092B-C50C-407E-A947-70E740481C1C}">
-                <a14:useLocalDpi xmlns:a14="http://schemas.microsoft.com/office/drawing/2010/main" val="0"/>
-              </a:ext>
-            </a:extLst>
-          </a:blip>
-          <a:stretch>
-            <a:fillRect/>
-          </a:stretch>
-        </p:blipFill>
-        <p:spPr>
-          <a:xfrm>
-            <a:off x="5947726" y="3248213"/>
-            <a:ext cx="724492" cy="300767"/>
+            <a:off x="3662670" y="1587704"/>
+            <a:ext cx="876286" cy="363783"/>
           </a:xfrm>
           <a:prstGeom prst="rect">
             <a:avLst/>
@@ -4921,7 +5233,7 @@
           <p:cNvPr id="45" name="Groupe 44">
             <a:extLst>
               <a:ext uri="{FF2B5EF4-FFF2-40B4-BE49-F238E27FC236}">
-                <a16:creationId xmlns="" xmlns:a16="http://schemas.microsoft.com/office/drawing/2014/main" xmlns:lc="http://schemas.openxmlformats.org/drawingml/2006/lockedCanvas" id="{E0E230ED-9E76-46B5-92C4-AB7962005D3F}"/>
+                <a16:creationId xmlns:lc="http://schemas.openxmlformats.org/drawingml/2006/lockedCanvas" xmlns:a16="http://schemas.microsoft.com/office/drawing/2014/main" xmlns="" id="{E0E230ED-9E76-46B5-92C4-AB7962005D3F}"/>
               </a:ext>
             </a:extLst>
           </p:cNvPr>
@@ -4935,13 +5247,16 @@
             <a:chOff x="2155105" y="3861048"/>
             <a:chExt cx="1336774" cy="720080"/>
           </a:xfrm>
+          <a:solidFill>
+            <a:schemeClr val="bg1"/>
+          </a:solidFill>
         </p:grpSpPr>
         <p:pic>
           <p:nvPicPr>
             <p:cNvPr id="46" name="Image 45">
               <a:extLst>
                 <a:ext uri="{FF2B5EF4-FFF2-40B4-BE49-F238E27FC236}">
-                  <a16:creationId xmlns="" xmlns:a16="http://schemas.microsoft.com/office/drawing/2014/main" xmlns:lc="http://schemas.openxmlformats.org/drawingml/2006/lockedCanvas" id="{8A3CA8B9-B9C7-4C5E-945E-30789F67099A}"/>
+                  <a16:creationId xmlns:lc="http://schemas.openxmlformats.org/drawingml/2006/lockedCanvas" xmlns:a16="http://schemas.microsoft.com/office/drawing/2014/main" xmlns="" id="{8A3CA8B9-B9C7-4C5E-945E-30789F67099A}"/>
                 </a:ext>
               </a:extLst>
             </p:cNvPr>
@@ -4970,6 +5285,7 @@
             <a:prstGeom prst="rect">
               <a:avLst/>
             </a:prstGeom>
+            <a:grpFill/>
           </p:spPr>
         </p:pic>
         <p:sp>
@@ -4977,7 +5293,7 @@
             <p:cNvPr id="47" name="Rectangle à coins arrondis 46">
               <a:extLst>
                 <a:ext uri="{FF2B5EF4-FFF2-40B4-BE49-F238E27FC236}">
-                  <a16:creationId xmlns="" xmlns:a16="http://schemas.microsoft.com/office/drawing/2014/main" xmlns:lc="http://schemas.openxmlformats.org/drawingml/2006/lockedCanvas" id="{D95582EE-8B26-42D1-A65F-CB3D8ACB3AAF}"/>
+                  <a16:creationId xmlns:lc="http://schemas.openxmlformats.org/drawingml/2006/lockedCanvas" xmlns:a16="http://schemas.microsoft.com/office/drawing/2014/main" xmlns="" id="{D95582EE-8B26-42D1-A65F-CB3D8ACB3AAF}"/>
                 </a:ext>
               </a:extLst>
             </p:cNvPr>
@@ -4994,7 +5310,7 @@
                 <a:gd name="adj" fmla="val 9644"/>
               </a:avLst>
             </a:prstGeom>
-            <a:noFill/>
+            <a:grpFill/>
           </p:spPr>
           <p:style>
             <a:lnRef idx="2">
@@ -5155,7 +5471,7 @@
         <p:spPr>
           <a:xfrm>
             <a:off x="2925919" y="4926263"/>
-            <a:ext cx="1116124" cy="538609"/>
+            <a:ext cx="1116124" cy="553998"/>
           </a:xfrm>
           <a:prstGeom prst="rect">
             <a:avLst/>
@@ -5176,18 +5492,18 @@
           <a:p>
             <a:pPr algn="ctr"/>
             <a:r>
-              <a:rPr lang="fr-FR" sz="1100" i="1" dirty="0" smtClean="0"/>
+              <a:rPr lang="fr-FR" sz="1200" i="1" dirty="0" smtClean="0"/>
               <a:t>&lt;</a:t>
             </a:r>
             <a:r>
-              <a:rPr lang="fr-FR" sz="1100" i="1" dirty="0" err="1" smtClean="0"/>
+              <a:rPr lang="fr-FR" sz="1200" i="1" dirty="0" err="1" smtClean="0"/>
               <a:t>ui</a:t>
             </a:r>
             <a:r>
-              <a:rPr lang="fr-FR" sz="1100" i="1" dirty="0" smtClean="0"/>
+              <a:rPr lang="fr-FR" sz="1200" i="1" dirty="0" smtClean="0"/>
               <a:t>&gt;</a:t>
             </a:r>
-            <a:endParaRPr lang="fr-FR" sz="1100" i="1" dirty="0"/>
+            <a:endParaRPr lang="fr-FR" sz="1200" i="1" dirty="0"/>
           </a:p>
         </p:txBody>
       </p:sp>
@@ -5196,7 +5512,7 @@
           <p:cNvPr id="49" name="Groupe 48">
             <a:extLst>
               <a:ext uri="{FF2B5EF4-FFF2-40B4-BE49-F238E27FC236}">
-                <a16:creationId xmlns="" xmlns:a16="http://schemas.microsoft.com/office/drawing/2014/main" xmlns:lc="http://schemas.openxmlformats.org/drawingml/2006/lockedCanvas" id="{E0E230ED-9E76-46B5-92C4-AB7962005D3F}"/>
+                <a16:creationId xmlns:lc="http://schemas.openxmlformats.org/drawingml/2006/lockedCanvas" xmlns:a16="http://schemas.microsoft.com/office/drawing/2014/main" xmlns="" id="{E0E230ED-9E76-46B5-92C4-AB7962005D3F}"/>
               </a:ext>
             </a:extLst>
           </p:cNvPr>
@@ -5210,13 +5526,16 @@
             <a:chOff x="2155105" y="3861048"/>
             <a:chExt cx="1336774" cy="720080"/>
           </a:xfrm>
+          <a:solidFill>
+            <a:schemeClr val="bg1"/>
+          </a:solidFill>
         </p:grpSpPr>
         <p:pic>
           <p:nvPicPr>
             <p:cNvPr id="50" name="Image 49">
               <a:extLst>
                 <a:ext uri="{FF2B5EF4-FFF2-40B4-BE49-F238E27FC236}">
-                  <a16:creationId xmlns="" xmlns:a16="http://schemas.microsoft.com/office/drawing/2014/main" xmlns:lc="http://schemas.openxmlformats.org/drawingml/2006/lockedCanvas" id="{8A3CA8B9-B9C7-4C5E-945E-30789F67099A}"/>
+                  <a16:creationId xmlns:lc="http://schemas.openxmlformats.org/drawingml/2006/lockedCanvas" xmlns:a16="http://schemas.microsoft.com/office/drawing/2014/main" xmlns="" id="{8A3CA8B9-B9C7-4C5E-945E-30789F67099A}"/>
                 </a:ext>
               </a:extLst>
             </p:cNvPr>
@@ -5245,6 +5564,7 @@
             <a:prstGeom prst="rect">
               <a:avLst/>
             </a:prstGeom>
+            <a:grpFill/>
           </p:spPr>
         </p:pic>
         <p:sp>
@@ -5252,7 +5572,7 @@
             <p:cNvPr id="51" name="Rectangle à coins arrondis 50">
               <a:extLst>
                 <a:ext uri="{FF2B5EF4-FFF2-40B4-BE49-F238E27FC236}">
-                  <a16:creationId xmlns="" xmlns:a16="http://schemas.microsoft.com/office/drawing/2014/main" xmlns:lc="http://schemas.openxmlformats.org/drawingml/2006/lockedCanvas" id="{D95582EE-8B26-42D1-A65F-CB3D8ACB3AAF}"/>
+                  <a16:creationId xmlns:lc="http://schemas.openxmlformats.org/drawingml/2006/lockedCanvas" xmlns:a16="http://schemas.microsoft.com/office/drawing/2014/main" xmlns="" id="{D95582EE-8B26-42D1-A65F-CB3D8ACB3AAF}"/>
                 </a:ext>
               </a:extLst>
             </p:cNvPr>
@@ -5269,7 +5589,7 @@
                 <a:gd name="adj" fmla="val 9644"/>
               </a:avLst>
             </a:prstGeom>
-            <a:noFill/>
+            <a:grpFill/>
           </p:spPr>
           <p:style>
             <a:lnRef idx="2">
@@ -5451,141 +5771,12 @@
           </a:p>
         </p:txBody>
       </p:sp>
-      <p:cxnSp>
-        <p:nvCxnSpPr>
-          <p:cNvPr id="53" name="Connecteur droit avec flèche 52">
-            <a:extLst>
-              <a:ext uri="{FF2B5EF4-FFF2-40B4-BE49-F238E27FC236}">
-                <a16:creationId xmlns="" xmlns:a16="http://schemas.microsoft.com/office/drawing/2014/main" xmlns:lc="http://schemas.openxmlformats.org/drawingml/2006/lockedCanvas" id="{2671D7D3-4838-4656-8E59-51270B18B09E}"/>
-              </a:ext>
-            </a:extLst>
-          </p:cNvPr>
-          <p:cNvCxnSpPr>
-            <a:cxnSpLocks/>
-            <a:stCxn id="47" idx="3"/>
-            <a:endCxn id="27" idx="2"/>
-          </p:cNvCxnSpPr>
-          <p:nvPr/>
-        </p:nvCxnSpPr>
-        <p:spPr>
-          <a:xfrm flipH="1" flipV="1">
-            <a:off x="2347438" y="4185753"/>
-            <a:ext cx="200972" cy="849969"/>
-          </a:xfrm>
-          <a:prstGeom prst="straightConnector1">
-            <a:avLst/>
-          </a:prstGeom>
-          <a:ln w="25400">
-            <a:tailEnd type="none"/>
-          </a:ln>
-        </p:spPr>
-        <p:style>
-          <a:lnRef idx="1">
-            <a:schemeClr val="accent1"/>
-          </a:lnRef>
-          <a:fillRef idx="0">
-            <a:schemeClr val="accent1"/>
-          </a:fillRef>
-          <a:effectRef idx="0">
-            <a:schemeClr val="accent1"/>
-          </a:effectRef>
-          <a:fontRef idx="minor">
-            <a:schemeClr val="tx1"/>
-          </a:fontRef>
-        </p:style>
-      </p:cxnSp>
-      <p:cxnSp>
-        <p:nvCxnSpPr>
-          <p:cNvPr id="54" name="Connecteur droit avec flèche 53">
-            <a:extLst>
-              <a:ext uri="{FF2B5EF4-FFF2-40B4-BE49-F238E27FC236}">
-                <a16:creationId xmlns="" xmlns:a16="http://schemas.microsoft.com/office/drawing/2014/main" xmlns:lc="http://schemas.openxmlformats.org/drawingml/2006/lockedCanvas" id="{2671D7D3-4838-4656-8E59-51270B18B09E}"/>
-              </a:ext>
-            </a:extLst>
-          </p:cNvPr>
-          <p:cNvCxnSpPr>
-            <a:cxnSpLocks/>
-            <a:stCxn id="51" idx="1"/>
-            <a:endCxn id="23" idx="2"/>
-          </p:cNvCxnSpPr>
-          <p:nvPr/>
-        </p:nvCxnSpPr>
-        <p:spPr>
-          <a:xfrm flipV="1">
-            <a:off x="6672218" y="4185753"/>
-            <a:ext cx="154681" cy="849970"/>
-          </a:xfrm>
-          <a:prstGeom prst="straightConnector1">
-            <a:avLst/>
-          </a:prstGeom>
-          <a:ln w="25400">
-            <a:tailEnd type="none"/>
-          </a:ln>
-        </p:spPr>
-        <p:style>
-          <a:lnRef idx="1">
-            <a:schemeClr val="accent1"/>
-          </a:lnRef>
-          <a:fillRef idx="0">
-            <a:schemeClr val="accent1"/>
-          </a:fillRef>
-          <a:effectRef idx="0">
-            <a:schemeClr val="accent1"/>
-          </a:effectRef>
-          <a:fontRef idx="minor">
-            <a:schemeClr val="tx1"/>
-          </a:fontRef>
-        </p:style>
-      </p:cxnSp>
-      <p:cxnSp>
-        <p:nvCxnSpPr>
-          <p:cNvPr id="60" name="Connecteur droit avec flèche 59">
-            <a:extLst>
-              <a:ext uri="{FF2B5EF4-FFF2-40B4-BE49-F238E27FC236}">
-                <a16:creationId xmlns="" xmlns:a16="http://schemas.microsoft.com/office/drawing/2014/main" xmlns:lc="http://schemas.openxmlformats.org/drawingml/2006/lockedCanvas" id="{2671D7D3-4838-4656-8E59-51270B18B09E}"/>
-              </a:ext>
-            </a:extLst>
-          </p:cNvPr>
-          <p:cNvCxnSpPr>
-            <a:cxnSpLocks/>
-            <a:stCxn id="51" idx="3"/>
-            <a:endCxn id="47" idx="1"/>
-          </p:cNvCxnSpPr>
-          <p:nvPr/>
-        </p:nvCxnSpPr>
-        <p:spPr>
-          <a:xfrm flipH="1" flipV="1">
-            <a:off x="4419552" y="5035722"/>
-            <a:ext cx="381524" cy="1"/>
-          </a:xfrm>
-          <a:prstGeom prst="straightConnector1">
-            <a:avLst/>
-          </a:prstGeom>
-          <a:ln w="25400">
-            <a:tailEnd type="none"/>
-          </a:ln>
-        </p:spPr>
-        <p:style>
-          <a:lnRef idx="1">
-            <a:schemeClr val="accent1"/>
-          </a:lnRef>
-          <a:fillRef idx="0">
-            <a:schemeClr val="accent1"/>
-          </a:fillRef>
-          <a:effectRef idx="0">
-            <a:schemeClr val="accent1"/>
-          </a:effectRef>
-          <a:fontRef idx="minor">
-            <a:schemeClr val="tx1"/>
-          </a:fontRef>
-        </p:style>
-      </p:cxnSp>
       <p:sp>
         <p:nvSpPr>
           <p:cNvPr id="65" name="Rectangle à coins arrondis 64">
             <a:extLst>
               <a:ext uri="{FF2B5EF4-FFF2-40B4-BE49-F238E27FC236}">
-                <a16:creationId xmlns="" xmlns:a16="http://schemas.microsoft.com/office/drawing/2014/main" xmlns:lc="http://schemas.openxmlformats.org/drawingml/2006/lockedCanvas" id="{D95582EE-8B26-42D1-A65F-CB3D8ACB3AAF}"/>
+                <a16:creationId xmlns:lc="http://schemas.openxmlformats.org/drawingml/2006/lockedCanvas" xmlns:a16="http://schemas.microsoft.com/office/drawing/2014/main" xmlns="" id="{D95582EE-8B26-42D1-A65F-CB3D8ACB3AAF}"/>
               </a:ext>
             </a:extLst>
           </p:cNvPr>
@@ -5789,7 +5980,7 @@
           <p:cNvPr id="67" name="Rectangle à coins arrondis 66">
             <a:extLst>
               <a:ext uri="{FF2B5EF4-FFF2-40B4-BE49-F238E27FC236}">
-                <a16:creationId xmlns="" xmlns:a16="http://schemas.microsoft.com/office/drawing/2014/main" xmlns:lc="http://schemas.openxmlformats.org/drawingml/2006/lockedCanvas" id="{D95582EE-8B26-42D1-A65F-CB3D8ACB3AAF}"/>
+                <a16:creationId xmlns:lc="http://schemas.openxmlformats.org/drawingml/2006/lockedCanvas" xmlns:a16="http://schemas.microsoft.com/office/drawing/2014/main" xmlns="" id="{D95582EE-8B26-42D1-A65F-CB3D8ACB3AAF}"/>
               </a:ext>
             </a:extLst>
           </p:cNvPr>
@@ -5993,7 +6184,7 @@
           <p:cNvPr id="69" name="Rectangle à coins arrondis 68">
             <a:extLst>
               <a:ext uri="{FF2B5EF4-FFF2-40B4-BE49-F238E27FC236}">
-                <a16:creationId xmlns="" xmlns:a16="http://schemas.microsoft.com/office/drawing/2014/main" xmlns:lc="http://schemas.openxmlformats.org/drawingml/2006/lockedCanvas" id="{D95582EE-8B26-42D1-A65F-CB3D8ACB3AAF}"/>
+                <a16:creationId xmlns:lc="http://schemas.openxmlformats.org/drawingml/2006/lockedCanvas" xmlns:a16="http://schemas.microsoft.com/office/drawing/2014/main" xmlns="" id="{D95582EE-8B26-42D1-A65F-CB3D8ACB3AAF}"/>
               </a:ext>
             </a:extLst>
           </p:cNvPr>
@@ -6197,7 +6388,7 @@
           <p:cNvPr id="71" name="Rectangle à coins arrondis 70">
             <a:extLst>
               <a:ext uri="{FF2B5EF4-FFF2-40B4-BE49-F238E27FC236}">
-                <a16:creationId xmlns="" xmlns:a16="http://schemas.microsoft.com/office/drawing/2014/main" xmlns:lc="http://schemas.openxmlformats.org/drawingml/2006/lockedCanvas" id="{D95582EE-8B26-42D1-A65F-CB3D8ACB3AAF}"/>
+                <a16:creationId xmlns:lc="http://schemas.openxmlformats.org/drawingml/2006/lockedCanvas" xmlns:a16="http://schemas.microsoft.com/office/drawing/2014/main" xmlns="" id="{D95582EE-8B26-42D1-A65F-CB3D8ACB3AAF}"/>
               </a:ext>
             </a:extLst>
           </p:cNvPr>
@@ -6401,7 +6592,7 @@
           <p:cNvPr id="73" name="Rectangle à coins arrondis 72">
             <a:extLst>
               <a:ext uri="{FF2B5EF4-FFF2-40B4-BE49-F238E27FC236}">
-                <a16:creationId xmlns="" xmlns:a16="http://schemas.microsoft.com/office/drawing/2014/main" xmlns:lc="http://schemas.openxmlformats.org/drawingml/2006/lockedCanvas" id="{D95582EE-8B26-42D1-A65F-CB3D8ACB3AAF}"/>
+                <a16:creationId xmlns:lc="http://schemas.openxmlformats.org/drawingml/2006/lockedCanvas" xmlns:a16="http://schemas.microsoft.com/office/drawing/2014/main" xmlns="" id="{D95582EE-8B26-42D1-A65F-CB3D8ACB3AAF}"/>
               </a:ext>
             </a:extLst>
           </p:cNvPr>
@@ -6605,7 +6796,7 @@
           <p:cNvPr id="75" name="Connecteur droit avec flèche 74">
             <a:extLst>
               <a:ext uri="{FF2B5EF4-FFF2-40B4-BE49-F238E27FC236}">
-                <a16:creationId xmlns="" xmlns:a16="http://schemas.microsoft.com/office/drawing/2014/main" xmlns:lc="http://schemas.openxmlformats.org/drawingml/2006/lockedCanvas" id="{2671D7D3-4838-4656-8E59-51270B18B09E}"/>
+                <a16:creationId xmlns:lc="http://schemas.openxmlformats.org/drawingml/2006/lockedCanvas" xmlns:a16="http://schemas.microsoft.com/office/drawing/2014/main" xmlns="" id="{2671D7D3-4838-4656-8E59-51270B18B09E}"/>
               </a:ext>
             </a:extLst>
           </p:cNvPr>
@@ -6648,7 +6839,7 @@
           <p:cNvPr id="80" name="Connecteur droit avec flèche 79">
             <a:extLst>
               <a:ext uri="{FF2B5EF4-FFF2-40B4-BE49-F238E27FC236}">
-                <a16:creationId xmlns="" xmlns:a16="http://schemas.microsoft.com/office/drawing/2014/main" xmlns:lc="http://schemas.openxmlformats.org/drawingml/2006/lockedCanvas" id="{2671D7D3-4838-4656-8E59-51270B18B09E}"/>
+                <a16:creationId xmlns:lc="http://schemas.openxmlformats.org/drawingml/2006/lockedCanvas" xmlns:a16="http://schemas.microsoft.com/office/drawing/2014/main" xmlns="" id="{2671D7D3-4838-4656-8E59-51270B18B09E}"/>
               </a:ext>
             </a:extLst>
           </p:cNvPr>
@@ -6691,7 +6882,7 @@
           <p:cNvPr id="84" name="Connecteur droit avec flèche 83">
             <a:extLst>
               <a:ext uri="{FF2B5EF4-FFF2-40B4-BE49-F238E27FC236}">
-                <a16:creationId xmlns="" xmlns:a16="http://schemas.microsoft.com/office/drawing/2014/main" xmlns:lc="http://schemas.openxmlformats.org/drawingml/2006/lockedCanvas" id="{2671D7D3-4838-4656-8E59-51270B18B09E}"/>
+                <a16:creationId xmlns:lc="http://schemas.openxmlformats.org/drawingml/2006/lockedCanvas" xmlns:a16="http://schemas.microsoft.com/office/drawing/2014/main" xmlns="" id="{2671D7D3-4838-4656-8E59-51270B18B09E}"/>
               </a:ext>
             </a:extLst>
           </p:cNvPr>
@@ -6734,7 +6925,7 @@
           <p:cNvPr id="88" name="Connecteur droit avec flèche 87">
             <a:extLst>
               <a:ext uri="{FF2B5EF4-FFF2-40B4-BE49-F238E27FC236}">
-                <a16:creationId xmlns="" xmlns:a16="http://schemas.microsoft.com/office/drawing/2014/main" xmlns:lc="http://schemas.openxmlformats.org/drawingml/2006/lockedCanvas" id="{2671D7D3-4838-4656-8E59-51270B18B09E}"/>
+                <a16:creationId xmlns:lc="http://schemas.openxmlformats.org/drawingml/2006/lockedCanvas" xmlns:a16="http://schemas.microsoft.com/office/drawing/2014/main" xmlns="" id="{2671D7D3-4838-4656-8E59-51270B18B09E}"/>
               </a:ext>
             </a:extLst>
           </p:cNvPr>
@@ -6777,7 +6968,7 @@
           <p:cNvPr id="91" name="Connecteur droit avec flèche 90">
             <a:extLst>
               <a:ext uri="{FF2B5EF4-FFF2-40B4-BE49-F238E27FC236}">
-                <a16:creationId xmlns="" xmlns:a16="http://schemas.microsoft.com/office/drawing/2014/main" xmlns:lc="http://schemas.openxmlformats.org/drawingml/2006/lockedCanvas" id="{2671D7D3-4838-4656-8E59-51270B18B09E}"/>
+                <a16:creationId xmlns:lc="http://schemas.openxmlformats.org/drawingml/2006/lockedCanvas" xmlns:a16="http://schemas.microsoft.com/office/drawing/2014/main" xmlns="" id="{2671D7D3-4838-4656-8E59-51270B18B09E}"/>
               </a:ext>
             </a:extLst>
           </p:cNvPr>
@@ -6815,6 +7006,226 @@
           </a:fontRef>
         </p:style>
       </p:cxnSp>
+      <p:sp>
+        <p:nvSpPr>
+          <p:cNvPr id="3" name="ZoneTexte 2"/>
+          <p:cNvSpPr txBox="1"/>
+          <p:nvPr/>
+        </p:nvSpPr>
+        <p:spPr>
+          <a:xfrm>
+            <a:off x="1277890" y="1440236"/>
+            <a:ext cx="1697901" cy="369332"/>
+          </a:xfrm>
+          <a:prstGeom prst="rect">
+            <a:avLst/>
+          </a:prstGeom>
+          <a:noFill/>
+        </p:spPr>
+        <p:txBody>
+          <a:bodyPr wrap="none" rtlCol="0">
+            <a:spAutoFit/>
+          </a:bodyPr>
+          <a:lstStyle/>
+          <a:p>
+            <a:r>
+              <a:rPr lang="fr-FR" dirty="0" smtClean="0"/>
+              <a:t>Cluster Consul</a:t>
+            </a:r>
+            <a:endParaRPr lang="fr-FR" dirty="0"/>
+          </a:p>
+        </p:txBody>
+      </p:sp>
+      <p:pic>
+        <p:nvPicPr>
+          <p:cNvPr id="55" name="Image 54">
+            <a:extLst>
+              <a:ext uri="{FF2B5EF4-FFF2-40B4-BE49-F238E27FC236}">
+                <a16:creationId xmlns:lc="http://schemas.openxmlformats.org/drawingml/2006/lockedCanvas" xmlns:a16="http://schemas.microsoft.com/office/drawing/2014/main" xmlns="" id="{8A3CA8B9-B9C7-4C5E-945E-30789F67099A}"/>
+              </a:ext>
+            </a:extLst>
+          </p:cNvPr>
+          <p:cNvPicPr>
+            <a:picLocks noChangeAspect="1"/>
+          </p:cNvPicPr>
+          <p:nvPr/>
+        </p:nvPicPr>
+        <p:blipFill>
+          <a:blip r:embed="rId2" cstate="print">
+            <a:extLst>
+              <a:ext uri="{28A0092B-C50C-407E-A947-70E740481C1C}">
+                <a14:useLocalDpi xmlns:a14="http://schemas.microsoft.com/office/drawing/2010/main" val="0"/>
+              </a:ext>
+            </a:extLst>
+          </a:blip>
+          <a:stretch>
+            <a:fillRect/>
+          </a:stretch>
+        </p:blipFill>
+        <p:spPr>
+          <a:xfrm>
+            <a:off x="1495122" y="3251822"/>
+            <a:ext cx="876286" cy="363783"/>
+          </a:xfrm>
+          <a:prstGeom prst="rect">
+            <a:avLst/>
+          </a:prstGeom>
+        </p:spPr>
+      </p:pic>
+      <p:pic>
+        <p:nvPicPr>
+          <p:cNvPr id="56" name="Image 55">
+            <a:extLst>
+              <a:ext uri="{FF2B5EF4-FFF2-40B4-BE49-F238E27FC236}">
+                <a16:creationId xmlns:lc="http://schemas.openxmlformats.org/drawingml/2006/lockedCanvas" xmlns:a16="http://schemas.microsoft.com/office/drawing/2014/main" xmlns="" id="{8A3CA8B9-B9C7-4C5E-945E-30789F67099A}"/>
+              </a:ext>
+            </a:extLst>
+          </p:cNvPr>
+          <p:cNvPicPr>
+            <a:picLocks noChangeAspect="1"/>
+          </p:cNvPicPr>
+          <p:nvPr/>
+        </p:nvPicPr>
+        <p:blipFill>
+          <a:blip r:embed="rId2" cstate="print">
+            <a:extLst>
+              <a:ext uri="{28A0092B-C50C-407E-A947-70E740481C1C}">
+                <a14:useLocalDpi xmlns:a14="http://schemas.microsoft.com/office/drawing/2010/main" val="0"/>
+              </a:ext>
+            </a:extLst>
+          </a:blip>
+          <a:stretch>
+            <a:fillRect/>
+          </a:stretch>
+        </p:blipFill>
+        <p:spPr>
+          <a:xfrm>
+            <a:off x="2616983" y="4584994"/>
+            <a:ext cx="876286" cy="363783"/>
+          </a:xfrm>
+          <a:prstGeom prst="rect">
+            <a:avLst/>
+          </a:prstGeom>
+        </p:spPr>
+      </p:pic>
+      <p:pic>
+        <p:nvPicPr>
+          <p:cNvPr id="57" name="Image 56">
+            <a:extLst>
+              <a:ext uri="{FF2B5EF4-FFF2-40B4-BE49-F238E27FC236}">
+                <a16:creationId xmlns:lc="http://schemas.openxmlformats.org/drawingml/2006/lockedCanvas" xmlns:a16="http://schemas.microsoft.com/office/drawing/2014/main" xmlns="" id="{8A3CA8B9-B9C7-4C5E-945E-30789F67099A}"/>
+              </a:ext>
+            </a:extLst>
+          </p:cNvPr>
+          <p:cNvPicPr>
+            <a:picLocks noChangeAspect="1"/>
+          </p:cNvPicPr>
+          <p:nvPr/>
+        </p:nvPicPr>
+        <p:blipFill>
+          <a:blip r:embed="rId2" cstate="print">
+            <a:extLst>
+              <a:ext uri="{28A0092B-C50C-407E-A947-70E740481C1C}">
+                <a14:useLocalDpi xmlns:a14="http://schemas.microsoft.com/office/drawing/2010/main" val="0"/>
+              </a:ext>
+            </a:extLst>
+          </a:blip>
+          <a:stretch>
+            <a:fillRect/>
+          </a:stretch>
+        </p:blipFill>
+        <p:spPr>
+          <a:xfrm>
+            <a:off x="4857277" y="4576416"/>
+            <a:ext cx="876286" cy="363783"/>
+          </a:xfrm>
+          <a:prstGeom prst="rect">
+            <a:avLst/>
+          </a:prstGeom>
+        </p:spPr>
+      </p:pic>
+      <p:pic>
+        <p:nvPicPr>
+          <p:cNvPr id="58" name="Image 57">
+            <a:extLst>
+              <a:ext uri="{FF2B5EF4-FFF2-40B4-BE49-F238E27FC236}">
+                <a16:creationId xmlns:lc="http://schemas.openxmlformats.org/drawingml/2006/lockedCanvas" xmlns:a16="http://schemas.microsoft.com/office/drawing/2014/main" xmlns="" id="{8A3CA8B9-B9C7-4C5E-945E-30789F67099A}"/>
+              </a:ext>
+            </a:extLst>
+          </p:cNvPr>
+          <p:cNvPicPr>
+            <a:picLocks noChangeAspect="1"/>
+          </p:cNvPicPr>
+          <p:nvPr/>
+        </p:nvPicPr>
+        <p:blipFill>
+          <a:blip r:embed="rId2" cstate="print">
+            <a:extLst>
+              <a:ext uri="{28A0092B-C50C-407E-A947-70E740481C1C}">
+                <a14:useLocalDpi xmlns:a14="http://schemas.microsoft.com/office/drawing/2010/main" val="0"/>
+              </a:ext>
+            </a:extLst>
+          </a:blip>
+          <a:stretch>
+            <a:fillRect/>
+          </a:stretch>
+        </p:blipFill>
+        <p:spPr>
+          <a:xfrm>
+            <a:off x="5950613" y="3237770"/>
+            <a:ext cx="876286" cy="363783"/>
+          </a:xfrm>
+          <a:prstGeom prst="rect">
+            <a:avLst/>
+          </a:prstGeom>
+        </p:spPr>
+      </p:pic>
+      <p:sp>
+        <p:nvSpPr>
+          <p:cNvPr id="6" name="ZoneTexte 5"/>
+          <p:cNvSpPr txBox="1"/>
+          <p:nvPr/>
+        </p:nvSpPr>
+        <p:spPr>
+          <a:xfrm>
+            <a:off x="5916664" y="2173147"/>
+            <a:ext cx="1941557" cy="369332"/>
+          </a:xfrm>
+          <a:prstGeom prst="rect">
+            <a:avLst/>
+          </a:prstGeom>
+          <a:noFill/>
+        </p:spPr>
+        <p:txBody>
+          <a:bodyPr wrap="none" rtlCol="0">
+            <a:spAutoFit/>
+          </a:bodyPr>
+          <a:lstStyle/>
+          <a:p>
+            <a:r>
+              <a:rPr lang="fr-FR" dirty="0" smtClean="0">
+                <a:solidFill>
+                  <a:srgbClr val="7030A0"/>
+                </a:solidFill>
+              </a:rPr>
+              <a:t>Protocole </a:t>
+            </a:r>
+            <a:r>
+              <a:rPr lang="fr-FR" dirty="0" err="1" smtClean="0">
+                <a:solidFill>
+                  <a:srgbClr val="7030A0"/>
+                </a:solidFill>
+              </a:rPr>
+              <a:t>Gossip</a:t>
+            </a:r>
+            <a:endParaRPr lang="fr-FR" dirty="0">
+              <a:solidFill>
+                <a:srgbClr val="7030A0"/>
+              </a:solidFill>
+            </a:endParaRPr>
+          </a:p>
+        </p:txBody>
+      </p:sp>
     </p:spTree>
     <p:extLst>
       <p:ext uri="{BB962C8B-B14F-4D97-AF65-F5344CB8AC3E}">
@@ -6832,6 +7243,216 @@
       </p:par>
     </p:tnLst>
   </p:timing>
+</p:sld>
+</file>
+
+<file path=ppt/slides/slide8.xml><?xml version="1.0" encoding="utf-8"?>
+<p:sld xmlns:a="http://schemas.openxmlformats.org/drawingml/2006/main" xmlns:r="http://schemas.openxmlformats.org/officeDocument/2006/relationships" xmlns:p="http://schemas.openxmlformats.org/presentationml/2006/main">
+  <p:cSld>
+    <p:spTree>
+      <p:nvGrpSpPr>
+        <p:cNvPr id="1" name=""/>
+        <p:cNvGrpSpPr/>
+        <p:nvPr/>
+      </p:nvGrpSpPr>
+      <p:grpSpPr>
+        <a:xfrm>
+          <a:off x="0" y="0"/>
+          <a:ext cx="0" cy="0"/>
+          <a:chOff x="0" y="0"/>
+          <a:chExt cx="0" cy="0"/>
+        </a:xfrm>
+      </p:grpSpPr>
+      <p:sp>
+        <p:nvSpPr>
+          <p:cNvPr id="2" name="ZoneTexte 1"/>
+          <p:cNvSpPr txBox="1"/>
+          <p:nvPr/>
+        </p:nvSpPr>
+        <p:spPr>
+          <a:xfrm>
+            <a:off x="-1" y="0"/>
+            <a:ext cx="9140825" cy="523220"/>
+          </a:xfrm>
+          <a:prstGeom prst="rect">
+            <a:avLst/>
+          </a:prstGeom>
+          <a:noFill/>
+        </p:spPr>
+        <p:txBody>
+          <a:bodyPr wrap="square" rtlCol="0">
+            <a:spAutoFit/>
+          </a:bodyPr>
+          <a:lstStyle/>
+          <a:p>
+            <a:r>
+              <a:rPr lang="fr-FR" sz="2800" dirty="0" smtClean="0">
+                <a:solidFill>
+                  <a:schemeClr val="accent4"/>
+                </a:solidFill>
+                <a:latin typeface="+mn-lt"/>
+              </a:rPr>
+              <a:t>Mise en place – Démarrer un cluster</a:t>
+            </a:r>
+            <a:endParaRPr lang="fr-FR" sz="2800" dirty="0">
+              <a:solidFill>
+                <a:schemeClr val="accent4"/>
+              </a:solidFill>
+              <a:latin typeface="+mn-lt"/>
+            </a:endParaRPr>
+          </a:p>
+        </p:txBody>
+      </p:sp>
+      <p:sp>
+        <p:nvSpPr>
+          <p:cNvPr id="5" name="ZoneTexte 4">
+            <a:extLst>
+              <a:ext uri="{FF2B5EF4-FFF2-40B4-BE49-F238E27FC236}">
+                <a16:creationId xmlns="" xmlns:a16="http://schemas.microsoft.com/office/drawing/2014/main" id="{02012D19-F34D-4179-AA25-13C4AC886B01}"/>
+              </a:ext>
+            </a:extLst>
+          </p:cNvPr>
+          <p:cNvSpPr txBox="1"/>
+          <p:nvPr/>
+        </p:nvSpPr>
+        <p:spPr>
+          <a:xfrm>
+            <a:off x="241581" y="872716"/>
+            <a:ext cx="8821515" cy="4093428"/>
+          </a:xfrm>
+          <a:prstGeom prst="rect">
+            <a:avLst/>
+          </a:prstGeom>
+          <a:noFill/>
+        </p:spPr>
+        <p:txBody>
+          <a:bodyPr wrap="square" rtlCol="0">
+            <a:spAutoFit/>
+          </a:bodyPr>
+          <a:lstStyle/>
+          <a:p>
+            <a:r>
+              <a:rPr lang="fr-FR" sz="2000" dirty="0" smtClean="0"/>
+              <a:t>Afin de démarrer un cluster Consul il faut procéder comme suit :</a:t>
+            </a:r>
+          </a:p>
+          <a:p>
+            <a:endParaRPr lang="fr-FR" sz="2000" dirty="0"/>
+          </a:p>
+          <a:p>
+            <a:pPr marL="800100" lvl="1" indent="-342900">
+              <a:buFont typeface="Arial" panose="020B0604020202020204" pitchFamily="34" charset="0"/>
+              <a:buChar char="•"/>
+            </a:pPr>
+            <a:r>
+              <a:rPr lang="fr-FR" sz="2000" dirty="0" smtClean="0"/>
+              <a:t>Démarrer un premier serveur en </a:t>
+            </a:r>
+            <a:r>
+              <a:rPr lang="fr-FR" sz="2000" dirty="0" smtClean="0"/>
+              <a:t>t	</a:t>
+            </a:r>
+            <a:r>
+              <a:rPr lang="fr-FR" sz="2000" dirty="0" err="1" smtClean="0"/>
+              <a:t>ant</a:t>
+            </a:r>
+            <a:r>
+              <a:rPr lang="fr-FR" sz="2000" dirty="0" smtClean="0"/>
+              <a:t> que leader avec un fichier de configuration avec l’option « </a:t>
+            </a:r>
+            <a:r>
+              <a:rPr lang="fr-FR" sz="2000" b="1" dirty="0" err="1" smtClean="0"/>
+              <a:t>bootstrap</a:t>
+            </a:r>
+            <a:r>
+              <a:rPr lang="fr-FR" sz="2000" dirty="0" smtClean="0"/>
+              <a:t> » à </a:t>
+            </a:r>
+            <a:r>
+              <a:rPr lang="fr-FR" sz="2000" dirty="0" err="1" smtClean="0">
+                <a:latin typeface="Courier New" panose="02070309020205020404" pitchFamily="49" charset="0"/>
+                <a:cs typeface="Courier New" panose="02070309020205020404" pitchFamily="49" charset="0"/>
+              </a:rPr>
+              <a:t>true</a:t>
+            </a:r>
+            <a:endParaRPr lang="fr-FR" sz="2000" dirty="0" smtClean="0">
+              <a:latin typeface="Courier New" panose="02070309020205020404" pitchFamily="49" charset="0"/>
+              <a:cs typeface="Courier New" panose="02070309020205020404" pitchFamily="49" charset="0"/>
+            </a:endParaRPr>
+          </a:p>
+          <a:p>
+            <a:pPr lvl="1"/>
+            <a:endParaRPr lang="fr-FR" sz="2000" dirty="0" smtClean="0"/>
+          </a:p>
+          <a:p>
+            <a:pPr marL="800100" lvl="1" indent="-342900">
+              <a:buFont typeface="Arial" panose="020B0604020202020204" pitchFamily="34" charset="0"/>
+              <a:buChar char="•"/>
+            </a:pPr>
+            <a:r>
+              <a:rPr lang="fr-FR" sz="2000" dirty="0" smtClean="0"/>
+              <a:t>Démarrer les autres </a:t>
+            </a:r>
+            <a:r>
+              <a:rPr lang="fr-FR" sz="2000" dirty="0" smtClean="0"/>
+              <a:t>serveurs, en mode normal, </a:t>
+            </a:r>
+            <a:r>
+              <a:rPr lang="fr-FR" sz="2000" dirty="0" smtClean="0"/>
+              <a:t>une fois que le leader est initialisé</a:t>
+            </a:r>
+          </a:p>
+          <a:p>
+            <a:pPr lvl="1"/>
+            <a:endParaRPr lang="fr-FR" sz="2000" dirty="0" smtClean="0"/>
+          </a:p>
+          <a:p>
+            <a:pPr marL="800100" lvl="1" indent="-342900">
+              <a:buFont typeface="Arial" panose="020B0604020202020204" pitchFamily="34" charset="0"/>
+              <a:buChar char="•"/>
+            </a:pPr>
+            <a:r>
+              <a:rPr lang="fr-FR" sz="2000" dirty="0" smtClean="0"/>
+              <a:t>Couper le serveur lancé en « </a:t>
+            </a:r>
+            <a:r>
+              <a:rPr lang="fr-FR" sz="2000" b="1" dirty="0" err="1" smtClean="0"/>
+              <a:t>bootstrap</a:t>
+            </a:r>
+            <a:r>
+              <a:rPr lang="fr-FR" sz="2000" dirty="0" smtClean="0"/>
+              <a:t> » et le relancer de façon normale afin que tous les serveurs soient au même niveau hiérarchique et que ce dernier ne prenne pas de décisions seul.</a:t>
+            </a:r>
+          </a:p>
+          <a:p>
+            <a:pPr marL="800100" lvl="1" indent="-342900">
+              <a:buFont typeface="Arial" panose="020B0604020202020204" pitchFamily="34" charset="0"/>
+              <a:buChar char="•"/>
+            </a:pPr>
+            <a:endParaRPr lang="fr-FR" sz="2000" dirty="0"/>
+          </a:p>
+          <a:p>
+            <a:pPr marL="800100" lvl="1" indent="-342900">
+              <a:buFont typeface="Arial" panose="020B0604020202020204" pitchFamily="34" charset="0"/>
+              <a:buChar char="•"/>
+            </a:pPr>
+            <a:r>
+              <a:rPr lang="fr-FR" sz="2000" dirty="0" smtClean="0"/>
+              <a:t> Lancer les clients en leur indiquant dans leur fichier de configuration </a:t>
+            </a:r>
+          </a:p>
+        </p:txBody>
+      </p:sp>
+    </p:spTree>
+    <p:extLst>
+      <p:ext uri="{BB962C8B-B14F-4D97-AF65-F5344CB8AC3E}">
+        <p14:creationId xmlns:p14="http://schemas.microsoft.com/office/powerpoint/2010/main" val="1958763911"/>
+      </p:ext>
+    </p:extLst>
+  </p:cSld>
+  <p:clrMapOvr>
+    <a:masterClrMapping/>
+  </p:clrMapOvr>
 </p:sld>
 </file>
 
@@ -7685,6 +8306,21 @@
 </file>
 
 <file path=customXml/item1.xml><?xml version="1.0" encoding="utf-8"?>
+<?mso-contentType ?>
+<FormTemplates xmlns="http://schemas.microsoft.com/sharepoint/v3/contenttype/forms">
+  <Display>DocumentLibraryForm</Display>
+  <Edit>DocumentLibraryForm</Edit>
+  <New>DocumentLibraryForm</New>
+</FormTemplates>
+</file>
+
+<file path=customXml/item2.xml><?xml version="1.0" encoding="utf-8"?>
+<p:properties xmlns:p="http://schemas.microsoft.com/office/2006/metadata/properties" xmlns:xsi="http://www.w3.org/2001/XMLSchema-instance">
+  <documentManagement/>
+</p:properties>
+</file>
+
+<file path=customXml/item3.xml><?xml version="1.0" encoding="utf-8"?>
 <ct:contentTypeSchema xmlns:ct="http://schemas.microsoft.com/office/2006/metadata/contentType" xmlns:ma="http://schemas.microsoft.com/office/2006/metadata/properties/metaAttributes" ct:_="" ma:_="" ma:contentTypeName="Document" ma:contentTypeID="0x010100F49F5C96A9C233488EAEF86BAE9BB0DC" ma:contentTypeVersion="0" ma:contentTypeDescription="Crée un document." ma:contentTypeScope="" ma:versionID="c8256f7601edc3bbc79255dd618ac8b0">
   <xsd:schema xmlns:xsd="http://www.w3.org/2001/XMLSchema" xmlns:p="http://schemas.microsoft.com/office/2006/metadata/properties" targetNamespace="http://schemas.microsoft.com/office/2006/metadata/properties" ma:root="true" ma:fieldsID="75019ab185b48580fc336df4da24a70b">
     <xsd:element name="properties">
@@ -7733,32 +8369,10 @@
 </ct:contentTypeSchema>
 </file>
 
-<file path=customXml/item2.xml><?xml version="1.0" encoding="utf-8"?>
-<p:properties xmlns:p="http://schemas.microsoft.com/office/2006/metadata/properties" xmlns:xsi="http://www.w3.org/2001/XMLSchema-instance">
-  <documentManagement/>
-</p:properties>
-</file>
-
-<file path=customXml/item3.xml><?xml version="1.0" encoding="utf-8"?>
-<?mso-contentType ?>
-<FormTemplates xmlns="http://schemas.microsoft.com/sharepoint/v3/contenttype/forms">
-  <Display>DocumentLibraryForm</Display>
-  <Edit>DocumentLibraryForm</Edit>
-  <New>DocumentLibraryForm</New>
-</FormTemplates>
-</file>
-
 <file path=customXml/itemProps1.xml><?xml version="1.0" encoding="utf-8"?>
-<ds:datastoreItem xmlns:ds="http://schemas.openxmlformats.org/officeDocument/2006/customXml" ds:itemID="{2EC21DD8-FAB6-4DD4-BCDC-FCBD54F1B193}">
+<ds:datastoreItem xmlns:ds="http://schemas.openxmlformats.org/officeDocument/2006/customXml" ds:itemID="{3B12FB4F-A943-493B-B875-6D5D04C611C6}">
   <ds:schemaRefs>
-    <ds:schemaRef ds:uri="http://schemas.microsoft.com/office/2006/metadata/contentType"/>
-    <ds:schemaRef ds:uri="http://schemas.microsoft.com/office/2006/metadata/properties/metaAttributes"/>
-    <ds:schemaRef ds:uri="http://www.w3.org/2001/XMLSchema"/>
-    <ds:schemaRef ds:uri="http://schemas.microsoft.com/office/2006/metadata/properties"/>
-    <ds:schemaRef ds:uri="http://schemas.openxmlformats.org/package/2006/metadata/core-properties"/>
-    <ds:schemaRef ds:uri="http://purl.org/dc/elements/1.1/"/>
-    <ds:schemaRef ds:uri="http://purl.org/dc/terms/"/>
-    <ds:schemaRef ds:uri="http://schemas.microsoft.com/office/internal/2005/internalDocumentation"/>
+    <ds:schemaRef ds:uri="http://schemas.microsoft.com/sharepoint/v3/contenttype/forms"/>
   </ds:schemaRefs>
 </ds:datastoreItem>
 </file>
@@ -7772,9 +8386,16 @@
 </file>
 
 <file path=customXml/itemProps3.xml><?xml version="1.0" encoding="utf-8"?>
-<ds:datastoreItem xmlns:ds="http://schemas.openxmlformats.org/officeDocument/2006/customXml" ds:itemID="{3B12FB4F-A943-493B-B875-6D5D04C611C6}">
+<ds:datastoreItem xmlns:ds="http://schemas.openxmlformats.org/officeDocument/2006/customXml" ds:itemID="{2EC21DD8-FAB6-4DD4-BCDC-FCBD54F1B193}">
   <ds:schemaRefs>
-    <ds:schemaRef ds:uri="http://schemas.microsoft.com/sharepoint/v3/contenttype/forms"/>
+    <ds:schemaRef ds:uri="http://schemas.microsoft.com/office/2006/metadata/contentType"/>
+    <ds:schemaRef ds:uri="http://schemas.microsoft.com/office/2006/metadata/properties/metaAttributes"/>
+    <ds:schemaRef ds:uri="http://www.w3.org/2001/XMLSchema"/>
+    <ds:schemaRef ds:uri="http://schemas.microsoft.com/office/2006/metadata/properties"/>
+    <ds:schemaRef ds:uri="http://schemas.openxmlformats.org/package/2006/metadata/core-properties"/>
+    <ds:schemaRef ds:uri="http://purl.org/dc/elements/1.1/"/>
+    <ds:schemaRef ds:uri="http://purl.org/dc/terms/"/>
+    <ds:schemaRef ds:uri="http://schemas.microsoft.com/office/internal/2005/internalDocumentation"/>
   </ds:schemaRefs>
 </ds:datastoreItem>
 </file>
--- a/doc/setup/Cluster-Consul-v1.0.pptx
+++ b/doc/setup/Cluster-Consul-v1.0.pptx
@@ -296,7 +296,7 @@
               <a:pPr>
                 <a:defRPr/>
               </a:pPr>
-              <a:t>22/01/2018</a:t>
+              <a:t>27/03/2018</a:t>
             </a:fld>
             <a:endParaRPr lang="fr-FR"/>
           </a:p>
@@ -511,7 +511,7 @@
               <a:pPr>
                 <a:defRPr/>
               </a:pPr>
-              <a:t>22/01/2018</a:t>
+              <a:t>27/03/2018</a:t>
             </a:fld>
             <a:endParaRPr lang="fr-FR"/>
           </a:p>
@@ -3191,16 +3191,7 @@
                 </a:solidFill>
                 <a:latin typeface="+mn-lt"/>
               </a:rPr>
-              <a:t>Agent </a:t>
-            </a:r>
-            <a:r>
-              <a:rPr lang="fr-FR" sz="2800" dirty="0" smtClean="0">
-                <a:solidFill>
-                  <a:schemeClr val="accent4"/>
-                </a:solidFill>
-                <a:latin typeface="+mn-lt"/>
-              </a:rPr>
-              <a:t>Consul</a:t>
+              <a:t>Agent Consul</a:t>
             </a:r>
             <a:endParaRPr lang="fr-FR" sz="2800" dirty="0">
               <a:solidFill>
@@ -3216,7 +3207,7 @@
           <p:cNvPr id="20" name="ZoneTexte 19">
             <a:extLst>
               <a:ext uri="{FF2B5EF4-FFF2-40B4-BE49-F238E27FC236}">
-                <a16:creationId xmlns="" xmlns:a16="http://schemas.microsoft.com/office/drawing/2014/main" id="{02012D19-F34D-4179-AA25-13C4AC886B01}"/>
+                <a16:creationId xmlns:a16="http://schemas.microsoft.com/office/drawing/2014/main" xmlns="" id="{02012D19-F34D-4179-AA25-13C4AC886B01}"/>
               </a:ext>
             </a:extLst>
           </p:cNvPr>
@@ -3250,41 +3241,8 @@
           <a:p>
             <a:r>
               <a:rPr lang="fr-FR" sz="2000" dirty="0" smtClean="0"/>
-              <a:t>Pour </a:t>
-            </a:r>
-            <a:r>
-              <a:rPr lang="fr-FR" sz="2000" dirty="0" smtClean="0"/>
-              <a:t>mettre en place un </a:t>
-            </a:r>
-            <a:r>
-              <a:rPr lang="fr-FR" sz="2000" dirty="0" smtClean="0"/>
-              <a:t>agent, </a:t>
-            </a:r>
-            <a:r>
-              <a:rPr lang="fr-FR" sz="2000" dirty="0" smtClean="0"/>
-              <a:t>il </a:t>
-            </a:r>
-            <a:r>
-              <a:rPr lang="fr-FR" sz="2000" dirty="0" smtClean="0"/>
-              <a:t>faut </a:t>
-            </a:r>
-            <a:r>
-              <a:rPr lang="fr-FR" sz="2000" dirty="0" smtClean="0"/>
-              <a:t>au </a:t>
-            </a:r>
-            <a:r>
-              <a:rPr lang="fr-FR" sz="2000" dirty="0" smtClean="0"/>
-              <a:t>minimum </a:t>
-            </a:r>
-            <a:r>
-              <a:rPr lang="fr-FR" sz="2000" dirty="0" smtClean="0"/>
-              <a:t>les 5 options suivantes </a:t>
-            </a:r>
-            <a:r>
-              <a:rPr lang="fr-FR" sz="2000" dirty="0" smtClean="0"/>
-              <a:t>dans le fichier de configuration :</a:t>
-            </a:r>
-            <a:endParaRPr lang="fr-FR" sz="2000" dirty="0" smtClean="0"/>
+              <a:t>Pour mettre en place un agent, il faut au minimum les 5 options suivantes dans le fichier de configuration :</a:t>
+            </a:r>
           </a:p>
           <a:p>
             <a:endParaRPr lang="fr-FR" sz="2000" dirty="0"/>
@@ -3334,15 +3292,7 @@
             </a:r>
             <a:r>
               <a:rPr lang="fr-FR" sz="2000" dirty="0" smtClean="0"/>
-              <a:t> » : Liste des adresses </a:t>
-            </a:r>
-            <a:r>
-              <a:rPr lang="fr-FR" sz="2000" dirty="0" smtClean="0"/>
-              <a:t>IP des </a:t>
-            </a:r>
-            <a:r>
-              <a:rPr lang="fr-FR" sz="2000" dirty="0" smtClean="0"/>
-              <a:t>autres serveurs du cluster.</a:t>
+              <a:t> » : Liste des adresses IP des autres serveurs du cluster.</a:t>
             </a:r>
           </a:p>
           <a:p>
@@ -3359,15 +3309,7 @@
             </a:r>
             <a:r>
               <a:rPr lang="fr-FR" sz="2000" dirty="0" smtClean="0"/>
-              <a:t> » : </a:t>
-            </a:r>
-            <a:r>
-              <a:rPr lang="fr-FR" sz="2000" dirty="0" smtClean="0"/>
-              <a:t>Adresse IP </a:t>
-            </a:r>
-            <a:r>
-              <a:rPr lang="fr-FR" sz="2000" dirty="0" smtClean="0"/>
-              <a:t>de la machine sur le réseau</a:t>
+              <a:t> » : Adresse IP de la machine sur le réseau</a:t>
             </a:r>
           </a:p>
           <a:p>
@@ -3384,11 +3326,7 @@
             </a:r>
             <a:r>
               <a:rPr lang="fr-FR" sz="2000" dirty="0" smtClean="0"/>
-              <a:t> » : La clé secrète de chiffrement pour le trafic réseau de </a:t>
-            </a:r>
-            <a:r>
-              <a:rPr lang="fr-FR" sz="2000" dirty="0" smtClean="0"/>
-              <a:t>Consul</a:t>
+              <a:t> » : La clé secrète de chiffrement pour le trafic réseau de Consul</a:t>
             </a:r>
           </a:p>
           <a:p>
@@ -3505,7 +3443,7 @@
           <p:cNvPr id="20" name="ZoneTexte 19">
             <a:extLst>
               <a:ext uri="{FF2B5EF4-FFF2-40B4-BE49-F238E27FC236}">
-                <a16:creationId xmlns="" xmlns:a16="http://schemas.microsoft.com/office/drawing/2014/main" id="{02012D19-F34D-4179-AA25-13C4AC886B01}"/>
+                <a16:creationId xmlns:a16="http://schemas.microsoft.com/office/drawing/2014/main" xmlns="" id="{02012D19-F34D-4179-AA25-13C4AC886B01}"/>
               </a:ext>
             </a:extLst>
           </p:cNvPr>
@@ -3556,11 +3494,7 @@
             </a:r>
             <a:r>
               <a:rPr lang="fr-FR" sz="2000" dirty="0" smtClean="0"/>
-              <a:t> » </a:t>
-            </a:r>
-            <a:r>
-              <a:rPr lang="fr-FR" sz="2000" dirty="0" smtClean="0"/>
-              <a:t>Lance un serveur avec le droit de prendre des décisions sans se concerter avec les autres serveurs du cluster. Cela lui permet entre autre de se lancer en leader.</a:t>
+              <a:t> » Lance un serveur avec le droit de prendre des décisions sans se concerter avec les autres serveurs du cluster. Cela lui permet entre autre de se lancer en leader.</a:t>
             </a:r>
           </a:p>
           <a:p>
@@ -3582,11 +3516,7 @@
             </a:r>
             <a:r>
               <a:rPr lang="fr-FR" sz="2000" dirty="0" smtClean="0"/>
-              <a:t> » ne sont pa</a:t>
-            </a:r>
-            <a:r>
-              <a:rPr lang="fr-FR" sz="2000" dirty="0" smtClean="0"/>
-              <a:t>s à mettre dans le fichier de configuration dans le cas du serveur </a:t>
+              <a:t> » ne sont pas à mettre dans le fichier de configuration dans le cas du serveur </a:t>
             </a:r>
             <a:r>
               <a:rPr lang="fr-FR" sz="2000" dirty="0" err="1" smtClean="0"/>
@@ -3603,11 +3533,7 @@
           <a:p>
             <a:r>
               <a:rPr lang="fr-FR" sz="2000" dirty="0" smtClean="0"/>
-              <a:t>Laisser </a:t>
-            </a:r>
-            <a:r>
-              <a:rPr lang="fr-FR" sz="2000" dirty="0" smtClean="0"/>
-              <a:t>à </a:t>
+              <a:t>Laisser à </a:t>
             </a:r>
             <a:r>
               <a:rPr lang="fr-FR" sz="2000" dirty="0" smtClean="0">
@@ -3628,7 +3554,7 @@
           <p:cNvPr id="6" name="ZoneTexte 5">
             <a:extLst>
               <a:ext uri="{FF2B5EF4-FFF2-40B4-BE49-F238E27FC236}">
-                <a16:creationId xmlns="" xmlns:a16="http://schemas.microsoft.com/office/drawing/2014/main" id="{02012D19-F34D-4179-AA25-13C4AC886B01}"/>
+                <a16:creationId xmlns:a16="http://schemas.microsoft.com/office/drawing/2014/main" xmlns="" id="{02012D19-F34D-4179-AA25-13C4AC886B01}"/>
               </a:ext>
             </a:extLst>
           </p:cNvPr>
@@ -3812,7 +3738,7 @@
           <p:cNvPr id="3" name="ZoneTexte 2">
             <a:extLst>
               <a:ext uri="{FF2B5EF4-FFF2-40B4-BE49-F238E27FC236}">
-                <a16:creationId xmlns="" xmlns:a16="http://schemas.microsoft.com/office/drawing/2014/main" id="{02012D19-F34D-4179-AA25-13C4AC886B01}"/>
+                <a16:creationId xmlns:a16="http://schemas.microsoft.com/office/drawing/2014/main" xmlns="" id="{02012D19-F34D-4179-AA25-13C4AC886B01}"/>
               </a:ext>
             </a:extLst>
           </p:cNvPr>
@@ -4085,10 +4011,6 @@
               </a:rPr>
               <a:t>}</a:t>
             </a:r>
-            <a:endParaRPr lang="fr-FR" dirty="0">
-              <a:latin typeface="Courier New" panose="02070309020205020404" pitchFamily="49" charset="0"/>
-              <a:cs typeface="Courier New" panose="02070309020205020404" pitchFamily="49" charset="0"/>
-            </a:endParaRPr>
           </a:p>
         </p:txBody>
       </p:sp>
@@ -4263,7 +4185,7 @@
         </p:nvSpPr>
         <p:spPr>
           <a:xfrm>
-            <a:off x="2405694" y="2173147"/>
+            <a:off x="2405694" y="2310041"/>
             <a:ext cx="4266524" cy="2711266"/>
           </a:xfrm>
           <a:prstGeom prst="ellipse">
@@ -4301,240 +4223,6 @@
           </a:p>
         </p:txBody>
       </p:sp>
-      <p:grpSp>
-        <p:nvGrpSpPr>
-          <p:cNvPr id="15" name="Groupe 14">
-            <a:extLst>
-              <a:ext uri="{FF2B5EF4-FFF2-40B4-BE49-F238E27FC236}">
-                <a16:creationId xmlns:lc="http://schemas.openxmlformats.org/drawingml/2006/lockedCanvas" xmlns:a16="http://schemas.microsoft.com/office/drawing/2014/main" xmlns="" id="{E0E230ED-9E76-46B5-92C4-AB7962005D3F}"/>
-              </a:ext>
-            </a:extLst>
-          </p:cNvPr>
-          <p:cNvGrpSpPr/>
-          <p:nvPr/>
-        </p:nvGrpSpPr>
-        <p:grpSpPr>
-          <a:xfrm>
-            <a:off x="1411867" y="3212974"/>
-            <a:ext cx="1871142" cy="972779"/>
-            <a:chOff x="2155105" y="3861048"/>
-            <a:chExt cx="1336774" cy="720080"/>
-          </a:xfrm>
-          <a:solidFill>
-            <a:schemeClr val="bg1"/>
-          </a:solidFill>
-        </p:grpSpPr>
-        <p:pic>
-          <p:nvPicPr>
-            <p:cNvPr id="26" name="Image 25">
-              <a:extLst>
-                <a:ext uri="{FF2B5EF4-FFF2-40B4-BE49-F238E27FC236}">
-                  <a16:creationId xmlns:lc="http://schemas.openxmlformats.org/drawingml/2006/lockedCanvas" xmlns:a16="http://schemas.microsoft.com/office/drawing/2014/main" xmlns="" id="{8A3CA8B9-B9C7-4C5E-945E-30789F67099A}"/>
-                </a:ext>
-              </a:extLst>
-            </p:cNvPr>
-            <p:cNvPicPr>
-              <a:picLocks noChangeAspect="1"/>
-            </p:cNvPicPr>
-            <p:nvPr/>
-          </p:nvPicPr>
-          <p:blipFill>
-            <a:blip r:embed="rId2" cstate="print">
-              <a:extLst>
-                <a:ext uri="{28A0092B-C50C-407E-A947-70E740481C1C}">
-                  <a14:useLocalDpi xmlns:a14="http://schemas.microsoft.com/office/drawing/2010/main" val="0"/>
-                </a:ext>
-              </a:extLst>
-            </a:blip>
-            <a:stretch>
-              <a:fillRect/>
-            </a:stretch>
-          </p:blipFill>
-          <p:spPr>
-            <a:xfrm>
-              <a:off x="2204094" y="3905903"/>
-              <a:ext cx="612028" cy="263259"/>
-            </a:xfrm>
-            <a:prstGeom prst="rect">
-              <a:avLst/>
-            </a:prstGeom>
-            <a:grpFill/>
-          </p:spPr>
-        </p:pic>
-        <p:sp>
-          <p:nvSpPr>
-            <p:cNvPr id="27" name="Rectangle à coins arrondis 26">
-              <a:extLst>
-                <a:ext uri="{FF2B5EF4-FFF2-40B4-BE49-F238E27FC236}">
-                  <a16:creationId xmlns:lc="http://schemas.openxmlformats.org/drawingml/2006/lockedCanvas" xmlns:a16="http://schemas.microsoft.com/office/drawing/2014/main" xmlns="" id="{D95582EE-8B26-42D1-A65F-CB3D8ACB3AAF}"/>
-                </a:ext>
-              </a:extLst>
-            </p:cNvPr>
-            <p:cNvSpPr/>
-            <p:nvPr/>
-          </p:nvSpPr>
-          <p:spPr>
-            <a:xfrm flipH="1">
-              <a:off x="2155105" y="3861048"/>
-              <a:ext cx="1336774" cy="720080"/>
-            </a:xfrm>
-            <a:prstGeom prst="roundRect">
-              <a:avLst>
-                <a:gd name="adj" fmla="val 9644"/>
-              </a:avLst>
-            </a:prstGeom>
-            <a:grpFill/>
-          </p:spPr>
-          <p:style>
-            <a:lnRef idx="2">
-              <a:schemeClr val="accent1">
-                <a:shade val="50000"/>
-              </a:schemeClr>
-            </a:lnRef>
-            <a:fillRef idx="1">
-              <a:schemeClr val="accent1"/>
-            </a:fillRef>
-            <a:effectRef idx="0">
-              <a:schemeClr val="accent1"/>
-            </a:effectRef>
-            <a:fontRef idx="minor">
-              <a:schemeClr val="lt1"/>
-            </a:fontRef>
-          </p:style>
-          <p:txBody>
-            <a:bodyPr rtlCol="0" anchor="ctr"/>
-            <a:lstStyle>
-              <a:defPPr>
-                <a:defRPr lang="fr-FR"/>
-              </a:defPPr>
-              <a:lvl1pPr algn="l" rtl="0" fontAlgn="base">
-                <a:spcBef>
-                  <a:spcPct val="0"/>
-                </a:spcBef>
-                <a:spcAft>
-                  <a:spcPct val="0"/>
-                </a:spcAft>
-                <a:defRPr kern="1200">
-                  <a:solidFill>
-                    <a:schemeClr val="lt1"/>
-                  </a:solidFill>
-                  <a:latin typeface="+mn-lt"/>
-                  <a:ea typeface="+mn-ea"/>
-                  <a:cs typeface="+mn-cs"/>
-                </a:defRPr>
-              </a:lvl1pPr>
-              <a:lvl2pPr marL="457200" algn="l" rtl="0" fontAlgn="base">
-                <a:spcBef>
-                  <a:spcPct val="0"/>
-                </a:spcBef>
-                <a:spcAft>
-                  <a:spcPct val="0"/>
-                </a:spcAft>
-                <a:defRPr kern="1200">
-                  <a:solidFill>
-                    <a:schemeClr val="lt1"/>
-                  </a:solidFill>
-                  <a:latin typeface="+mn-lt"/>
-                  <a:ea typeface="+mn-ea"/>
-                  <a:cs typeface="+mn-cs"/>
-                </a:defRPr>
-              </a:lvl2pPr>
-              <a:lvl3pPr marL="914400" algn="l" rtl="0" fontAlgn="base">
-                <a:spcBef>
-                  <a:spcPct val="0"/>
-                </a:spcBef>
-                <a:spcAft>
-                  <a:spcPct val="0"/>
-                </a:spcAft>
-                <a:defRPr kern="1200">
-                  <a:solidFill>
-                    <a:schemeClr val="lt1"/>
-                  </a:solidFill>
-                  <a:latin typeface="+mn-lt"/>
-                  <a:ea typeface="+mn-ea"/>
-                  <a:cs typeface="+mn-cs"/>
-                </a:defRPr>
-              </a:lvl3pPr>
-              <a:lvl4pPr marL="1371600" algn="l" rtl="0" fontAlgn="base">
-                <a:spcBef>
-                  <a:spcPct val="0"/>
-                </a:spcBef>
-                <a:spcAft>
-                  <a:spcPct val="0"/>
-                </a:spcAft>
-                <a:defRPr kern="1200">
-                  <a:solidFill>
-                    <a:schemeClr val="lt1"/>
-                  </a:solidFill>
-                  <a:latin typeface="+mn-lt"/>
-                  <a:ea typeface="+mn-ea"/>
-                  <a:cs typeface="+mn-cs"/>
-                </a:defRPr>
-              </a:lvl4pPr>
-              <a:lvl5pPr marL="1828800" algn="l" rtl="0" fontAlgn="base">
-                <a:spcBef>
-                  <a:spcPct val="0"/>
-                </a:spcBef>
-                <a:spcAft>
-                  <a:spcPct val="0"/>
-                </a:spcAft>
-                <a:defRPr kern="1200">
-                  <a:solidFill>
-                    <a:schemeClr val="lt1"/>
-                  </a:solidFill>
-                  <a:latin typeface="+mn-lt"/>
-                  <a:ea typeface="+mn-ea"/>
-                  <a:cs typeface="+mn-cs"/>
-                </a:defRPr>
-              </a:lvl5pPr>
-              <a:lvl6pPr marL="2286000" algn="l" defTabSz="914400" rtl="0" eaLnBrk="1" latinLnBrk="0" hangingPunct="1">
-                <a:defRPr kern="1200">
-                  <a:solidFill>
-                    <a:schemeClr val="lt1"/>
-                  </a:solidFill>
-                  <a:latin typeface="+mn-lt"/>
-                  <a:ea typeface="+mn-ea"/>
-                  <a:cs typeface="+mn-cs"/>
-                </a:defRPr>
-              </a:lvl6pPr>
-              <a:lvl7pPr marL="2743200" algn="l" defTabSz="914400" rtl="0" eaLnBrk="1" latinLnBrk="0" hangingPunct="1">
-                <a:defRPr kern="1200">
-                  <a:solidFill>
-                    <a:schemeClr val="lt1"/>
-                  </a:solidFill>
-                  <a:latin typeface="+mn-lt"/>
-                  <a:ea typeface="+mn-ea"/>
-                  <a:cs typeface="+mn-cs"/>
-                </a:defRPr>
-              </a:lvl7pPr>
-              <a:lvl8pPr marL="3200400" algn="l" defTabSz="914400" rtl="0" eaLnBrk="1" latinLnBrk="0" hangingPunct="1">
-                <a:defRPr kern="1200">
-                  <a:solidFill>
-                    <a:schemeClr val="lt1"/>
-                  </a:solidFill>
-                  <a:latin typeface="+mn-lt"/>
-                  <a:ea typeface="+mn-ea"/>
-                  <a:cs typeface="+mn-cs"/>
-                </a:defRPr>
-              </a:lvl8pPr>
-              <a:lvl9pPr marL="3657600" algn="l" defTabSz="914400" rtl="0" eaLnBrk="1" latinLnBrk="0" hangingPunct="1">
-                <a:defRPr kern="1200">
-                  <a:solidFill>
-                    <a:schemeClr val="lt1"/>
-                  </a:solidFill>
-                  <a:latin typeface="+mn-lt"/>
-                  <a:ea typeface="+mn-ea"/>
-                  <a:cs typeface="+mn-cs"/>
-                </a:defRPr>
-              </a:lvl9pPr>
-            </a:lstStyle>
-            <a:p>
-              <a:pPr algn="ctr"/>
-              <a:endParaRPr lang="fr-FR"/>
-            </a:p>
-          </p:txBody>
-        </p:sp>
-      </p:grpSp>
       <p:sp>
         <p:nvSpPr>
           <p:cNvPr id="2" name="ZoneTexte 1"/>
@@ -4580,7 +4268,7 @@
           <p:cNvPr id="25" name="Rectangle à coins arrondis 24">
             <a:extLst>
               <a:ext uri="{FF2B5EF4-FFF2-40B4-BE49-F238E27FC236}">
-                <a16:creationId xmlns:lc="http://schemas.openxmlformats.org/drawingml/2006/lockedCanvas" xmlns:a16="http://schemas.microsoft.com/office/drawing/2014/main" xmlns="" id="{8A4861F3-3648-4041-BBFF-4AAA68264099}"/>
+                <a16:creationId xmlns="" xmlns:a16="http://schemas.microsoft.com/office/drawing/2014/main" xmlns:lc="http://schemas.openxmlformats.org/drawingml/2006/lockedCanvas" id="{8A4861F3-3648-4041-BBFF-4AAA68264099}"/>
               </a:ext>
             </a:extLst>
           </p:cNvPr>
@@ -4589,7 +4277,7 @@
         </p:nvSpPr>
         <p:spPr>
           <a:xfrm flipH="1">
-            <a:off x="3604144" y="1526401"/>
+            <a:off x="3604144" y="1663295"/>
             <a:ext cx="1871142" cy="972779"/>
           </a:xfrm>
           <a:prstGeom prst="roundRect">
@@ -4752,185 +4440,10 @@
       </p:sp>
       <p:sp>
         <p:nvSpPr>
-          <p:cNvPr id="23" name="Rectangle à coins arrondis 22">
-            <a:extLst>
-              <a:ext uri="{FF2B5EF4-FFF2-40B4-BE49-F238E27FC236}">
-                <a16:creationId xmlns:lc="http://schemas.openxmlformats.org/drawingml/2006/lockedCanvas" xmlns:a16="http://schemas.microsoft.com/office/drawing/2014/main" xmlns="" id="{39EF6DF5-5B2C-46F6-9EF9-79BC9ADA4131}"/>
-              </a:ext>
-            </a:extLst>
-          </p:cNvPr>
-          <p:cNvSpPr/>
-          <p:nvPr/>
-        </p:nvSpPr>
-        <p:spPr>
-          <a:xfrm flipH="1">
-            <a:off x="5891328" y="3212974"/>
-            <a:ext cx="1871142" cy="972779"/>
-          </a:xfrm>
-          <a:prstGeom prst="roundRect">
-            <a:avLst>
-              <a:gd name="adj" fmla="val 9644"/>
-            </a:avLst>
-          </a:prstGeom>
-          <a:solidFill>
-            <a:schemeClr val="bg1"/>
-          </a:solidFill>
-        </p:spPr>
-        <p:style>
-          <a:lnRef idx="2">
-            <a:schemeClr val="accent1">
-              <a:shade val="50000"/>
-            </a:schemeClr>
-          </a:lnRef>
-          <a:fillRef idx="1">
-            <a:schemeClr val="accent1"/>
-          </a:fillRef>
-          <a:effectRef idx="0">
-            <a:schemeClr val="accent1"/>
-          </a:effectRef>
-          <a:fontRef idx="minor">
-            <a:schemeClr val="lt1"/>
-          </a:fontRef>
-        </p:style>
-        <p:txBody>
-          <a:bodyPr rtlCol="0" anchor="ctr"/>
-          <a:lstStyle>
-            <a:defPPr>
-              <a:defRPr lang="fr-FR"/>
-            </a:defPPr>
-            <a:lvl1pPr algn="l" rtl="0" fontAlgn="base">
-              <a:spcBef>
-                <a:spcPct val="0"/>
-              </a:spcBef>
-              <a:spcAft>
-                <a:spcPct val="0"/>
-              </a:spcAft>
-              <a:defRPr kern="1200">
-                <a:solidFill>
-                  <a:schemeClr val="lt1"/>
-                </a:solidFill>
-                <a:latin typeface="+mn-lt"/>
-                <a:ea typeface="+mn-ea"/>
-                <a:cs typeface="+mn-cs"/>
-              </a:defRPr>
-            </a:lvl1pPr>
-            <a:lvl2pPr marL="457200" algn="l" rtl="0" fontAlgn="base">
-              <a:spcBef>
-                <a:spcPct val="0"/>
-              </a:spcBef>
-              <a:spcAft>
-                <a:spcPct val="0"/>
-              </a:spcAft>
-              <a:defRPr kern="1200">
-                <a:solidFill>
-                  <a:schemeClr val="lt1"/>
-                </a:solidFill>
-                <a:latin typeface="+mn-lt"/>
-                <a:ea typeface="+mn-ea"/>
-                <a:cs typeface="+mn-cs"/>
-              </a:defRPr>
-            </a:lvl2pPr>
-            <a:lvl3pPr marL="914400" algn="l" rtl="0" fontAlgn="base">
-              <a:spcBef>
-                <a:spcPct val="0"/>
-              </a:spcBef>
-              <a:spcAft>
-                <a:spcPct val="0"/>
-              </a:spcAft>
-              <a:defRPr kern="1200">
-                <a:solidFill>
-                  <a:schemeClr val="lt1"/>
-                </a:solidFill>
-                <a:latin typeface="+mn-lt"/>
-                <a:ea typeface="+mn-ea"/>
-                <a:cs typeface="+mn-cs"/>
-              </a:defRPr>
-            </a:lvl3pPr>
-            <a:lvl4pPr marL="1371600" algn="l" rtl="0" fontAlgn="base">
-              <a:spcBef>
-                <a:spcPct val="0"/>
-              </a:spcBef>
-              <a:spcAft>
-                <a:spcPct val="0"/>
-              </a:spcAft>
-              <a:defRPr kern="1200">
-                <a:solidFill>
-                  <a:schemeClr val="lt1"/>
-                </a:solidFill>
-                <a:latin typeface="+mn-lt"/>
-                <a:ea typeface="+mn-ea"/>
-                <a:cs typeface="+mn-cs"/>
-              </a:defRPr>
-            </a:lvl4pPr>
-            <a:lvl5pPr marL="1828800" algn="l" rtl="0" fontAlgn="base">
-              <a:spcBef>
-                <a:spcPct val="0"/>
-              </a:spcBef>
-              <a:spcAft>
-                <a:spcPct val="0"/>
-              </a:spcAft>
-              <a:defRPr kern="1200">
-                <a:solidFill>
-                  <a:schemeClr val="lt1"/>
-                </a:solidFill>
-                <a:latin typeface="+mn-lt"/>
-                <a:ea typeface="+mn-ea"/>
-                <a:cs typeface="+mn-cs"/>
-              </a:defRPr>
-            </a:lvl5pPr>
-            <a:lvl6pPr marL="2286000" algn="l" defTabSz="914400" rtl="0" eaLnBrk="1" latinLnBrk="0" hangingPunct="1">
-              <a:defRPr kern="1200">
-                <a:solidFill>
-                  <a:schemeClr val="lt1"/>
-                </a:solidFill>
-                <a:latin typeface="+mn-lt"/>
-                <a:ea typeface="+mn-ea"/>
-                <a:cs typeface="+mn-cs"/>
-              </a:defRPr>
-            </a:lvl6pPr>
-            <a:lvl7pPr marL="2743200" algn="l" defTabSz="914400" rtl="0" eaLnBrk="1" latinLnBrk="0" hangingPunct="1">
-              <a:defRPr kern="1200">
-                <a:solidFill>
-                  <a:schemeClr val="lt1"/>
-                </a:solidFill>
-                <a:latin typeface="+mn-lt"/>
-                <a:ea typeface="+mn-ea"/>
-                <a:cs typeface="+mn-cs"/>
-              </a:defRPr>
-            </a:lvl7pPr>
-            <a:lvl8pPr marL="3200400" algn="l" defTabSz="914400" rtl="0" eaLnBrk="1" latinLnBrk="0" hangingPunct="1">
-              <a:defRPr kern="1200">
-                <a:solidFill>
-                  <a:schemeClr val="lt1"/>
-                </a:solidFill>
-                <a:latin typeface="+mn-lt"/>
-                <a:ea typeface="+mn-ea"/>
-                <a:cs typeface="+mn-cs"/>
-              </a:defRPr>
-            </a:lvl8pPr>
-            <a:lvl9pPr marL="3657600" algn="l" defTabSz="914400" rtl="0" eaLnBrk="1" latinLnBrk="0" hangingPunct="1">
-              <a:defRPr kern="1200">
-                <a:solidFill>
-                  <a:schemeClr val="lt1"/>
-                </a:solidFill>
-                <a:latin typeface="+mn-lt"/>
-                <a:ea typeface="+mn-ea"/>
-                <a:cs typeface="+mn-cs"/>
-              </a:defRPr>
-            </a:lvl9pPr>
-          </a:lstStyle>
-          <a:p>
-            <a:pPr algn="ctr"/>
-            <a:endParaRPr lang="fr-FR"/>
-          </a:p>
-        </p:txBody>
-      </p:sp>
-      <p:sp>
-        <p:nvSpPr>
           <p:cNvPr id="18" name="Rectangle à coins arrondis 17">
             <a:extLst>
               <a:ext uri="{FF2B5EF4-FFF2-40B4-BE49-F238E27FC236}">
-                <a16:creationId xmlns:lc="http://schemas.openxmlformats.org/drawingml/2006/lockedCanvas" xmlns:a16="http://schemas.microsoft.com/office/drawing/2014/main" xmlns="" id="{73A81684-A042-48EE-B7E8-F8866E052C48}"/>
+                <a16:creationId xmlns="" xmlns:a16="http://schemas.microsoft.com/office/drawing/2014/main" xmlns:lc="http://schemas.openxmlformats.org/drawingml/2006/lockedCanvas" id="{73A81684-A042-48EE-B7E8-F8866E052C48}"/>
               </a:ext>
             </a:extLst>
           </p:cNvPr>
@@ -4939,8 +4452,8 @@
         </p:nvSpPr>
         <p:spPr>
           <a:xfrm>
-            <a:off x="1228413" y="1389507"/>
-            <a:ext cx="6732748" cy="4500500"/>
+            <a:off x="1228413" y="1526401"/>
+            <a:ext cx="6732748" cy="4235737"/>
           </a:xfrm>
           <a:prstGeom prst="roundRect">
             <a:avLst>
@@ -5107,7 +4620,7 @@
           <p:cNvPr id="37" name="Image 36">
             <a:extLst>
               <a:ext uri="{FF2B5EF4-FFF2-40B4-BE49-F238E27FC236}">
-                <a16:creationId xmlns:lc="http://schemas.openxmlformats.org/drawingml/2006/lockedCanvas" xmlns:a16="http://schemas.microsoft.com/office/drawing/2014/main" xmlns="" id="{8A3CA8B9-B9C7-4C5E-945E-30789F67099A}"/>
+                <a16:creationId xmlns="" xmlns:a16="http://schemas.microsoft.com/office/drawing/2014/main" xmlns:lc="http://schemas.openxmlformats.org/drawingml/2006/lockedCanvas" id="{8A3CA8B9-B9C7-4C5E-945E-30789F67099A}"/>
               </a:ext>
             </a:extLst>
           </p:cNvPr>
@@ -5130,7 +4643,7 @@
         </p:blipFill>
         <p:spPr>
           <a:xfrm>
-            <a:off x="3662670" y="1587704"/>
+            <a:off x="3662670" y="1724598"/>
             <a:ext cx="876286" cy="363783"/>
           </a:xfrm>
           <a:prstGeom prst="rect">
@@ -5146,7 +4659,7 @@
         </p:nvSpPr>
         <p:spPr>
           <a:xfrm>
-            <a:off x="3928713" y="2012790"/>
+            <a:off x="3928713" y="2149684"/>
             <a:ext cx="1116124" cy="369332"/>
           </a:xfrm>
           <a:prstGeom prst="rect">
@@ -5162,67 +4675,7 @@
           <a:p>
             <a:r>
               <a:rPr lang="fr-FR" dirty="0" smtClean="0"/>
-              <a:t>Server 1</a:t>
-            </a:r>
-            <a:endParaRPr lang="fr-FR" dirty="0"/>
-          </a:p>
-        </p:txBody>
-      </p:sp>
-      <p:sp>
-        <p:nvSpPr>
-          <p:cNvPr id="40" name="ZoneTexte 39"/>
-          <p:cNvSpPr txBox="1"/>
-          <p:nvPr/>
-        </p:nvSpPr>
-        <p:spPr>
-          <a:xfrm>
-            <a:off x="1789376" y="3629215"/>
-            <a:ext cx="1116124" cy="369332"/>
-          </a:xfrm>
-          <a:prstGeom prst="rect">
-            <a:avLst/>
-          </a:prstGeom>
-          <a:noFill/>
-        </p:spPr>
-        <p:txBody>
-          <a:bodyPr wrap="square" rtlCol="0">
-            <a:spAutoFit/>
-          </a:bodyPr>
-          <a:lstStyle/>
-          <a:p>
-            <a:r>
-              <a:rPr lang="fr-FR" dirty="0" smtClean="0"/>
-              <a:t>Server 2</a:t>
-            </a:r>
-            <a:endParaRPr lang="fr-FR" dirty="0"/>
-          </a:p>
-        </p:txBody>
-      </p:sp>
-      <p:sp>
-        <p:nvSpPr>
-          <p:cNvPr id="43" name="ZoneTexte 42"/>
-          <p:cNvSpPr txBox="1"/>
-          <p:nvPr/>
-        </p:nvSpPr>
-        <p:spPr>
-          <a:xfrm>
-            <a:off x="6205247" y="3579432"/>
-            <a:ext cx="1116124" cy="369332"/>
-          </a:xfrm>
-          <a:prstGeom prst="rect">
-            <a:avLst/>
-          </a:prstGeom>
-          <a:noFill/>
-        </p:spPr>
-        <p:txBody>
-          <a:bodyPr wrap="square" rtlCol="0">
-            <a:spAutoFit/>
-          </a:bodyPr>
-          <a:lstStyle/>
-          <a:p>
-            <a:r>
-              <a:rPr lang="fr-FR" dirty="0" smtClean="0"/>
-              <a:t>Server 3</a:t>
+              <a:t>Server-A</a:t>
             </a:r>
             <a:endParaRPr lang="fr-FR" dirty="0"/>
           </a:p>
@@ -5230,70 +4683,24 @@
       </p:sp>
       <p:grpSp>
         <p:nvGrpSpPr>
-          <p:cNvPr id="45" name="Groupe 44">
-            <a:extLst>
-              <a:ext uri="{FF2B5EF4-FFF2-40B4-BE49-F238E27FC236}">
-                <a16:creationId xmlns:lc="http://schemas.openxmlformats.org/drawingml/2006/lockedCanvas" xmlns:a16="http://schemas.microsoft.com/office/drawing/2014/main" xmlns="" id="{E0E230ED-9E76-46B5-92C4-AB7962005D3F}"/>
-              </a:ext>
-            </a:extLst>
-          </p:cNvPr>
+          <p:cNvPr id="21" name="Groupe 20"/>
           <p:cNvGrpSpPr/>
           <p:nvPr/>
         </p:nvGrpSpPr>
         <p:grpSpPr>
           <a:xfrm>
-            <a:off x="2548410" y="4549332"/>
-            <a:ext cx="1871142" cy="972779"/>
-            <a:chOff x="2155105" y="3861048"/>
-            <a:chExt cx="1336774" cy="720080"/>
+            <a:off x="80581" y="4306357"/>
+            <a:ext cx="1040530" cy="705037"/>
+            <a:chOff x="2963716" y="6030052"/>
+            <a:chExt cx="1040530" cy="705037"/>
           </a:xfrm>
-          <a:solidFill>
-            <a:schemeClr val="bg1"/>
-          </a:solidFill>
         </p:grpSpPr>
-        <p:pic>
-          <p:nvPicPr>
-            <p:cNvPr id="46" name="Image 45">
+        <p:sp>
+          <p:nvSpPr>
+            <p:cNvPr id="65" name="Rectangle à coins arrondis 64">
               <a:extLst>
                 <a:ext uri="{FF2B5EF4-FFF2-40B4-BE49-F238E27FC236}">
-                  <a16:creationId xmlns:lc="http://schemas.openxmlformats.org/drawingml/2006/lockedCanvas" xmlns:a16="http://schemas.microsoft.com/office/drawing/2014/main" xmlns="" id="{8A3CA8B9-B9C7-4C5E-945E-30789F67099A}"/>
-                </a:ext>
-              </a:extLst>
-            </p:cNvPr>
-            <p:cNvPicPr>
-              <a:picLocks noChangeAspect="1"/>
-            </p:cNvPicPr>
-            <p:nvPr/>
-          </p:nvPicPr>
-          <p:blipFill>
-            <a:blip r:embed="rId2" cstate="print">
-              <a:extLst>
-                <a:ext uri="{28A0092B-C50C-407E-A947-70E740481C1C}">
-                  <a14:useLocalDpi xmlns:a14="http://schemas.microsoft.com/office/drawing/2010/main" val="0"/>
-                </a:ext>
-              </a:extLst>
-            </a:blip>
-            <a:stretch>
-              <a:fillRect/>
-            </a:stretch>
-          </p:blipFill>
-          <p:spPr>
-            <a:xfrm>
-              <a:off x="2204095" y="3905903"/>
-              <a:ext cx="517589" cy="222637"/>
-            </a:xfrm>
-            <a:prstGeom prst="rect">
-              <a:avLst/>
-            </a:prstGeom>
-            <a:grpFill/>
-          </p:spPr>
-        </p:pic>
-        <p:sp>
-          <p:nvSpPr>
-            <p:cNvPr id="47" name="Rectangle à coins arrondis 46">
-              <a:extLst>
-                <a:ext uri="{FF2B5EF4-FFF2-40B4-BE49-F238E27FC236}">
-                  <a16:creationId xmlns:lc="http://schemas.openxmlformats.org/drawingml/2006/lockedCanvas" xmlns:a16="http://schemas.microsoft.com/office/drawing/2014/main" xmlns="" id="{D95582EE-8B26-42D1-A65F-CB3D8ACB3AAF}"/>
+                  <a16:creationId xmlns="" xmlns:a16="http://schemas.microsoft.com/office/drawing/2014/main" xmlns:lc="http://schemas.openxmlformats.org/drawingml/2006/lockedCanvas" id="{D95582EE-8B26-42D1-A65F-CB3D8ACB3AAF}"/>
                 </a:ext>
               </a:extLst>
             </p:cNvPr>
@@ -5302,15 +4709,15 @@
           </p:nvSpPr>
           <p:spPr>
             <a:xfrm flipH="1">
-              <a:off x="2155105" y="3861048"/>
-              <a:ext cx="1336774" cy="720080"/>
+              <a:off x="2963716" y="6030052"/>
+              <a:ext cx="1040530" cy="705037"/>
             </a:xfrm>
             <a:prstGeom prst="roundRect">
               <a:avLst>
                 <a:gd name="adj" fmla="val 9644"/>
               </a:avLst>
             </a:prstGeom>
-            <a:grpFill/>
+            <a:noFill/>
           </p:spPr>
           <p:style>
             <a:lnRef idx="2">
@@ -5461,322 +4868,44 @@
             </a:p>
           </p:txBody>
         </p:sp>
-      </p:grpSp>
-      <p:sp>
-        <p:nvSpPr>
-          <p:cNvPr id="48" name="ZoneTexte 47"/>
-          <p:cNvSpPr txBox="1"/>
-          <p:nvPr/>
-        </p:nvSpPr>
-        <p:spPr>
-          <a:xfrm>
-            <a:off x="2925919" y="4926263"/>
-            <a:ext cx="1116124" cy="553998"/>
-          </a:xfrm>
-          <a:prstGeom prst="rect">
-            <a:avLst/>
-          </a:prstGeom>
-          <a:noFill/>
-        </p:spPr>
-        <p:txBody>
-          <a:bodyPr wrap="square" rtlCol="0">
-            <a:spAutoFit/>
-          </a:bodyPr>
-          <a:lstStyle/>
-          <a:p>
-            <a:r>
-              <a:rPr lang="fr-FR" dirty="0" smtClean="0"/>
-              <a:t>Client 1</a:t>
-            </a:r>
-          </a:p>
-          <a:p>
-            <a:pPr algn="ctr"/>
-            <a:r>
-              <a:rPr lang="fr-FR" sz="1200" i="1" dirty="0" smtClean="0"/>
-              <a:t>&lt;</a:t>
-            </a:r>
-            <a:r>
-              <a:rPr lang="fr-FR" sz="1200" i="1" dirty="0" err="1" smtClean="0"/>
-              <a:t>ui</a:t>
-            </a:r>
-            <a:r>
-              <a:rPr lang="fr-FR" sz="1200" i="1" dirty="0" smtClean="0"/>
-              <a:t>&gt;</a:t>
-            </a:r>
-            <a:endParaRPr lang="fr-FR" sz="1200" i="1" dirty="0"/>
-          </a:p>
-        </p:txBody>
-      </p:sp>
-      <p:grpSp>
-        <p:nvGrpSpPr>
-          <p:cNvPr id="49" name="Groupe 48">
-            <a:extLst>
-              <a:ext uri="{FF2B5EF4-FFF2-40B4-BE49-F238E27FC236}">
-                <a16:creationId xmlns:lc="http://schemas.openxmlformats.org/drawingml/2006/lockedCanvas" xmlns:a16="http://schemas.microsoft.com/office/drawing/2014/main" xmlns="" id="{E0E230ED-9E76-46B5-92C4-AB7962005D3F}"/>
-              </a:ext>
-            </a:extLst>
-          </p:cNvPr>
-          <p:cNvGrpSpPr/>
-          <p:nvPr/>
-        </p:nvGrpSpPr>
-        <p:grpSpPr>
-          <a:xfrm>
-            <a:off x="4801076" y="4549333"/>
-            <a:ext cx="1871142" cy="972779"/>
-            <a:chOff x="2155105" y="3861048"/>
-            <a:chExt cx="1336774" cy="720080"/>
-          </a:xfrm>
-          <a:solidFill>
-            <a:schemeClr val="bg1"/>
-          </a:solidFill>
-        </p:grpSpPr>
-        <p:pic>
-          <p:nvPicPr>
-            <p:cNvPr id="50" name="Image 49">
-              <a:extLst>
-                <a:ext uri="{FF2B5EF4-FFF2-40B4-BE49-F238E27FC236}">
-                  <a16:creationId xmlns:lc="http://schemas.openxmlformats.org/drawingml/2006/lockedCanvas" xmlns:a16="http://schemas.microsoft.com/office/drawing/2014/main" xmlns="" id="{8A3CA8B9-B9C7-4C5E-945E-30789F67099A}"/>
-                </a:ext>
-              </a:extLst>
-            </p:cNvPr>
-            <p:cNvPicPr>
-              <a:picLocks noChangeAspect="1"/>
-            </p:cNvPicPr>
+        <p:sp>
+          <p:nvSpPr>
+            <p:cNvPr id="66" name="ZoneTexte 65"/>
+            <p:cNvSpPr txBox="1"/>
             <p:nvPr/>
-          </p:nvPicPr>
-          <p:blipFill>
-            <a:blip r:embed="rId2" cstate="print">
-              <a:extLst>
-                <a:ext uri="{28A0092B-C50C-407E-A947-70E740481C1C}">
-                  <a14:useLocalDpi xmlns:a14="http://schemas.microsoft.com/office/drawing/2010/main" val="0"/>
-                </a:ext>
-              </a:extLst>
-            </a:blip>
-            <a:stretch>
-              <a:fillRect/>
-            </a:stretch>
-          </p:blipFill>
+          </p:nvSpPr>
           <p:spPr>
             <a:xfrm>
-              <a:off x="2204095" y="3905903"/>
-              <a:ext cx="517589" cy="222637"/>
+              <a:off x="3061715" y="6158781"/>
+              <a:ext cx="866998" cy="461665"/>
             </a:xfrm>
             <a:prstGeom prst="rect">
               <a:avLst/>
             </a:prstGeom>
-            <a:grpFill/>
+            <a:noFill/>
           </p:spPr>
-        </p:pic>
-        <p:sp>
-          <p:nvSpPr>
-            <p:cNvPr id="51" name="Rectangle à coins arrondis 50">
-              <a:extLst>
-                <a:ext uri="{FF2B5EF4-FFF2-40B4-BE49-F238E27FC236}">
-                  <a16:creationId xmlns:lc="http://schemas.openxmlformats.org/drawingml/2006/lockedCanvas" xmlns:a16="http://schemas.microsoft.com/office/drawing/2014/main" xmlns="" id="{D95582EE-8B26-42D1-A65F-CB3D8ACB3AAF}"/>
-                </a:ext>
-              </a:extLst>
-            </p:cNvPr>
-            <p:cNvSpPr/>
-            <p:nvPr/>
-          </p:nvSpPr>
-          <p:spPr>
-            <a:xfrm flipH="1">
-              <a:off x="2155105" y="3861048"/>
-              <a:ext cx="1336774" cy="720080"/>
-            </a:xfrm>
-            <a:prstGeom prst="roundRect">
-              <a:avLst>
-                <a:gd name="adj" fmla="val 9644"/>
-              </a:avLst>
-            </a:prstGeom>
-            <a:grpFill/>
-          </p:spPr>
-          <p:style>
-            <a:lnRef idx="2">
-              <a:schemeClr val="accent1">
-                <a:shade val="50000"/>
-              </a:schemeClr>
-            </a:lnRef>
-            <a:fillRef idx="1">
-              <a:schemeClr val="accent1"/>
-            </a:fillRef>
-            <a:effectRef idx="0">
-              <a:schemeClr val="accent1"/>
-            </a:effectRef>
-            <a:fontRef idx="minor">
-              <a:schemeClr val="lt1"/>
-            </a:fontRef>
-          </p:style>
           <p:txBody>
-            <a:bodyPr rtlCol="0" anchor="ctr"/>
-            <a:lstStyle>
-              <a:defPPr>
-                <a:defRPr lang="fr-FR"/>
-              </a:defPPr>
-              <a:lvl1pPr algn="l" rtl="0" fontAlgn="base">
-                <a:spcBef>
-                  <a:spcPct val="0"/>
-                </a:spcBef>
-                <a:spcAft>
-                  <a:spcPct val="0"/>
-                </a:spcAft>
-                <a:defRPr kern="1200">
-                  <a:solidFill>
-                    <a:schemeClr val="lt1"/>
-                  </a:solidFill>
-                  <a:latin typeface="+mn-lt"/>
-                  <a:ea typeface="+mn-ea"/>
-                  <a:cs typeface="+mn-cs"/>
-                </a:defRPr>
-              </a:lvl1pPr>
-              <a:lvl2pPr marL="457200" algn="l" rtl="0" fontAlgn="base">
-                <a:spcBef>
-                  <a:spcPct val="0"/>
-                </a:spcBef>
-                <a:spcAft>
-                  <a:spcPct val="0"/>
-                </a:spcAft>
-                <a:defRPr kern="1200">
-                  <a:solidFill>
-                    <a:schemeClr val="lt1"/>
-                  </a:solidFill>
-                  <a:latin typeface="+mn-lt"/>
-                  <a:ea typeface="+mn-ea"/>
-                  <a:cs typeface="+mn-cs"/>
-                </a:defRPr>
-              </a:lvl2pPr>
-              <a:lvl3pPr marL="914400" algn="l" rtl="0" fontAlgn="base">
-                <a:spcBef>
-                  <a:spcPct val="0"/>
-                </a:spcBef>
-                <a:spcAft>
-                  <a:spcPct val="0"/>
-                </a:spcAft>
-                <a:defRPr kern="1200">
-                  <a:solidFill>
-                    <a:schemeClr val="lt1"/>
-                  </a:solidFill>
-                  <a:latin typeface="+mn-lt"/>
-                  <a:ea typeface="+mn-ea"/>
-                  <a:cs typeface="+mn-cs"/>
-                </a:defRPr>
-              </a:lvl3pPr>
-              <a:lvl4pPr marL="1371600" algn="l" rtl="0" fontAlgn="base">
-                <a:spcBef>
-                  <a:spcPct val="0"/>
-                </a:spcBef>
-                <a:spcAft>
-                  <a:spcPct val="0"/>
-                </a:spcAft>
-                <a:defRPr kern="1200">
-                  <a:solidFill>
-                    <a:schemeClr val="lt1"/>
-                  </a:solidFill>
-                  <a:latin typeface="+mn-lt"/>
-                  <a:ea typeface="+mn-ea"/>
-                  <a:cs typeface="+mn-cs"/>
-                </a:defRPr>
-              </a:lvl4pPr>
-              <a:lvl5pPr marL="1828800" algn="l" rtl="0" fontAlgn="base">
-                <a:spcBef>
-                  <a:spcPct val="0"/>
-                </a:spcBef>
-                <a:spcAft>
-                  <a:spcPct val="0"/>
-                </a:spcAft>
-                <a:defRPr kern="1200">
-                  <a:solidFill>
-                    <a:schemeClr val="lt1"/>
-                  </a:solidFill>
-                  <a:latin typeface="+mn-lt"/>
-                  <a:ea typeface="+mn-ea"/>
-                  <a:cs typeface="+mn-cs"/>
-                </a:defRPr>
-              </a:lvl5pPr>
-              <a:lvl6pPr marL="2286000" algn="l" defTabSz="914400" rtl="0" eaLnBrk="1" latinLnBrk="0" hangingPunct="1">
-                <a:defRPr kern="1200">
-                  <a:solidFill>
-                    <a:schemeClr val="lt1"/>
-                  </a:solidFill>
-                  <a:latin typeface="+mn-lt"/>
-                  <a:ea typeface="+mn-ea"/>
-                  <a:cs typeface="+mn-cs"/>
-                </a:defRPr>
-              </a:lvl6pPr>
-              <a:lvl7pPr marL="2743200" algn="l" defTabSz="914400" rtl="0" eaLnBrk="1" latinLnBrk="0" hangingPunct="1">
-                <a:defRPr kern="1200">
-                  <a:solidFill>
-                    <a:schemeClr val="lt1"/>
-                  </a:solidFill>
-                  <a:latin typeface="+mn-lt"/>
-                  <a:ea typeface="+mn-ea"/>
-                  <a:cs typeface="+mn-cs"/>
-                </a:defRPr>
-              </a:lvl7pPr>
-              <a:lvl8pPr marL="3200400" algn="l" defTabSz="914400" rtl="0" eaLnBrk="1" latinLnBrk="0" hangingPunct="1">
-                <a:defRPr kern="1200">
-                  <a:solidFill>
-                    <a:schemeClr val="lt1"/>
-                  </a:solidFill>
-                  <a:latin typeface="+mn-lt"/>
-                  <a:ea typeface="+mn-ea"/>
-                  <a:cs typeface="+mn-cs"/>
-                </a:defRPr>
-              </a:lvl8pPr>
-              <a:lvl9pPr marL="3657600" algn="l" defTabSz="914400" rtl="0" eaLnBrk="1" latinLnBrk="0" hangingPunct="1">
-                <a:defRPr kern="1200">
-                  <a:solidFill>
-                    <a:schemeClr val="lt1"/>
-                  </a:solidFill>
-                  <a:latin typeface="+mn-lt"/>
-                  <a:ea typeface="+mn-ea"/>
-                  <a:cs typeface="+mn-cs"/>
-                </a:defRPr>
-              </a:lvl9pPr>
-            </a:lstStyle>
+            <a:bodyPr wrap="square" rtlCol="0">
+              <a:spAutoFit/>
+            </a:bodyPr>
+            <a:lstStyle/>
             <a:p>
               <a:pPr algn="ctr"/>
-              <a:endParaRPr lang="fr-FR"/>
+              <a:r>
+                <a:rPr lang="fr-FR" sz="1200" dirty="0" smtClean="0"/>
+                <a:t>Machine 3</a:t>
+              </a:r>
+              <a:endParaRPr lang="fr-FR" sz="1200" dirty="0"/>
             </a:p>
           </p:txBody>
         </p:sp>
       </p:grpSp>
       <p:sp>
         <p:nvSpPr>
-          <p:cNvPr id="52" name="ZoneTexte 51"/>
-          <p:cNvSpPr txBox="1"/>
-          <p:nvPr/>
-        </p:nvSpPr>
-        <p:spPr>
-          <a:xfrm>
-            <a:off x="5172867" y="4926263"/>
-            <a:ext cx="1116124" cy="369332"/>
-          </a:xfrm>
-          <a:prstGeom prst="rect">
-            <a:avLst/>
-          </a:prstGeom>
-          <a:noFill/>
-        </p:spPr>
-        <p:txBody>
-          <a:bodyPr wrap="square" rtlCol="0">
-            <a:spAutoFit/>
-          </a:bodyPr>
-          <a:lstStyle/>
-          <a:p>
-            <a:r>
-              <a:rPr lang="fr-FR" dirty="0" smtClean="0"/>
-              <a:t>Client 2</a:t>
-            </a:r>
-            <a:endParaRPr lang="fr-FR" dirty="0"/>
-          </a:p>
-        </p:txBody>
-      </p:sp>
-      <p:sp>
-        <p:nvSpPr>
-          <p:cNvPr id="65" name="Rectangle à coins arrondis 64">
+          <p:cNvPr id="67" name="Rectangle à coins arrondis 66">
             <a:extLst>
               <a:ext uri="{FF2B5EF4-FFF2-40B4-BE49-F238E27FC236}">
-                <a16:creationId xmlns:lc="http://schemas.openxmlformats.org/drawingml/2006/lockedCanvas" xmlns:a16="http://schemas.microsoft.com/office/drawing/2014/main" xmlns="" id="{D95582EE-8B26-42D1-A65F-CB3D8ACB3AAF}"/>
+                <a16:creationId xmlns="" xmlns:a16="http://schemas.microsoft.com/office/drawing/2014/main" xmlns:lc="http://schemas.openxmlformats.org/drawingml/2006/lockedCanvas" id="{D95582EE-8B26-42D1-A65F-CB3D8ACB3AAF}"/>
               </a:ext>
             </a:extLst>
           </p:cNvPr>
@@ -5785,7 +4914,7 @@
         </p:nvSpPr>
         <p:spPr>
           <a:xfrm flipH="1">
-            <a:off x="2963716" y="6030052"/>
+            <a:off x="8038505" y="4249905"/>
             <a:ext cx="1040530" cy="705037"/>
           </a:xfrm>
           <a:prstGeom prst="roundRect">
@@ -5946,13 +5075,13 @@
       </p:sp>
       <p:sp>
         <p:nvSpPr>
-          <p:cNvPr id="66" name="ZoneTexte 65"/>
+          <p:cNvPr id="68" name="ZoneTexte 67"/>
           <p:cNvSpPr txBox="1"/>
           <p:nvPr/>
         </p:nvSpPr>
         <p:spPr>
           <a:xfrm>
-            <a:off x="3061715" y="6158781"/>
+            <a:off x="8125271" y="4366979"/>
             <a:ext cx="866998" cy="461665"/>
           </a:xfrm>
           <a:prstGeom prst="rect">
@@ -5969,18 +5098,249 @@
             <a:pPr algn="ctr"/>
             <a:r>
               <a:rPr lang="fr-FR" sz="1200" dirty="0" smtClean="0"/>
-              <a:t>Machine 3</a:t>
+              <a:t>Machine </a:t>
+            </a:r>
+            <a:r>
+              <a:rPr lang="fr-FR" sz="1200" dirty="0" smtClean="0"/>
+              <a:t>5</a:t>
             </a:r>
             <a:endParaRPr lang="fr-FR" sz="1200" dirty="0"/>
           </a:p>
         </p:txBody>
       </p:sp>
+      <p:grpSp>
+        <p:nvGrpSpPr>
+          <p:cNvPr id="12" name="Groupe 11"/>
+          <p:cNvGrpSpPr/>
+          <p:nvPr/>
+        </p:nvGrpSpPr>
+        <p:grpSpPr>
+          <a:xfrm>
+            <a:off x="8044478" y="2708256"/>
+            <a:ext cx="1040530" cy="705037"/>
+            <a:chOff x="8152590" y="2571362"/>
+            <a:chExt cx="1040530" cy="705037"/>
+          </a:xfrm>
+        </p:grpSpPr>
+        <p:sp>
+          <p:nvSpPr>
+            <p:cNvPr id="69" name="Rectangle à coins arrondis 68">
+              <a:extLst>
+                <a:ext uri="{FF2B5EF4-FFF2-40B4-BE49-F238E27FC236}">
+                  <a16:creationId xmlns="" xmlns:a16="http://schemas.microsoft.com/office/drawing/2014/main" xmlns:lc="http://schemas.openxmlformats.org/drawingml/2006/lockedCanvas" id="{D95582EE-8B26-42D1-A65F-CB3D8ACB3AAF}"/>
+                </a:ext>
+              </a:extLst>
+            </p:cNvPr>
+            <p:cNvSpPr/>
+            <p:nvPr/>
+          </p:nvSpPr>
+          <p:spPr>
+            <a:xfrm flipH="1">
+              <a:off x="8152590" y="2571362"/>
+              <a:ext cx="1040530" cy="705037"/>
+            </a:xfrm>
+            <a:prstGeom prst="roundRect">
+              <a:avLst>
+                <a:gd name="adj" fmla="val 9644"/>
+              </a:avLst>
+            </a:prstGeom>
+            <a:noFill/>
+          </p:spPr>
+          <p:style>
+            <a:lnRef idx="2">
+              <a:schemeClr val="accent1">
+                <a:shade val="50000"/>
+              </a:schemeClr>
+            </a:lnRef>
+            <a:fillRef idx="1">
+              <a:schemeClr val="accent1"/>
+            </a:fillRef>
+            <a:effectRef idx="0">
+              <a:schemeClr val="accent1"/>
+            </a:effectRef>
+            <a:fontRef idx="minor">
+              <a:schemeClr val="lt1"/>
+            </a:fontRef>
+          </p:style>
+          <p:txBody>
+            <a:bodyPr rtlCol="0" anchor="ctr"/>
+            <a:lstStyle>
+              <a:defPPr>
+                <a:defRPr lang="fr-FR"/>
+              </a:defPPr>
+              <a:lvl1pPr algn="l" rtl="0" fontAlgn="base">
+                <a:spcBef>
+                  <a:spcPct val="0"/>
+                </a:spcBef>
+                <a:spcAft>
+                  <a:spcPct val="0"/>
+                </a:spcAft>
+                <a:defRPr kern="1200">
+                  <a:solidFill>
+                    <a:schemeClr val="lt1"/>
+                  </a:solidFill>
+                  <a:latin typeface="+mn-lt"/>
+                  <a:ea typeface="+mn-ea"/>
+                  <a:cs typeface="+mn-cs"/>
+                </a:defRPr>
+              </a:lvl1pPr>
+              <a:lvl2pPr marL="457200" algn="l" rtl="0" fontAlgn="base">
+                <a:spcBef>
+                  <a:spcPct val="0"/>
+                </a:spcBef>
+                <a:spcAft>
+                  <a:spcPct val="0"/>
+                </a:spcAft>
+                <a:defRPr kern="1200">
+                  <a:solidFill>
+                    <a:schemeClr val="lt1"/>
+                  </a:solidFill>
+                  <a:latin typeface="+mn-lt"/>
+                  <a:ea typeface="+mn-ea"/>
+                  <a:cs typeface="+mn-cs"/>
+                </a:defRPr>
+              </a:lvl2pPr>
+              <a:lvl3pPr marL="914400" algn="l" rtl="0" fontAlgn="base">
+                <a:spcBef>
+                  <a:spcPct val="0"/>
+                </a:spcBef>
+                <a:spcAft>
+                  <a:spcPct val="0"/>
+                </a:spcAft>
+                <a:defRPr kern="1200">
+                  <a:solidFill>
+                    <a:schemeClr val="lt1"/>
+                  </a:solidFill>
+                  <a:latin typeface="+mn-lt"/>
+                  <a:ea typeface="+mn-ea"/>
+                  <a:cs typeface="+mn-cs"/>
+                </a:defRPr>
+              </a:lvl3pPr>
+              <a:lvl4pPr marL="1371600" algn="l" rtl="0" fontAlgn="base">
+                <a:spcBef>
+                  <a:spcPct val="0"/>
+                </a:spcBef>
+                <a:spcAft>
+                  <a:spcPct val="0"/>
+                </a:spcAft>
+                <a:defRPr kern="1200">
+                  <a:solidFill>
+                    <a:schemeClr val="lt1"/>
+                  </a:solidFill>
+                  <a:latin typeface="+mn-lt"/>
+                  <a:ea typeface="+mn-ea"/>
+                  <a:cs typeface="+mn-cs"/>
+                </a:defRPr>
+              </a:lvl4pPr>
+              <a:lvl5pPr marL="1828800" algn="l" rtl="0" fontAlgn="base">
+                <a:spcBef>
+                  <a:spcPct val="0"/>
+                </a:spcBef>
+                <a:spcAft>
+                  <a:spcPct val="0"/>
+                </a:spcAft>
+                <a:defRPr kern="1200">
+                  <a:solidFill>
+                    <a:schemeClr val="lt1"/>
+                  </a:solidFill>
+                  <a:latin typeface="+mn-lt"/>
+                  <a:ea typeface="+mn-ea"/>
+                  <a:cs typeface="+mn-cs"/>
+                </a:defRPr>
+              </a:lvl5pPr>
+              <a:lvl6pPr marL="2286000" algn="l" defTabSz="914400" rtl="0" eaLnBrk="1" latinLnBrk="0" hangingPunct="1">
+                <a:defRPr kern="1200">
+                  <a:solidFill>
+                    <a:schemeClr val="lt1"/>
+                  </a:solidFill>
+                  <a:latin typeface="+mn-lt"/>
+                  <a:ea typeface="+mn-ea"/>
+                  <a:cs typeface="+mn-cs"/>
+                </a:defRPr>
+              </a:lvl6pPr>
+              <a:lvl7pPr marL="2743200" algn="l" defTabSz="914400" rtl="0" eaLnBrk="1" latinLnBrk="0" hangingPunct="1">
+                <a:defRPr kern="1200">
+                  <a:solidFill>
+                    <a:schemeClr val="lt1"/>
+                  </a:solidFill>
+                  <a:latin typeface="+mn-lt"/>
+                  <a:ea typeface="+mn-ea"/>
+                  <a:cs typeface="+mn-cs"/>
+                </a:defRPr>
+              </a:lvl7pPr>
+              <a:lvl8pPr marL="3200400" algn="l" defTabSz="914400" rtl="0" eaLnBrk="1" latinLnBrk="0" hangingPunct="1">
+                <a:defRPr kern="1200">
+                  <a:solidFill>
+                    <a:schemeClr val="lt1"/>
+                  </a:solidFill>
+                  <a:latin typeface="+mn-lt"/>
+                  <a:ea typeface="+mn-ea"/>
+                  <a:cs typeface="+mn-cs"/>
+                </a:defRPr>
+              </a:lvl8pPr>
+              <a:lvl9pPr marL="3657600" algn="l" defTabSz="914400" rtl="0" eaLnBrk="1" latinLnBrk="0" hangingPunct="1">
+                <a:defRPr kern="1200">
+                  <a:solidFill>
+                    <a:schemeClr val="lt1"/>
+                  </a:solidFill>
+                  <a:latin typeface="+mn-lt"/>
+                  <a:ea typeface="+mn-ea"/>
+                  <a:cs typeface="+mn-cs"/>
+                </a:defRPr>
+              </a:lvl9pPr>
+            </a:lstStyle>
+            <a:p>
+              <a:pPr algn="ctr"/>
+              <a:endParaRPr lang="fr-FR"/>
+            </a:p>
+          </p:txBody>
+        </p:sp>
+        <p:sp>
+          <p:nvSpPr>
+            <p:cNvPr id="70" name="ZoneTexte 69"/>
+            <p:cNvSpPr txBox="1"/>
+            <p:nvPr/>
+          </p:nvSpPr>
+          <p:spPr>
+            <a:xfrm>
+              <a:off x="8239356" y="2704350"/>
+              <a:ext cx="866998" cy="461665"/>
+            </a:xfrm>
+            <a:prstGeom prst="rect">
+              <a:avLst/>
+            </a:prstGeom>
+            <a:noFill/>
+          </p:spPr>
+          <p:txBody>
+            <a:bodyPr wrap="square" rtlCol="0">
+              <a:spAutoFit/>
+            </a:bodyPr>
+            <a:lstStyle/>
+            <a:p>
+              <a:pPr algn="ctr"/>
+              <a:r>
+                <a:rPr lang="fr-FR" sz="1200" dirty="0" smtClean="0"/>
+                <a:t>Machine </a:t>
+              </a:r>
+              <a:endParaRPr lang="fr-FR" sz="1200" dirty="0" smtClean="0"/>
+            </a:p>
+            <a:p>
+              <a:pPr algn="ctr"/>
+              <a:r>
+                <a:rPr lang="fr-FR" sz="1200" dirty="0"/>
+                <a:t>6</a:t>
+              </a:r>
+              <a:endParaRPr lang="fr-FR" sz="1200" dirty="0"/>
+            </a:p>
+          </p:txBody>
+        </p:sp>
+      </p:grpSp>
       <p:sp>
         <p:nvSpPr>
-          <p:cNvPr id="67" name="Rectangle à coins arrondis 66">
+          <p:cNvPr id="71" name="Rectangle à coins arrondis 70">
             <a:extLst>
               <a:ext uri="{FF2B5EF4-FFF2-40B4-BE49-F238E27FC236}">
-                <a16:creationId xmlns:lc="http://schemas.openxmlformats.org/drawingml/2006/lockedCanvas" xmlns:a16="http://schemas.microsoft.com/office/drawing/2014/main" xmlns="" id="{D95582EE-8B26-42D1-A65F-CB3D8ACB3AAF}"/>
+                <a16:creationId xmlns="" xmlns:a16="http://schemas.microsoft.com/office/drawing/2014/main" xmlns:lc="http://schemas.openxmlformats.org/drawingml/2006/lockedCanvas" id="{D95582EE-8B26-42D1-A65F-CB3D8ACB3AAF}"/>
               </a:ext>
             </a:extLst>
           </p:cNvPr>
@@ -5989,7 +5349,7 @@
         </p:nvSpPr>
         <p:spPr>
           <a:xfrm flipH="1">
-            <a:off x="5210664" y="6030052"/>
+            <a:off x="103881" y="2706498"/>
             <a:ext cx="1040530" cy="705037"/>
           </a:xfrm>
           <a:prstGeom prst="roundRect">
@@ -6150,13 +5510,13 @@
       </p:sp>
       <p:sp>
         <p:nvSpPr>
-          <p:cNvPr id="68" name="ZoneTexte 67"/>
+          <p:cNvPr id="72" name="ZoneTexte 71"/>
           <p:cNvSpPr txBox="1"/>
           <p:nvPr/>
         </p:nvSpPr>
         <p:spPr>
           <a:xfrm>
-            <a:off x="5317034" y="6145564"/>
+            <a:off x="184783" y="2896535"/>
             <a:ext cx="866998" cy="461665"/>
           </a:xfrm>
           <a:prstGeom prst="rect">
@@ -6173,7 +5533,7 @@
             <a:pPr algn="ctr"/>
             <a:r>
               <a:rPr lang="fr-FR" sz="1200" dirty="0" smtClean="0"/>
-              <a:t>Machine 4</a:t>
+              <a:t>Machine 2</a:t>
             </a:r>
             <a:endParaRPr lang="fr-FR" sz="1200" dirty="0"/>
           </a:p>
@@ -6181,10 +5541,10 @@
       </p:sp>
       <p:sp>
         <p:nvSpPr>
-          <p:cNvPr id="69" name="Rectangle à coins arrondis 68">
+          <p:cNvPr id="73" name="Rectangle à coins arrondis 72">
             <a:extLst>
               <a:ext uri="{FF2B5EF4-FFF2-40B4-BE49-F238E27FC236}">
-                <a16:creationId xmlns:lc="http://schemas.openxmlformats.org/drawingml/2006/lockedCanvas" xmlns:a16="http://schemas.microsoft.com/office/drawing/2014/main" xmlns="" id="{D95582EE-8B26-42D1-A65F-CB3D8ACB3AAF}"/>
+                <a16:creationId xmlns="" xmlns:a16="http://schemas.microsoft.com/office/drawing/2014/main" xmlns:lc="http://schemas.openxmlformats.org/drawingml/2006/lockedCanvas" id="{D95582EE-8B26-42D1-A65F-CB3D8ACB3AAF}"/>
               </a:ext>
             </a:extLst>
           </p:cNvPr>
@@ -6193,7 +5553,7 @@
         </p:nvSpPr>
         <p:spPr>
           <a:xfrm flipH="1">
-            <a:off x="8059240" y="3344711"/>
+            <a:off x="4019450" y="704306"/>
             <a:ext cx="1040530" cy="705037"/>
           </a:xfrm>
           <a:prstGeom prst="roundRect">
@@ -6354,13 +5714,13 @@
       </p:sp>
       <p:sp>
         <p:nvSpPr>
-          <p:cNvPr id="70" name="ZoneTexte 69"/>
+          <p:cNvPr id="74" name="ZoneTexte 73"/>
           <p:cNvSpPr txBox="1"/>
           <p:nvPr/>
         </p:nvSpPr>
         <p:spPr>
           <a:xfrm>
-            <a:off x="8157319" y="3466397"/>
+            <a:off x="4106216" y="860903"/>
             <a:ext cx="866998" cy="461665"/>
           </a:xfrm>
           <a:prstGeom prst="rect">
@@ -6377,18 +5737,1825 @@
             <a:pPr algn="ctr"/>
             <a:r>
               <a:rPr lang="fr-FR" sz="1200" dirty="0" smtClean="0"/>
-              <a:t>Machine 5</a:t>
+              <a:t>Machine 1</a:t>
             </a:r>
             <a:endParaRPr lang="fr-FR" sz="1200" dirty="0"/>
           </a:p>
         </p:txBody>
       </p:sp>
+      <p:cxnSp>
+        <p:nvCxnSpPr>
+          <p:cNvPr id="75" name="Connecteur droit avec flèche 74">
+            <a:extLst>
+              <a:ext uri="{FF2B5EF4-FFF2-40B4-BE49-F238E27FC236}">
+                <a16:creationId xmlns="" xmlns:a16="http://schemas.microsoft.com/office/drawing/2014/main" xmlns:lc="http://schemas.openxmlformats.org/drawingml/2006/lockedCanvas" id="{2671D7D3-4838-4656-8E59-51270B18B09E}"/>
+              </a:ext>
+            </a:extLst>
+          </p:cNvPr>
+          <p:cNvCxnSpPr>
+            <a:cxnSpLocks/>
+            <a:stCxn id="25" idx="0"/>
+            <a:endCxn id="73" idx="2"/>
+          </p:cNvCxnSpPr>
+          <p:nvPr/>
+        </p:nvCxnSpPr>
+        <p:spPr>
+          <a:xfrm flipV="1">
+            <a:off x="4539715" y="1409343"/>
+            <a:ext cx="0" cy="253952"/>
+          </a:xfrm>
+          <a:prstGeom prst="straightConnector1">
+            <a:avLst/>
+          </a:prstGeom>
+          <a:ln w="25400">
+            <a:tailEnd type="none"/>
+          </a:ln>
+        </p:spPr>
+        <p:style>
+          <a:lnRef idx="1">
+            <a:schemeClr val="accent1"/>
+          </a:lnRef>
+          <a:fillRef idx="0">
+            <a:schemeClr val="accent1"/>
+          </a:fillRef>
+          <a:effectRef idx="0">
+            <a:schemeClr val="accent1"/>
+          </a:effectRef>
+          <a:fontRef idx="minor">
+            <a:schemeClr val="tx1"/>
+          </a:fontRef>
+        </p:style>
+      </p:cxnSp>
+      <p:cxnSp>
+        <p:nvCxnSpPr>
+          <p:cNvPr id="80" name="Connecteur droit avec flèche 79">
+            <a:extLst>
+              <a:ext uri="{FF2B5EF4-FFF2-40B4-BE49-F238E27FC236}">
+                <a16:creationId xmlns="" xmlns:a16="http://schemas.microsoft.com/office/drawing/2014/main" xmlns:lc="http://schemas.openxmlformats.org/drawingml/2006/lockedCanvas" id="{2671D7D3-4838-4656-8E59-51270B18B09E}"/>
+              </a:ext>
+            </a:extLst>
+          </p:cNvPr>
+          <p:cNvCxnSpPr>
+            <a:cxnSpLocks/>
+            <a:stCxn id="71" idx="1"/>
+            <a:endCxn id="27" idx="3"/>
+          </p:cNvCxnSpPr>
+          <p:nvPr/>
+        </p:nvCxnSpPr>
+        <p:spPr>
+          <a:xfrm>
+            <a:off x="1144411" y="3059017"/>
+            <a:ext cx="466334" cy="0"/>
+          </a:xfrm>
+          <a:prstGeom prst="straightConnector1">
+            <a:avLst/>
+          </a:prstGeom>
+          <a:ln w="25400">
+            <a:tailEnd type="none"/>
+          </a:ln>
+        </p:spPr>
+        <p:style>
+          <a:lnRef idx="1">
+            <a:schemeClr val="accent1"/>
+          </a:lnRef>
+          <a:fillRef idx="0">
+            <a:schemeClr val="accent1"/>
+          </a:fillRef>
+          <a:effectRef idx="0">
+            <a:schemeClr val="accent1"/>
+          </a:effectRef>
+          <a:fontRef idx="minor">
+            <a:schemeClr val="tx1"/>
+          </a:fontRef>
+        </p:style>
+      </p:cxnSp>
+      <p:cxnSp>
+        <p:nvCxnSpPr>
+          <p:cNvPr id="84" name="Connecteur droit avec flèche 83">
+            <a:extLst>
+              <a:ext uri="{FF2B5EF4-FFF2-40B4-BE49-F238E27FC236}">
+                <a16:creationId xmlns="" xmlns:a16="http://schemas.microsoft.com/office/drawing/2014/main" xmlns:lc="http://schemas.openxmlformats.org/drawingml/2006/lockedCanvas" id="{2671D7D3-4838-4656-8E59-51270B18B09E}"/>
+              </a:ext>
+            </a:extLst>
+          </p:cNvPr>
+          <p:cNvCxnSpPr>
+            <a:cxnSpLocks/>
+            <a:stCxn id="23" idx="1"/>
+            <a:endCxn id="69" idx="3"/>
+          </p:cNvCxnSpPr>
+          <p:nvPr/>
+        </p:nvCxnSpPr>
+        <p:spPr>
+          <a:xfrm>
+            <a:off x="7595112" y="3053509"/>
+            <a:ext cx="449366" cy="7266"/>
+          </a:xfrm>
+          <a:prstGeom prst="straightConnector1">
+            <a:avLst/>
+          </a:prstGeom>
+          <a:ln w="25400">
+            <a:tailEnd type="none"/>
+          </a:ln>
+        </p:spPr>
+        <p:style>
+          <a:lnRef idx="1">
+            <a:schemeClr val="accent1"/>
+          </a:lnRef>
+          <a:fillRef idx="0">
+            <a:schemeClr val="accent1"/>
+          </a:fillRef>
+          <a:effectRef idx="0">
+            <a:schemeClr val="accent1"/>
+          </a:effectRef>
+          <a:fontRef idx="minor">
+            <a:schemeClr val="tx1"/>
+          </a:fontRef>
+        </p:style>
+      </p:cxnSp>
+      <p:cxnSp>
+        <p:nvCxnSpPr>
+          <p:cNvPr id="88" name="Connecteur droit avec flèche 87">
+            <a:extLst>
+              <a:ext uri="{FF2B5EF4-FFF2-40B4-BE49-F238E27FC236}">
+                <a16:creationId xmlns="" xmlns:a16="http://schemas.microsoft.com/office/drawing/2014/main" xmlns:lc="http://schemas.openxmlformats.org/drawingml/2006/lockedCanvas" id="{2671D7D3-4838-4656-8E59-51270B18B09E}"/>
+              </a:ext>
+            </a:extLst>
+          </p:cNvPr>
+          <p:cNvCxnSpPr>
+            <a:cxnSpLocks/>
+            <a:stCxn id="65" idx="1"/>
+            <a:endCxn id="47" idx="3"/>
+          </p:cNvCxnSpPr>
+          <p:nvPr/>
+        </p:nvCxnSpPr>
+        <p:spPr>
+          <a:xfrm flipV="1">
+            <a:off x="1121111" y="4263326"/>
+            <a:ext cx="494687" cy="395550"/>
+          </a:xfrm>
+          <a:prstGeom prst="straightConnector1">
+            <a:avLst/>
+          </a:prstGeom>
+          <a:ln w="25400">
+            <a:tailEnd type="none"/>
+          </a:ln>
+        </p:spPr>
+        <p:style>
+          <a:lnRef idx="1">
+            <a:schemeClr val="accent1"/>
+          </a:lnRef>
+          <a:fillRef idx="0">
+            <a:schemeClr val="accent1"/>
+          </a:fillRef>
+          <a:effectRef idx="0">
+            <a:schemeClr val="accent1"/>
+          </a:effectRef>
+          <a:fontRef idx="minor">
+            <a:schemeClr val="tx1"/>
+          </a:fontRef>
+        </p:style>
+      </p:cxnSp>
+      <p:cxnSp>
+        <p:nvCxnSpPr>
+          <p:cNvPr id="91" name="Connecteur droit avec flèche 90">
+            <a:extLst>
+              <a:ext uri="{FF2B5EF4-FFF2-40B4-BE49-F238E27FC236}">
+                <a16:creationId xmlns="" xmlns:a16="http://schemas.microsoft.com/office/drawing/2014/main" xmlns:lc="http://schemas.openxmlformats.org/drawingml/2006/lockedCanvas" id="{2671D7D3-4838-4656-8E59-51270B18B09E}"/>
+              </a:ext>
+            </a:extLst>
+          </p:cNvPr>
+          <p:cNvCxnSpPr>
+            <a:cxnSpLocks/>
+            <a:stCxn id="67" idx="3"/>
+            <a:endCxn id="51" idx="1"/>
+          </p:cNvCxnSpPr>
+          <p:nvPr/>
+        </p:nvCxnSpPr>
+        <p:spPr>
+          <a:xfrm flipH="1" flipV="1">
+            <a:off x="7611351" y="4193911"/>
+            <a:ext cx="427154" cy="408513"/>
+          </a:xfrm>
+          <a:prstGeom prst="straightConnector1">
+            <a:avLst/>
+          </a:prstGeom>
+          <a:ln w="25400">
+            <a:tailEnd type="none"/>
+          </a:ln>
+        </p:spPr>
+        <p:style>
+          <a:lnRef idx="1">
+            <a:schemeClr val="accent1"/>
+          </a:lnRef>
+          <a:fillRef idx="0">
+            <a:schemeClr val="accent1"/>
+          </a:fillRef>
+          <a:effectRef idx="0">
+            <a:schemeClr val="accent1"/>
+          </a:effectRef>
+          <a:fontRef idx="minor">
+            <a:schemeClr val="tx1"/>
+          </a:fontRef>
+        </p:style>
+      </p:cxnSp>
       <p:sp>
         <p:nvSpPr>
-          <p:cNvPr id="71" name="Rectangle à coins arrondis 70">
+          <p:cNvPr id="3" name="ZoneTexte 2"/>
+          <p:cNvSpPr txBox="1"/>
+          <p:nvPr/>
+        </p:nvSpPr>
+        <p:spPr>
+          <a:xfrm>
+            <a:off x="1277890" y="1577130"/>
+            <a:ext cx="1697901" cy="369332"/>
+          </a:xfrm>
+          <a:prstGeom prst="rect">
+            <a:avLst/>
+          </a:prstGeom>
+          <a:noFill/>
+        </p:spPr>
+        <p:txBody>
+          <a:bodyPr wrap="none" rtlCol="0">
+            <a:spAutoFit/>
+          </a:bodyPr>
+          <a:lstStyle/>
+          <a:p>
+            <a:r>
+              <a:rPr lang="fr-FR" dirty="0" smtClean="0"/>
+              <a:t>Cluster Consul</a:t>
+            </a:r>
+            <a:endParaRPr lang="fr-FR" dirty="0"/>
+          </a:p>
+        </p:txBody>
+      </p:sp>
+      <p:grpSp>
+        <p:nvGrpSpPr>
+          <p:cNvPr id="7" name="Groupe 6"/>
+          <p:cNvGrpSpPr/>
+          <p:nvPr/>
+        </p:nvGrpSpPr>
+        <p:grpSpPr>
+          <a:xfrm>
+            <a:off x="1610745" y="2572627"/>
+            <a:ext cx="1871142" cy="972779"/>
+            <a:chOff x="1411867" y="3212974"/>
+            <a:chExt cx="1871142" cy="972779"/>
+          </a:xfrm>
+        </p:grpSpPr>
+        <p:grpSp>
+          <p:nvGrpSpPr>
+            <p:cNvPr id="15" name="Groupe 14">
+              <a:extLst>
+                <a:ext uri="{FF2B5EF4-FFF2-40B4-BE49-F238E27FC236}">
+                  <a16:creationId xmlns="" xmlns:a16="http://schemas.microsoft.com/office/drawing/2014/main" xmlns:lc="http://schemas.openxmlformats.org/drawingml/2006/lockedCanvas" id="{E0E230ED-9E76-46B5-92C4-AB7962005D3F}"/>
+                </a:ext>
+              </a:extLst>
+            </p:cNvPr>
+            <p:cNvGrpSpPr/>
+            <p:nvPr/>
+          </p:nvGrpSpPr>
+          <p:grpSpPr>
+            <a:xfrm>
+              <a:off x="1411867" y="3212974"/>
+              <a:ext cx="1871142" cy="972779"/>
+              <a:chOff x="2155105" y="3861048"/>
+              <a:chExt cx="1336774" cy="720080"/>
+            </a:xfrm>
+            <a:solidFill>
+              <a:schemeClr val="bg1"/>
+            </a:solidFill>
+          </p:grpSpPr>
+          <p:pic>
+            <p:nvPicPr>
+              <p:cNvPr id="26" name="Image 25">
+                <a:extLst>
+                  <a:ext uri="{FF2B5EF4-FFF2-40B4-BE49-F238E27FC236}">
+                    <a16:creationId xmlns="" xmlns:a16="http://schemas.microsoft.com/office/drawing/2014/main" xmlns:lc="http://schemas.openxmlformats.org/drawingml/2006/lockedCanvas" id="{8A3CA8B9-B9C7-4C5E-945E-30789F67099A}"/>
+                  </a:ext>
+                </a:extLst>
+              </p:cNvPr>
+              <p:cNvPicPr>
+                <a:picLocks noChangeAspect="1"/>
+              </p:cNvPicPr>
+              <p:nvPr/>
+            </p:nvPicPr>
+            <p:blipFill>
+              <a:blip r:embed="rId2" cstate="print">
+                <a:extLst>
+                  <a:ext uri="{28A0092B-C50C-407E-A947-70E740481C1C}">
+                    <a14:useLocalDpi xmlns:a14="http://schemas.microsoft.com/office/drawing/2010/main" val="0"/>
+                  </a:ext>
+                </a:extLst>
+              </a:blip>
+              <a:stretch>
+                <a:fillRect/>
+              </a:stretch>
+            </p:blipFill>
+            <p:spPr>
+              <a:xfrm>
+                <a:off x="2204094" y="3905903"/>
+                <a:ext cx="612028" cy="263259"/>
+              </a:xfrm>
+              <a:prstGeom prst="rect">
+                <a:avLst/>
+              </a:prstGeom>
+              <a:grpFill/>
+            </p:spPr>
+          </p:pic>
+          <p:sp>
+            <p:nvSpPr>
+              <p:cNvPr id="27" name="Rectangle à coins arrondis 26">
+                <a:extLst>
+                  <a:ext uri="{FF2B5EF4-FFF2-40B4-BE49-F238E27FC236}">
+                    <a16:creationId xmlns="" xmlns:a16="http://schemas.microsoft.com/office/drawing/2014/main" xmlns:lc="http://schemas.openxmlformats.org/drawingml/2006/lockedCanvas" id="{D95582EE-8B26-42D1-A65F-CB3D8ACB3AAF}"/>
+                  </a:ext>
+                </a:extLst>
+              </p:cNvPr>
+              <p:cNvSpPr/>
+              <p:nvPr/>
+            </p:nvSpPr>
+            <p:spPr>
+              <a:xfrm flipH="1">
+                <a:off x="2155105" y="3861048"/>
+                <a:ext cx="1336774" cy="720080"/>
+              </a:xfrm>
+              <a:prstGeom prst="roundRect">
+                <a:avLst>
+                  <a:gd name="adj" fmla="val 9644"/>
+                </a:avLst>
+              </a:prstGeom>
+              <a:grpFill/>
+            </p:spPr>
+            <p:style>
+              <a:lnRef idx="2">
+                <a:schemeClr val="accent1">
+                  <a:shade val="50000"/>
+                </a:schemeClr>
+              </a:lnRef>
+              <a:fillRef idx="1">
+                <a:schemeClr val="accent1"/>
+              </a:fillRef>
+              <a:effectRef idx="0">
+                <a:schemeClr val="accent1"/>
+              </a:effectRef>
+              <a:fontRef idx="minor">
+                <a:schemeClr val="lt1"/>
+              </a:fontRef>
+            </p:style>
+            <p:txBody>
+              <a:bodyPr rtlCol="0" anchor="ctr"/>
+              <a:lstStyle>
+                <a:defPPr>
+                  <a:defRPr lang="fr-FR"/>
+                </a:defPPr>
+                <a:lvl1pPr algn="l" rtl="0" fontAlgn="base">
+                  <a:spcBef>
+                    <a:spcPct val="0"/>
+                  </a:spcBef>
+                  <a:spcAft>
+                    <a:spcPct val="0"/>
+                  </a:spcAft>
+                  <a:defRPr kern="1200">
+                    <a:solidFill>
+                      <a:schemeClr val="lt1"/>
+                    </a:solidFill>
+                    <a:latin typeface="+mn-lt"/>
+                    <a:ea typeface="+mn-ea"/>
+                    <a:cs typeface="+mn-cs"/>
+                  </a:defRPr>
+                </a:lvl1pPr>
+                <a:lvl2pPr marL="457200" algn="l" rtl="0" fontAlgn="base">
+                  <a:spcBef>
+                    <a:spcPct val="0"/>
+                  </a:spcBef>
+                  <a:spcAft>
+                    <a:spcPct val="0"/>
+                  </a:spcAft>
+                  <a:defRPr kern="1200">
+                    <a:solidFill>
+                      <a:schemeClr val="lt1"/>
+                    </a:solidFill>
+                    <a:latin typeface="+mn-lt"/>
+                    <a:ea typeface="+mn-ea"/>
+                    <a:cs typeface="+mn-cs"/>
+                  </a:defRPr>
+                </a:lvl2pPr>
+                <a:lvl3pPr marL="914400" algn="l" rtl="0" fontAlgn="base">
+                  <a:spcBef>
+                    <a:spcPct val="0"/>
+                  </a:spcBef>
+                  <a:spcAft>
+                    <a:spcPct val="0"/>
+                  </a:spcAft>
+                  <a:defRPr kern="1200">
+                    <a:solidFill>
+                      <a:schemeClr val="lt1"/>
+                    </a:solidFill>
+                    <a:latin typeface="+mn-lt"/>
+                    <a:ea typeface="+mn-ea"/>
+                    <a:cs typeface="+mn-cs"/>
+                  </a:defRPr>
+                </a:lvl3pPr>
+                <a:lvl4pPr marL="1371600" algn="l" rtl="0" fontAlgn="base">
+                  <a:spcBef>
+                    <a:spcPct val="0"/>
+                  </a:spcBef>
+                  <a:spcAft>
+                    <a:spcPct val="0"/>
+                  </a:spcAft>
+                  <a:defRPr kern="1200">
+                    <a:solidFill>
+                      <a:schemeClr val="lt1"/>
+                    </a:solidFill>
+                    <a:latin typeface="+mn-lt"/>
+                    <a:ea typeface="+mn-ea"/>
+                    <a:cs typeface="+mn-cs"/>
+                  </a:defRPr>
+                </a:lvl4pPr>
+                <a:lvl5pPr marL="1828800" algn="l" rtl="0" fontAlgn="base">
+                  <a:spcBef>
+                    <a:spcPct val="0"/>
+                  </a:spcBef>
+                  <a:spcAft>
+                    <a:spcPct val="0"/>
+                  </a:spcAft>
+                  <a:defRPr kern="1200">
+                    <a:solidFill>
+                      <a:schemeClr val="lt1"/>
+                    </a:solidFill>
+                    <a:latin typeface="+mn-lt"/>
+                    <a:ea typeface="+mn-ea"/>
+                    <a:cs typeface="+mn-cs"/>
+                  </a:defRPr>
+                </a:lvl5pPr>
+                <a:lvl6pPr marL="2286000" algn="l" defTabSz="914400" rtl="0" eaLnBrk="1" latinLnBrk="0" hangingPunct="1">
+                  <a:defRPr kern="1200">
+                    <a:solidFill>
+                      <a:schemeClr val="lt1"/>
+                    </a:solidFill>
+                    <a:latin typeface="+mn-lt"/>
+                    <a:ea typeface="+mn-ea"/>
+                    <a:cs typeface="+mn-cs"/>
+                  </a:defRPr>
+                </a:lvl6pPr>
+                <a:lvl7pPr marL="2743200" algn="l" defTabSz="914400" rtl="0" eaLnBrk="1" latinLnBrk="0" hangingPunct="1">
+                  <a:defRPr kern="1200">
+                    <a:solidFill>
+                      <a:schemeClr val="lt1"/>
+                    </a:solidFill>
+                    <a:latin typeface="+mn-lt"/>
+                    <a:ea typeface="+mn-ea"/>
+                    <a:cs typeface="+mn-cs"/>
+                  </a:defRPr>
+                </a:lvl7pPr>
+                <a:lvl8pPr marL="3200400" algn="l" defTabSz="914400" rtl="0" eaLnBrk="1" latinLnBrk="0" hangingPunct="1">
+                  <a:defRPr kern="1200">
+                    <a:solidFill>
+                      <a:schemeClr val="lt1"/>
+                    </a:solidFill>
+                    <a:latin typeface="+mn-lt"/>
+                    <a:ea typeface="+mn-ea"/>
+                    <a:cs typeface="+mn-cs"/>
+                  </a:defRPr>
+                </a:lvl8pPr>
+                <a:lvl9pPr marL="3657600" algn="l" defTabSz="914400" rtl="0" eaLnBrk="1" latinLnBrk="0" hangingPunct="1">
+                  <a:defRPr kern="1200">
+                    <a:solidFill>
+                      <a:schemeClr val="lt1"/>
+                    </a:solidFill>
+                    <a:latin typeface="+mn-lt"/>
+                    <a:ea typeface="+mn-ea"/>
+                    <a:cs typeface="+mn-cs"/>
+                  </a:defRPr>
+                </a:lvl9pPr>
+              </a:lstStyle>
+              <a:p>
+                <a:pPr algn="ctr"/>
+                <a:endParaRPr lang="fr-FR"/>
+              </a:p>
+            </p:txBody>
+          </p:sp>
+        </p:grpSp>
+        <p:sp>
+          <p:nvSpPr>
+            <p:cNvPr id="40" name="ZoneTexte 39"/>
+            <p:cNvSpPr txBox="1"/>
+            <p:nvPr/>
+          </p:nvSpPr>
+          <p:spPr>
+            <a:xfrm>
+              <a:off x="1789376" y="3629215"/>
+              <a:ext cx="1116124" cy="369332"/>
+            </a:xfrm>
+            <a:prstGeom prst="rect">
+              <a:avLst/>
+            </a:prstGeom>
+            <a:noFill/>
+          </p:spPr>
+          <p:txBody>
+            <a:bodyPr wrap="square" rtlCol="0">
+              <a:spAutoFit/>
+            </a:bodyPr>
+            <a:lstStyle/>
+            <a:p>
+              <a:r>
+                <a:rPr lang="fr-FR" dirty="0" smtClean="0"/>
+                <a:t>Server-B</a:t>
+              </a:r>
+              <a:endParaRPr lang="fr-FR" dirty="0"/>
+            </a:p>
+          </p:txBody>
+        </p:sp>
+        <p:pic>
+          <p:nvPicPr>
+            <p:cNvPr id="55" name="Image 54">
+              <a:extLst>
+                <a:ext uri="{FF2B5EF4-FFF2-40B4-BE49-F238E27FC236}">
+                  <a16:creationId xmlns="" xmlns:a16="http://schemas.microsoft.com/office/drawing/2014/main" xmlns:lc="http://schemas.openxmlformats.org/drawingml/2006/lockedCanvas" id="{8A3CA8B9-B9C7-4C5E-945E-30789F67099A}"/>
+                </a:ext>
+              </a:extLst>
+            </p:cNvPr>
+            <p:cNvPicPr>
+              <a:picLocks noChangeAspect="1"/>
+            </p:cNvPicPr>
+            <p:nvPr/>
+          </p:nvPicPr>
+          <p:blipFill>
+            <a:blip r:embed="rId2" cstate="print">
+              <a:extLst>
+                <a:ext uri="{28A0092B-C50C-407E-A947-70E740481C1C}">
+                  <a14:useLocalDpi xmlns:a14="http://schemas.microsoft.com/office/drawing/2010/main" val="0"/>
+                </a:ext>
+              </a:extLst>
+            </a:blip>
+            <a:stretch>
+              <a:fillRect/>
+            </a:stretch>
+          </p:blipFill>
+          <p:spPr>
+            <a:xfrm>
+              <a:off x="1495122" y="3251822"/>
+              <a:ext cx="876286" cy="363783"/>
+            </a:xfrm>
+            <a:prstGeom prst="rect">
+              <a:avLst/>
+            </a:prstGeom>
+          </p:spPr>
+        </p:pic>
+      </p:grpSp>
+      <p:grpSp>
+        <p:nvGrpSpPr>
+          <p:cNvPr id="4" name="Groupe 3"/>
+          <p:cNvGrpSpPr/>
+          <p:nvPr/>
+        </p:nvGrpSpPr>
+        <p:grpSpPr>
+          <a:xfrm>
+            <a:off x="1615798" y="3776936"/>
+            <a:ext cx="1871142" cy="972779"/>
+            <a:chOff x="2548410" y="4549332"/>
+            <a:chExt cx="1871142" cy="972779"/>
+          </a:xfrm>
+        </p:grpSpPr>
+        <p:grpSp>
+          <p:nvGrpSpPr>
+            <p:cNvPr id="45" name="Groupe 44">
+              <a:extLst>
+                <a:ext uri="{FF2B5EF4-FFF2-40B4-BE49-F238E27FC236}">
+                  <a16:creationId xmlns="" xmlns:a16="http://schemas.microsoft.com/office/drawing/2014/main" xmlns:lc="http://schemas.openxmlformats.org/drawingml/2006/lockedCanvas" id="{E0E230ED-9E76-46B5-92C4-AB7962005D3F}"/>
+                </a:ext>
+              </a:extLst>
+            </p:cNvPr>
+            <p:cNvGrpSpPr/>
+            <p:nvPr/>
+          </p:nvGrpSpPr>
+          <p:grpSpPr>
+            <a:xfrm>
+              <a:off x="2548410" y="4549332"/>
+              <a:ext cx="1871142" cy="972779"/>
+              <a:chOff x="2155105" y="3861048"/>
+              <a:chExt cx="1336774" cy="720080"/>
+            </a:xfrm>
+            <a:solidFill>
+              <a:schemeClr val="bg1"/>
+            </a:solidFill>
+          </p:grpSpPr>
+          <p:pic>
+            <p:nvPicPr>
+              <p:cNvPr id="46" name="Image 45">
+                <a:extLst>
+                  <a:ext uri="{FF2B5EF4-FFF2-40B4-BE49-F238E27FC236}">
+                    <a16:creationId xmlns="" xmlns:a16="http://schemas.microsoft.com/office/drawing/2014/main" xmlns:lc="http://schemas.openxmlformats.org/drawingml/2006/lockedCanvas" id="{8A3CA8B9-B9C7-4C5E-945E-30789F67099A}"/>
+                  </a:ext>
+                </a:extLst>
+              </p:cNvPr>
+              <p:cNvPicPr>
+                <a:picLocks noChangeAspect="1"/>
+              </p:cNvPicPr>
+              <p:nvPr/>
+            </p:nvPicPr>
+            <p:blipFill>
+              <a:blip r:embed="rId2" cstate="print">
+                <a:extLst>
+                  <a:ext uri="{28A0092B-C50C-407E-A947-70E740481C1C}">
+                    <a14:useLocalDpi xmlns:a14="http://schemas.microsoft.com/office/drawing/2010/main" val="0"/>
+                  </a:ext>
+                </a:extLst>
+              </a:blip>
+              <a:stretch>
+                <a:fillRect/>
+              </a:stretch>
+            </p:blipFill>
+            <p:spPr>
+              <a:xfrm>
+                <a:off x="2204095" y="3905903"/>
+                <a:ext cx="517589" cy="222637"/>
+              </a:xfrm>
+              <a:prstGeom prst="rect">
+                <a:avLst/>
+              </a:prstGeom>
+              <a:grpFill/>
+            </p:spPr>
+          </p:pic>
+          <p:sp>
+            <p:nvSpPr>
+              <p:cNvPr id="47" name="Rectangle à coins arrondis 46">
+                <a:extLst>
+                  <a:ext uri="{FF2B5EF4-FFF2-40B4-BE49-F238E27FC236}">
+                    <a16:creationId xmlns="" xmlns:a16="http://schemas.microsoft.com/office/drawing/2014/main" xmlns:lc="http://schemas.openxmlformats.org/drawingml/2006/lockedCanvas" id="{D95582EE-8B26-42D1-A65F-CB3D8ACB3AAF}"/>
+                  </a:ext>
+                </a:extLst>
+              </p:cNvPr>
+              <p:cNvSpPr/>
+              <p:nvPr/>
+            </p:nvSpPr>
+            <p:spPr>
+              <a:xfrm flipH="1">
+                <a:off x="2155105" y="3861048"/>
+                <a:ext cx="1336774" cy="720080"/>
+              </a:xfrm>
+              <a:prstGeom prst="roundRect">
+                <a:avLst>
+                  <a:gd name="adj" fmla="val 9644"/>
+                </a:avLst>
+              </a:prstGeom>
+              <a:grpFill/>
+            </p:spPr>
+            <p:style>
+              <a:lnRef idx="2">
+                <a:schemeClr val="accent1">
+                  <a:shade val="50000"/>
+                </a:schemeClr>
+              </a:lnRef>
+              <a:fillRef idx="1">
+                <a:schemeClr val="accent1"/>
+              </a:fillRef>
+              <a:effectRef idx="0">
+                <a:schemeClr val="accent1"/>
+              </a:effectRef>
+              <a:fontRef idx="minor">
+                <a:schemeClr val="lt1"/>
+              </a:fontRef>
+            </p:style>
+            <p:txBody>
+              <a:bodyPr rtlCol="0" anchor="ctr"/>
+              <a:lstStyle>
+                <a:defPPr>
+                  <a:defRPr lang="fr-FR"/>
+                </a:defPPr>
+                <a:lvl1pPr algn="l" rtl="0" fontAlgn="base">
+                  <a:spcBef>
+                    <a:spcPct val="0"/>
+                  </a:spcBef>
+                  <a:spcAft>
+                    <a:spcPct val="0"/>
+                  </a:spcAft>
+                  <a:defRPr kern="1200">
+                    <a:solidFill>
+                      <a:schemeClr val="lt1"/>
+                    </a:solidFill>
+                    <a:latin typeface="+mn-lt"/>
+                    <a:ea typeface="+mn-ea"/>
+                    <a:cs typeface="+mn-cs"/>
+                  </a:defRPr>
+                </a:lvl1pPr>
+                <a:lvl2pPr marL="457200" algn="l" rtl="0" fontAlgn="base">
+                  <a:spcBef>
+                    <a:spcPct val="0"/>
+                  </a:spcBef>
+                  <a:spcAft>
+                    <a:spcPct val="0"/>
+                  </a:spcAft>
+                  <a:defRPr kern="1200">
+                    <a:solidFill>
+                      <a:schemeClr val="lt1"/>
+                    </a:solidFill>
+                    <a:latin typeface="+mn-lt"/>
+                    <a:ea typeface="+mn-ea"/>
+                    <a:cs typeface="+mn-cs"/>
+                  </a:defRPr>
+                </a:lvl2pPr>
+                <a:lvl3pPr marL="914400" algn="l" rtl="0" fontAlgn="base">
+                  <a:spcBef>
+                    <a:spcPct val="0"/>
+                  </a:spcBef>
+                  <a:spcAft>
+                    <a:spcPct val="0"/>
+                  </a:spcAft>
+                  <a:defRPr kern="1200">
+                    <a:solidFill>
+                      <a:schemeClr val="lt1"/>
+                    </a:solidFill>
+                    <a:latin typeface="+mn-lt"/>
+                    <a:ea typeface="+mn-ea"/>
+                    <a:cs typeface="+mn-cs"/>
+                  </a:defRPr>
+                </a:lvl3pPr>
+                <a:lvl4pPr marL="1371600" algn="l" rtl="0" fontAlgn="base">
+                  <a:spcBef>
+                    <a:spcPct val="0"/>
+                  </a:spcBef>
+                  <a:spcAft>
+                    <a:spcPct val="0"/>
+                  </a:spcAft>
+                  <a:defRPr kern="1200">
+                    <a:solidFill>
+                      <a:schemeClr val="lt1"/>
+                    </a:solidFill>
+                    <a:latin typeface="+mn-lt"/>
+                    <a:ea typeface="+mn-ea"/>
+                    <a:cs typeface="+mn-cs"/>
+                  </a:defRPr>
+                </a:lvl4pPr>
+                <a:lvl5pPr marL="1828800" algn="l" rtl="0" fontAlgn="base">
+                  <a:spcBef>
+                    <a:spcPct val="0"/>
+                  </a:spcBef>
+                  <a:spcAft>
+                    <a:spcPct val="0"/>
+                  </a:spcAft>
+                  <a:defRPr kern="1200">
+                    <a:solidFill>
+                      <a:schemeClr val="lt1"/>
+                    </a:solidFill>
+                    <a:latin typeface="+mn-lt"/>
+                    <a:ea typeface="+mn-ea"/>
+                    <a:cs typeface="+mn-cs"/>
+                  </a:defRPr>
+                </a:lvl5pPr>
+                <a:lvl6pPr marL="2286000" algn="l" defTabSz="914400" rtl="0" eaLnBrk="1" latinLnBrk="0" hangingPunct="1">
+                  <a:defRPr kern="1200">
+                    <a:solidFill>
+                      <a:schemeClr val="lt1"/>
+                    </a:solidFill>
+                    <a:latin typeface="+mn-lt"/>
+                    <a:ea typeface="+mn-ea"/>
+                    <a:cs typeface="+mn-cs"/>
+                  </a:defRPr>
+                </a:lvl6pPr>
+                <a:lvl7pPr marL="2743200" algn="l" defTabSz="914400" rtl="0" eaLnBrk="1" latinLnBrk="0" hangingPunct="1">
+                  <a:defRPr kern="1200">
+                    <a:solidFill>
+                      <a:schemeClr val="lt1"/>
+                    </a:solidFill>
+                    <a:latin typeface="+mn-lt"/>
+                    <a:ea typeface="+mn-ea"/>
+                    <a:cs typeface="+mn-cs"/>
+                  </a:defRPr>
+                </a:lvl7pPr>
+                <a:lvl8pPr marL="3200400" algn="l" defTabSz="914400" rtl="0" eaLnBrk="1" latinLnBrk="0" hangingPunct="1">
+                  <a:defRPr kern="1200">
+                    <a:solidFill>
+                      <a:schemeClr val="lt1"/>
+                    </a:solidFill>
+                    <a:latin typeface="+mn-lt"/>
+                    <a:ea typeface="+mn-ea"/>
+                    <a:cs typeface="+mn-cs"/>
+                  </a:defRPr>
+                </a:lvl8pPr>
+                <a:lvl9pPr marL="3657600" algn="l" defTabSz="914400" rtl="0" eaLnBrk="1" latinLnBrk="0" hangingPunct="1">
+                  <a:defRPr kern="1200">
+                    <a:solidFill>
+                      <a:schemeClr val="lt1"/>
+                    </a:solidFill>
+                    <a:latin typeface="+mn-lt"/>
+                    <a:ea typeface="+mn-ea"/>
+                    <a:cs typeface="+mn-cs"/>
+                  </a:defRPr>
+                </a:lvl9pPr>
+              </a:lstStyle>
+              <a:p>
+                <a:pPr algn="ctr"/>
+                <a:endParaRPr lang="fr-FR"/>
+              </a:p>
+            </p:txBody>
+          </p:sp>
+        </p:grpSp>
+        <p:sp>
+          <p:nvSpPr>
+            <p:cNvPr id="48" name="ZoneTexte 47"/>
+            <p:cNvSpPr txBox="1"/>
+            <p:nvPr/>
+          </p:nvSpPr>
+          <p:spPr>
+            <a:xfrm>
+              <a:off x="2925919" y="4926263"/>
+              <a:ext cx="1116124" cy="369332"/>
+            </a:xfrm>
+            <a:prstGeom prst="rect">
+              <a:avLst/>
+            </a:prstGeom>
+            <a:noFill/>
+          </p:spPr>
+          <p:txBody>
+            <a:bodyPr wrap="square" rtlCol="0">
+              <a:spAutoFit/>
+            </a:bodyPr>
+            <a:lstStyle/>
+            <a:p>
+              <a:r>
+                <a:rPr lang="fr-FR" dirty="0" smtClean="0"/>
+                <a:t>Client-UI</a:t>
+              </a:r>
+              <a:endParaRPr lang="fr-FR" sz="1200" i="1" dirty="0"/>
+            </a:p>
+          </p:txBody>
+        </p:sp>
+        <p:pic>
+          <p:nvPicPr>
+            <p:cNvPr id="56" name="Image 55">
+              <a:extLst>
+                <a:ext uri="{FF2B5EF4-FFF2-40B4-BE49-F238E27FC236}">
+                  <a16:creationId xmlns="" xmlns:a16="http://schemas.microsoft.com/office/drawing/2014/main" xmlns:lc="http://schemas.openxmlformats.org/drawingml/2006/lockedCanvas" id="{8A3CA8B9-B9C7-4C5E-945E-30789F67099A}"/>
+                </a:ext>
+              </a:extLst>
+            </p:cNvPr>
+            <p:cNvPicPr>
+              <a:picLocks noChangeAspect="1"/>
+            </p:cNvPicPr>
+            <p:nvPr/>
+          </p:nvPicPr>
+          <p:blipFill>
+            <a:blip r:embed="rId2" cstate="print">
+              <a:extLst>
+                <a:ext uri="{28A0092B-C50C-407E-A947-70E740481C1C}">
+                  <a14:useLocalDpi xmlns:a14="http://schemas.microsoft.com/office/drawing/2010/main" val="0"/>
+                </a:ext>
+              </a:extLst>
+            </a:blip>
+            <a:stretch>
+              <a:fillRect/>
+            </a:stretch>
+          </p:blipFill>
+          <p:spPr>
+            <a:xfrm>
+              <a:off x="2616983" y="4584994"/>
+              <a:ext cx="876286" cy="363783"/>
+            </a:xfrm>
+            <a:prstGeom prst="rect">
+              <a:avLst/>
+            </a:prstGeom>
+          </p:spPr>
+        </p:pic>
+      </p:grpSp>
+      <p:grpSp>
+        <p:nvGrpSpPr>
+          <p:cNvPr id="13" name="Groupe 12"/>
+          <p:cNvGrpSpPr/>
+          <p:nvPr/>
+        </p:nvGrpSpPr>
+        <p:grpSpPr>
+          <a:xfrm>
+            <a:off x="5740209" y="3707521"/>
+            <a:ext cx="1871142" cy="972779"/>
+            <a:chOff x="4801076" y="4549333"/>
+            <a:chExt cx="1871142" cy="972779"/>
+          </a:xfrm>
+        </p:grpSpPr>
+        <p:grpSp>
+          <p:nvGrpSpPr>
+            <p:cNvPr id="49" name="Groupe 48">
+              <a:extLst>
+                <a:ext uri="{FF2B5EF4-FFF2-40B4-BE49-F238E27FC236}">
+                  <a16:creationId xmlns="" xmlns:a16="http://schemas.microsoft.com/office/drawing/2014/main" xmlns:lc="http://schemas.openxmlformats.org/drawingml/2006/lockedCanvas" id="{E0E230ED-9E76-46B5-92C4-AB7962005D3F}"/>
+                </a:ext>
+              </a:extLst>
+            </p:cNvPr>
+            <p:cNvGrpSpPr/>
+            <p:nvPr/>
+          </p:nvGrpSpPr>
+          <p:grpSpPr>
+            <a:xfrm>
+              <a:off x="4801076" y="4549333"/>
+              <a:ext cx="1871142" cy="972779"/>
+              <a:chOff x="2155105" y="3861048"/>
+              <a:chExt cx="1336774" cy="720080"/>
+            </a:xfrm>
+            <a:solidFill>
+              <a:schemeClr val="bg1"/>
+            </a:solidFill>
+          </p:grpSpPr>
+          <p:pic>
+            <p:nvPicPr>
+              <p:cNvPr id="50" name="Image 49">
+                <a:extLst>
+                  <a:ext uri="{FF2B5EF4-FFF2-40B4-BE49-F238E27FC236}">
+                    <a16:creationId xmlns="" xmlns:a16="http://schemas.microsoft.com/office/drawing/2014/main" xmlns:lc="http://schemas.openxmlformats.org/drawingml/2006/lockedCanvas" id="{8A3CA8B9-B9C7-4C5E-945E-30789F67099A}"/>
+                  </a:ext>
+                </a:extLst>
+              </p:cNvPr>
+              <p:cNvPicPr>
+                <a:picLocks noChangeAspect="1"/>
+              </p:cNvPicPr>
+              <p:nvPr/>
+            </p:nvPicPr>
+            <p:blipFill>
+              <a:blip r:embed="rId2" cstate="print">
+                <a:extLst>
+                  <a:ext uri="{28A0092B-C50C-407E-A947-70E740481C1C}">
+                    <a14:useLocalDpi xmlns:a14="http://schemas.microsoft.com/office/drawing/2010/main" val="0"/>
+                  </a:ext>
+                </a:extLst>
+              </a:blip>
+              <a:stretch>
+                <a:fillRect/>
+              </a:stretch>
+            </p:blipFill>
+            <p:spPr>
+              <a:xfrm>
+                <a:off x="2204095" y="3905903"/>
+                <a:ext cx="517589" cy="222637"/>
+              </a:xfrm>
+              <a:prstGeom prst="rect">
+                <a:avLst/>
+              </a:prstGeom>
+              <a:grpFill/>
+            </p:spPr>
+          </p:pic>
+          <p:sp>
+            <p:nvSpPr>
+              <p:cNvPr id="51" name="Rectangle à coins arrondis 50">
+                <a:extLst>
+                  <a:ext uri="{FF2B5EF4-FFF2-40B4-BE49-F238E27FC236}">
+                    <a16:creationId xmlns="" xmlns:a16="http://schemas.microsoft.com/office/drawing/2014/main" xmlns:lc="http://schemas.openxmlformats.org/drawingml/2006/lockedCanvas" id="{D95582EE-8B26-42D1-A65F-CB3D8ACB3AAF}"/>
+                  </a:ext>
+                </a:extLst>
+              </p:cNvPr>
+              <p:cNvSpPr/>
+              <p:nvPr/>
+            </p:nvSpPr>
+            <p:spPr>
+              <a:xfrm flipH="1">
+                <a:off x="2155105" y="3861048"/>
+                <a:ext cx="1336774" cy="720080"/>
+              </a:xfrm>
+              <a:prstGeom prst="roundRect">
+                <a:avLst>
+                  <a:gd name="adj" fmla="val 9644"/>
+                </a:avLst>
+              </a:prstGeom>
+              <a:grpFill/>
+            </p:spPr>
+            <p:style>
+              <a:lnRef idx="2">
+                <a:schemeClr val="accent1">
+                  <a:shade val="50000"/>
+                </a:schemeClr>
+              </a:lnRef>
+              <a:fillRef idx="1">
+                <a:schemeClr val="accent1"/>
+              </a:fillRef>
+              <a:effectRef idx="0">
+                <a:schemeClr val="accent1"/>
+              </a:effectRef>
+              <a:fontRef idx="minor">
+                <a:schemeClr val="lt1"/>
+              </a:fontRef>
+            </p:style>
+            <p:txBody>
+              <a:bodyPr rtlCol="0" anchor="ctr"/>
+              <a:lstStyle>
+                <a:defPPr>
+                  <a:defRPr lang="fr-FR"/>
+                </a:defPPr>
+                <a:lvl1pPr algn="l" rtl="0" fontAlgn="base">
+                  <a:spcBef>
+                    <a:spcPct val="0"/>
+                  </a:spcBef>
+                  <a:spcAft>
+                    <a:spcPct val="0"/>
+                  </a:spcAft>
+                  <a:defRPr kern="1200">
+                    <a:solidFill>
+                      <a:schemeClr val="lt1"/>
+                    </a:solidFill>
+                    <a:latin typeface="+mn-lt"/>
+                    <a:ea typeface="+mn-ea"/>
+                    <a:cs typeface="+mn-cs"/>
+                  </a:defRPr>
+                </a:lvl1pPr>
+                <a:lvl2pPr marL="457200" algn="l" rtl="0" fontAlgn="base">
+                  <a:spcBef>
+                    <a:spcPct val="0"/>
+                  </a:spcBef>
+                  <a:spcAft>
+                    <a:spcPct val="0"/>
+                  </a:spcAft>
+                  <a:defRPr kern="1200">
+                    <a:solidFill>
+                      <a:schemeClr val="lt1"/>
+                    </a:solidFill>
+                    <a:latin typeface="+mn-lt"/>
+                    <a:ea typeface="+mn-ea"/>
+                    <a:cs typeface="+mn-cs"/>
+                  </a:defRPr>
+                </a:lvl2pPr>
+                <a:lvl3pPr marL="914400" algn="l" rtl="0" fontAlgn="base">
+                  <a:spcBef>
+                    <a:spcPct val="0"/>
+                  </a:spcBef>
+                  <a:spcAft>
+                    <a:spcPct val="0"/>
+                  </a:spcAft>
+                  <a:defRPr kern="1200">
+                    <a:solidFill>
+                      <a:schemeClr val="lt1"/>
+                    </a:solidFill>
+                    <a:latin typeface="+mn-lt"/>
+                    <a:ea typeface="+mn-ea"/>
+                    <a:cs typeface="+mn-cs"/>
+                  </a:defRPr>
+                </a:lvl3pPr>
+                <a:lvl4pPr marL="1371600" algn="l" rtl="0" fontAlgn="base">
+                  <a:spcBef>
+                    <a:spcPct val="0"/>
+                  </a:spcBef>
+                  <a:spcAft>
+                    <a:spcPct val="0"/>
+                  </a:spcAft>
+                  <a:defRPr kern="1200">
+                    <a:solidFill>
+                      <a:schemeClr val="lt1"/>
+                    </a:solidFill>
+                    <a:latin typeface="+mn-lt"/>
+                    <a:ea typeface="+mn-ea"/>
+                    <a:cs typeface="+mn-cs"/>
+                  </a:defRPr>
+                </a:lvl4pPr>
+                <a:lvl5pPr marL="1828800" algn="l" rtl="0" fontAlgn="base">
+                  <a:spcBef>
+                    <a:spcPct val="0"/>
+                  </a:spcBef>
+                  <a:spcAft>
+                    <a:spcPct val="0"/>
+                  </a:spcAft>
+                  <a:defRPr kern="1200">
+                    <a:solidFill>
+                      <a:schemeClr val="lt1"/>
+                    </a:solidFill>
+                    <a:latin typeface="+mn-lt"/>
+                    <a:ea typeface="+mn-ea"/>
+                    <a:cs typeface="+mn-cs"/>
+                  </a:defRPr>
+                </a:lvl5pPr>
+                <a:lvl6pPr marL="2286000" algn="l" defTabSz="914400" rtl="0" eaLnBrk="1" latinLnBrk="0" hangingPunct="1">
+                  <a:defRPr kern="1200">
+                    <a:solidFill>
+                      <a:schemeClr val="lt1"/>
+                    </a:solidFill>
+                    <a:latin typeface="+mn-lt"/>
+                    <a:ea typeface="+mn-ea"/>
+                    <a:cs typeface="+mn-cs"/>
+                  </a:defRPr>
+                </a:lvl6pPr>
+                <a:lvl7pPr marL="2743200" algn="l" defTabSz="914400" rtl="0" eaLnBrk="1" latinLnBrk="0" hangingPunct="1">
+                  <a:defRPr kern="1200">
+                    <a:solidFill>
+                      <a:schemeClr val="lt1"/>
+                    </a:solidFill>
+                    <a:latin typeface="+mn-lt"/>
+                    <a:ea typeface="+mn-ea"/>
+                    <a:cs typeface="+mn-cs"/>
+                  </a:defRPr>
+                </a:lvl7pPr>
+                <a:lvl8pPr marL="3200400" algn="l" defTabSz="914400" rtl="0" eaLnBrk="1" latinLnBrk="0" hangingPunct="1">
+                  <a:defRPr kern="1200">
+                    <a:solidFill>
+                      <a:schemeClr val="lt1"/>
+                    </a:solidFill>
+                    <a:latin typeface="+mn-lt"/>
+                    <a:ea typeface="+mn-ea"/>
+                    <a:cs typeface="+mn-cs"/>
+                  </a:defRPr>
+                </a:lvl8pPr>
+                <a:lvl9pPr marL="3657600" algn="l" defTabSz="914400" rtl="0" eaLnBrk="1" latinLnBrk="0" hangingPunct="1">
+                  <a:defRPr kern="1200">
+                    <a:solidFill>
+                      <a:schemeClr val="lt1"/>
+                    </a:solidFill>
+                    <a:latin typeface="+mn-lt"/>
+                    <a:ea typeface="+mn-ea"/>
+                    <a:cs typeface="+mn-cs"/>
+                  </a:defRPr>
+                </a:lvl9pPr>
+              </a:lstStyle>
+              <a:p>
+                <a:pPr algn="ctr"/>
+                <a:endParaRPr lang="fr-FR"/>
+              </a:p>
+            </p:txBody>
+          </p:sp>
+        </p:grpSp>
+        <p:sp>
+          <p:nvSpPr>
+            <p:cNvPr id="52" name="ZoneTexte 51"/>
+            <p:cNvSpPr txBox="1"/>
+            <p:nvPr/>
+          </p:nvSpPr>
+          <p:spPr>
+            <a:xfrm>
+              <a:off x="5172867" y="4926263"/>
+              <a:ext cx="1116124" cy="369332"/>
+            </a:xfrm>
+            <a:prstGeom prst="rect">
+              <a:avLst/>
+            </a:prstGeom>
+            <a:noFill/>
+          </p:spPr>
+          <p:txBody>
+            <a:bodyPr wrap="square" rtlCol="0">
+              <a:spAutoFit/>
+            </a:bodyPr>
+            <a:lstStyle/>
+            <a:p>
+              <a:r>
+                <a:rPr lang="fr-FR" dirty="0" smtClean="0"/>
+                <a:t>Client-B</a:t>
+              </a:r>
+              <a:endParaRPr lang="fr-FR" dirty="0"/>
+            </a:p>
+          </p:txBody>
+        </p:sp>
+        <p:pic>
+          <p:nvPicPr>
+            <p:cNvPr id="57" name="Image 56">
+              <a:extLst>
+                <a:ext uri="{FF2B5EF4-FFF2-40B4-BE49-F238E27FC236}">
+                  <a16:creationId xmlns="" xmlns:a16="http://schemas.microsoft.com/office/drawing/2014/main" xmlns:lc="http://schemas.openxmlformats.org/drawingml/2006/lockedCanvas" id="{8A3CA8B9-B9C7-4C5E-945E-30789F67099A}"/>
+                </a:ext>
+              </a:extLst>
+            </p:cNvPr>
+            <p:cNvPicPr>
+              <a:picLocks noChangeAspect="1"/>
+            </p:cNvPicPr>
+            <p:nvPr/>
+          </p:nvPicPr>
+          <p:blipFill>
+            <a:blip r:embed="rId2" cstate="print">
+              <a:extLst>
+                <a:ext uri="{28A0092B-C50C-407E-A947-70E740481C1C}">
+                  <a14:useLocalDpi xmlns:a14="http://schemas.microsoft.com/office/drawing/2010/main" val="0"/>
+                </a:ext>
+              </a:extLst>
+            </a:blip>
+            <a:stretch>
+              <a:fillRect/>
+            </a:stretch>
+          </p:blipFill>
+          <p:spPr>
+            <a:xfrm>
+              <a:off x="4857277" y="4576416"/>
+              <a:ext cx="876286" cy="363783"/>
+            </a:xfrm>
+            <a:prstGeom prst="rect">
+              <a:avLst/>
+            </a:prstGeom>
+          </p:spPr>
+        </p:pic>
+      </p:grpSp>
+      <p:grpSp>
+        <p:nvGrpSpPr>
+          <p:cNvPr id="10" name="Groupe 9"/>
+          <p:cNvGrpSpPr/>
+          <p:nvPr/>
+        </p:nvGrpSpPr>
+        <p:grpSpPr>
+          <a:xfrm>
+            <a:off x="5723970" y="2567119"/>
+            <a:ext cx="1871142" cy="972779"/>
+            <a:chOff x="5891328" y="3212974"/>
+            <a:chExt cx="1871142" cy="972779"/>
+          </a:xfrm>
+        </p:grpSpPr>
+        <p:sp>
+          <p:nvSpPr>
+            <p:cNvPr id="23" name="Rectangle à coins arrondis 22">
+              <a:extLst>
+                <a:ext uri="{FF2B5EF4-FFF2-40B4-BE49-F238E27FC236}">
+                  <a16:creationId xmlns="" xmlns:a16="http://schemas.microsoft.com/office/drawing/2014/main" xmlns:lc="http://schemas.openxmlformats.org/drawingml/2006/lockedCanvas" id="{39EF6DF5-5B2C-46F6-9EF9-79BC9ADA4131}"/>
+                </a:ext>
+              </a:extLst>
+            </p:cNvPr>
+            <p:cNvSpPr/>
+            <p:nvPr/>
+          </p:nvSpPr>
+          <p:spPr>
+            <a:xfrm flipH="1">
+              <a:off x="5891328" y="3212974"/>
+              <a:ext cx="1871142" cy="972779"/>
+            </a:xfrm>
+            <a:prstGeom prst="roundRect">
+              <a:avLst>
+                <a:gd name="adj" fmla="val 9644"/>
+              </a:avLst>
+            </a:prstGeom>
+            <a:solidFill>
+              <a:schemeClr val="bg1"/>
+            </a:solidFill>
+          </p:spPr>
+          <p:style>
+            <a:lnRef idx="2">
+              <a:schemeClr val="accent1">
+                <a:shade val="50000"/>
+              </a:schemeClr>
+            </a:lnRef>
+            <a:fillRef idx="1">
+              <a:schemeClr val="accent1"/>
+            </a:fillRef>
+            <a:effectRef idx="0">
+              <a:schemeClr val="accent1"/>
+            </a:effectRef>
+            <a:fontRef idx="minor">
+              <a:schemeClr val="lt1"/>
+            </a:fontRef>
+          </p:style>
+          <p:txBody>
+            <a:bodyPr rtlCol="0" anchor="ctr"/>
+            <a:lstStyle>
+              <a:defPPr>
+                <a:defRPr lang="fr-FR"/>
+              </a:defPPr>
+              <a:lvl1pPr algn="l" rtl="0" fontAlgn="base">
+                <a:spcBef>
+                  <a:spcPct val="0"/>
+                </a:spcBef>
+                <a:spcAft>
+                  <a:spcPct val="0"/>
+                </a:spcAft>
+                <a:defRPr kern="1200">
+                  <a:solidFill>
+                    <a:schemeClr val="lt1"/>
+                  </a:solidFill>
+                  <a:latin typeface="+mn-lt"/>
+                  <a:ea typeface="+mn-ea"/>
+                  <a:cs typeface="+mn-cs"/>
+                </a:defRPr>
+              </a:lvl1pPr>
+              <a:lvl2pPr marL="457200" algn="l" rtl="0" fontAlgn="base">
+                <a:spcBef>
+                  <a:spcPct val="0"/>
+                </a:spcBef>
+                <a:spcAft>
+                  <a:spcPct val="0"/>
+                </a:spcAft>
+                <a:defRPr kern="1200">
+                  <a:solidFill>
+                    <a:schemeClr val="lt1"/>
+                  </a:solidFill>
+                  <a:latin typeface="+mn-lt"/>
+                  <a:ea typeface="+mn-ea"/>
+                  <a:cs typeface="+mn-cs"/>
+                </a:defRPr>
+              </a:lvl2pPr>
+              <a:lvl3pPr marL="914400" algn="l" rtl="0" fontAlgn="base">
+                <a:spcBef>
+                  <a:spcPct val="0"/>
+                </a:spcBef>
+                <a:spcAft>
+                  <a:spcPct val="0"/>
+                </a:spcAft>
+                <a:defRPr kern="1200">
+                  <a:solidFill>
+                    <a:schemeClr val="lt1"/>
+                  </a:solidFill>
+                  <a:latin typeface="+mn-lt"/>
+                  <a:ea typeface="+mn-ea"/>
+                  <a:cs typeface="+mn-cs"/>
+                </a:defRPr>
+              </a:lvl3pPr>
+              <a:lvl4pPr marL="1371600" algn="l" rtl="0" fontAlgn="base">
+                <a:spcBef>
+                  <a:spcPct val="0"/>
+                </a:spcBef>
+                <a:spcAft>
+                  <a:spcPct val="0"/>
+                </a:spcAft>
+                <a:defRPr kern="1200">
+                  <a:solidFill>
+                    <a:schemeClr val="lt1"/>
+                  </a:solidFill>
+                  <a:latin typeface="+mn-lt"/>
+                  <a:ea typeface="+mn-ea"/>
+                  <a:cs typeface="+mn-cs"/>
+                </a:defRPr>
+              </a:lvl4pPr>
+              <a:lvl5pPr marL="1828800" algn="l" rtl="0" fontAlgn="base">
+                <a:spcBef>
+                  <a:spcPct val="0"/>
+                </a:spcBef>
+                <a:spcAft>
+                  <a:spcPct val="0"/>
+                </a:spcAft>
+                <a:defRPr kern="1200">
+                  <a:solidFill>
+                    <a:schemeClr val="lt1"/>
+                  </a:solidFill>
+                  <a:latin typeface="+mn-lt"/>
+                  <a:ea typeface="+mn-ea"/>
+                  <a:cs typeface="+mn-cs"/>
+                </a:defRPr>
+              </a:lvl5pPr>
+              <a:lvl6pPr marL="2286000" algn="l" defTabSz="914400" rtl="0" eaLnBrk="1" latinLnBrk="0" hangingPunct="1">
+                <a:defRPr kern="1200">
+                  <a:solidFill>
+                    <a:schemeClr val="lt1"/>
+                  </a:solidFill>
+                  <a:latin typeface="+mn-lt"/>
+                  <a:ea typeface="+mn-ea"/>
+                  <a:cs typeface="+mn-cs"/>
+                </a:defRPr>
+              </a:lvl6pPr>
+              <a:lvl7pPr marL="2743200" algn="l" defTabSz="914400" rtl="0" eaLnBrk="1" latinLnBrk="0" hangingPunct="1">
+                <a:defRPr kern="1200">
+                  <a:solidFill>
+                    <a:schemeClr val="lt1"/>
+                  </a:solidFill>
+                  <a:latin typeface="+mn-lt"/>
+                  <a:ea typeface="+mn-ea"/>
+                  <a:cs typeface="+mn-cs"/>
+                </a:defRPr>
+              </a:lvl7pPr>
+              <a:lvl8pPr marL="3200400" algn="l" defTabSz="914400" rtl="0" eaLnBrk="1" latinLnBrk="0" hangingPunct="1">
+                <a:defRPr kern="1200">
+                  <a:solidFill>
+                    <a:schemeClr val="lt1"/>
+                  </a:solidFill>
+                  <a:latin typeface="+mn-lt"/>
+                  <a:ea typeface="+mn-ea"/>
+                  <a:cs typeface="+mn-cs"/>
+                </a:defRPr>
+              </a:lvl8pPr>
+              <a:lvl9pPr marL="3657600" algn="l" defTabSz="914400" rtl="0" eaLnBrk="1" latinLnBrk="0" hangingPunct="1">
+                <a:defRPr kern="1200">
+                  <a:solidFill>
+                    <a:schemeClr val="lt1"/>
+                  </a:solidFill>
+                  <a:latin typeface="+mn-lt"/>
+                  <a:ea typeface="+mn-ea"/>
+                  <a:cs typeface="+mn-cs"/>
+                </a:defRPr>
+              </a:lvl9pPr>
+            </a:lstStyle>
+            <a:p>
+              <a:pPr algn="ctr"/>
+              <a:endParaRPr lang="fr-FR"/>
+            </a:p>
+          </p:txBody>
+        </p:sp>
+        <p:sp>
+          <p:nvSpPr>
+            <p:cNvPr id="43" name="ZoneTexte 42"/>
+            <p:cNvSpPr txBox="1"/>
+            <p:nvPr/>
+          </p:nvSpPr>
+          <p:spPr>
+            <a:xfrm>
+              <a:off x="6205247" y="3579432"/>
+              <a:ext cx="1116124" cy="369332"/>
+            </a:xfrm>
+            <a:prstGeom prst="rect">
+              <a:avLst/>
+            </a:prstGeom>
+            <a:noFill/>
+          </p:spPr>
+          <p:txBody>
+            <a:bodyPr wrap="square" rtlCol="0">
+              <a:spAutoFit/>
+            </a:bodyPr>
+            <a:lstStyle/>
+            <a:p>
+              <a:r>
+                <a:rPr lang="fr-FR" dirty="0" smtClean="0"/>
+                <a:t>Server-C</a:t>
+              </a:r>
+              <a:endParaRPr lang="fr-FR" dirty="0"/>
+            </a:p>
+          </p:txBody>
+        </p:sp>
+        <p:pic>
+          <p:nvPicPr>
+            <p:cNvPr id="58" name="Image 57">
+              <a:extLst>
+                <a:ext uri="{FF2B5EF4-FFF2-40B4-BE49-F238E27FC236}">
+                  <a16:creationId xmlns="" xmlns:a16="http://schemas.microsoft.com/office/drawing/2014/main" xmlns:lc="http://schemas.openxmlformats.org/drawingml/2006/lockedCanvas" id="{8A3CA8B9-B9C7-4C5E-945E-30789F67099A}"/>
+                </a:ext>
+              </a:extLst>
+            </p:cNvPr>
+            <p:cNvPicPr>
+              <a:picLocks noChangeAspect="1"/>
+            </p:cNvPicPr>
+            <p:nvPr/>
+          </p:nvPicPr>
+          <p:blipFill>
+            <a:blip r:embed="rId2" cstate="print">
+              <a:extLst>
+                <a:ext uri="{28A0092B-C50C-407E-A947-70E740481C1C}">
+                  <a14:useLocalDpi xmlns:a14="http://schemas.microsoft.com/office/drawing/2010/main" val="0"/>
+                </a:ext>
+              </a:extLst>
+            </a:blip>
+            <a:stretch>
+              <a:fillRect/>
+            </a:stretch>
+          </p:blipFill>
+          <p:spPr>
+            <a:xfrm>
+              <a:off x="5950613" y="3237770"/>
+              <a:ext cx="876286" cy="363783"/>
+            </a:xfrm>
+            <a:prstGeom prst="rect">
+              <a:avLst/>
+            </a:prstGeom>
+          </p:spPr>
+        </p:pic>
+      </p:grpSp>
+      <p:sp>
+        <p:nvSpPr>
+          <p:cNvPr id="6" name="ZoneTexte 5"/>
+          <p:cNvSpPr txBox="1"/>
+          <p:nvPr/>
+        </p:nvSpPr>
+        <p:spPr>
+          <a:xfrm>
+            <a:off x="5600742" y="2149684"/>
+            <a:ext cx="1941557" cy="369332"/>
+          </a:xfrm>
+          <a:prstGeom prst="rect">
+            <a:avLst/>
+          </a:prstGeom>
+          <a:noFill/>
+        </p:spPr>
+        <p:txBody>
+          <a:bodyPr wrap="none" rtlCol="0">
+            <a:spAutoFit/>
+          </a:bodyPr>
+          <a:lstStyle/>
+          <a:p>
+            <a:r>
+              <a:rPr lang="fr-FR" dirty="0" smtClean="0">
+                <a:solidFill>
+                  <a:srgbClr val="7030A0"/>
+                </a:solidFill>
+              </a:rPr>
+              <a:t>Protocole </a:t>
+            </a:r>
+            <a:r>
+              <a:rPr lang="fr-FR" dirty="0" err="1" smtClean="0">
+                <a:solidFill>
+                  <a:srgbClr val="7030A0"/>
+                </a:solidFill>
+              </a:rPr>
+              <a:t>Gossip</a:t>
+            </a:r>
+            <a:endParaRPr lang="fr-FR" dirty="0">
+              <a:solidFill>
+                <a:srgbClr val="7030A0"/>
+              </a:solidFill>
+            </a:endParaRPr>
+          </a:p>
+        </p:txBody>
+      </p:sp>
+      <p:grpSp>
+        <p:nvGrpSpPr>
+          <p:cNvPr id="60" name="Groupe 59"/>
+          <p:cNvGrpSpPr/>
+          <p:nvPr/>
+        </p:nvGrpSpPr>
+        <p:grpSpPr>
+          <a:xfrm>
+            <a:off x="3634104" y="4513372"/>
+            <a:ext cx="1871142" cy="972779"/>
+            <a:chOff x="4801076" y="4549333"/>
+            <a:chExt cx="1871142" cy="972779"/>
+          </a:xfrm>
+        </p:grpSpPr>
+        <p:grpSp>
+          <p:nvGrpSpPr>
+            <p:cNvPr id="61" name="Groupe 60">
+              <a:extLst>
+                <a:ext uri="{FF2B5EF4-FFF2-40B4-BE49-F238E27FC236}">
+                  <a16:creationId xmlns="" xmlns:a16="http://schemas.microsoft.com/office/drawing/2014/main" xmlns:lc="http://schemas.openxmlformats.org/drawingml/2006/lockedCanvas" id="{E0E230ED-9E76-46B5-92C4-AB7962005D3F}"/>
+                </a:ext>
+              </a:extLst>
+            </p:cNvPr>
+            <p:cNvGrpSpPr/>
+            <p:nvPr/>
+          </p:nvGrpSpPr>
+          <p:grpSpPr>
+            <a:xfrm>
+              <a:off x="4801076" y="4549333"/>
+              <a:ext cx="1871142" cy="972779"/>
+              <a:chOff x="2155105" y="3861048"/>
+              <a:chExt cx="1336774" cy="720080"/>
+            </a:xfrm>
+            <a:solidFill>
+              <a:schemeClr val="bg1"/>
+            </a:solidFill>
+          </p:grpSpPr>
+          <p:pic>
+            <p:nvPicPr>
+              <p:cNvPr id="64" name="Image 63">
+                <a:extLst>
+                  <a:ext uri="{FF2B5EF4-FFF2-40B4-BE49-F238E27FC236}">
+                    <a16:creationId xmlns="" xmlns:a16="http://schemas.microsoft.com/office/drawing/2014/main" xmlns:lc="http://schemas.openxmlformats.org/drawingml/2006/lockedCanvas" id="{8A3CA8B9-B9C7-4C5E-945E-30789F67099A}"/>
+                  </a:ext>
+                </a:extLst>
+              </p:cNvPr>
+              <p:cNvPicPr>
+                <a:picLocks noChangeAspect="1"/>
+              </p:cNvPicPr>
+              <p:nvPr/>
+            </p:nvPicPr>
+            <p:blipFill>
+              <a:blip r:embed="rId2" cstate="print">
+                <a:extLst>
+                  <a:ext uri="{28A0092B-C50C-407E-A947-70E740481C1C}">
+                    <a14:useLocalDpi xmlns:a14="http://schemas.microsoft.com/office/drawing/2010/main" val="0"/>
+                  </a:ext>
+                </a:extLst>
+              </a:blip>
+              <a:stretch>
+                <a:fillRect/>
+              </a:stretch>
+            </p:blipFill>
+            <p:spPr>
+              <a:xfrm>
+                <a:off x="2204095" y="3905903"/>
+                <a:ext cx="517589" cy="222637"/>
+              </a:xfrm>
+              <a:prstGeom prst="rect">
+                <a:avLst/>
+              </a:prstGeom>
+              <a:grpFill/>
+            </p:spPr>
+          </p:pic>
+          <p:sp>
+            <p:nvSpPr>
+              <p:cNvPr id="76" name="Rectangle à coins arrondis 75">
+                <a:extLst>
+                  <a:ext uri="{FF2B5EF4-FFF2-40B4-BE49-F238E27FC236}">
+                    <a16:creationId xmlns="" xmlns:a16="http://schemas.microsoft.com/office/drawing/2014/main" xmlns:lc="http://schemas.openxmlformats.org/drawingml/2006/lockedCanvas" id="{D95582EE-8B26-42D1-A65F-CB3D8ACB3AAF}"/>
+                  </a:ext>
+                </a:extLst>
+              </p:cNvPr>
+              <p:cNvSpPr/>
+              <p:nvPr/>
+            </p:nvSpPr>
+            <p:spPr>
+              <a:xfrm flipH="1">
+                <a:off x="2155105" y="3861048"/>
+                <a:ext cx="1336774" cy="720080"/>
+              </a:xfrm>
+              <a:prstGeom prst="roundRect">
+                <a:avLst>
+                  <a:gd name="adj" fmla="val 9644"/>
+                </a:avLst>
+              </a:prstGeom>
+              <a:grpFill/>
+            </p:spPr>
+            <p:style>
+              <a:lnRef idx="2">
+                <a:schemeClr val="accent1">
+                  <a:shade val="50000"/>
+                </a:schemeClr>
+              </a:lnRef>
+              <a:fillRef idx="1">
+                <a:schemeClr val="accent1"/>
+              </a:fillRef>
+              <a:effectRef idx="0">
+                <a:schemeClr val="accent1"/>
+              </a:effectRef>
+              <a:fontRef idx="minor">
+                <a:schemeClr val="lt1"/>
+              </a:fontRef>
+            </p:style>
+            <p:txBody>
+              <a:bodyPr rtlCol="0" anchor="ctr"/>
+              <a:lstStyle>
+                <a:defPPr>
+                  <a:defRPr lang="fr-FR"/>
+                </a:defPPr>
+                <a:lvl1pPr algn="l" rtl="0" fontAlgn="base">
+                  <a:spcBef>
+                    <a:spcPct val="0"/>
+                  </a:spcBef>
+                  <a:spcAft>
+                    <a:spcPct val="0"/>
+                  </a:spcAft>
+                  <a:defRPr kern="1200">
+                    <a:solidFill>
+                      <a:schemeClr val="lt1"/>
+                    </a:solidFill>
+                    <a:latin typeface="+mn-lt"/>
+                    <a:ea typeface="+mn-ea"/>
+                    <a:cs typeface="+mn-cs"/>
+                  </a:defRPr>
+                </a:lvl1pPr>
+                <a:lvl2pPr marL="457200" algn="l" rtl="0" fontAlgn="base">
+                  <a:spcBef>
+                    <a:spcPct val="0"/>
+                  </a:spcBef>
+                  <a:spcAft>
+                    <a:spcPct val="0"/>
+                  </a:spcAft>
+                  <a:defRPr kern="1200">
+                    <a:solidFill>
+                      <a:schemeClr val="lt1"/>
+                    </a:solidFill>
+                    <a:latin typeface="+mn-lt"/>
+                    <a:ea typeface="+mn-ea"/>
+                    <a:cs typeface="+mn-cs"/>
+                  </a:defRPr>
+                </a:lvl2pPr>
+                <a:lvl3pPr marL="914400" algn="l" rtl="0" fontAlgn="base">
+                  <a:spcBef>
+                    <a:spcPct val="0"/>
+                  </a:spcBef>
+                  <a:spcAft>
+                    <a:spcPct val="0"/>
+                  </a:spcAft>
+                  <a:defRPr kern="1200">
+                    <a:solidFill>
+                      <a:schemeClr val="lt1"/>
+                    </a:solidFill>
+                    <a:latin typeface="+mn-lt"/>
+                    <a:ea typeface="+mn-ea"/>
+                    <a:cs typeface="+mn-cs"/>
+                  </a:defRPr>
+                </a:lvl3pPr>
+                <a:lvl4pPr marL="1371600" algn="l" rtl="0" fontAlgn="base">
+                  <a:spcBef>
+                    <a:spcPct val="0"/>
+                  </a:spcBef>
+                  <a:spcAft>
+                    <a:spcPct val="0"/>
+                  </a:spcAft>
+                  <a:defRPr kern="1200">
+                    <a:solidFill>
+                      <a:schemeClr val="lt1"/>
+                    </a:solidFill>
+                    <a:latin typeface="+mn-lt"/>
+                    <a:ea typeface="+mn-ea"/>
+                    <a:cs typeface="+mn-cs"/>
+                  </a:defRPr>
+                </a:lvl4pPr>
+                <a:lvl5pPr marL="1828800" algn="l" rtl="0" fontAlgn="base">
+                  <a:spcBef>
+                    <a:spcPct val="0"/>
+                  </a:spcBef>
+                  <a:spcAft>
+                    <a:spcPct val="0"/>
+                  </a:spcAft>
+                  <a:defRPr kern="1200">
+                    <a:solidFill>
+                      <a:schemeClr val="lt1"/>
+                    </a:solidFill>
+                    <a:latin typeface="+mn-lt"/>
+                    <a:ea typeface="+mn-ea"/>
+                    <a:cs typeface="+mn-cs"/>
+                  </a:defRPr>
+                </a:lvl5pPr>
+                <a:lvl6pPr marL="2286000" algn="l" defTabSz="914400" rtl="0" eaLnBrk="1" latinLnBrk="0" hangingPunct="1">
+                  <a:defRPr kern="1200">
+                    <a:solidFill>
+                      <a:schemeClr val="lt1"/>
+                    </a:solidFill>
+                    <a:latin typeface="+mn-lt"/>
+                    <a:ea typeface="+mn-ea"/>
+                    <a:cs typeface="+mn-cs"/>
+                  </a:defRPr>
+                </a:lvl6pPr>
+                <a:lvl7pPr marL="2743200" algn="l" defTabSz="914400" rtl="0" eaLnBrk="1" latinLnBrk="0" hangingPunct="1">
+                  <a:defRPr kern="1200">
+                    <a:solidFill>
+                      <a:schemeClr val="lt1"/>
+                    </a:solidFill>
+                    <a:latin typeface="+mn-lt"/>
+                    <a:ea typeface="+mn-ea"/>
+                    <a:cs typeface="+mn-cs"/>
+                  </a:defRPr>
+                </a:lvl7pPr>
+                <a:lvl8pPr marL="3200400" algn="l" defTabSz="914400" rtl="0" eaLnBrk="1" latinLnBrk="0" hangingPunct="1">
+                  <a:defRPr kern="1200">
+                    <a:solidFill>
+                      <a:schemeClr val="lt1"/>
+                    </a:solidFill>
+                    <a:latin typeface="+mn-lt"/>
+                    <a:ea typeface="+mn-ea"/>
+                    <a:cs typeface="+mn-cs"/>
+                  </a:defRPr>
+                </a:lvl8pPr>
+                <a:lvl9pPr marL="3657600" algn="l" defTabSz="914400" rtl="0" eaLnBrk="1" latinLnBrk="0" hangingPunct="1">
+                  <a:defRPr kern="1200">
+                    <a:solidFill>
+                      <a:schemeClr val="lt1"/>
+                    </a:solidFill>
+                    <a:latin typeface="+mn-lt"/>
+                    <a:ea typeface="+mn-ea"/>
+                    <a:cs typeface="+mn-cs"/>
+                  </a:defRPr>
+                </a:lvl9pPr>
+              </a:lstStyle>
+              <a:p>
+                <a:pPr algn="ctr"/>
+                <a:endParaRPr lang="fr-FR"/>
+              </a:p>
+            </p:txBody>
+          </p:sp>
+        </p:grpSp>
+        <p:sp>
+          <p:nvSpPr>
+            <p:cNvPr id="62" name="ZoneTexte 61"/>
+            <p:cNvSpPr txBox="1"/>
+            <p:nvPr/>
+          </p:nvSpPr>
+          <p:spPr>
+            <a:xfrm>
+              <a:off x="5172867" y="4926263"/>
+              <a:ext cx="1116124" cy="369332"/>
+            </a:xfrm>
+            <a:prstGeom prst="rect">
+              <a:avLst/>
+            </a:prstGeom>
+            <a:noFill/>
+          </p:spPr>
+          <p:txBody>
+            <a:bodyPr wrap="square" rtlCol="0">
+              <a:spAutoFit/>
+            </a:bodyPr>
+            <a:lstStyle/>
+            <a:p>
+              <a:r>
+                <a:rPr lang="fr-FR" dirty="0" smtClean="0"/>
+                <a:t>Client-A</a:t>
+              </a:r>
+              <a:endParaRPr lang="fr-FR" dirty="0"/>
+            </a:p>
+          </p:txBody>
+        </p:sp>
+        <p:pic>
+          <p:nvPicPr>
+            <p:cNvPr id="63" name="Image 62">
+              <a:extLst>
+                <a:ext uri="{FF2B5EF4-FFF2-40B4-BE49-F238E27FC236}">
+                  <a16:creationId xmlns="" xmlns:a16="http://schemas.microsoft.com/office/drawing/2014/main" xmlns:lc="http://schemas.openxmlformats.org/drawingml/2006/lockedCanvas" id="{8A3CA8B9-B9C7-4C5E-945E-30789F67099A}"/>
+                </a:ext>
+              </a:extLst>
+            </p:cNvPr>
+            <p:cNvPicPr>
+              <a:picLocks noChangeAspect="1"/>
+            </p:cNvPicPr>
+            <p:nvPr/>
+          </p:nvPicPr>
+          <p:blipFill>
+            <a:blip r:embed="rId2" cstate="print">
+              <a:extLst>
+                <a:ext uri="{28A0092B-C50C-407E-A947-70E740481C1C}">
+                  <a14:useLocalDpi xmlns:a14="http://schemas.microsoft.com/office/drawing/2010/main" val="0"/>
+                </a:ext>
+              </a:extLst>
+            </a:blip>
+            <a:stretch>
+              <a:fillRect/>
+            </a:stretch>
+          </p:blipFill>
+          <p:spPr>
+            <a:xfrm>
+              <a:off x="4857277" y="4576416"/>
+              <a:ext cx="876286" cy="363783"/>
+            </a:xfrm>
+            <a:prstGeom prst="rect">
+              <a:avLst/>
+            </a:prstGeom>
+          </p:spPr>
+        </p:pic>
+      </p:grpSp>
+      <p:sp>
+        <p:nvSpPr>
+          <p:cNvPr id="77" name="Rectangle à coins arrondis 76">
             <a:extLst>
               <a:ext uri="{FF2B5EF4-FFF2-40B4-BE49-F238E27FC236}">
-                <a16:creationId xmlns:lc="http://schemas.openxmlformats.org/drawingml/2006/lockedCanvas" xmlns:a16="http://schemas.microsoft.com/office/drawing/2014/main" xmlns="" id="{D95582EE-8B26-42D1-A65F-CB3D8ACB3AAF}"/>
+                <a16:creationId xmlns="" xmlns:a16="http://schemas.microsoft.com/office/drawing/2014/main" xmlns:lc="http://schemas.openxmlformats.org/drawingml/2006/lockedCanvas" id="{D95582EE-8B26-42D1-A65F-CB3D8ACB3AAF}"/>
               </a:ext>
             </a:extLst>
           </p:cNvPr>
@@ -6397,7 +7564,7 @@
         </p:nvSpPr>
         <p:spPr>
           <a:xfrm flipH="1">
-            <a:off x="30924" y="3346845"/>
+            <a:off x="4050146" y="5940434"/>
             <a:ext cx="1040530" cy="705037"/>
           </a:xfrm>
           <a:prstGeom prst="roundRect">
@@ -6558,13 +7725,13 @@
       </p:sp>
       <p:sp>
         <p:nvSpPr>
-          <p:cNvPr id="72" name="ZoneTexte 71"/>
+          <p:cNvPr id="81" name="ZoneTexte 80"/>
           <p:cNvSpPr txBox="1"/>
           <p:nvPr/>
         </p:nvSpPr>
         <p:spPr>
           <a:xfrm>
-            <a:off x="99497" y="3473678"/>
+            <a:off x="4161288" y="6062121"/>
             <a:ext cx="866998" cy="461665"/>
           </a:xfrm>
           <a:prstGeom prst="rect">
@@ -6581,211 +7748,7 @@
             <a:pPr algn="ctr"/>
             <a:r>
               <a:rPr lang="fr-FR" sz="1200" dirty="0" smtClean="0"/>
-              <a:t>Machine 2</a:t>
-            </a:r>
-            <a:endParaRPr lang="fr-FR" sz="1200" dirty="0"/>
-          </a:p>
-        </p:txBody>
-      </p:sp>
-      <p:sp>
-        <p:nvSpPr>
-          <p:cNvPr id="73" name="Rectangle à coins arrondis 72">
-            <a:extLst>
-              <a:ext uri="{FF2B5EF4-FFF2-40B4-BE49-F238E27FC236}">
-                <a16:creationId xmlns:lc="http://schemas.openxmlformats.org/drawingml/2006/lockedCanvas" xmlns:a16="http://schemas.microsoft.com/office/drawing/2014/main" xmlns="" id="{D95582EE-8B26-42D1-A65F-CB3D8ACB3AAF}"/>
-              </a:ext>
-            </a:extLst>
-          </p:cNvPr>
-          <p:cNvSpPr/>
-          <p:nvPr/>
-        </p:nvSpPr>
-        <p:spPr>
-          <a:xfrm flipH="1">
-            <a:off x="4019450" y="567412"/>
-            <a:ext cx="1040530" cy="705037"/>
-          </a:xfrm>
-          <a:prstGeom prst="roundRect">
-            <a:avLst>
-              <a:gd name="adj" fmla="val 9644"/>
-            </a:avLst>
-          </a:prstGeom>
-          <a:noFill/>
-        </p:spPr>
-        <p:style>
-          <a:lnRef idx="2">
-            <a:schemeClr val="accent1">
-              <a:shade val="50000"/>
-            </a:schemeClr>
-          </a:lnRef>
-          <a:fillRef idx="1">
-            <a:schemeClr val="accent1"/>
-          </a:fillRef>
-          <a:effectRef idx="0">
-            <a:schemeClr val="accent1"/>
-          </a:effectRef>
-          <a:fontRef idx="minor">
-            <a:schemeClr val="lt1"/>
-          </a:fontRef>
-        </p:style>
-        <p:txBody>
-          <a:bodyPr rtlCol="0" anchor="ctr"/>
-          <a:lstStyle>
-            <a:defPPr>
-              <a:defRPr lang="fr-FR"/>
-            </a:defPPr>
-            <a:lvl1pPr algn="l" rtl="0" fontAlgn="base">
-              <a:spcBef>
-                <a:spcPct val="0"/>
-              </a:spcBef>
-              <a:spcAft>
-                <a:spcPct val="0"/>
-              </a:spcAft>
-              <a:defRPr kern="1200">
-                <a:solidFill>
-                  <a:schemeClr val="lt1"/>
-                </a:solidFill>
-                <a:latin typeface="+mn-lt"/>
-                <a:ea typeface="+mn-ea"/>
-                <a:cs typeface="+mn-cs"/>
-              </a:defRPr>
-            </a:lvl1pPr>
-            <a:lvl2pPr marL="457200" algn="l" rtl="0" fontAlgn="base">
-              <a:spcBef>
-                <a:spcPct val="0"/>
-              </a:spcBef>
-              <a:spcAft>
-                <a:spcPct val="0"/>
-              </a:spcAft>
-              <a:defRPr kern="1200">
-                <a:solidFill>
-                  <a:schemeClr val="lt1"/>
-                </a:solidFill>
-                <a:latin typeface="+mn-lt"/>
-                <a:ea typeface="+mn-ea"/>
-                <a:cs typeface="+mn-cs"/>
-              </a:defRPr>
-            </a:lvl2pPr>
-            <a:lvl3pPr marL="914400" algn="l" rtl="0" fontAlgn="base">
-              <a:spcBef>
-                <a:spcPct val="0"/>
-              </a:spcBef>
-              <a:spcAft>
-                <a:spcPct val="0"/>
-              </a:spcAft>
-              <a:defRPr kern="1200">
-                <a:solidFill>
-                  <a:schemeClr val="lt1"/>
-                </a:solidFill>
-                <a:latin typeface="+mn-lt"/>
-                <a:ea typeface="+mn-ea"/>
-                <a:cs typeface="+mn-cs"/>
-              </a:defRPr>
-            </a:lvl3pPr>
-            <a:lvl4pPr marL="1371600" algn="l" rtl="0" fontAlgn="base">
-              <a:spcBef>
-                <a:spcPct val="0"/>
-              </a:spcBef>
-              <a:spcAft>
-                <a:spcPct val="0"/>
-              </a:spcAft>
-              <a:defRPr kern="1200">
-                <a:solidFill>
-                  <a:schemeClr val="lt1"/>
-                </a:solidFill>
-                <a:latin typeface="+mn-lt"/>
-                <a:ea typeface="+mn-ea"/>
-                <a:cs typeface="+mn-cs"/>
-              </a:defRPr>
-            </a:lvl4pPr>
-            <a:lvl5pPr marL="1828800" algn="l" rtl="0" fontAlgn="base">
-              <a:spcBef>
-                <a:spcPct val="0"/>
-              </a:spcBef>
-              <a:spcAft>
-                <a:spcPct val="0"/>
-              </a:spcAft>
-              <a:defRPr kern="1200">
-                <a:solidFill>
-                  <a:schemeClr val="lt1"/>
-                </a:solidFill>
-                <a:latin typeface="+mn-lt"/>
-                <a:ea typeface="+mn-ea"/>
-                <a:cs typeface="+mn-cs"/>
-              </a:defRPr>
-            </a:lvl5pPr>
-            <a:lvl6pPr marL="2286000" algn="l" defTabSz="914400" rtl="0" eaLnBrk="1" latinLnBrk="0" hangingPunct="1">
-              <a:defRPr kern="1200">
-                <a:solidFill>
-                  <a:schemeClr val="lt1"/>
-                </a:solidFill>
-                <a:latin typeface="+mn-lt"/>
-                <a:ea typeface="+mn-ea"/>
-                <a:cs typeface="+mn-cs"/>
-              </a:defRPr>
-            </a:lvl6pPr>
-            <a:lvl7pPr marL="2743200" algn="l" defTabSz="914400" rtl="0" eaLnBrk="1" latinLnBrk="0" hangingPunct="1">
-              <a:defRPr kern="1200">
-                <a:solidFill>
-                  <a:schemeClr val="lt1"/>
-                </a:solidFill>
-                <a:latin typeface="+mn-lt"/>
-                <a:ea typeface="+mn-ea"/>
-                <a:cs typeface="+mn-cs"/>
-              </a:defRPr>
-            </a:lvl7pPr>
-            <a:lvl8pPr marL="3200400" algn="l" defTabSz="914400" rtl="0" eaLnBrk="1" latinLnBrk="0" hangingPunct="1">
-              <a:defRPr kern="1200">
-                <a:solidFill>
-                  <a:schemeClr val="lt1"/>
-                </a:solidFill>
-                <a:latin typeface="+mn-lt"/>
-                <a:ea typeface="+mn-ea"/>
-                <a:cs typeface="+mn-cs"/>
-              </a:defRPr>
-            </a:lvl8pPr>
-            <a:lvl9pPr marL="3657600" algn="l" defTabSz="914400" rtl="0" eaLnBrk="1" latinLnBrk="0" hangingPunct="1">
-              <a:defRPr kern="1200">
-                <a:solidFill>
-                  <a:schemeClr val="lt1"/>
-                </a:solidFill>
-                <a:latin typeface="+mn-lt"/>
-                <a:ea typeface="+mn-ea"/>
-                <a:cs typeface="+mn-cs"/>
-              </a:defRPr>
-            </a:lvl9pPr>
-          </a:lstStyle>
-          <a:p>
-            <a:pPr algn="ctr"/>
-            <a:endParaRPr lang="fr-FR"/>
-          </a:p>
-        </p:txBody>
-      </p:sp>
-      <p:sp>
-        <p:nvSpPr>
-          <p:cNvPr id="74" name="ZoneTexte 73"/>
-          <p:cNvSpPr txBox="1"/>
-          <p:nvPr/>
-        </p:nvSpPr>
-        <p:spPr>
-          <a:xfrm>
-            <a:off x="4106216" y="724009"/>
-            <a:ext cx="866998" cy="461665"/>
-          </a:xfrm>
-          <a:prstGeom prst="rect">
-            <a:avLst/>
-          </a:prstGeom>
-          <a:noFill/>
-        </p:spPr>
-        <p:txBody>
-          <a:bodyPr wrap="square" rtlCol="0">
-            <a:spAutoFit/>
-          </a:bodyPr>
-          <a:lstStyle/>
-          <a:p>
-            <a:pPr algn="ctr"/>
-            <a:r>
-              <a:rPr lang="fr-FR" sz="1200" dirty="0" smtClean="0"/>
-              <a:t>Machine 1</a:t>
+              <a:t>Machine 4</a:t>
             </a:r>
             <a:endParaRPr lang="fr-FR" sz="1200" dirty="0"/>
           </a:p>
@@ -6793,24 +7756,24 @@
       </p:sp>
       <p:cxnSp>
         <p:nvCxnSpPr>
-          <p:cNvPr id="75" name="Connecteur droit avec flèche 74">
+          <p:cNvPr id="82" name="Connecteur droit avec flèche 81">
             <a:extLst>
               <a:ext uri="{FF2B5EF4-FFF2-40B4-BE49-F238E27FC236}">
-                <a16:creationId xmlns:lc="http://schemas.openxmlformats.org/drawingml/2006/lockedCanvas" xmlns:a16="http://schemas.microsoft.com/office/drawing/2014/main" xmlns="" id="{2671D7D3-4838-4656-8E59-51270B18B09E}"/>
+                <a16:creationId xmlns="" xmlns:a16="http://schemas.microsoft.com/office/drawing/2014/main" xmlns:lc="http://schemas.openxmlformats.org/drawingml/2006/lockedCanvas" id="{2671D7D3-4838-4656-8E59-51270B18B09E}"/>
               </a:ext>
             </a:extLst>
           </p:cNvPr>
           <p:cNvCxnSpPr>
             <a:cxnSpLocks/>
-            <a:stCxn id="25" idx="0"/>
-            <a:endCxn id="73" idx="2"/>
+            <a:stCxn id="77" idx="0"/>
+            <a:endCxn id="76" idx="2"/>
           </p:cNvCxnSpPr>
           <p:nvPr/>
         </p:nvCxnSpPr>
         <p:spPr>
-          <a:xfrm flipV="1">
-            <a:off x="4539715" y="1272449"/>
-            <a:ext cx="0" cy="253952"/>
+          <a:xfrm flipH="1" flipV="1">
+            <a:off x="4569675" y="5486151"/>
+            <a:ext cx="736" cy="454283"/>
           </a:xfrm>
           <a:prstGeom prst="straightConnector1">
             <a:avLst/>
@@ -6834,398 +7797,6 @@
           </a:fontRef>
         </p:style>
       </p:cxnSp>
-      <p:cxnSp>
-        <p:nvCxnSpPr>
-          <p:cNvPr id="80" name="Connecteur droit avec flèche 79">
-            <a:extLst>
-              <a:ext uri="{FF2B5EF4-FFF2-40B4-BE49-F238E27FC236}">
-                <a16:creationId xmlns:lc="http://schemas.openxmlformats.org/drawingml/2006/lockedCanvas" xmlns:a16="http://schemas.microsoft.com/office/drawing/2014/main" xmlns="" id="{2671D7D3-4838-4656-8E59-51270B18B09E}"/>
-              </a:ext>
-            </a:extLst>
-          </p:cNvPr>
-          <p:cNvCxnSpPr>
-            <a:cxnSpLocks/>
-            <a:stCxn id="71" idx="1"/>
-            <a:endCxn id="27" idx="3"/>
-          </p:cNvCxnSpPr>
-          <p:nvPr/>
-        </p:nvCxnSpPr>
-        <p:spPr>
-          <a:xfrm>
-            <a:off x="1071454" y="3699364"/>
-            <a:ext cx="340413" cy="0"/>
-          </a:xfrm>
-          <a:prstGeom prst="straightConnector1">
-            <a:avLst/>
-          </a:prstGeom>
-          <a:ln w="25400">
-            <a:tailEnd type="none"/>
-          </a:ln>
-        </p:spPr>
-        <p:style>
-          <a:lnRef idx="1">
-            <a:schemeClr val="accent1"/>
-          </a:lnRef>
-          <a:fillRef idx="0">
-            <a:schemeClr val="accent1"/>
-          </a:fillRef>
-          <a:effectRef idx="0">
-            <a:schemeClr val="accent1"/>
-          </a:effectRef>
-          <a:fontRef idx="minor">
-            <a:schemeClr val="tx1"/>
-          </a:fontRef>
-        </p:style>
-      </p:cxnSp>
-      <p:cxnSp>
-        <p:nvCxnSpPr>
-          <p:cNvPr id="84" name="Connecteur droit avec flèche 83">
-            <a:extLst>
-              <a:ext uri="{FF2B5EF4-FFF2-40B4-BE49-F238E27FC236}">
-                <a16:creationId xmlns:lc="http://schemas.openxmlformats.org/drawingml/2006/lockedCanvas" xmlns:a16="http://schemas.microsoft.com/office/drawing/2014/main" xmlns="" id="{2671D7D3-4838-4656-8E59-51270B18B09E}"/>
-              </a:ext>
-            </a:extLst>
-          </p:cNvPr>
-          <p:cNvCxnSpPr>
-            <a:cxnSpLocks/>
-            <a:stCxn id="23" idx="1"/>
-            <a:endCxn id="69" idx="3"/>
-          </p:cNvCxnSpPr>
-          <p:nvPr/>
-        </p:nvCxnSpPr>
-        <p:spPr>
-          <a:xfrm flipV="1">
-            <a:off x="7762470" y="3697230"/>
-            <a:ext cx="296770" cy="2134"/>
-          </a:xfrm>
-          <a:prstGeom prst="straightConnector1">
-            <a:avLst/>
-          </a:prstGeom>
-          <a:ln w="25400">
-            <a:tailEnd type="none"/>
-          </a:ln>
-        </p:spPr>
-        <p:style>
-          <a:lnRef idx="1">
-            <a:schemeClr val="accent1"/>
-          </a:lnRef>
-          <a:fillRef idx="0">
-            <a:schemeClr val="accent1"/>
-          </a:fillRef>
-          <a:effectRef idx="0">
-            <a:schemeClr val="accent1"/>
-          </a:effectRef>
-          <a:fontRef idx="minor">
-            <a:schemeClr val="tx1"/>
-          </a:fontRef>
-        </p:style>
-      </p:cxnSp>
-      <p:cxnSp>
-        <p:nvCxnSpPr>
-          <p:cNvPr id="88" name="Connecteur droit avec flèche 87">
-            <a:extLst>
-              <a:ext uri="{FF2B5EF4-FFF2-40B4-BE49-F238E27FC236}">
-                <a16:creationId xmlns:lc="http://schemas.openxmlformats.org/drawingml/2006/lockedCanvas" xmlns:a16="http://schemas.microsoft.com/office/drawing/2014/main" xmlns="" id="{2671D7D3-4838-4656-8E59-51270B18B09E}"/>
-              </a:ext>
-            </a:extLst>
-          </p:cNvPr>
-          <p:cNvCxnSpPr>
-            <a:cxnSpLocks/>
-            <a:stCxn id="65" idx="0"/>
-            <a:endCxn id="47" idx="2"/>
-          </p:cNvCxnSpPr>
-          <p:nvPr/>
-        </p:nvCxnSpPr>
-        <p:spPr>
-          <a:xfrm flipV="1">
-            <a:off x="3483981" y="5522111"/>
-            <a:ext cx="0" cy="507941"/>
-          </a:xfrm>
-          <a:prstGeom prst="straightConnector1">
-            <a:avLst/>
-          </a:prstGeom>
-          <a:ln w="25400">
-            <a:tailEnd type="none"/>
-          </a:ln>
-        </p:spPr>
-        <p:style>
-          <a:lnRef idx="1">
-            <a:schemeClr val="accent1"/>
-          </a:lnRef>
-          <a:fillRef idx="0">
-            <a:schemeClr val="accent1"/>
-          </a:fillRef>
-          <a:effectRef idx="0">
-            <a:schemeClr val="accent1"/>
-          </a:effectRef>
-          <a:fontRef idx="minor">
-            <a:schemeClr val="tx1"/>
-          </a:fontRef>
-        </p:style>
-      </p:cxnSp>
-      <p:cxnSp>
-        <p:nvCxnSpPr>
-          <p:cNvPr id="91" name="Connecteur droit avec flèche 90">
-            <a:extLst>
-              <a:ext uri="{FF2B5EF4-FFF2-40B4-BE49-F238E27FC236}">
-                <a16:creationId xmlns:lc="http://schemas.openxmlformats.org/drawingml/2006/lockedCanvas" xmlns:a16="http://schemas.microsoft.com/office/drawing/2014/main" xmlns="" id="{2671D7D3-4838-4656-8E59-51270B18B09E}"/>
-              </a:ext>
-            </a:extLst>
-          </p:cNvPr>
-          <p:cNvCxnSpPr>
-            <a:cxnSpLocks/>
-            <a:stCxn id="67" idx="0"/>
-            <a:endCxn id="51" idx="2"/>
-          </p:cNvCxnSpPr>
-          <p:nvPr/>
-        </p:nvCxnSpPr>
-        <p:spPr>
-          <a:xfrm flipV="1">
-            <a:off x="5730929" y="5522112"/>
-            <a:ext cx="5718" cy="507940"/>
-          </a:xfrm>
-          <a:prstGeom prst="straightConnector1">
-            <a:avLst/>
-          </a:prstGeom>
-          <a:ln w="25400">
-            <a:tailEnd type="none"/>
-          </a:ln>
-        </p:spPr>
-        <p:style>
-          <a:lnRef idx="1">
-            <a:schemeClr val="accent1"/>
-          </a:lnRef>
-          <a:fillRef idx="0">
-            <a:schemeClr val="accent1"/>
-          </a:fillRef>
-          <a:effectRef idx="0">
-            <a:schemeClr val="accent1"/>
-          </a:effectRef>
-          <a:fontRef idx="minor">
-            <a:schemeClr val="tx1"/>
-          </a:fontRef>
-        </p:style>
-      </p:cxnSp>
-      <p:sp>
-        <p:nvSpPr>
-          <p:cNvPr id="3" name="ZoneTexte 2"/>
-          <p:cNvSpPr txBox="1"/>
-          <p:nvPr/>
-        </p:nvSpPr>
-        <p:spPr>
-          <a:xfrm>
-            <a:off x="1277890" y="1440236"/>
-            <a:ext cx="1697901" cy="369332"/>
-          </a:xfrm>
-          <a:prstGeom prst="rect">
-            <a:avLst/>
-          </a:prstGeom>
-          <a:noFill/>
-        </p:spPr>
-        <p:txBody>
-          <a:bodyPr wrap="none" rtlCol="0">
-            <a:spAutoFit/>
-          </a:bodyPr>
-          <a:lstStyle/>
-          <a:p>
-            <a:r>
-              <a:rPr lang="fr-FR" dirty="0" smtClean="0"/>
-              <a:t>Cluster Consul</a:t>
-            </a:r>
-            <a:endParaRPr lang="fr-FR" dirty="0"/>
-          </a:p>
-        </p:txBody>
-      </p:sp>
-      <p:pic>
-        <p:nvPicPr>
-          <p:cNvPr id="55" name="Image 54">
-            <a:extLst>
-              <a:ext uri="{FF2B5EF4-FFF2-40B4-BE49-F238E27FC236}">
-                <a16:creationId xmlns:lc="http://schemas.openxmlformats.org/drawingml/2006/lockedCanvas" xmlns:a16="http://schemas.microsoft.com/office/drawing/2014/main" xmlns="" id="{8A3CA8B9-B9C7-4C5E-945E-30789F67099A}"/>
-              </a:ext>
-            </a:extLst>
-          </p:cNvPr>
-          <p:cNvPicPr>
-            <a:picLocks noChangeAspect="1"/>
-          </p:cNvPicPr>
-          <p:nvPr/>
-        </p:nvPicPr>
-        <p:blipFill>
-          <a:blip r:embed="rId2" cstate="print">
-            <a:extLst>
-              <a:ext uri="{28A0092B-C50C-407E-A947-70E740481C1C}">
-                <a14:useLocalDpi xmlns:a14="http://schemas.microsoft.com/office/drawing/2010/main" val="0"/>
-              </a:ext>
-            </a:extLst>
-          </a:blip>
-          <a:stretch>
-            <a:fillRect/>
-          </a:stretch>
-        </p:blipFill>
-        <p:spPr>
-          <a:xfrm>
-            <a:off x="1495122" y="3251822"/>
-            <a:ext cx="876286" cy="363783"/>
-          </a:xfrm>
-          <a:prstGeom prst="rect">
-            <a:avLst/>
-          </a:prstGeom>
-        </p:spPr>
-      </p:pic>
-      <p:pic>
-        <p:nvPicPr>
-          <p:cNvPr id="56" name="Image 55">
-            <a:extLst>
-              <a:ext uri="{FF2B5EF4-FFF2-40B4-BE49-F238E27FC236}">
-                <a16:creationId xmlns:lc="http://schemas.openxmlformats.org/drawingml/2006/lockedCanvas" xmlns:a16="http://schemas.microsoft.com/office/drawing/2014/main" xmlns="" id="{8A3CA8B9-B9C7-4C5E-945E-30789F67099A}"/>
-              </a:ext>
-            </a:extLst>
-          </p:cNvPr>
-          <p:cNvPicPr>
-            <a:picLocks noChangeAspect="1"/>
-          </p:cNvPicPr>
-          <p:nvPr/>
-        </p:nvPicPr>
-        <p:blipFill>
-          <a:blip r:embed="rId2" cstate="print">
-            <a:extLst>
-              <a:ext uri="{28A0092B-C50C-407E-A947-70E740481C1C}">
-                <a14:useLocalDpi xmlns:a14="http://schemas.microsoft.com/office/drawing/2010/main" val="0"/>
-              </a:ext>
-            </a:extLst>
-          </a:blip>
-          <a:stretch>
-            <a:fillRect/>
-          </a:stretch>
-        </p:blipFill>
-        <p:spPr>
-          <a:xfrm>
-            <a:off x="2616983" y="4584994"/>
-            <a:ext cx="876286" cy="363783"/>
-          </a:xfrm>
-          <a:prstGeom prst="rect">
-            <a:avLst/>
-          </a:prstGeom>
-        </p:spPr>
-      </p:pic>
-      <p:pic>
-        <p:nvPicPr>
-          <p:cNvPr id="57" name="Image 56">
-            <a:extLst>
-              <a:ext uri="{FF2B5EF4-FFF2-40B4-BE49-F238E27FC236}">
-                <a16:creationId xmlns:lc="http://schemas.openxmlformats.org/drawingml/2006/lockedCanvas" xmlns:a16="http://schemas.microsoft.com/office/drawing/2014/main" xmlns="" id="{8A3CA8B9-B9C7-4C5E-945E-30789F67099A}"/>
-              </a:ext>
-            </a:extLst>
-          </p:cNvPr>
-          <p:cNvPicPr>
-            <a:picLocks noChangeAspect="1"/>
-          </p:cNvPicPr>
-          <p:nvPr/>
-        </p:nvPicPr>
-        <p:blipFill>
-          <a:blip r:embed="rId2" cstate="print">
-            <a:extLst>
-              <a:ext uri="{28A0092B-C50C-407E-A947-70E740481C1C}">
-                <a14:useLocalDpi xmlns:a14="http://schemas.microsoft.com/office/drawing/2010/main" val="0"/>
-              </a:ext>
-            </a:extLst>
-          </a:blip>
-          <a:stretch>
-            <a:fillRect/>
-          </a:stretch>
-        </p:blipFill>
-        <p:spPr>
-          <a:xfrm>
-            <a:off x="4857277" y="4576416"/>
-            <a:ext cx="876286" cy="363783"/>
-          </a:xfrm>
-          <a:prstGeom prst="rect">
-            <a:avLst/>
-          </a:prstGeom>
-        </p:spPr>
-      </p:pic>
-      <p:pic>
-        <p:nvPicPr>
-          <p:cNvPr id="58" name="Image 57">
-            <a:extLst>
-              <a:ext uri="{FF2B5EF4-FFF2-40B4-BE49-F238E27FC236}">
-                <a16:creationId xmlns:lc="http://schemas.openxmlformats.org/drawingml/2006/lockedCanvas" xmlns:a16="http://schemas.microsoft.com/office/drawing/2014/main" xmlns="" id="{8A3CA8B9-B9C7-4C5E-945E-30789F67099A}"/>
-              </a:ext>
-            </a:extLst>
-          </p:cNvPr>
-          <p:cNvPicPr>
-            <a:picLocks noChangeAspect="1"/>
-          </p:cNvPicPr>
-          <p:nvPr/>
-        </p:nvPicPr>
-        <p:blipFill>
-          <a:blip r:embed="rId2" cstate="print">
-            <a:extLst>
-              <a:ext uri="{28A0092B-C50C-407E-A947-70E740481C1C}">
-                <a14:useLocalDpi xmlns:a14="http://schemas.microsoft.com/office/drawing/2010/main" val="0"/>
-              </a:ext>
-            </a:extLst>
-          </a:blip>
-          <a:stretch>
-            <a:fillRect/>
-          </a:stretch>
-        </p:blipFill>
-        <p:spPr>
-          <a:xfrm>
-            <a:off x="5950613" y="3237770"/>
-            <a:ext cx="876286" cy="363783"/>
-          </a:xfrm>
-          <a:prstGeom prst="rect">
-            <a:avLst/>
-          </a:prstGeom>
-        </p:spPr>
-      </p:pic>
-      <p:sp>
-        <p:nvSpPr>
-          <p:cNvPr id="6" name="ZoneTexte 5"/>
-          <p:cNvSpPr txBox="1"/>
-          <p:nvPr/>
-        </p:nvSpPr>
-        <p:spPr>
-          <a:xfrm>
-            <a:off x="5916664" y="2173147"/>
-            <a:ext cx="1941557" cy="369332"/>
-          </a:xfrm>
-          <a:prstGeom prst="rect">
-            <a:avLst/>
-          </a:prstGeom>
-          <a:noFill/>
-        </p:spPr>
-        <p:txBody>
-          <a:bodyPr wrap="none" rtlCol="0">
-            <a:spAutoFit/>
-          </a:bodyPr>
-          <a:lstStyle/>
-          <a:p>
-            <a:r>
-              <a:rPr lang="fr-FR" dirty="0" smtClean="0">
-                <a:solidFill>
-                  <a:srgbClr val="7030A0"/>
-                </a:solidFill>
-              </a:rPr>
-              <a:t>Protocole </a:t>
-            </a:r>
-            <a:r>
-              <a:rPr lang="fr-FR" dirty="0" err="1" smtClean="0">
-                <a:solidFill>
-                  <a:srgbClr val="7030A0"/>
-                </a:solidFill>
-              </a:rPr>
-              <a:t>Gossip</a:t>
-            </a:r>
-            <a:endParaRPr lang="fr-FR" dirty="0">
-              <a:solidFill>
-                <a:srgbClr val="7030A0"/>
-              </a:solidFill>
-            </a:endParaRPr>
-          </a:p>
-        </p:txBody>
-      </p:sp>
     </p:spTree>
     <p:extLst>
       <p:ext uri="{BB962C8B-B14F-4D97-AF65-F5344CB8AC3E}">
@@ -7308,7 +7879,7 @@
           <p:cNvPr id="5" name="ZoneTexte 4">
             <a:extLst>
               <a:ext uri="{FF2B5EF4-FFF2-40B4-BE49-F238E27FC236}">
-                <a16:creationId xmlns="" xmlns:a16="http://schemas.microsoft.com/office/drawing/2014/main" id="{02012D19-F34D-4179-AA25-13C4AC886B01}"/>
+                <a16:creationId xmlns:a16="http://schemas.microsoft.com/office/drawing/2014/main" xmlns="" id="{02012D19-F34D-4179-AA25-13C4AC886B01}"/>
               </a:ext>
             </a:extLst>
           </p:cNvPr>
@@ -7346,11 +7917,7 @@
             </a:pPr>
             <a:r>
               <a:rPr lang="fr-FR" sz="2000" dirty="0" smtClean="0"/>
-              <a:t>Démarrer un premier serveur en </a:t>
-            </a:r>
-            <a:r>
-              <a:rPr lang="fr-FR" sz="2000" dirty="0" smtClean="0"/>
-              <a:t>t	</a:t>
+              <a:t>Démarrer un premier serveur en t	</a:t>
             </a:r>
             <a:r>
               <a:rPr lang="fr-FR" sz="2000" dirty="0" err="1" smtClean="0"/>
@@ -7391,15 +7958,7 @@
             </a:pPr>
             <a:r>
               <a:rPr lang="fr-FR" sz="2000" dirty="0" smtClean="0"/>
-              <a:t>Démarrer les autres </a:t>
-            </a:r>
-            <a:r>
-              <a:rPr lang="fr-FR" sz="2000" dirty="0" smtClean="0"/>
-              <a:t>serveurs, en mode normal, </a:t>
-            </a:r>
-            <a:r>
-              <a:rPr lang="fr-FR" sz="2000" dirty="0" smtClean="0"/>
-              <a:t>une fois que le leader est initialisé</a:t>
+              <a:t>Démarrer les autres serveurs, en mode normal, une fois que le leader est initialisé</a:t>
             </a:r>
           </a:p>
           <a:p>
@@ -8315,12 +8874,6 @@
 </file>
 
 <file path=customXml/item2.xml><?xml version="1.0" encoding="utf-8"?>
-<p:properties xmlns:p="http://schemas.microsoft.com/office/2006/metadata/properties" xmlns:xsi="http://www.w3.org/2001/XMLSchema-instance">
-  <documentManagement/>
-</p:properties>
-</file>
-
-<file path=customXml/item3.xml><?xml version="1.0" encoding="utf-8"?>
 <ct:contentTypeSchema xmlns:ct="http://schemas.microsoft.com/office/2006/metadata/contentType" xmlns:ma="http://schemas.microsoft.com/office/2006/metadata/properties/metaAttributes" ct:_="" ma:_="" ma:contentTypeName="Document" ma:contentTypeID="0x010100F49F5C96A9C233488EAEF86BAE9BB0DC" ma:contentTypeVersion="0" ma:contentTypeDescription="Crée un document." ma:contentTypeScope="" ma:versionID="c8256f7601edc3bbc79255dd618ac8b0">
   <xsd:schema xmlns:xsd="http://www.w3.org/2001/XMLSchema" xmlns:p="http://schemas.microsoft.com/office/2006/metadata/properties" targetNamespace="http://schemas.microsoft.com/office/2006/metadata/properties" ma:root="true" ma:fieldsID="75019ab185b48580fc336df4da24a70b">
     <xsd:element name="properties">
@@ -8369,6 +8922,12 @@
 </ct:contentTypeSchema>
 </file>
 
+<file path=customXml/item3.xml><?xml version="1.0" encoding="utf-8"?>
+<p:properties xmlns:p="http://schemas.microsoft.com/office/2006/metadata/properties" xmlns:xsi="http://www.w3.org/2001/XMLSchema-instance">
+  <documentManagement/>
+</p:properties>
+</file>
+
 <file path=customXml/itemProps1.xml><?xml version="1.0" encoding="utf-8"?>
 <ds:datastoreItem xmlns:ds="http://schemas.openxmlformats.org/officeDocument/2006/customXml" ds:itemID="{3B12FB4F-A943-493B-B875-6D5D04C611C6}">
   <ds:schemaRefs>
@@ -8378,14 +8937,6 @@
 </file>
 
 <file path=customXml/itemProps2.xml><?xml version="1.0" encoding="utf-8"?>
-<ds:datastoreItem xmlns:ds="http://schemas.openxmlformats.org/officeDocument/2006/customXml" ds:itemID="{7B39A281-CC84-49AC-A49D-86BCB30113A3}">
-  <ds:schemaRefs>
-    <ds:schemaRef ds:uri="http://schemas.microsoft.com/office/2006/metadata/properties"/>
-  </ds:schemaRefs>
-</ds:datastoreItem>
-</file>
-
-<file path=customXml/itemProps3.xml><?xml version="1.0" encoding="utf-8"?>
 <ds:datastoreItem xmlns:ds="http://schemas.openxmlformats.org/officeDocument/2006/customXml" ds:itemID="{2EC21DD8-FAB6-4DD4-BCDC-FCBD54F1B193}">
   <ds:schemaRefs>
     <ds:schemaRef ds:uri="http://schemas.microsoft.com/office/2006/metadata/contentType"/>
@@ -8398,4 +8949,12 @@
     <ds:schemaRef ds:uri="http://schemas.microsoft.com/office/internal/2005/internalDocumentation"/>
   </ds:schemaRefs>
 </ds:datastoreItem>
+</file>
+
+<file path=customXml/itemProps3.xml><?xml version="1.0" encoding="utf-8"?>
+<ds:datastoreItem xmlns:ds="http://schemas.openxmlformats.org/officeDocument/2006/customXml" ds:itemID="{7B39A281-CC84-49AC-A49D-86BCB30113A3}">
+  <ds:schemaRefs>
+    <ds:schemaRef ds:uri="http://schemas.microsoft.com/office/2006/metadata/properties"/>
+  </ds:schemaRefs>
+</ds:datastoreItem>
 </file>
--- a/doc/setup/Cluster-Consul-v1.0.pptx
+++ b/doc/setup/Cluster-Consul-v1.0.pptx
@@ -5,20 +5,17 @@
     <p:sldMasterId id="2147483648" r:id="rId4"/>
   </p:sldMasterIdLst>
   <p:notesMasterIdLst>
-    <p:notesMasterId r:id="rId13"/>
+    <p:notesMasterId r:id="rId10"/>
   </p:notesMasterIdLst>
   <p:handoutMasterIdLst>
-    <p:handoutMasterId r:id="rId14"/>
+    <p:handoutMasterId r:id="rId11"/>
   </p:handoutMasterIdLst>
   <p:sldIdLst>
     <p:sldId id="639" r:id="rId5"/>
-    <p:sldId id="670" r:id="rId6"/>
-    <p:sldId id="665" r:id="rId7"/>
-    <p:sldId id="671" r:id="rId8"/>
-    <p:sldId id="675" r:id="rId9"/>
-    <p:sldId id="673" r:id="rId10"/>
-    <p:sldId id="674" r:id="rId11"/>
-    <p:sldId id="672" r:id="rId12"/>
+    <p:sldId id="674" r:id="rId6"/>
+    <p:sldId id="678" r:id="rId7"/>
+    <p:sldId id="677" r:id="rId8"/>
+    <p:sldId id="676" r:id="rId9"/>
   </p:sldIdLst>
   <p:sldSz cx="9144000" cy="6858000" type="screen4x3"/>
   <p:notesSz cx="6797675" cy="9926638"/>
@@ -296,7 +293,7 @@
               <a:pPr>
                 <a:defRPr/>
               </a:pPr>
-              <a:t>27/03/2018</a:t>
+              <a:t>28/03/2018</a:t>
             </a:fld>
             <a:endParaRPr lang="fr-FR"/>
           </a:p>
@@ -511,7 +508,7 @@
               <a:pPr>
                 <a:defRPr/>
               </a:pPr>
-              <a:t>27/03/2018</a:t>
+              <a:t>28/03/2018</a:t>
             </a:fld>
             <a:endParaRPr lang="fr-FR"/>
           </a:p>
@@ -2901,41 +2898,7 @@
                 <a:ea typeface="+mj-ea"/>
                 <a:cs typeface="+mj-cs"/>
               </a:rPr>
-              <a:t>Mise</a:t>
-            </a:r>
-            <a:r>
-              <a:rPr kumimoji="0" lang="fr-FR" sz="6600" b="1" i="0" u="none" strike="noStrike" kern="1200" cap="none" spc="0" normalizeH="0" noProof="0" dirty="0" smtClean="0">
-                <a:ln>
-                  <a:noFill/>
-                </a:ln>
-                <a:solidFill>
-                  <a:schemeClr val="tx1"/>
-                </a:solidFill>
-                <a:effectLst/>
-                <a:uLnTx/>
-                <a:uFillTx/>
-                <a:latin typeface="Trebuchet MS" pitchFamily="34" charset="0"/>
-                <a:ea typeface="+mj-ea"/>
-                <a:cs typeface="+mj-cs"/>
-              </a:rPr>
-              <a:t> en place </a:t>
-            </a:r>
-            <a:r>
-              <a:rPr kumimoji="0" lang="fr-FR" sz="6600" b="1" i="0" u="none" strike="noStrike" kern="1200" cap="none" spc="0" normalizeH="0" baseline="0" noProof="0" dirty="0" smtClean="0">
-                <a:ln>
-                  <a:noFill/>
-                </a:ln>
-                <a:solidFill>
-                  <a:schemeClr val="tx1"/>
-                </a:solidFill>
-                <a:effectLst/>
-                <a:uLnTx/>
-                <a:uFillTx/>
-                <a:latin typeface="Trebuchet MS" pitchFamily="34" charset="0"/>
-                <a:ea typeface="+mj-ea"/>
-                <a:cs typeface="+mj-cs"/>
-              </a:rPr>
-              <a:t>Consul</a:t>
+              <a:t>Cluster Consul RPI</a:t>
             </a:r>
             <a:endParaRPr kumimoji="0" lang="fr-FR" sz="6600" b="1" i="0" u="none" strike="noStrike" kern="1200" cap="none" spc="0" normalizeH="0" baseline="0" noProof="0" dirty="0">
               <a:ln>
@@ -3013,670 +2976,6 @@
       </p:grpSpPr>
       <p:sp>
         <p:nvSpPr>
-          <p:cNvPr id="4" name="Titre 1"/>
-          <p:cNvSpPr txBox="1">
-            <a:spLocks/>
-          </p:cNvSpPr>
-          <p:nvPr/>
-        </p:nvSpPr>
-        <p:spPr bwMode="auto">
-          <a:xfrm>
-            <a:off x="1" y="2096852"/>
-            <a:ext cx="9143999" cy="2556284"/>
-          </a:xfrm>
-          <a:prstGeom prst="rect">
-            <a:avLst/>
-          </a:prstGeom>
-          <a:noFill/>
-          <a:ln w="9525">
-            <a:noFill/>
-            <a:miter lim="800000"/>
-            <a:headEnd/>
-            <a:tailEnd/>
-          </a:ln>
-        </p:spPr>
-        <p:txBody>
-          <a:bodyPr vert="horz" wrap="square" lIns="91440" tIns="45720" rIns="91440" bIns="45720" numCol="1" anchor="t" anchorCtr="0" compatLnSpc="1">
-            <a:prstTxWarp prst="textNoShape">
-              <a:avLst/>
-            </a:prstTxWarp>
-          </a:bodyPr>
-          <a:lstStyle/>
-          <a:p>
-            <a:pPr algn="ctr" eaLnBrk="0" hangingPunct="0">
-              <a:defRPr/>
-            </a:pPr>
-            <a:endParaRPr lang="fr-FR" sz="5400" b="1" dirty="0" smtClean="0">
-              <a:solidFill>
-                <a:prstClr val="black"/>
-              </a:solidFill>
-              <a:latin typeface="Trebuchet MS" pitchFamily="34" charset="0"/>
-            </a:endParaRPr>
-          </a:p>
-          <a:p>
-            <a:pPr algn="ctr" eaLnBrk="0" hangingPunct="0">
-              <a:defRPr/>
-            </a:pPr>
-            <a:r>
-              <a:rPr lang="fr-FR" sz="4000" b="1" dirty="0" smtClean="0">
-                <a:solidFill>
-                  <a:prstClr val="black"/>
-                </a:solidFill>
-                <a:latin typeface="Trebuchet MS" pitchFamily="34" charset="0"/>
-              </a:rPr>
-              <a:t>Agent Consul</a:t>
-            </a:r>
-            <a:endParaRPr lang="fr-FR" sz="4000" b="1" dirty="0">
-              <a:solidFill>
-                <a:prstClr val="black"/>
-              </a:solidFill>
-              <a:latin typeface="Trebuchet MS" pitchFamily="34" charset="0"/>
-            </a:endParaRPr>
-          </a:p>
-        </p:txBody>
-      </p:sp>
-      <p:pic>
-        <p:nvPicPr>
-          <p:cNvPr id="1027" name="Picture 3"/>
-          <p:cNvPicPr>
-            <a:picLocks noChangeAspect="1" noChangeArrowheads="1"/>
-          </p:cNvPicPr>
-          <p:nvPr/>
-        </p:nvPicPr>
-        <p:blipFill>
-          <a:blip r:embed="rId2" cstate="print"/>
-          <a:srcRect/>
-          <a:stretch>
-            <a:fillRect/>
-          </a:stretch>
-        </p:blipFill>
-        <p:spPr bwMode="auto">
-          <a:xfrm>
-            <a:off x="7452320" y="188640"/>
-            <a:ext cx="1447800" cy="1409700"/>
-          </a:xfrm>
-          <a:prstGeom prst="rect">
-            <a:avLst/>
-          </a:prstGeom>
-          <a:noFill/>
-          <a:ln w="9525">
-            <a:noFill/>
-            <a:miter lim="800000"/>
-            <a:headEnd/>
-            <a:tailEnd/>
-          </a:ln>
-        </p:spPr>
-      </p:pic>
-    </p:spTree>
-    <p:extLst>
-      <p:ext uri="{BB962C8B-B14F-4D97-AF65-F5344CB8AC3E}">
-        <p14:creationId xmlns:p14="http://schemas.microsoft.com/office/powerpoint/2010/main" val="1627803319"/>
-      </p:ext>
-    </p:extLst>
-  </p:cSld>
-  <p:clrMapOvr>
-    <a:masterClrMapping/>
-  </p:clrMapOvr>
-  <p:timing>
-    <p:tnLst>
-      <p:par>
-        <p:cTn id="1" dur="indefinite" restart="never" nodeType="tmRoot"/>
-      </p:par>
-    </p:tnLst>
-  </p:timing>
-</p:sld>
-</file>
-
-<file path=ppt/slides/slide3.xml><?xml version="1.0" encoding="utf-8"?>
-<p:sld xmlns:a="http://schemas.openxmlformats.org/drawingml/2006/main" xmlns:r="http://schemas.openxmlformats.org/officeDocument/2006/relationships" xmlns:p="http://schemas.openxmlformats.org/presentationml/2006/main">
-  <p:cSld>
-    <p:spTree>
-      <p:nvGrpSpPr>
-        <p:cNvPr id="1" name=""/>
-        <p:cNvGrpSpPr/>
-        <p:nvPr/>
-      </p:nvGrpSpPr>
-      <p:grpSpPr>
-        <a:xfrm>
-          <a:off x="0" y="0"/>
-          <a:ext cx="0" cy="0"/>
-          <a:chOff x="0" y="0"/>
-          <a:chExt cx="0" cy="0"/>
-        </a:xfrm>
-      </p:grpSpPr>
-      <p:sp>
-        <p:nvSpPr>
-          <p:cNvPr id="7" name="ZoneTexte 6"/>
-          <p:cNvSpPr txBox="1"/>
-          <p:nvPr/>
-        </p:nvSpPr>
-        <p:spPr>
-          <a:xfrm>
-            <a:off x="-1" y="0"/>
-            <a:ext cx="9140825" cy="523220"/>
-          </a:xfrm>
-          <a:prstGeom prst="rect">
-            <a:avLst/>
-          </a:prstGeom>
-          <a:noFill/>
-        </p:spPr>
-        <p:txBody>
-          <a:bodyPr wrap="square" rtlCol="0">
-            <a:spAutoFit/>
-          </a:bodyPr>
-          <a:lstStyle/>
-          <a:p>
-            <a:r>
-              <a:rPr lang="fr-FR" sz="2800" dirty="0" smtClean="0">
-                <a:solidFill>
-                  <a:schemeClr val="accent4"/>
-                </a:solidFill>
-                <a:latin typeface="+mn-lt"/>
-              </a:rPr>
-              <a:t>Mise en place </a:t>
-            </a:r>
-            <a:r>
-              <a:rPr lang="fr-FR" sz="2800" dirty="0">
-                <a:solidFill>
-                  <a:schemeClr val="accent4"/>
-                </a:solidFill>
-                <a:latin typeface="+mn-lt"/>
-              </a:rPr>
-              <a:t>– </a:t>
-            </a:r>
-            <a:r>
-              <a:rPr lang="fr-FR" sz="2800" dirty="0" smtClean="0">
-                <a:solidFill>
-                  <a:schemeClr val="accent4"/>
-                </a:solidFill>
-                <a:latin typeface="+mn-lt"/>
-              </a:rPr>
-              <a:t>Agent Consul</a:t>
-            </a:r>
-            <a:endParaRPr lang="fr-FR" sz="2800" dirty="0">
-              <a:solidFill>
-                <a:schemeClr val="accent4"/>
-              </a:solidFill>
-              <a:latin typeface="+mn-lt"/>
-            </a:endParaRPr>
-          </a:p>
-        </p:txBody>
-      </p:sp>
-      <p:sp>
-        <p:nvSpPr>
-          <p:cNvPr id="20" name="ZoneTexte 19">
-            <a:extLst>
-              <a:ext uri="{FF2B5EF4-FFF2-40B4-BE49-F238E27FC236}">
-                <a16:creationId xmlns:a16="http://schemas.microsoft.com/office/drawing/2014/main" xmlns="" id="{02012D19-F34D-4179-AA25-13C4AC886B01}"/>
-              </a:ext>
-            </a:extLst>
-          </p:cNvPr>
-          <p:cNvSpPr txBox="1"/>
-          <p:nvPr/>
-        </p:nvSpPr>
-        <p:spPr>
-          <a:xfrm>
-            <a:off x="241581" y="872716"/>
-            <a:ext cx="8821515" cy="5016758"/>
-          </a:xfrm>
-          <a:prstGeom prst="rect">
-            <a:avLst/>
-          </a:prstGeom>
-          <a:noFill/>
-        </p:spPr>
-        <p:txBody>
-          <a:bodyPr wrap="square" rtlCol="0">
-            <a:spAutoFit/>
-          </a:bodyPr>
-          <a:lstStyle/>
-          <a:p>
-            <a:r>
-              <a:rPr lang="fr-FR" sz="2000" dirty="0" smtClean="0"/>
-              <a:t>Un agent Consul peut être soit un serveur, soit un client.</a:t>
-            </a:r>
-          </a:p>
-          <a:p>
-            <a:endParaRPr lang="fr-FR" sz="2000" dirty="0"/>
-          </a:p>
-          <a:p>
-            <a:r>
-              <a:rPr lang="fr-FR" sz="2000" dirty="0" smtClean="0"/>
-              <a:t>Pour mettre en place un agent, il faut au minimum les 5 options suivantes dans le fichier de configuration :</a:t>
-            </a:r>
-          </a:p>
-          <a:p>
-            <a:endParaRPr lang="fr-FR" sz="2000" dirty="0"/>
-          </a:p>
-          <a:p>
-            <a:r>
-              <a:rPr lang="fr-FR" sz="2000" dirty="0" smtClean="0"/>
-              <a:t>« </a:t>
-            </a:r>
-            <a:r>
-              <a:rPr lang="fr-FR" sz="2000" b="1" dirty="0" smtClean="0"/>
-              <a:t>server</a:t>
-            </a:r>
-            <a:r>
-              <a:rPr lang="fr-FR" sz="2000" dirty="0" smtClean="0"/>
-              <a:t> » : Définit si l’agent est un serveur ou un client.</a:t>
-            </a:r>
-          </a:p>
-          <a:p>
-            <a:endParaRPr lang="fr-FR" sz="2000" dirty="0"/>
-          </a:p>
-          <a:p>
-            <a:r>
-              <a:rPr lang="fr-FR" sz="2000" dirty="0" smtClean="0"/>
-              <a:t>« </a:t>
-            </a:r>
-            <a:r>
-              <a:rPr lang="fr-FR" sz="2000" b="1" dirty="0" err="1" smtClean="0"/>
-              <a:t>data_dir</a:t>
-            </a:r>
-            <a:r>
-              <a:rPr lang="fr-FR" sz="2000" dirty="0" smtClean="0"/>
-              <a:t> » : Chemin du répertoire où seront stockées les données pour la persistance.</a:t>
-            </a:r>
-          </a:p>
-          <a:p>
-            <a:endParaRPr lang="fr-FR" sz="2000" dirty="0"/>
-          </a:p>
-          <a:p>
-            <a:r>
-              <a:rPr lang="fr-FR" sz="2000" dirty="0" smtClean="0"/>
-              <a:t>« </a:t>
-            </a:r>
-            <a:r>
-              <a:rPr lang="fr-FR" sz="2000" b="1" dirty="0" err="1" smtClean="0"/>
-              <a:t>start_join</a:t>
-            </a:r>
-            <a:r>
-              <a:rPr lang="fr-FR" sz="2000" dirty="0" smtClean="0"/>
-              <a:t> » : Liste des adresses IP des autres serveurs du cluster.</a:t>
-            </a:r>
-          </a:p>
-          <a:p>
-            <a:endParaRPr lang="fr-FR" sz="2000" dirty="0"/>
-          </a:p>
-          <a:p>
-            <a:r>
-              <a:rPr lang="fr-FR" sz="2000" dirty="0" smtClean="0"/>
-              <a:t>« </a:t>
-            </a:r>
-            <a:r>
-              <a:rPr lang="fr-FR" sz="2000" b="1" dirty="0" err="1" smtClean="0"/>
-              <a:t>bind_addr</a:t>
-            </a:r>
-            <a:r>
-              <a:rPr lang="fr-FR" sz="2000" dirty="0" smtClean="0"/>
-              <a:t> » : Adresse IP de la machine sur le réseau</a:t>
-            </a:r>
-          </a:p>
-          <a:p>
-            <a:endParaRPr lang="fr-FR" sz="2000" dirty="0" smtClean="0"/>
-          </a:p>
-          <a:p>
-            <a:r>
-              <a:rPr lang="fr-FR" sz="2000" dirty="0" smtClean="0"/>
-              <a:t>« </a:t>
-            </a:r>
-            <a:r>
-              <a:rPr lang="fr-FR" sz="2000" b="1" dirty="0" err="1" smtClean="0"/>
-              <a:t>encrypt</a:t>
-            </a:r>
-            <a:r>
-              <a:rPr lang="fr-FR" sz="2000" dirty="0" smtClean="0"/>
-              <a:t> » : La clé secrète de chiffrement pour le trafic réseau de Consul</a:t>
-            </a:r>
-          </a:p>
-          <a:p>
-            <a:r>
-              <a:rPr lang="fr-FR" sz="2000" dirty="0"/>
-              <a:t>	</a:t>
-            </a:r>
-            <a:r>
-              <a:rPr lang="fr-FR" sz="2000" dirty="0" smtClean="0"/>
-              <a:t>La clé peut être générée avec la commande « consul </a:t>
-            </a:r>
-            <a:r>
-              <a:rPr lang="fr-FR" sz="2000" dirty="0" err="1" smtClean="0"/>
-              <a:t>keygen</a:t>
-            </a:r>
-            <a:r>
-              <a:rPr lang="fr-FR" sz="2000" dirty="0" smtClean="0"/>
-              <a:t> »</a:t>
-            </a:r>
-            <a:endParaRPr lang="fr-FR" sz="2000" dirty="0"/>
-          </a:p>
-        </p:txBody>
-      </p:sp>
-    </p:spTree>
-    <p:extLst>
-      <p:ext uri="{BB962C8B-B14F-4D97-AF65-F5344CB8AC3E}">
-        <p14:creationId xmlns:p14="http://schemas.microsoft.com/office/powerpoint/2010/main" val="4242401846"/>
-      </p:ext>
-    </p:extLst>
-  </p:cSld>
-  <p:clrMapOvr>
-    <a:masterClrMapping/>
-  </p:clrMapOvr>
-</p:sld>
-</file>
-
-<file path=ppt/slides/slide4.xml><?xml version="1.0" encoding="utf-8"?>
-<p:sld xmlns:a="http://schemas.openxmlformats.org/drawingml/2006/main" xmlns:r="http://schemas.openxmlformats.org/officeDocument/2006/relationships" xmlns:p="http://schemas.openxmlformats.org/presentationml/2006/main">
-  <p:cSld>
-    <p:spTree>
-      <p:nvGrpSpPr>
-        <p:cNvPr id="1" name=""/>
-        <p:cNvGrpSpPr/>
-        <p:nvPr/>
-      </p:nvGrpSpPr>
-      <p:grpSpPr>
-        <a:xfrm>
-          <a:off x="0" y="0"/>
-          <a:ext cx="0" cy="0"/>
-          <a:chOff x="0" y="0"/>
-          <a:chExt cx="0" cy="0"/>
-        </a:xfrm>
-      </p:grpSpPr>
-      <p:sp>
-        <p:nvSpPr>
-          <p:cNvPr id="7" name="ZoneTexte 6"/>
-          <p:cNvSpPr txBox="1"/>
-          <p:nvPr/>
-        </p:nvSpPr>
-        <p:spPr>
-          <a:xfrm>
-            <a:off x="-1" y="0"/>
-            <a:ext cx="9140825" cy="523220"/>
-          </a:xfrm>
-          <a:prstGeom prst="rect">
-            <a:avLst/>
-          </a:prstGeom>
-          <a:noFill/>
-        </p:spPr>
-        <p:txBody>
-          <a:bodyPr wrap="square" rtlCol="0">
-            <a:spAutoFit/>
-          </a:bodyPr>
-          <a:lstStyle/>
-          <a:p>
-            <a:r>
-              <a:rPr lang="fr-FR" sz="2800" dirty="0" smtClean="0">
-                <a:solidFill>
-                  <a:schemeClr val="accent4"/>
-                </a:solidFill>
-                <a:latin typeface="+mn-lt"/>
-              </a:rPr>
-              <a:t>Mise en place </a:t>
-            </a:r>
-            <a:r>
-              <a:rPr lang="fr-FR" sz="2800" dirty="0">
-                <a:solidFill>
-                  <a:schemeClr val="accent4"/>
-                </a:solidFill>
-                <a:latin typeface="+mn-lt"/>
-              </a:rPr>
-              <a:t>– </a:t>
-            </a:r>
-            <a:r>
-              <a:rPr lang="fr-FR" sz="2800" dirty="0" smtClean="0">
-                <a:solidFill>
-                  <a:schemeClr val="accent4"/>
-                </a:solidFill>
-                <a:latin typeface="+mn-lt"/>
-              </a:rPr>
-              <a:t>Agent Consul</a:t>
-            </a:r>
-            <a:endParaRPr lang="fr-FR" sz="2800" dirty="0">
-              <a:solidFill>
-                <a:schemeClr val="accent4"/>
-              </a:solidFill>
-              <a:latin typeface="+mn-lt"/>
-            </a:endParaRPr>
-          </a:p>
-        </p:txBody>
-      </p:sp>
-      <p:sp>
-        <p:nvSpPr>
-          <p:cNvPr id="20" name="ZoneTexte 19">
-            <a:extLst>
-              <a:ext uri="{FF2B5EF4-FFF2-40B4-BE49-F238E27FC236}">
-                <a16:creationId xmlns:a16="http://schemas.microsoft.com/office/drawing/2014/main" xmlns="" id="{02012D19-F34D-4179-AA25-13C4AC886B01}"/>
-              </a:ext>
-            </a:extLst>
-          </p:cNvPr>
-          <p:cNvSpPr txBox="1"/>
-          <p:nvPr/>
-        </p:nvSpPr>
-        <p:spPr>
-          <a:xfrm>
-            <a:off x="241581" y="872716"/>
-            <a:ext cx="8821515" cy="2862322"/>
-          </a:xfrm>
-          <a:prstGeom prst="rect">
-            <a:avLst/>
-          </a:prstGeom>
-          <a:noFill/>
-        </p:spPr>
-        <p:txBody>
-          <a:bodyPr wrap="square" rtlCol="0">
-            <a:spAutoFit/>
-          </a:bodyPr>
-          <a:lstStyle/>
-          <a:p>
-            <a:pPr marL="342900" indent="-342900">
-              <a:buFont typeface="Arial" panose="020B0604020202020204" pitchFamily="34" charset="0"/>
-              <a:buChar char="•"/>
-            </a:pPr>
-            <a:r>
-              <a:rPr lang="fr-FR" sz="2000" dirty="0"/>
-              <a:t>Si l’agent est un serveur, il faut aussi ajouter </a:t>
-            </a:r>
-            <a:r>
-              <a:rPr lang="fr-FR" sz="2000" dirty="0" smtClean="0"/>
-              <a:t>l’option :</a:t>
-            </a:r>
-            <a:endParaRPr lang="fr-FR" sz="2000" dirty="0"/>
-          </a:p>
-          <a:p>
-            <a:endParaRPr lang="fr-FR" sz="2000" dirty="0"/>
-          </a:p>
-          <a:p>
-            <a:r>
-              <a:rPr lang="fr-FR" sz="2000" dirty="0" smtClean="0"/>
-              <a:t>« </a:t>
-            </a:r>
-            <a:r>
-              <a:rPr lang="fr-FR" sz="2000" b="1" dirty="0" err="1" smtClean="0"/>
-              <a:t>bootstrap</a:t>
-            </a:r>
-            <a:r>
-              <a:rPr lang="fr-FR" sz="2000" dirty="0" smtClean="0"/>
-              <a:t> » Lance un serveur avec le droit de prendre des décisions sans se concerter avec les autres serveurs du cluster. Cela lui permet entre autre de se lancer en leader.</a:t>
-            </a:r>
-          </a:p>
-          <a:p>
-            <a:r>
-              <a:rPr lang="fr-FR" sz="2000" dirty="0" smtClean="0"/>
-              <a:t>Les options « </a:t>
-            </a:r>
-            <a:r>
-              <a:rPr lang="fr-FR" sz="2000" b="1" dirty="0" err="1" smtClean="0"/>
-              <a:t>start_join</a:t>
-            </a:r>
-            <a:r>
-              <a:rPr lang="fr-FR" sz="2000" dirty="0" smtClean="0"/>
-              <a:t> » et « </a:t>
-            </a:r>
-            <a:r>
-              <a:rPr lang="fr-FR" sz="2000" b="1" dirty="0" err="1" smtClean="0"/>
-              <a:t>bind_addr</a:t>
-            </a:r>
-            <a:r>
-              <a:rPr lang="fr-FR" sz="2000" dirty="0" smtClean="0"/>
-              <a:t> » ne sont pas à mettre dans le fichier de configuration dans le cas du serveur </a:t>
-            </a:r>
-            <a:r>
-              <a:rPr lang="fr-FR" sz="2000" dirty="0" err="1" smtClean="0"/>
-              <a:t>bootstrap</a:t>
-            </a:r>
-            <a:r>
-              <a:rPr lang="fr-FR" sz="2000" dirty="0" smtClean="0"/>
-              <a:t>.</a:t>
-            </a:r>
-          </a:p>
-          <a:p>
-            <a:endParaRPr lang="fr-FR" sz="2000" dirty="0" smtClean="0"/>
-          </a:p>
-          <a:p>
-            <a:r>
-              <a:rPr lang="fr-FR" sz="2000" dirty="0" smtClean="0"/>
-              <a:t>Laisser à </a:t>
-            </a:r>
-            <a:r>
-              <a:rPr lang="fr-FR" sz="2000" dirty="0" smtClean="0">
-                <a:latin typeface="Courier New" panose="02070309020205020404" pitchFamily="49" charset="0"/>
-                <a:cs typeface="Courier New" panose="02070309020205020404" pitchFamily="49" charset="0"/>
-              </a:rPr>
-              <a:t>false</a:t>
-            </a:r>
-            <a:r>
-              <a:rPr lang="fr-FR" sz="2000" dirty="0" smtClean="0"/>
-              <a:t> pour le lancement de serveurs standards.</a:t>
-            </a:r>
-          </a:p>
-        </p:txBody>
-      </p:sp>
-      <p:sp>
-        <p:nvSpPr>
-          <p:cNvPr id="6" name="ZoneTexte 5">
-            <a:extLst>
-              <a:ext uri="{FF2B5EF4-FFF2-40B4-BE49-F238E27FC236}">
-                <a16:creationId xmlns:a16="http://schemas.microsoft.com/office/drawing/2014/main" xmlns="" id="{02012D19-F34D-4179-AA25-13C4AC886B01}"/>
-              </a:ext>
-            </a:extLst>
-          </p:cNvPr>
-          <p:cNvSpPr txBox="1"/>
-          <p:nvPr/>
-        </p:nvSpPr>
-        <p:spPr>
-          <a:xfrm>
-            <a:off x="247386" y="4545124"/>
-            <a:ext cx="8821515" cy="1938992"/>
-          </a:xfrm>
-          <a:prstGeom prst="rect">
-            <a:avLst/>
-          </a:prstGeom>
-          <a:noFill/>
-        </p:spPr>
-        <p:txBody>
-          <a:bodyPr wrap="square" rtlCol="0">
-            <a:spAutoFit/>
-          </a:bodyPr>
-          <a:lstStyle/>
-          <a:p>
-            <a:pPr marL="342900" indent="-342900">
-              <a:buFont typeface="Arial" panose="020B0604020202020204" pitchFamily="34" charset="0"/>
-              <a:buChar char="•"/>
-            </a:pPr>
-            <a:r>
-              <a:rPr lang="fr-FR" sz="2000" dirty="0"/>
-              <a:t>Si l’agent est un client, </a:t>
-            </a:r>
-            <a:r>
-              <a:rPr lang="fr-FR" sz="2000" dirty="0" smtClean="0"/>
-              <a:t>on peut ajouter l’option </a:t>
-            </a:r>
-            <a:r>
-              <a:rPr lang="fr-FR" sz="2000" dirty="0"/>
-              <a:t>:</a:t>
-            </a:r>
-          </a:p>
-          <a:p>
-            <a:endParaRPr lang="fr-FR" sz="2000" dirty="0"/>
-          </a:p>
-          <a:p>
-            <a:r>
-              <a:rPr lang="fr-FR" sz="2000" dirty="0"/>
-              <a:t>« </a:t>
-            </a:r>
-            <a:r>
-              <a:rPr lang="fr-FR" sz="2000" b="1" dirty="0" err="1"/>
-              <a:t>ui</a:t>
-            </a:r>
-            <a:r>
-              <a:rPr lang="fr-FR" sz="2000" dirty="0"/>
-              <a:t> » : Définit si l’agent implémente une interface utilisateur</a:t>
-            </a:r>
-            <a:r>
-              <a:rPr lang="fr-FR" sz="2000" dirty="0" smtClean="0"/>
-              <a:t>.</a:t>
-            </a:r>
-          </a:p>
-          <a:p>
-            <a:endParaRPr lang="fr-FR" sz="2000" dirty="0"/>
-          </a:p>
-          <a:p>
-            <a:r>
-              <a:rPr lang="fr-FR" sz="2000" dirty="0" smtClean="0"/>
-              <a:t>L’interface Web est accessible via l’URL :</a:t>
-            </a:r>
-          </a:p>
-          <a:p>
-            <a:pPr marL="1257300" lvl="2" indent="-342900">
-              <a:buFont typeface="Arial" panose="020B0604020202020204" pitchFamily="34" charset="0"/>
-              <a:buChar char="•"/>
-            </a:pPr>
-            <a:r>
-              <a:rPr lang="fr-FR" sz="2000" dirty="0" smtClean="0"/>
-              <a:t>« http</a:t>
-            </a:r>
-            <a:r>
-              <a:rPr lang="fr-FR" sz="2000" dirty="0"/>
-              <a:t>://</a:t>
-            </a:r>
-            <a:r>
-              <a:rPr lang="fr-FR" sz="2000" dirty="0" smtClean="0"/>
-              <a:t>localhost:8500/ui »</a:t>
-            </a:r>
-            <a:endParaRPr lang="fr-FR" sz="2000" dirty="0"/>
-          </a:p>
-        </p:txBody>
-      </p:sp>
-    </p:spTree>
-    <p:extLst>
-      <p:ext uri="{BB962C8B-B14F-4D97-AF65-F5344CB8AC3E}">
-        <p14:creationId xmlns:p14="http://schemas.microsoft.com/office/powerpoint/2010/main" val="2700039210"/>
-      </p:ext>
-    </p:extLst>
-  </p:cSld>
-  <p:clrMapOvr>
-    <a:masterClrMapping/>
-  </p:clrMapOvr>
-</p:sld>
-</file>
-
-<file path=ppt/slides/slide5.xml><?xml version="1.0" encoding="utf-8"?>
-<p:sld xmlns:a="http://schemas.openxmlformats.org/drawingml/2006/main" xmlns:r="http://schemas.openxmlformats.org/officeDocument/2006/relationships" xmlns:p="http://schemas.openxmlformats.org/presentationml/2006/main">
-  <p:cSld>
-    <p:spTree>
-      <p:nvGrpSpPr>
-        <p:cNvPr id="1" name=""/>
-        <p:cNvGrpSpPr/>
-        <p:nvPr/>
-      </p:nvGrpSpPr>
-      <p:grpSpPr>
-        <a:xfrm>
-          <a:off x="0" y="0"/>
-          <a:ext cx="0" cy="0"/>
-          <a:chOff x="0" y="0"/>
-          <a:chExt cx="0" cy="0"/>
-        </a:xfrm>
-      </p:grpSpPr>
-      <p:sp>
-        <p:nvSpPr>
           <p:cNvPr id="2" name="ZoneTexte 1"/>
           <p:cNvSpPr txBox="1"/>
           <p:nvPr/>
@@ -3704,555 +3003,7 @@
                 </a:solidFill>
                 <a:latin typeface="+mn-lt"/>
               </a:rPr>
-              <a:t>Mise en place </a:t>
-            </a:r>
-            <a:r>
-              <a:rPr lang="fr-FR" sz="2800" dirty="0">
-                <a:solidFill>
-                  <a:schemeClr val="accent4"/>
-                </a:solidFill>
-                <a:latin typeface="+mn-lt"/>
-              </a:rPr>
-              <a:t>– </a:t>
-            </a:r>
-            <a:r>
-              <a:rPr lang="fr-FR" sz="2800" dirty="0" smtClean="0">
-                <a:solidFill>
-                  <a:schemeClr val="accent4"/>
-                </a:solidFill>
-                <a:latin typeface="+mn-lt"/>
-              </a:rPr>
-              <a:t>Exemple de fichier de configuration</a:t>
-            </a:r>
-            <a:endParaRPr lang="fr-FR" sz="2800" dirty="0">
-              <a:solidFill>
-                <a:schemeClr val="accent4"/>
-              </a:solidFill>
-              <a:latin typeface="+mn-lt"/>
-            </a:endParaRPr>
-          </a:p>
-        </p:txBody>
-      </p:sp>
-      <p:sp>
-        <p:nvSpPr>
-          <p:cNvPr id="3" name="ZoneTexte 2">
-            <a:extLst>
-              <a:ext uri="{FF2B5EF4-FFF2-40B4-BE49-F238E27FC236}">
-                <a16:creationId xmlns:a16="http://schemas.microsoft.com/office/drawing/2014/main" xmlns="" id="{02012D19-F34D-4179-AA25-13C4AC886B01}"/>
-              </a:ext>
-            </a:extLst>
-          </p:cNvPr>
-          <p:cNvSpPr txBox="1"/>
-          <p:nvPr/>
-        </p:nvSpPr>
-        <p:spPr>
-          <a:xfrm>
-            <a:off x="241581" y="872716"/>
-            <a:ext cx="8821515" cy="3754874"/>
-          </a:xfrm>
-          <a:prstGeom prst="rect">
-            <a:avLst/>
-          </a:prstGeom>
-          <a:noFill/>
-        </p:spPr>
-        <p:txBody>
-          <a:bodyPr wrap="square" rtlCol="0">
-            <a:spAutoFit/>
-          </a:bodyPr>
-          <a:lstStyle/>
-          <a:p>
-            <a:r>
-              <a:rPr lang="fr-FR" sz="2000" dirty="0" smtClean="0"/>
-              <a:t>Exemple de fichier JSON de configuration pour un serveur :</a:t>
-            </a:r>
-          </a:p>
-          <a:p>
-            <a:endParaRPr lang="fr-FR" sz="2000" dirty="0" smtClean="0"/>
-          </a:p>
-          <a:p>
-            <a:r>
-              <a:rPr lang="fr-FR" dirty="0">
-                <a:latin typeface="Courier New" panose="02070309020205020404" pitchFamily="49" charset="0"/>
-                <a:cs typeface="Courier New" panose="02070309020205020404" pitchFamily="49" charset="0"/>
-              </a:rPr>
-              <a:t>{</a:t>
-            </a:r>
-          </a:p>
-          <a:p>
-            <a:r>
-              <a:rPr lang="fr-FR" dirty="0" smtClean="0">
-                <a:latin typeface="Courier New" panose="02070309020205020404" pitchFamily="49" charset="0"/>
-                <a:cs typeface="Courier New" panose="02070309020205020404" pitchFamily="49" charset="0"/>
-              </a:rPr>
-              <a:t>  "</a:t>
-            </a:r>
-            <a:r>
-              <a:rPr lang="fr-FR" dirty="0">
-                <a:latin typeface="Courier New" panose="02070309020205020404" pitchFamily="49" charset="0"/>
-                <a:cs typeface="Courier New" panose="02070309020205020404" pitchFamily="49" charset="0"/>
-              </a:rPr>
-              <a:t>server": </a:t>
-            </a:r>
-            <a:r>
-              <a:rPr lang="fr-FR" dirty="0" err="1">
-                <a:latin typeface="Courier New" panose="02070309020205020404" pitchFamily="49" charset="0"/>
-                <a:cs typeface="Courier New" panose="02070309020205020404" pitchFamily="49" charset="0"/>
-              </a:rPr>
-              <a:t>true</a:t>
-            </a:r>
-            <a:r>
-              <a:rPr lang="fr-FR" dirty="0" smtClean="0">
-                <a:latin typeface="Courier New" panose="02070309020205020404" pitchFamily="49" charset="0"/>
-                <a:cs typeface="Courier New" panose="02070309020205020404" pitchFamily="49" charset="0"/>
-              </a:rPr>
-              <a:t>,</a:t>
-            </a:r>
-          </a:p>
-          <a:p>
-            <a:r>
-              <a:rPr lang="fr-FR" dirty="0">
-                <a:latin typeface="Courier New" panose="02070309020205020404" pitchFamily="49" charset="0"/>
-                <a:cs typeface="Courier New" panose="02070309020205020404" pitchFamily="49" charset="0"/>
-              </a:rPr>
-              <a:t> </a:t>
-            </a:r>
-            <a:r>
-              <a:rPr lang="fr-FR" dirty="0" smtClean="0">
-                <a:latin typeface="Courier New" panose="02070309020205020404" pitchFamily="49" charset="0"/>
-                <a:cs typeface="Courier New" panose="02070309020205020404" pitchFamily="49" charset="0"/>
-              </a:rPr>
-              <a:t> "</a:t>
-            </a:r>
-            <a:r>
-              <a:rPr lang="fr-FR" dirty="0" err="1">
-                <a:latin typeface="Courier New" panose="02070309020205020404" pitchFamily="49" charset="0"/>
-                <a:cs typeface="Courier New" panose="02070309020205020404" pitchFamily="49" charset="0"/>
-              </a:rPr>
-              <a:t>bootstrap</a:t>
-            </a:r>
-            <a:r>
-              <a:rPr lang="fr-FR" dirty="0">
-                <a:latin typeface="Courier New" panose="02070309020205020404" pitchFamily="49" charset="0"/>
-                <a:cs typeface="Courier New" panose="02070309020205020404" pitchFamily="49" charset="0"/>
-              </a:rPr>
-              <a:t>": false,</a:t>
-            </a:r>
-          </a:p>
-          <a:p>
-            <a:r>
-              <a:rPr lang="fr-FR" dirty="0" smtClean="0">
-                <a:latin typeface="Courier New" panose="02070309020205020404" pitchFamily="49" charset="0"/>
-                <a:cs typeface="Courier New" panose="02070309020205020404" pitchFamily="49" charset="0"/>
-              </a:rPr>
-              <a:t>  "</a:t>
-            </a:r>
-            <a:r>
-              <a:rPr lang="fr-FR" dirty="0" err="1">
-                <a:latin typeface="Courier New" panose="02070309020205020404" pitchFamily="49" charset="0"/>
-                <a:cs typeface="Courier New" panose="02070309020205020404" pitchFamily="49" charset="0"/>
-              </a:rPr>
-              <a:t>data_dir</a:t>
-            </a:r>
-            <a:r>
-              <a:rPr lang="fr-FR" dirty="0">
-                <a:latin typeface="Courier New" panose="02070309020205020404" pitchFamily="49" charset="0"/>
-                <a:cs typeface="Courier New" panose="02070309020205020404" pitchFamily="49" charset="0"/>
-              </a:rPr>
-              <a:t>": "/var/consul",</a:t>
-            </a:r>
-          </a:p>
-          <a:p>
-            <a:r>
-              <a:rPr lang="fr-FR" dirty="0">
-                <a:latin typeface="Courier New" panose="02070309020205020404" pitchFamily="49" charset="0"/>
-                <a:cs typeface="Courier New" panose="02070309020205020404" pitchFamily="49" charset="0"/>
-              </a:rPr>
-              <a:t>  "</a:t>
-            </a:r>
-            <a:r>
-              <a:rPr lang="fr-FR" dirty="0" err="1">
-                <a:latin typeface="Courier New" panose="02070309020205020404" pitchFamily="49" charset="0"/>
-                <a:cs typeface="Courier New" panose="02070309020205020404" pitchFamily="49" charset="0"/>
-              </a:rPr>
-              <a:t>start_join</a:t>
-            </a:r>
-            <a:r>
-              <a:rPr lang="fr-FR" dirty="0" smtClean="0">
-                <a:latin typeface="Courier New" panose="02070309020205020404" pitchFamily="49" charset="0"/>
-                <a:cs typeface="Courier New" panose="02070309020205020404" pitchFamily="49" charset="0"/>
-              </a:rPr>
-              <a:t>": [</a:t>
-            </a:r>
-          </a:p>
-          <a:p>
-            <a:r>
-              <a:rPr lang="fr-FR" dirty="0">
-                <a:latin typeface="Courier New" panose="02070309020205020404" pitchFamily="49" charset="0"/>
-                <a:cs typeface="Courier New" panose="02070309020205020404" pitchFamily="49" charset="0"/>
-              </a:rPr>
-              <a:t> </a:t>
-            </a:r>
-            <a:r>
-              <a:rPr lang="fr-FR" dirty="0" smtClean="0">
-                <a:latin typeface="Courier New" panose="02070309020205020404" pitchFamily="49" charset="0"/>
-                <a:cs typeface="Courier New" panose="02070309020205020404" pitchFamily="49" charset="0"/>
-              </a:rPr>
-              <a:t>     &lt;adresse IP du serveur 1 de consul&gt;,</a:t>
-            </a:r>
-          </a:p>
-          <a:p>
-            <a:r>
-              <a:rPr lang="fr-FR" dirty="0">
-                <a:latin typeface="Courier New" panose="02070309020205020404" pitchFamily="49" charset="0"/>
-                <a:cs typeface="Courier New" panose="02070309020205020404" pitchFamily="49" charset="0"/>
-              </a:rPr>
-              <a:t> </a:t>
-            </a:r>
-            <a:r>
-              <a:rPr lang="fr-FR" dirty="0" smtClean="0">
-                <a:latin typeface="Courier New" panose="02070309020205020404" pitchFamily="49" charset="0"/>
-                <a:cs typeface="Courier New" panose="02070309020205020404" pitchFamily="49" charset="0"/>
-              </a:rPr>
-              <a:t>     &lt;</a:t>
-            </a:r>
-            <a:r>
-              <a:rPr lang="fr-FR" dirty="0">
-                <a:latin typeface="Courier New" panose="02070309020205020404" pitchFamily="49" charset="0"/>
-                <a:cs typeface="Courier New" panose="02070309020205020404" pitchFamily="49" charset="0"/>
-              </a:rPr>
-              <a:t>adresse IP du serveur </a:t>
-            </a:r>
-            <a:r>
-              <a:rPr lang="fr-FR" dirty="0" smtClean="0">
-                <a:latin typeface="Courier New" panose="02070309020205020404" pitchFamily="49" charset="0"/>
-                <a:cs typeface="Courier New" panose="02070309020205020404" pitchFamily="49" charset="0"/>
-              </a:rPr>
-              <a:t>2 </a:t>
-            </a:r>
-            <a:r>
-              <a:rPr lang="fr-FR" dirty="0">
-                <a:latin typeface="Courier New" panose="02070309020205020404" pitchFamily="49" charset="0"/>
-                <a:cs typeface="Courier New" panose="02070309020205020404" pitchFamily="49" charset="0"/>
-              </a:rPr>
-              <a:t>de consul</a:t>
-            </a:r>
-            <a:r>
-              <a:rPr lang="fr-FR" dirty="0" smtClean="0">
-                <a:latin typeface="Courier New" panose="02070309020205020404" pitchFamily="49" charset="0"/>
-                <a:cs typeface="Courier New" panose="02070309020205020404" pitchFamily="49" charset="0"/>
-              </a:rPr>
-              <a:t>&gt;,</a:t>
-            </a:r>
-          </a:p>
-          <a:p>
-            <a:r>
-              <a:rPr lang="fr-FR" dirty="0">
-                <a:latin typeface="Courier New" panose="02070309020205020404" pitchFamily="49" charset="0"/>
-                <a:cs typeface="Courier New" panose="02070309020205020404" pitchFamily="49" charset="0"/>
-              </a:rPr>
-              <a:t> </a:t>
-            </a:r>
-            <a:r>
-              <a:rPr lang="fr-FR" dirty="0" smtClean="0">
-                <a:latin typeface="Courier New" panose="02070309020205020404" pitchFamily="49" charset="0"/>
-                <a:cs typeface="Courier New" panose="02070309020205020404" pitchFamily="49" charset="0"/>
-              </a:rPr>
-              <a:t>     …</a:t>
-            </a:r>
-          </a:p>
-          <a:p>
-            <a:r>
-              <a:rPr lang="fr-FR" dirty="0">
-                <a:latin typeface="Courier New" panose="02070309020205020404" pitchFamily="49" charset="0"/>
-                <a:cs typeface="Courier New" panose="02070309020205020404" pitchFamily="49" charset="0"/>
-              </a:rPr>
-              <a:t> </a:t>
-            </a:r>
-            <a:r>
-              <a:rPr lang="fr-FR" dirty="0" smtClean="0">
-                <a:latin typeface="Courier New" panose="02070309020205020404" pitchFamily="49" charset="0"/>
-                <a:cs typeface="Courier New" panose="02070309020205020404" pitchFamily="49" charset="0"/>
-              </a:rPr>
-              <a:t> ],</a:t>
-            </a:r>
-            <a:endParaRPr lang="fr-FR" dirty="0">
-              <a:latin typeface="Courier New" panose="02070309020205020404" pitchFamily="49" charset="0"/>
-              <a:cs typeface="Courier New" panose="02070309020205020404" pitchFamily="49" charset="0"/>
-            </a:endParaRPr>
-          </a:p>
-          <a:p>
-            <a:r>
-              <a:rPr lang="fr-FR" dirty="0">
-                <a:latin typeface="Courier New" panose="02070309020205020404" pitchFamily="49" charset="0"/>
-                <a:cs typeface="Courier New" panose="02070309020205020404" pitchFamily="49" charset="0"/>
-              </a:rPr>
-              <a:t>  "</a:t>
-            </a:r>
-            <a:r>
-              <a:rPr lang="fr-FR" dirty="0" err="1">
-                <a:latin typeface="Courier New" panose="02070309020205020404" pitchFamily="49" charset="0"/>
-                <a:cs typeface="Courier New" panose="02070309020205020404" pitchFamily="49" charset="0"/>
-              </a:rPr>
-              <a:t>bind_addr</a:t>
-            </a:r>
-            <a:r>
-              <a:rPr lang="fr-FR" dirty="0">
-                <a:latin typeface="Courier New" panose="02070309020205020404" pitchFamily="49" charset="0"/>
-                <a:cs typeface="Courier New" panose="02070309020205020404" pitchFamily="49" charset="0"/>
-              </a:rPr>
-              <a:t>": "&lt;adresse IP de la machine hôte&gt;"</a:t>
-            </a:r>
-          </a:p>
-          <a:p>
-            <a:r>
-              <a:rPr lang="fr-FR" dirty="0">
-                <a:latin typeface="Courier New" panose="02070309020205020404" pitchFamily="49" charset="0"/>
-                <a:cs typeface="Courier New" panose="02070309020205020404" pitchFamily="49" charset="0"/>
-              </a:rPr>
-              <a:t>}</a:t>
-            </a:r>
-          </a:p>
-        </p:txBody>
-      </p:sp>
-    </p:spTree>
-    <p:extLst>
-      <p:ext uri="{BB962C8B-B14F-4D97-AF65-F5344CB8AC3E}">
-        <p14:creationId xmlns:p14="http://schemas.microsoft.com/office/powerpoint/2010/main" val="3446841099"/>
-      </p:ext>
-    </p:extLst>
-  </p:cSld>
-  <p:clrMapOvr>
-    <a:masterClrMapping/>
-  </p:clrMapOvr>
-</p:sld>
-</file>
-
-<file path=ppt/slides/slide6.xml><?xml version="1.0" encoding="utf-8"?>
-<p:sld xmlns:a="http://schemas.openxmlformats.org/drawingml/2006/main" xmlns:r="http://schemas.openxmlformats.org/officeDocument/2006/relationships" xmlns:p="http://schemas.openxmlformats.org/presentationml/2006/main">
-  <p:cSld>
-    <p:spTree>
-      <p:nvGrpSpPr>
-        <p:cNvPr id="1" name=""/>
-        <p:cNvGrpSpPr/>
-        <p:nvPr/>
-      </p:nvGrpSpPr>
-      <p:grpSpPr>
-        <a:xfrm>
-          <a:off x="0" y="0"/>
-          <a:ext cx="0" cy="0"/>
-          <a:chOff x="0" y="0"/>
-          <a:chExt cx="0" cy="0"/>
-        </a:xfrm>
-      </p:grpSpPr>
-      <p:sp>
-        <p:nvSpPr>
-          <p:cNvPr id="4" name="Titre 1"/>
-          <p:cNvSpPr txBox="1">
-            <a:spLocks/>
-          </p:cNvSpPr>
-          <p:nvPr/>
-        </p:nvSpPr>
-        <p:spPr bwMode="auto">
-          <a:xfrm>
-            <a:off x="1" y="2096852"/>
-            <a:ext cx="9143999" cy="2556284"/>
-          </a:xfrm>
-          <a:prstGeom prst="rect">
-            <a:avLst/>
-          </a:prstGeom>
-          <a:noFill/>
-          <a:ln w="9525">
-            <a:noFill/>
-            <a:miter lim="800000"/>
-            <a:headEnd/>
-            <a:tailEnd/>
-          </a:ln>
-        </p:spPr>
-        <p:txBody>
-          <a:bodyPr vert="horz" wrap="square" lIns="91440" tIns="45720" rIns="91440" bIns="45720" numCol="1" anchor="t" anchorCtr="0" compatLnSpc="1">
-            <a:prstTxWarp prst="textNoShape">
-              <a:avLst/>
-            </a:prstTxWarp>
-          </a:bodyPr>
-          <a:lstStyle/>
-          <a:p>
-            <a:pPr algn="ctr" eaLnBrk="0" hangingPunct="0">
-              <a:defRPr/>
-            </a:pPr>
-            <a:endParaRPr lang="fr-FR" sz="4000" b="1" dirty="0" smtClean="0">
-              <a:solidFill>
-                <a:prstClr val="black"/>
-              </a:solidFill>
-              <a:latin typeface="Trebuchet MS" pitchFamily="34" charset="0"/>
-            </a:endParaRPr>
-          </a:p>
-          <a:p>
-            <a:pPr algn="ctr" eaLnBrk="0" hangingPunct="0">
-              <a:defRPr/>
-            </a:pPr>
-            <a:r>
-              <a:rPr lang="fr-FR" sz="4000" b="1" dirty="0" smtClean="0">
-                <a:solidFill>
-                  <a:prstClr val="black"/>
-                </a:solidFill>
-                <a:latin typeface="Trebuchet MS" pitchFamily="34" charset="0"/>
-              </a:rPr>
-              <a:t>Démarrer un cluster</a:t>
-            </a:r>
-            <a:endParaRPr lang="fr-FR" sz="4000" b="1" dirty="0">
-              <a:solidFill>
-                <a:prstClr val="black"/>
-              </a:solidFill>
-              <a:latin typeface="Trebuchet MS" pitchFamily="34" charset="0"/>
-            </a:endParaRPr>
-          </a:p>
-        </p:txBody>
-      </p:sp>
-      <p:pic>
-        <p:nvPicPr>
-          <p:cNvPr id="1027" name="Picture 3"/>
-          <p:cNvPicPr>
-            <a:picLocks noChangeAspect="1" noChangeArrowheads="1"/>
-          </p:cNvPicPr>
-          <p:nvPr/>
-        </p:nvPicPr>
-        <p:blipFill>
-          <a:blip r:embed="rId2" cstate="print"/>
-          <a:srcRect/>
-          <a:stretch>
-            <a:fillRect/>
-          </a:stretch>
-        </p:blipFill>
-        <p:spPr bwMode="auto">
-          <a:xfrm>
-            <a:off x="7452320" y="188640"/>
-            <a:ext cx="1447800" cy="1409700"/>
-          </a:xfrm>
-          <a:prstGeom prst="rect">
-            <a:avLst/>
-          </a:prstGeom>
-          <a:noFill/>
-          <a:ln w="9525">
-            <a:noFill/>
-            <a:miter lim="800000"/>
-            <a:headEnd/>
-            <a:tailEnd/>
-          </a:ln>
-        </p:spPr>
-      </p:pic>
-    </p:spTree>
-    <p:extLst>
-      <p:ext uri="{BB962C8B-B14F-4D97-AF65-F5344CB8AC3E}">
-        <p14:creationId xmlns:p14="http://schemas.microsoft.com/office/powerpoint/2010/main" val="821614005"/>
-      </p:ext>
-    </p:extLst>
-  </p:cSld>
-  <p:clrMapOvr>
-    <a:masterClrMapping/>
-  </p:clrMapOvr>
-  <p:timing>
-    <p:tnLst>
-      <p:par>
-        <p:cTn id="1" dur="indefinite" restart="never" nodeType="tmRoot"/>
-      </p:par>
-    </p:tnLst>
-  </p:timing>
-</p:sld>
-</file>
-
-<file path=ppt/slides/slide7.xml><?xml version="1.0" encoding="utf-8"?>
-<p:sld xmlns:a="http://schemas.openxmlformats.org/drawingml/2006/main" xmlns:r="http://schemas.openxmlformats.org/officeDocument/2006/relationships" xmlns:p="http://schemas.openxmlformats.org/presentationml/2006/main">
-  <p:cSld>
-    <p:spTree>
-      <p:nvGrpSpPr>
-        <p:cNvPr id="1" name=""/>
-        <p:cNvGrpSpPr/>
-        <p:nvPr/>
-      </p:nvGrpSpPr>
-      <p:grpSpPr>
-        <a:xfrm>
-          <a:off x="0" y="0"/>
-          <a:ext cx="0" cy="0"/>
-          <a:chOff x="0" y="0"/>
-          <a:chExt cx="0" cy="0"/>
-        </a:xfrm>
-      </p:grpSpPr>
-      <p:sp>
-        <p:nvSpPr>
-          <p:cNvPr id="5" name="Ellipse 4"/>
-          <p:cNvSpPr/>
-          <p:nvPr/>
-        </p:nvSpPr>
-        <p:spPr>
-          <a:xfrm>
-            <a:off x="2405694" y="2310041"/>
-            <a:ext cx="4266524" cy="2711266"/>
-          </a:xfrm>
-          <a:prstGeom prst="ellipse">
-            <a:avLst/>
-          </a:prstGeom>
-          <a:noFill/>
-          <a:ln>
-            <a:solidFill>
-              <a:srgbClr val="7030A0"/>
-            </a:solidFill>
-          </a:ln>
-        </p:spPr>
-        <p:style>
-          <a:lnRef idx="2">
-            <a:schemeClr val="accent1">
-              <a:shade val="50000"/>
-            </a:schemeClr>
-          </a:lnRef>
-          <a:fillRef idx="1">
-            <a:schemeClr val="accent1"/>
-          </a:fillRef>
-          <a:effectRef idx="0">
-            <a:schemeClr val="accent1"/>
-          </a:effectRef>
-          <a:fontRef idx="minor">
-            <a:schemeClr val="lt1"/>
-          </a:fontRef>
-        </p:style>
-        <p:txBody>
-          <a:bodyPr rtlCol="0" anchor="ctr"/>
-          <a:lstStyle/>
-          <a:p>
-            <a:pPr algn="ctr"/>
-            <a:endParaRPr lang="fr-FR"/>
-          </a:p>
-        </p:txBody>
-      </p:sp>
-      <p:sp>
-        <p:nvSpPr>
-          <p:cNvPr id="2" name="ZoneTexte 1"/>
-          <p:cNvSpPr txBox="1"/>
-          <p:nvPr/>
-        </p:nvSpPr>
-        <p:spPr>
-          <a:xfrm>
-            <a:off x="-1" y="0"/>
-            <a:ext cx="9140825" cy="523220"/>
-          </a:xfrm>
-          <a:prstGeom prst="rect">
-            <a:avLst/>
-          </a:prstGeom>
-          <a:noFill/>
-        </p:spPr>
-        <p:txBody>
-          <a:bodyPr wrap="square" rtlCol="0">
-            <a:spAutoFit/>
-          </a:bodyPr>
-          <a:lstStyle/>
-          <a:p>
-            <a:r>
-              <a:rPr lang="fr-FR" sz="2800" dirty="0" smtClean="0">
-                <a:solidFill>
-                  <a:schemeClr val="accent4"/>
-                </a:solidFill>
-                <a:latin typeface="+mn-lt"/>
-              </a:rPr>
-              <a:t>Mise en place – Démarrer un cluster</a:t>
+              <a:t>Cluster Consul</a:t>
             </a:r>
             <a:endParaRPr lang="fr-FR" sz="2800" dirty="0">
               <a:solidFill>
@@ -4277,7 +3028,7 @@
         </p:nvSpPr>
         <p:spPr>
           <a:xfrm flipH="1">
-            <a:off x="3604144" y="1663295"/>
+            <a:off x="4644781" y="2380445"/>
             <a:ext cx="1871142" cy="972779"/>
           </a:xfrm>
           <a:prstGeom prst="roundRect">
@@ -4288,6 +3039,14 @@
           <a:solidFill>
             <a:schemeClr val="bg1"/>
           </a:solidFill>
+          <a:ln>
+            <a:solidFill>
+              <a:schemeClr val="tx2">
+                <a:lumMod val="60000"/>
+                <a:lumOff val="40000"/>
+              </a:schemeClr>
+            </a:solidFill>
+          </a:ln>
         </p:spPr>
         <p:style>
           <a:lnRef idx="2">
@@ -4452,7 +3211,7 @@
         </p:nvSpPr>
         <p:spPr>
           <a:xfrm>
-            <a:off x="1228413" y="1526401"/>
+            <a:off x="2269050" y="2243551"/>
             <a:ext cx="6732748" cy="4235737"/>
           </a:xfrm>
           <a:prstGeom prst="roundRect">
@@ -4643,7 +3402,7 @@
         </p:blipFill>
         <p:spPr>
           <a:xfrm>
-            <a:off x="3662670" y="1724598"/>
+            <a:off x="4703307" y="2441748"/>
             <a:ext cx="876286" cy="363783"/>
           </a:xfrm>
           <a:prstGeom prst="rect">
@@ -4659,8 +3418,8 @@
         </p:nvSpPr>
         <p:spPr>
           <a:xfrm>
-            <a:off x="3928713" y="2149684"/>
-            <a:ext cx="1116124" cy="369332"/>
+            <a:off x="4969350" y="2799161"/>
+            <a:ext cx="1116124" cy="530915"/>
           </a:xfrm>
           <a:prstGeom prst="rect">
             <a:avLst/>
@@ -4677,30 +3436,1076 @@
               <a:rPr lang="fr-FR" dirty="0" smtClean="0"/>
               <a:t>Server-A</a:t>
             </a:r>
+          </a:p>
+          <a:p>
+            <a:pPr algn="ctr"/>
+            <a:r>
+              <a:rPr lang="fr-FR" sz="1050" dirty="0" smtClean="0"/>
+              <a:t>192.168.0.12</a:t>
+            </a:r>
+            <a:endParaRPr lang="fr-FR" sz="1050" dirty="0"/>
+          </a:p>
+        </p:txBody>
+      </p:sp>
+      <p:sp>
+        <p:nvSpPr>
+          <p:cNvPr id="3" name="ZoneTexte 2"/>
+          <p:cNvSpPr txBox="1"/>
+          <p:nvPr/>
+        </p:nvSpPr>
+        <p:spPr>
+          <a:xfrm>
+            <a:off x="2318527" y="2294280"/>
+            <a:ext cx="1697901" cy="369332"/>
+          </a:xfrm>
+          <a:prstGeom prst="rect">
+            <a:avLst/>
+          </a:prstGeom>
+          <a:noFill/>
+        </p:spPr>
+        <p:txBody>
+          <a:bodyPr wrap="none" rtlCol="0">
+            <a:spAutoFit/>
+          </a:bodyPr>
+          <a:lstStyle/>
+          <a:p>
+            <a:r>
+              <a:rPr lang="fr-FR" dirty="0" smtClean="0"/>
+              <a:t>Cluster Consul</a:t>
+            </a:r>
             <a:endParaRPr lang="fr-FR" dirty="0"/>
           </a:p>
         </p:txBody>
       </p:sp>
       <p:grpSp>
         <p:nvGrpSpPr>
-          <p:cNvPr id="21" name="Groupe 20"/>
+          <p:cNvPr id="7" name="Groupe 6"/>
           <p:cNvGrpSpPr/>
           <p:nvPr/>
         </p:nvGrpSpPr>
         <p:grpSpPr>
           <a:xfrm>
-            <a:off x="80581" y="4306357"/>
-            <a:ext cx="1040530" cy="705037"/>
-            <a:chOff x="2963716" y="6030052"/>
-            <a:chExt cx="1040530" cy="705037"/>
+            <a:off x="2651382" y="3289777"/>
+            <a:ext cx="1871142" cy="972779"/>
+            <a:chOff x="1411867" y="3212974"/>
+            <a:chExt cx="1871142" cy="972779"/>
+          </a:xfrm>
+        </p:grpSpPr>
+        <p:grpSp>
+          <p:nvGrpSpPr>
+            <p:cNvPr id="15" name="Groupe 14">
+              <a:extLst>
+                <a:ext uri="{FF2B5EF4-FFF2-40B4-BE49-F238E27FC236}">
+                  <a16:creationId xmlns="" xmlns:a16="http://schemas.microsoft.com/office/drawing/2014/main" xmlns:lc="http://schemas.openxmlformats.org/drawingml/2006/lockedCanvas" id="{E0E230ED-9E76-46B5-92C4-AB7962005D3F}"/>
+                </a:ext>
+              </a:extLst>
+            </p:cNvPr>
+            <p:cNvGrpSpPr/>
+            <p:nvPr/>
+          </p:nvGrpSpPr>
+          <p:grpSpPr>
+            <a:xfrm>
+              <a:off x="1411867" y="3212974"/>
+              <a:ext cx="1871142" cy="972779"/>
+              <a:chOff x="2155105" y="3861048"/>
+              <a:chExt cx="1336774" cy="720080"/>
+            </a:xfrm>
+            <a:solidFill>
+              <a:schemeClr val="bg1"/>
+            </a:solidFill>
+          </p:grpSpPr>
+          <p:pic>
+            <p:nvPicPr>
+              <p:cNvPr id="26" name="Image 25">
+                <a:extLst>
+                  <a:ext uri="{FF2B5EF4-FFF2-40B4-BE49-F238E27FC236}">
+                    <a16:creationId xmlns="" xmlns:a16="http://schemas.microsoft.com/office/drawing/2014/main" xmlns:lc="http://schemas.openxmlformats.org/drawingml/2006/lockedCanvas" id="{8A3CA8B9-B9C7-4C5E-945E-30789F67099A}"/>
+                  </a:ext>
+                </a:extLst>
+              </p:cNvPr>
+              <p:cNvPicPr>
+                <a:picLocks noChangeAspect="1"/>
+              </p:cNvPicPr>
+              <p:nvPr/>
+            </p:nvPicPr>
+            <p:blipFill>
+              <a:blip r:embed="rId2" cstate="print">
+                <a:extLst>
+                  <a:ext uri="{28A0092B-C50C-407E-A947-70E740481C1C}">
+                    <a14:useLocalDpi xmlns:a14="http://schemas.microsoft.com/office/drawing/2010/main" val="0"/>
+                  </a:ext>
+                </a:extLst>
+              </a:blip>
+              <a:stretch>
+                <a:fillRect/>
+              </a:stretch>
+            </p:blipFill>
+            <p:spPr>
+              <a:xfrm>
+                <a:off x="2204094" y="3905903"/>
+                <a:ext cx="612028" cy="263259"/>
+              </a:xfrm>
+              <a:prstGeom prst="rect">
+                <a:avLst/>
+              </a:prstGeom>
+              <a:grpFill/>
+            </p:spPr>
+          </p:pic>
+          <p:sp>
+            <p:nvSpPr>
+              <p:cNvPr id="27" name="Rectangle à coins arrondis 26">
+                <a:extLst>
+                  <a:ext uri="{FF2B5EF4-FFF2-40B4-BE49-F238E27FC236}">
+                    <a16:creationId xmlns="" xmlns:a16="http://schemas.microsoft.com/office/drawing/2014/main" xmlns:lc="http://schemas.openxmlformats.org/drawingml/2006/lockedCanvas" id="{D95582EE-8B26-42D1-A65F-CB3D8ACB3AAF}"/>
+                  </a:ext>
+                </a:extLst>
+              </p:cNvPr>
+              <p:cNvSpPr/>
+              <p:nvPr/>
+            </p:nvSpPr>
+            <p:spPr>
+              <a:xfrm flipH="1">
+                <a:off x="2155105" y="3861048"/>
+                <a:ext cx="1336774" cy="720080"/>
+              </a:xfrm>
+              <a:prstGeom prst="roundRect">
+                <a:avLst>
+                  <a:gd name="adj" fmla="val 9644"/>
+                </a:avLst>
+              </a:prstGeom>
+              <a:grpFill/>
+              <a:ln>
+                <a:solidFill>
+                  <a:schemeClr val="tx2">
+                    <a:lumMod val="60000"/>
+                    <a:lumOff val="40000"/>
+                  </a:schemeClr>
+                </a:solidFill>
+              </a:ln>
+            </p:spPr>
+            <p:style>
+              <a:lnRef idx="2">
+                <a:schemeClr val="accent1">
+                  <a:shade val="50000"/>
+                </a:schemeClr>
+              </a:lnRef>
+              <a:fillRef idx="1">
+                <a:schemeClr val="accent1"/>
+              </a:fillRef>
+              <a:effectRef idx="0">
+                <a:schemeClr val="accent1"/>
+              </a:effectRef>
+              <a:fontRef idx="minor">
+                <a:schemeClr val="lt1"/>
+              </a:fontRef>
+            </p:style>
+            <p:txBody>
+              <a:bodyPr rtlCol="0" anchor="ctr"/>
+              <a:lstStyle>
+                <a:defPPr>
+                  <a:defRPr lang="fr-FR"/>
+                </a:defPPr>
+                <a:lvl1pPr algn="l" rtl="0" fontAlgn="base">
+                  <a:spcBef>
+                    <a:spcPct val="0"/>
+                  </a:spcBef>
+                  <a:spcAft>
+                    <a:spcPct val="0"/>
+                  </a:spcAft>
+                  <a:defRPr kern="1200">
+                    <a:solidFill>
+                      <a:schemeClr val="lt1"/>
+                    </a:solidFill>
+                    <a:latin typeface="+mn-lt"/>
+                    <a:ea typeface="+mn-ea"/>
+                    <a:cs typeface="+mn-cs"/>
+                  </a:defRPr>
+                </a:lvl1pPr>
+                <a:lvl2pPr marL="457200" algn="l" rtl="0" fontAlgn="base">
+                  <a:spcBef>
+                    <a:spcPct val="0"/>
+                  </a:spcBef>
+                  <a:spcAft>
+                    <a:spcPct val="0"/>
+                  </a:spcAft>
+                  <a:defRPr kern="1200">
+                    <a:solidFill>
+                      <a:schemeClr val="lt1"/>
+                    </a:solidFill>
+                    <a:latin typeface="+mn-lt"/>
+                    <a:ea typeface="+mn-ea"/>
+                    <a:cs typeface="+mn-cs"/>
+                  </a:defRPr>
+                </a:lvl2pPr>
+                <a:lvl3pPr marL="914400" algn="l" rtl="0" fontAlgn="base">
+                  <a:spcBef>
+                    <a:spcPct val="0"/>
+                  </a:spcBef>
+                  <a:spcAft>
+                    <a:spcPct val="0"/>
+                  </a:spcAft>
+                  <a:defRPr kern="1200">
+                    <a:solidFill>
+                      <a:schemeClr val="lt1"/>
+                    </a:solidFill>
+                    <a:latin typeface="+mn-lt"/>
+                    <a:ea typeface="+mn-ea"/>
+                    <a:cs typeface="+mn-cs"/>
+                  </a:defRPr>
+                </a:lvl3pPr>
+                <a:lvl4pPr marL="1371600" algn="l" rtl="0" fontAlgn="base">
+                  <a:spcBef>
+                    <a:spcPct val="0"/>
+                  </a:spcBef>
+                  <a:spcAft>
+                    <a:spcPct val="0"/>
+                  </a:spcAft>
+                  <a:defRPr kern="1200">
+                    <a:solidFill>
+                      <a:schemeClr val="lt1"/>
+                    </a:solidFill>
+                    <a:latin typeface="+mn-lt"/>
+                    <a:ea typeface="+mn-ea"/>
+                    <a:cs typeface="+mn-cs"/>
+                  </a:defRPr>
+                </a:lvl4pPr>
+                <a:lvl5pPr marL="1828800" algn="l" rtl="0" fontAlgn="base">
+                  <a:spcBef>
+                    <a:spcPct val="0"/>
+                  </a:spcBef>
+                  <a:spcAft>
+                    <a:spcPct val="0"/>
+                  </a:spcAft>
+                  <a:defRPr kern="1200">
+                    <a:solidFill>
+                      <a:schemeClr val="lt1"/>
+                    </a:solidFill>
+                    <a:latin typeface="+mn-lt"/>
+                    <a:ea typeface="+mn-ea"/>
+                    <a:cs typeface="+mn-cs"/>
+                  </a:defRPr>
+                </a:lvl5pPr>
+                <a:lvl6pPr marL="2286000" algn="l" defTabSz="914400" rtl="0" eaLnBrk="1" latinLnBrk="0" hangingPunct="1">
+                  <a:defRPr kern="1200">
+                    <a:solidFill>
+                      <a:schemeClr val="lt1"/>
+                    </a:solidFill>
+                    <a:latin typeface="+mn-lt"/>
+                    <a:ea typeface="+mn-ea"/>
+                    <a:cs typeface="+mn-cs"/>
+                  </a:defRPr>
+                </a:lvl6pPr>
+                <a:lvl7pPr marL="2743200" algn="l" defTabSz="914400" rtl="0" eaLnBrk="1" latinLnBrk="0" hangingPunct="1">
+                  <a:defRPr kern="1200">
+                    <a:solidFill>
+                      <a:schemeClr val="lt1"/>
+                    </a:solidFill>
+                    <a:latin typeface="+mn-lt"/>
+                    <a:ea typeface="+mn-ea"/>
+                    <a:cs typeface="+mn-cs"/>
+                  </a:defRPr>
+                </a:lvl7pPr>
+                <a:lvl8pPr marL="3200400" algn="l" defTabSz="914400" rtl="0" eaLnBrk="1" latinLnBrk="0" hangingPunct="1">
+                  <a:defRPr kern="1200">
+                    <a:solidFill>
+                      <a:schemeClr val="lt1"/>
+                    </a:solidFill>
+                    <a:latin typeface="+mn-lt"/>
+                    <a:ea typeface="+mn-ea"/>
+                    <a:cs typeface="+mn-cs"/>
+                  </a:defRPr>
+                </a:lvl8pPr>
+                <a:lvl9pPr marL="3657600" algn="l" defTabSz="914400" rtl="0" eaLnBrk="1" latinLnBrk="0" hangingPunct="1">
+                  <a:defRPr kern="1200">
+                    <a:solidFill>
+                      <a:schemeClr val="lt1"/>
+                    </a:solidFill>
+                    <a:latin typeface="+mn-lt"/>
+                    <a:ea typeface="+mn-ea"/>
+                    <a:cs typeface="+mn-cs"/>
+                  </a:defRPr>
+                </a:lvl9pPr>
+              </a:lstStyle>
+              <a:p>
+                <a:pPr algn="ctr"/>
+                <a:endParaRPr lang="fr-FR"/>
+              </a:p>
+            </p:txBody>
+          </p:sp>
+        </p:grpSp>
+        <p:sp>
+          <p:nvSpPr>
+            <p:cNvPr id="40" name="ZoneTexte 39"/>
+            <p:cNvSpPr txBox="1"/>
+            <p:nvPr/>
+          </p:nvSpPr>
+          <p:spPr>
+            <a:xfrm>
+              <a:off x="1789376" y="3629215"/>
+              <a:ext cx="1116124" cy="530915"/>
+            </a:xfrm>
+            <a:prstGeom prst="rect">
+              <a:avLst/>
+            </a:prstGeom>
+            <a:noFill/>
+          </p:spPr>
+          <p:txBody>
+            <a:bodyPr wrap="square" rtlCol="0">
+              <a:spAutoFit/>
+            </a:bodyPr>
+            <a:lstStyle/>
+            <a:p>
+              <a:r>
+                <a:rPr lang="fr-FR" dirty="0" smtClean="0"/>
+                <a:t>Server-B</a:t>
+              </a:r>
+            </a:p>
+            <a:p>
+              <a:pPr lvl="0" algn="ctr"/>
+              <a:r>
+                <a:rPr lang="fr-FR" sz="1050" dirty="0" smtClean="0">
+                  <a:solidFill>
+                    <a:prstClr val="black"/>
+                  </a:solidFill>
+                </a:rPr>
+                <a:t>192.168.0.13</a:t>
+              </a:r>
+              <a:endParaRPr lang="fr-FR" sz="1050" dirty="0">
+                <a:solidFill>
+                  <a:prstClr val="black"/>
+                </a:solidFill>
+              </a:endParaRPr>
+            </a:p>
+          </p:txBody>
+        </p:sp>
+        <p:pic>
+          <p:nvPicPr>
+            <p:cNvPr id="55" name="Image 54">
+              <a:extLst>
+                <a:ext uri="{FF2B5EF4-FFF2-40B4-BE49-F238E27FC236}">
+                  <a16:creationId xmlns="" xmlns:a16="http://schemas.microsoft.com/office/drawing/2014/main" xmlns:lc="http://schemas.openxmlformats.org/drawingml/2006/lockedCanvas" id="{8A3CA8B9-B9C7-4C5E-945E-30789F67099A}"/>
+                </a:ext>
+              </a:extLst>
+            </p:cNvPr>
+            <p:cNvPicPr>
+              <a:picLocks noChangeAspect="1"/>
+            </p:cNvPicPr>
+            <p:nvPr/>
+          </p:nvPicPr>
+          <p:blipFill>
+            <a:blip r:embed="rId2" cstate="print">
+              <a:extLst>
+                <a:ext uri="{28A0092B-C50C-407E-A947-70E740481C1C}">
+                  <a14:useLocalDpi xmlns:a14="http://schemas.microsoft.com/office/drawing/2010/main" val="0"/>
+                </a:ext>
+              </a:extLst>
+            </a:blip>
+            <a:stretch>
+              <a:fillRect/>
+            </a:stretch>
+          </p:blipFill>
+          <p:spPr>
+            <a:xfrm>
+              <a:off x="1495122" y="3251822"/>
+              <a:ext cx="876286" cy="363783"/>
+            </a:xfrm>
+            <a:prstGeom prst="rect">
+              <a:avLst/>
+            </a:prstGeom>
+          </p:spPr>
+        </p:pic>
+      </p:grpSp>
+      <p:grpSp>
+        <p:nvGrpSpPr>
+          <p:cNvPr id="4" name="Groupe 3"/>
+          <p:cNvGrpSpPr/>
+          <p:nvPr/>
+        </p:nvGrpSpPr>
+        <p:grpSpPr>
+          <a:xfrm>
+            <a:off x="2656435" y="4494086"/>
+            <a:ext cx="1871142" cy="972779"/>
+            <a:chOff x="2548410" y="4549332"/>
+            <a:chExt cx="1871142" cy="972779"/>
+          </a:xfrm>
+        </p:grpSpPr>
+        <p:grpSp>
+          <p:nvGrpSpPr>
+            <p:cNvPr id="45" name="Groupe 44">
+              <a:extLst>
+                <a:ext uri="{FF2B5EF4-FFF2-40B4-BE49-F238E27FC236}">
+                  <a16:creationId xmlns="" xmlns:a16="http://schemas.microsoft.com/office/drawing/2014/main" xmlns:lc="http://schemas.openxmlformats.org/drawingml/2006/lockedCanvas" id="{E0E230ED-9E76-46B5-92C4-AB7962005D3F}"/>
+                </a:ext>
+              </a:extLst>
+            </p:cNvPr>
+            <p:cNvGrpSpPr/>
+            <p:nvPr/>
+          </p:nvGrpSpPr>
+          <p:grpSpPr>
+            <a:xfrm>
+              <a:off x="2548410" y="4549332"/>
+              <a:ext cx="1871142" cy="972779"/>
+              <a:chOff x="2155105" y="3861048"/>
+              <a:chExt cx="1336774" cy="720080"/>
+            </a:xfrm>
+            <a:solidFill>
+              <a:schemeClr val="bg1"/>
+            </a:solidFill>
+          </p:grpSpPr>
+          <p:pic>
+            <p:nvPicPr>
+              <p:cNvPr id="46" name="Image 45">
+                <a:extLst>
+                  <a:ext uri="{FF2B5EF4-FFF2-40B4-BE49-F238E27FC236}">
+                    <a16:creationId xmlns="" xmlns:a16="http://schemas.microsoft.com/office/drawing/2014/main" xmlns:lc="http://schemas.openxmlformats.org/drawingml/2006/lockedCanvas" id="{8A3CA8B9-B9C7-4C5E-945E-30789F67099A}"/>
+                  </a:ext>
+                </a:extLst>
+              </p:cNvPr>
+              <p:cNvPicPr>
+                <a:picLocks noChangeAspect="1"/>
+              </p:cNvPicPr>
+              <p:nvPr/>
+            </p:nvPicPr>
+            <p:blipFill>
+              <a:blip r:embed="rId2" cstate="print">
+                <a:extLst>
+                  <a:ext uri="{28A0092B-C50C-407E-A947-70E740481C1C}">
+                    <a14:useLocalDpi xmlns:a14="http://schemas.microsoft.com/office/drawing/2010/main" val="0"/>
+                  </a:ext>
+                </a:extLst>
+              </a:blip>
+              <a:stretch>
+                <a:fillRect/>
+              </a:stretch>
+            </p:blipFill>
+            <p:spPr>
+              <a:xfrm>
+                <a:off x="2204095" y="3905903"/>
+                <a:ext cx="517589" cy="222637"/>
+              </a:xfrm>
+              <a:prstGeom prst="rect">
+                <a:avLst/>
+              </a:prstGeom>
+              <a:grpFill/>
+            </p:spPr>
+          </p:pic>
+          <p:sp>
+            <p:nvSpPr>
+              <p:cNvPr id="47" name="Rectangle à coins arrondis 46">
+                <a:extLst>
+                  <a:ext uri="{FF2B5EF4-FFF2-40B4-BE49-F238E27FC236}">
+                    <a16:creationId xmlns="" xmlns:a16="http://schemas.microsoft.com/office/drawing/2014/main" xmlns:lc="http://schemas.openxmlformats.org/drawingml/2006/lockedCanvas" id="{D95582EE-8B26-42D1-A65F-CB3D8ACB3AAF}"/>
+                  </a:ext>
+                </a:extLst>
+              </p:cNvPr>
+              <p:cNvSpPr/>
+              <p:nvPr/>
+            </p:nvSpPr>
+            <p:spPr>
+              <a:xfrm flipH="1">
+                <a:off x="2155105" y="3861048"/>
+                <a:ext cx="1336774" cy="720080"/>
+              </a:xfrm>
+              <a:prstGeom prst="roundRect">
+                <a:avLst>
+                  <a:gd name="adj" fmla="val 9644"/>
+                </a:avLst>
+              </a:prstGeom>
+              <a:grpFill/>
+              <a:ln>
+                <a:solidFill>
+                  <a:srgbClr val="92D050"/>
+                </a:solidFill>
+              </a:ln>
+            </p:spPr>
+            <p:style>
+              <a:lnRef idx="2">
+                <a:schemeClr val="accent1">
+                  <a:shade val="50000"/>
+                </a:schemeClr>
+              </a:lnRef>
+              <a:fillRef idx="1">
+                <a:schemeClr val="accent1"/>
+              </a:fillRef>
+              <a:effectRef idx="0">
+                <a:schemeClr val="accent1"/>
+              </a:effectRef>
+              <a:fontRef idx="minor">
+                <a:schemeClr val="lt1"/>
+              </a:fontRef>
+            </p:style>
+            <p:txBody>
+              <a:bodyPr rtlCol="0" anchor="ctr"/>
+              <a:lstStyle>
+                <a:defPPr>
+                  <a:defRPr lang="fr-FR"/>
+                </a:defPPr>
+                <a:lvl1pPr algn="l" rtl="0" fontAlgn="base">
+                  <a:spcBef>
+                    <a:spcPct val="0"/>
+                  </a:spcBef>
+                  <a:spcAft>
+                    <a:spcPct val="0"/>
+                  </a:spcAft>
+                  <a:defRPr kern="1200">
+                    <a:solidFill>
+                      <a:schemeClr val="lt1"/>
+                    </a:solidFill>
+                    <a:latin typeface="+mn-lt"/>
+                    <a:ea typeface="+mn-ea"/>
+                    <a:cs typeface="+mn-cs"/>
+                  </a:defRPr>
+                </a:lvl1pPr>
+                <a:lvl2pPr marL="457200" algn="l" rtl="0" fontAlgn="base">
+                  <a:spcBef>
+                    <a:spcPct val="0"/>
+                  </a:spcBef>
+                  <a:spcAft>
+                    <a:spcPct val="0"/>
+                  </a:spcAft>
+                  <a:defRPr kern="1200">
+                    <a:solidFill>
+                      <a:schemeClr val="lt1"/>
+                    </a:solidFill>
+                    <a:latin typeface="+mn-lt"/>
+                    <a:ea typeface="+mn-ea"/>
+                    <a:cs typeface="+mn-cs"/>
+                  </a:defRPr>
+                </a:lvl2pPr>
+                <a:lvl3pPr marL="914400" algn="l" rtl="0" fontAlgn="base">
+                  <a:spcBef>
+                    <a:spcPct val="0"/>
+                  </a:spcBef>
+                  <a:spcAft>
+                    <a:spcPct val="0"/>
+                  </a:spcAft>
+                  <a:defRPr kern="1200">
+                    <a:solidFill>
+                      <a:schemeClr val="lt1"/>
+                    </a:solidFill>
+                    <a:latin typeface="+mn-lt"/>
+                    <a:ea typeface="+mn-ea"/>
+                    <a:cs typeface="+mn-cs"/>
+                  </a:defRPr>
+                </a:lvl3pPr>
+                <a:lvl4pPr marL="1371600" algn="l" rtl="0" fontAlgn="base">
+                  <a:spcBef>
+                    <a:spcPct val="0"/>
+                  </a:spcBef>
+                  <a:spcAft>
+                    <a:spcPct val="0"/>
+                  </a:spcAft>
+                  <a:defRPr kern="1200">
+                    <a:solidFill>
+                      <a:schemeClr val="lt1"/>
+                    </a:solidFill>
+                    <a:latin typeface="+mn-lt"/>
+                    <a:ea typeface="+mn-ea"/>
+                    <a:cs typeface="+mn-cs"/>
+                  </a:defRPr>
+                </a:lvl4pPr>
+                <a:lvl5pPr marL="1828800" algn="l" rtl="0" fontAlgn="base">
+                  <a:spcBef>
+                    <a:spcPct val="0"/>
+                  </a:spcBef>
+                  <a:spcAft>
+                    <a:spcPct val="0"/>
+                  </a:spcAft>
+                  <a:defRPr kern="1200">
+                    <a:solidFill>
+                      <a:schemeClr val="lt1"/>
+                    </a:solidFill>
+                    <a:latin typeface="+mn-lt"/>
+                    <a:ea typeface="+mn-ea"/>
+                    <a:cs typeface="+mn-cs"/>
+                  </a:defRPr>
+                </a:lvl5pPr>
+                <a:lvl6pPr marL="2286000" algn="l" defTabSz="914400" rtl="0" eaLnBrk="1" latinLnBrk="0" hangingPunct="1">
+                  <a:defRPr kern="1200">
+                    <a:solidFill>
+                      <a:schemeClr val="lt1"/>
+                    </a:solidFill>
+                    <a:latin typeface="+mn-lt"/>
+                    <a:ea typeface="+mn-ea"/>
+                    <a:cs typeface="+mn-cs"/>
+                  </a:defRPr>
+                </a:lvl6pPr>
+                <a:lvl7pPr marL="2743200" algn="l" defTabSz="914400" rtl="0" eaLnBrk="1" latinLnBrk="0" hangingPunct="1">
+                  <a:defRPr kern="1200">
+                    <a:solidFill>
+                      <a:schemeClr val="lt1"/>
+                    </a:solidFill>
+                    <a:latin typeface="+mn-lt"/>
+                    <a:ea typeface="+mn-ea"/>
+                    <a:cs typeface="+mn-cs"/>
+                  </a:defRPr>
+                </a:lvl7pPr>
+                <a:lvl8pPr marL="3200400" algn="l" defTabSz="914400" rtl="0" eaLnBrk="1" latinLnBrk="0" hangingPunct="1">
+                  <a:defRPr kern="1200">
+                    <a:solidFill>
+                      <a:schemeClr val="lt1"/>
+                    </a:solidFill>
+                    <a:latin typeface="+mn-lt"/>
+                    <a:ea typeface="+mn-ea"/>
+                    <a:cs typeface="+mn-cs"/>
+                  </a:defRPr>
+                </a:lvl8pPr>
+                <a:lvl9pPr marL="3657600" algn="l" defTabSz="914400" rtl="0" eaLnBrk="1" latinLnBrk="0" hangingPunct="1">
+                  <a:defRPr kern="1200">
+                    <a:solidFill>
+                      <a:schemeClr val="lt1"/>
+                    </a:solidFill>
+                    <a:latin typeface="+mn-lt"/>
+                    <a:ea typeface="+mn-ea"/>
+                    <a:cs typeface="+mn-cs"/>
+                  </a:defRPr>
+                </a:lvl9pPr>
+              </a:lstStyle>
+              <a:p>
+                <a:pPr algn="ctr"/>
+                <a:endParaRPr lang="fr-FR"/>
+              </a:p>
+            </p:txBody>
+          </p:sp>
+        </p:grpSp>
+        <p:sp>
+          <p:nvSpPr>
+            <p:cNvPr id="48" name="ZoneTexte 47"/>
+            <p:cNvSpPr txBox="1"/>
+            <p:nvPr/>
+          </p:nvSpPr>
+          <p:spPr>
+            <a:xfrm>
+              <a:off x="2925919" y="4926263"/>
+              <a:ext cx="1116124" cy="530915"/>
+            </a:xfrm>
+            <a:prstGeom prst="rect">
+              <a:avLst/>
+            </a:prstGeom>
+            <a:noFill/>
+          </p:spPr>
+          <p:txBody>
+            <a:bodyPr wrap="square" rtlCol="0">
+              <a:spAutoFit/>
+            </a:bodyPr>
+            <a:lstStyle/>
+            <a:p>
+              <a:pPr lvl="0" algn="ctr"/>
+              <a:r>
+                <a:rPr lang="fr-FR" dirty="0" smtClean="0"/>
+                <a:t>Client-UI</a:t>
+              </a:r>
+            </a:p>
+            <a:p>
+              <a:pPr lvl="0" algn="ctr"/>
+              <a:r>
+                <a:rPr lang="fr-FR" sz="1050" dirty="0" smtClean="0">
+                  <a:solidFill>
+                    <a:prstClr val="black"/>
+                  </a:solidFill>
+                </a:rPr>
+                <a:t>192.168.0.15</a:t>
+              </a:r>
+              <a:endParaRPr lang="fr-FR" sz="1050" dirty="0">
+                <a:solidFill>
+                  <a:prstClr val="black"/>
+                </a:solidFill>
+              </a:endParaRPr>
+            </a:p>
+          </p:txBody>
+        </p:sp>
+        <p:pic>
+          <p:nvPicPr>
+            <p:cNvPr id="56" name="Image 55">
+              <a:extLst>
+                <a:ext uri="{FF2B5EF4-FFF2-40B4-BE49-F238E27FC236}">
+                  <a16:creationId xmlns="" xmlns:a16="http://schemas.microsoft.com/office/drawing/2014/main" xmlns:lc="http://schemas.openxmlformats.org/drawingml/2006/lockedCanvas" id="{8A3CA8B9-B9C7-4C5E-945E-30789F67099A}"/>
+                </a:ext>
+              </a:extLst>
+            </p:cNvPr>
+            <p:cNvPicPr>
+              <a:picLocks noChangeAspect="1"/>
+            </p:cNvPicPr>
+            <p:nvPr/>
+          </p:nvPicPr>
+          <p:blipFill>
+            <a:blip r:embed="rId2" cstate="print">
+              <a:extLst>
+                <a:ext uri="{28A0092B-C50C-407E-A947-70E740481C1C}">
+                  <a14:useLocalDpi xmlns:a14="http://schemas.microsoft.com/office/drawing/2010/main" val="0"/>
+                </a:ext>
+              </a:extLst>
+            </a:blip>
+            <a:stretch>
+              <a:fillRect/>
+            </a:stretch>
+          </p:blipFill>
+          <p:spPr>
+            <a:xfrm>
+              <a:off x="2616983" y="4584994"/>
+              <a:ext cx="876286" cy="363783"/>
+            </a:xfrm>
+            <a:prstGeom prst="rect">
+              <a:avLst/>
+            </a:prstGeom>
+          </p:spPr>
+        </p:pic>
+      </p:grpSp>
+      <p:grpSp>
+        <p:nvGrpSpPr>
+          <p:cNvPr id="13" name="Groupe 12"/>
+          <p:cNvGrpSpPr/>
+          <p:nvPr/>
+        </p:nvGrpSpPr>
+        <p:grpSpPr>
+          <a:xfrm>
+            <a:off x="6780846" y="4424671"/>
+            <a:ext cx="1871142" cy="972779"/>
+            <a:chOff x="4801076" y="4549333"/>
+            <a:chExt cx="1871142" cy="972779"/>
+          </a:xfrm>
+        </p:grpSpPr>
+        <p:grpSp>
+          <p:nvGrpSpPr>
+            <p:cNvPr id="49" name="Groupe 48">
+              <a:extLst>
+                <a:ext uri="{FF2B5EF4-FFF2-40B4-BE49-F238E27FC236}">
+                  <a16:creationId xmlns="" xmlns:a16="http://schemas.microsoft.com/office/drawing/2014/main" xmlns:lc="http://schemas.openxmlformats.org/drawingml/2006/lockedCanvas" id="{E0E230ED-9E76-46B5-92C4-AB7962005D3F}"/>
+                </a:ext>
+              </a:extLst>
+            </p:cNvPr>
+            <p:cNvGrpSpPr/>
+            <p:nvPr/>
+          </p:nvGrpSpPr>
+          <p:grpSpPr>
+            <a:xfrm>
+              <a:off x="4801076" y="4549333"/>
+              <a:ext cx="1871142" cy="972779"/>
+              <a:chOff x="2155105" y="3861048"/>
+              <a:chExt cx="1336774" cy="720080"/>
+            </a:xfrm>
+            <a:solidFill>
+              <a:schemeClr val="bg1"/>
+            </a:solidFill>
+          </p:grpSpPr>
+          <p:pic>
+            <p:nvPicPr>
+              <p:cNvPr id="50" name="Image 49">
+                <a:extLst>
+                  <a:ext uri="{FF2B5EF4-FFF2-40B4-BE49-F238E27FC236}">
+                    <a16:creationId xmlns="" xmlns:a16="http://schemas.microsoft.com/office/drawing/2014/main" xmlns:lc="http://schemas.openxmlformats.org/drawingml/2006/lockedCanvas" id="{8A3CA8B9-B9C7-4C5E-945E-30789F67099A}"/>
+                  </a:ext>
+                </a:extLst>
+              </p:cNvPr>
+              <p:cNvPicPr>
+                <a:picLocks noChangeAspect="1"/>
+              </p:cNvPicPr>
+              <p:nvPr/>
+            </p:nvPicPr>
+            <p:blipFill>
+              <a:blip r:embed="rId2" cstate="print">
+                <a:extLst>
+                  <a:ext uri="{28A0092B-C50C-407E-A947-70E740481C1C}">
+                    <a14:useLocalDpi xmlns:a14="http://schemas.microsoft.com/office/drawing/2010/main" val="0"/>
+                  </a:ext>
+                </a:extLst>
+              </a:blip>
+              <a:stretch>
+                <a:fillRect/>
+              </a:stretch>
+            </p:blipFill>
+            <p:spPr>
+              <a:xfrm>
+                <a:off x="2204095" y="3905903"/>
+                <a:ext cx="517589" cy="222637"/>
+              </a:xfrm>
+              <a:prstGeom prst="rect">
+                <a:avLst/>
+              </a:prstGeom>
+              <a:grpFill/>
+            </p:spPr>
+          </p:pic>
+          <p:sp>
+            <p:nvSpPr>
+              <p:cNvPr id="51" name="Rectangle à coins arrondis 50">
+                <a:extLst>
+                  <a:ext uri="{FF2B5EF4-FFF2-40B4-BE49-F238E27FC236}">
+                    <a16:creationId xmlns="" xmlns:a16="http://schemas.microsoft.com/office/drawing/2014/main" xmlns:lc="http://schemas.openxmlformats.org/drawingml/2006/lockedCanvas" id="{D95582EE-8B26-42D1-A65F-CB3D8ACB3AAF}"/>
+                  </a:ext>
+                </a:extLst>
+              </p:cNvPr>
+              <p:cNvSpPr/>
+              <p:nvPr/>
+            </p:nvSpPr>
+            <p:spPr>
+              <a:xfrm flipH="1">
+                <a:off x="2155105" y="3861048"/>
+                <a:ext cx="1336774" cy="720080"/>
+              </a:xfrm>
+              <a:prstGeom prst="roundRect">
+                <a:avLst>
+                  <a:gd name="adj" fmla="val 9644"/>
+                </a:avLst>
+              </a:prstGeom>
+              <a:grpFill/>
+              <a:ln>
+                <a:solidFill>
+                  <a:srgbClr val="00B050"/>
+                </a:solidFill>
+              </a:ln>
+            </p:spPr>
+            <p:style>
+              <a:lnRef idx="2">
+                <a:schemeClr val="accent1">
+                  <a:shade val="50000"/>
+                </a:schemeClr>
+              </a:lnRef>
+              <a:fillRef idx="1">
+                <a:schemeClr val="accent1"/>
+              </a:fillRef>
+              <a:effectRef idx="0">
+                <a:schemeClr val="accent1"/>
+              </a:effectRef>
+              <a:fontRef idx="minor">
+                <a:schemeClr val="lt1"/>
+              </a:fontRef>
+            </p:style>
+            <p:txBody>
+              <a:bodyPr rtlCol="0" anchor="ctr"/>
+              <a:lstStyle>
+                <a:defPPr>
+                  <a:defRPr lang="fr-FR"/>
+                </a:defPPr>
+                <a:lvl1pPr algn="l" rtl="0" fontAlgn="base">
+                  <a:spcBef>
+                    <a:spcPct val="0"/>
+                  </a:spcBef>
+                  <a:spcAft>
+                    <a:spcPct val="0"/>
+                  </a:spcAft>
+                  <a:defRPr kern="1200">
+                    <a:solidFill>
+                      <a:schemeClr val="lt1"/>
+                    </a:solidFill>
+                    <a:latin typeface="+mn-lt"/>
+                    <a:ea typeface="+mn-ea"/>
+                    <a:cs typeface="+mn-cs"/>
+                  </a:defRPr>
+                </a:lvl1pPr>
+                <a:lvl2pPr marL="457200" algn="l" rtl="0" fontAlgn="base">
+                  <a:spcBef>
+                    <a:spcPct val="0"/>
+                  </a:spcBef>
+                  <a:spcAft>
+                    <a:spcPct val="0"/>
+                  </a:spcAft>
+                  <a:defRPr kern="1200">
+                    <a:solidFill>
+                      <a:schemeClr val="lt1"/>
+                    </a:solidFill>
+                    <a:latin typeface="+mn-lt"/>
+                    <a:ea typeface="+mn-ea"/>
+                    <a:cs typeface="+mn-cs"/>
+                  </a:defRPr>
+                </a:lvl2pPr>
+                <a:lvl3pPr marL="914400" algn="l" rtl="0" fontAlgn="base">
+                  <a:spcBef>
+                    <a:spcPct val="0"/>
+                  </a:spcBef>
+                  <a:spcAft>
+                    <a:spcPct val="0"/>
+                  </a:spcAft>
+                  <a:defRPr kern="1200">
+                    <a:solidFill>
+                      <a:schemeClr val="lt1"/>
+                    </a:solidFill>
+                    <a:latin typeface="+mn-lt"/>
+                    <a:ea typeface="+mn-ea"/>
+                    <a:cs typeface="+mn-cs"/>
+                  </a:defRPr>
+                </a:lvl3pPr>
+                <a:lvl4pPr marL="1371600" algn="l" rtl="0" fontAlgn="base">
+                  <a:spcBef>
+                    <a:spcPct val="0"/>
+                  </a:spcBef>
+                  <a:spcAft>
+                    <a:spcPct val="0"/>
+                  </a:spcAft>
+                  <a:defRPr kern="1200">
+                    <a:solidFill>
+                      <a:schemeClr val="lt1"/>
+                    </a:solidFill>
+                    <a:latin typeface="+mn-lt"/>
+                    <a:ea typeface="+mn-ea"/>
+                    <a:cs typeface="+mn-cs"/>
+                  </a:defRPr>
+                </a:lvl4pPr>
+                <a:lvl5pPr marL="1828800" algn="l" rtl="0" fontAlgn="base">
+                  <a:spcBef>
+                    <a:spcPct val="0"/>
+                  </a:spcBef>
+                  <a:spcAft>
+                    <a:spcPct val="0"/>
+                  </a:spcAft>
+                  <a:defRPr kern="1200">
+                    <a:solidFill>
+                      <a:schemeClr val="lt1"/>
+                    </a:solidFill>
+                    <a:latin typeface="+mn-lt"/>
+                    <a:ea typeface="+mn-ea"/>
+                    <a:cs typeface="+mn-cs"/>
+                  </a:defRPr>
+                </a:lvl5pPr>
+                <a:lvl6pPr marL="2286000" algn="l" defTabSz="914400" rtl="0" eaLnBrk="1" latinLnBrk="0" hangingPunct="1">
+                  <a:defRPr kern="1200">
+                    <a:solidFill>
+                      <a:schemeClr val="lt1"/>
+                    </a:solidFill>
+                    <a:latin typeface="+mn-lt"/>
+                    <a:ea typeface="+mn-ea"/>
+                    <a:cs typeface="+mn-cs"/>
+                  </a:defRPr>
+                </a:lvl6pPr>
+                <a:lvl7pPr marL="2743200" algn="l" defTabSz="914400" rtl="0" eaLnBrk="1" latinLnBrk="0" hangingPunct="1">
+                  <a:defRPr kern="1200">
+                    <a:solidFill>
+                      <a:schemeClr val="lt1"/>
+                    </a:solidFill>
+                    <a:latin typeface="+mn-lt"/>
+                    <a:ea typeface="+mn-ea"/>
+                    <a:cs typeface="+mn-cs"/>
+                  </a:defRPr>
+                </a:lvl7pPr>
+                <a:lvl8pPr marL="3200400" algn="l" defTabSz="914400" rtl="0" eaLnBrk="1" latinLnBrk="0" hangingPunct="1">
+                  <a:defRPr kern="1200">
+                    <a:solidFill>
+                      <a:schemeClr val="lt1"/>
+                    </a:solidFill>
+                    <a:latin typeface="+mn-lt"/>
+                    <a:ea typeface="+mn-ea"/>
+                    <a:cs typeface="+mn-cs"/>
+                  </a:defRPr>
+                </a:lvl8pPr>
+                <a:lvl9pPr marL="3657600" algn="l" defTabSz="914400" rtl="0" eaLnBrk="1" latinLnBrk="0" hangingPunct="1">
+                  <a:defRPr kern="1200">
+                    <a:solidFill>
+                      <a:schemeClr val="lt1"/>
+                    </a:solidFill>
+                    <a:latin typeface="+mn-lt"/>
+                    <a:ea typeface="+mn-ea"/>
+                    <a:cs typeface="+mn-cs"/>
+                  </a:defRPr>
+                </a:lvl9pPr>
+              </a:lstStyle>
+              <a:p>
+                <a:pPr algn="ctr"/>
+                <a:endParaRPr lang="fr-FR"/>
+              </a:p>
+            </p:txBody>
+          </p:sp>
+        </p:grpSp>
+        <p:sp>
+          <p:nvSpPr>
+            <p:cNvPr id="52" name="ZoneTexte 51"/>
+            <p:cNvSpPr txBox="1"/>
+            <p:nvPr/>
+          </p:nvSpPr>
+          <p:spPr>
+            <a:xfrm>
+              <a:off x="5172867" y="4926263"/>
+              <a:ext cx="1116124" cy="530915"/>
+            </a:xfrm>
+            <a:prstGeom prst="rect">
+              <a:avLst/>
+            </a:prstGeom>
+            <a:noFill/>
+          </p:spPr>
+          <p:txBody>
+            <a:bodyPr wrap="square" rtlCol="0">
+              <a:spAutoFit/>
+            </a:bodyPr>
+            <a:lstStyle/>
+            <a:p>
+              <a:r>
+                <a:rPr lang="fr-FR" dirty="0" smtClean="0"/>
+                <a:t>Client-B</a:t>
+              </a:r>
+            </a:p>
+            <a:p>
+              <a:pPr lvl="0" algn="ctr"/>
+              <a:r>
+                <a:rPr lang="fr-FR" sz="1050" dirty="0" smtClean="0">
+                  <a:solidFill>
+                    <a:prstClr val="black"/>
+                  </a:solidFill>
+                </a:rPr>
+                <a:t>192.168.0.17</a:t>
+              </a:r>
+              <a:endParaRPr lang="fr-FR" sz="1050" dirty="0">
+                <a:solidFill>
+                  <a:prstClr val="black"/>
+                </a:solidFill>
+              </a:endParaRPr>
+            </a:p>
+          </p:txBody>
+        </p:sp>
+        <p:pic>
+          <p:nvPicPr>
+            <p:cNvPr id="57" name="Image 56">
+              <a:extLst>
+                <a:ext uri="{FF2B5EF4-FFF2-40B4-BE49-F238E27FC236}">
+                  <a16:creationId xmlns="" xmlns:a16="http://schemas.microsoft.com/office/drawing/2014/main" xmlns:lc="http://schemas.openxmlformats.org/drawingml/2006/lockedCanvas" id="{8A3CA8B9-B9C7-4C5E-945E-30789F67099A}"/>
+                </a:ext>
+              </a:extLst>
+            </p:cNvPr>
+            <p:cNvPicPr>
+              <a:picLocks noChangeAspect="1"/>
+            </p:cNvPicPr>
+            <p:nvPr/>
+          </p:nvPicPr>
+          <p:blipFill>
+            <a:blip r:embed="rId2" cstate="print">
+              <a:extLst>
+                <a:ext uri="{28A0092B-C50C-407E-A947-70E740481C1C}">
+                  <a14:useLocalDpi xmlns:a14="http://schemas.microsoft.com/office/drawing/2010/main" val="0"/>
+                </a:ext>
+              </a:extLst>
+            </a:blip>
+            <a:stretch>
+              <a:fillRect/>
+            </a:stretch>
+          </p:blipFill>
+          <p:spPr>
+            <a:xfrm>
+              <a:off x="4857277" y="4576416"/>
+              <a:ext cx="876286" cy="363783"/>
+            </a:xfrm>
+            <a:prstGeom prst="rect">
+              <a:avLst/>
+            </a:prstGeom>
+          </p:spPr>
+        </p:pic>
+      </p:grpSp>
+      <p:grpSp>
+        <p:nvGrpSpPr>
+          <p:cNvPr id="10" name="Groupe 9"/>
+          <p:cNvGrpSpPr/>
+          <p:nvPr/>
+        </p:nvGrpSpPr>
+        <p:grpSpPr>
+          <a:xfrm>
+            <a:off x="6764607" y="3284269"/>
+            <a:ext cx="1871142" cy="972779"/>
+            <a:chOff x="5891328" y="3212974"/>
+            <a:chExt cx="1871142" cy="972779"/>
           </a:xfrm>
         </p:grpSpPr>
         <p:sp>
           <p:nvSpPr>
-            <p:cNvPr id="65" name="Rectangle à coins arrondis 64">
+            <p:cNvPr id="23" name="Rectangle à coins arrondis 22">
               <a:extLst>
                 <a:ext uri="{FF2B5EF4-FFF2-40B4-BE49-F238E27FC236}">
-                  <a16:creationId xmlns="" xmlns:a16="http://schemas.microsoft.com/office/drawing/2014/main" xmlns:lc="http://schemas.openxmlformats.org/drawingml/2006/lockedCanvas" id="{D95582EE-8B26-42D1-A65F-CB3D8ACB3AAF}"/>
+                  <a16:creationId xmlns="" xmlns:a16="http://schemas.microsoft.com/office/drawing/2014/main" xmlns:lc="http://schemas.openxmlformats.org/drawingml/2006/lockedCanvas" id="{39EF6DF5-5B2C-46F6-9EF9-79BC9ADA4131}"/>
                 </a:ext>
               </a:extLst>
             </p:cNvPr>
@@ -4709,15 +4514,25 @@
           </p:nvSpPr>
           <p:spPr>
             <a:xfrm flipH="1">
-              <a:off x="2963716" y="6030052"/>
-              <a:ext cx="1040530" cy="705037"/>
+              <a:off x="5891328" y="3212974"/>
+              <a:ext cx="1871142" cy="972779"/>
             </a:xfrm>
             <a:prstGeom prst="roundRect">
               <a:avLst>
                 <a:gd name="adj" fmla="val 9644"/>
               </a:avLst>
             </a:prstGeom>
-            <a:noFill/>
+            <a:solidFill>
+              <a:schemeClr val="bg1"/>
+            </a:solidFill>
+            <a:ln>
+              <a:solidFill>
+                <a:schemeClr val="tx2">
+                  <a:lumMod val="60000"/>
+                  <a:lumOff val="40000"/>
+                </a:schemeClr>
+              </a:solidFill>
+            </a:ln>
           </p:spPr>
           <p:style>
             <a:lnRef idx="2">
@@ -4870,14 +4685,14 @@
         </p:sp>
         <p:sp>
           <p:nvSpPr>
-            <p:cNvPr id="66" name="ZoneTexte 65"/>
+            <p:cNvPr id="43" name="ZoneTexte 42"/>
             <p:cNvSpPr txBox="1"/>
             <p:nvPr/>
           </p:nvSpPr>
           <p:spPr>
             <a:xfrm>
-              <a:off x="3061715" y="6158781"/>
-              <a:ext cx="866998" cy="461665"/>
+              <a:off x="6205247" y="3579432"/>
+              <a:ext cx="1116124" cy="530915"/>
             </a:xfrm>
             <a:prstGeom prst="rect">
               <a:avLst/>
@@ -4890,421 +4705,329 @@
             </a:bodyPr>
             <a:lstStyle/>
             <a:p>
-              <a:pPr algn="ctr"/>
               <a:r>
-                <a:rPr lang="fr-FR" sz="1200" dirty="0" smtClean="0"/>
-                <a:t>Machine 3</a:t>
+                <a:rPr lang="fr-FR" dirty="0" smtClean="0"/>
+                <a:t>Server-C</a:t>
               </a:r>
-              <a:endParaRPr lang="fr-FR" sz="1200" dirty="0"/>
+            </a:p>
+            <a:p>
+              <a:pPr lvl="0" algn="ctr"/>
+              <a:r>
+                <a:rPr lang="fr-FR" sz="1050" dirty="0" smtClean="0">
+                  <a:solidFill>
+                    <a:prstClr val="black"/>
+                  </a:solidFill>
+                </a:rPr>
+                <a:t>192.168.0.14</a:t>
+              </a:r>
+              <a:endParaRPr lang="fr-FR" sz="1050" dirty="0">
+                <a:solidFill>
+                  <a:prstClr val="black"/>
+                </a:solidFill>
+              </a:endParaRPr>
             </a:p>
           </p:txBody>
         </p:sp>
+        <p:pic>
+          <p:nvPicPr>
+            <p:cNvPr id="58" name="Image 57">
+              <a:extLst>
+                <a:ext uri="{FF2B5EF4-FFF2-40B4-BE49-F238E27FC236}">
+                  <a16:creationId xmlns="" xmlns:a16="http://schemas.microsoft.com/office/drawing/2014/main" xmlns:lc="http://schemas.openxmlformats.org/drawingml/2006/lockedCanvas" id="{8A3CA8B9-B9C7-4C5E-945E-30789F67099A}"/>
+                </a:ext>
+              </a:extLst>
+            </p:cNvPr>
+            <p:cNvPicPr>
+              <a:picLocks noChangeAspect="1"/>
+            </p:cNvPicPr>
+            <p:nvPr/>
+          </p:nvPicPr>
+          <p:blipFill>
+            <a:blip r:embed="rId2" cstate="print">
+              <a:extLst>
+                <a:ext uri="{28A0092B-C50C-407E-A947-70E740481C1C}">
+                  <a14:useLocalDpi xmlns:a14="http://schemas.microsoft.com/office/drawing/2010/main" val="0"/>
+                </a:ext>
+              </a:extLst>
+            </a:blip>
+            <a:stretch>
+              <a:fillRect/>
+            </a:stretch>
+          </p:blipFill>
+          <p:spPr>
+            <a:xfrm>
+              <a:off x="5950613" y="3237770"/>
+              <a:ext cx="876286" cy="363783"/>
+            </a:xfrm>
+            <a:prstGeom prst="rect">
+              <a:avLst/>
+            </a:prstGeom>
+          </p:spPr>
+        </p:pic>
       </p:grpSp>
-      <p:sp>
-        <p:nvSpPr>
-          <p:cNvPr id="67" name="Rectangle à coins arrondis 66">
-            <a:extLst>
-              <a:ext uri="{FF2B5EF4-FFF2-40B4-BE49-F238E27FC236}">
-                <a16:creationId xmlns="" xmlns:a16="http://schemas.microsoft.com/office/drawing/2014/main" xmlns:lc="http://schemas.openxmlformats.org/drawingml/2006/lockedCanvas" id="{D95582EE-8B26-42D1-A65F-CB3D8ACB3AAF}"/>
-              </a:ext>
-            </a:extLst>
-          </p:cNvPr>
-          <p:cNvSpPr/>
-          <p:nvPr/>
-        </p:nvSpPr>
-        <p:spPr>
-          <a:xfrm flipH="1">
-            <a:off x="8038505" y="4249905"/>
-            <a:ext cx="1040530" cy="705037"/>
-          </a:xfrm>
-          <a:prstGeom prst="roundRect">
-            <a:avLst>
-              <a:gd name="adj" fmla="val 9644"/>
-            </a:avLst>
-          </a:prstGeom>
-          <a:noFill/>
-        </p:spPr>
-        <p:style>
-          <a:lnRef idx="2">
-            <a:schemeClr val="accent1">
-              <a:shade val="50000"/>
-            </a:schemeClr>
-          </a:lnRef>
-          <a:fillRef idx="1">
-            <a:schemeClr val="accent1"/>
-          </a:fillRef>
-          <a:effectRef idx="0">
-            <a:schemeClr val="accent1"/>
-          </a:effectRef>
-          <a:fontRef idx="minor">
-            <a:schemeClr val="lt1"/>
-          </a:fontRef>
-        </p:style>
-        <p:txBody>
-          <a:bodyPr rtlCol="0" anchor="ctr"/>
-          <a:lstStyle>
-            <a:defPPr>
-              <a:defRPr lang="fr-FR"/>
-            </a:defPPr>
-            <a:lvl1pPr algn="l" rtl="0" fontAlgn="base">
-              <a:spcBef>
-                <a:spcPct val="0"/>
-              </a:spcBef>
-              <a:spcAft>
-                <a:spcPct val="0"/>
-              </a:spcAft>
-              <a:defRPr kern="1200">
-                <a:solidFill>
-                  <a:schemeClr val="lt1"/>
-                </a:solidFill>
-                <a:latin typeface="+mn-lt"/>
-                <a:ea typeface="+mn-ea"/>
-                <a:cs typeface="+mn-cs"/>
-              </a:defRPr>
-            </a:lvl1pPr>
-            <a:lvl2pPr marL="457200" algn="l" rtl="0" fontAlgn="base">
-              <a:spcBef>
-                <a:spcPct val="0"/>
-              </a:spcBef>
-              <a:spcAft>
-                <a:spcPct val="0"/>
-              </a:spcAft>
-              <a:defRPr kern="1200">
-                <a:solidFill>
-                  <a:schemeClr val="lt1"/>
-                </a:solidFill>
-                <a:latin typeface="+mn-lt"/>
-                <a:ea typeface="+mn-ea"/>
-                <a:cs typeface="+mn-cs"/>
-              </a:defRPr>
-            </a:lvl2pPr>
-            <a:lvl3pPr marL="914400" algn="l" rtl="0" fontAlgn="base">
-              <a:spcBef>
-                <a:spcPct val="0"/>
-              </a:spcBef>
-              <a:spcAft>
-                <a:spcPct val="0"/>
-              </a:spcAft>
-              <a:defRPr kern="1200">
-                <a:solidFill>
-                  <a:schemeClr val="lt1"/>
-                </a:solidFill>
-                <a:latin typeface="+mn-lt"/>
-                <a:ea typeface="+mn-ea"/>
-                <a:cs typeface="+mn-cs"/>
-              </a:defRPr>
-            </a:lvl3pPr>
-            <a:lvl4pPr marL="1371600" algn="l" rtl="0" fontAlgn="base">
-              <a:spcBef>
-                <a:spcPct val="0"/>
-              </a:spcBef>
-              <a:spcAft>
-                <a:spcPct val="0"/>
-              </a:spcAft>
-              <a:defRPr kern="1200">
-                <a:solidFill>
-                  <a:schemeClr val="lt1"/>
-                </a:solidFill>
-                <a:latin typeface="+mn-lt"/>
-                <a:ea typeface="+mn-ea"/>
-                <a:cs typeface="+mn-cs"/>
-              </a:defRPr>
-            </a:lvl4pPr>
-            <a:lvl5pPr marL="1828800" algn="l" rtl="0" fontAlgn="base">
-              <a:spcBef>
-                <a:spcPct val="0"/>
-              </a:spcBef>
-              <a:spcAft>
-                <a:spcPct val="0"/>
-              </a:spcAft>
-              <a:defRPr kern="1200">
-                <a:solidFill>
-                  <a:schemeClr val="lt1"/>
-                </a:solidFill>
-                <a:latin typeface="+mn-lt"/>
-                <a:ea typeface="+mn-ea"/>
-                <a:cs typeface="+mn-cs"/>
-              </a:defRPr>
-            </a:lvl5pPr>
-            <a:lvl6pPr marL="2286000" algn="l" defTabSz="914400" rtl="0" eaLnBrk="1" latinLnBrk="0" hangingPunct="1">
-              <a:defRPr kern="1200">
-                <a:solidFill>
-                  <a:schemeClr val="lt1"/>
-                </a:solidFill>
-                <a:latin typeface="+mn-lt"/>
-                <a:ea typeface="+mn-ea"/>
-                <a:cs typeface="+mn-cs"/>
-              </a:defRPr>
-            </a:lvl6pPr>
-            <a:lvl7pPr marL="2743200" algn="l" defTabSz="914400" rtl="0" eaLnBrk="1" latinLnBrk="0" hangingPunct="1">
-              <a:defRPr kern="1200">
-                <a:solidFill>
-                  <a:schemeClr val="lt1"/>
-                </a:solidFill>
-                <a:latin typeface="+mn-lt"/>
-                <a:ea typeface="+mn-ea"/>
-                <a:cs typeface="+mn-cs"/>
-              </a:defRPr>
-            </a:lvl7pPr>
-            <a:lvl8pPr marL="3200400" algn="l" defTabSz="914400" rtl="0" eaLnBrk="1" latinLnBrk="0" hangingPunct="1">
-              <a:defRPr kern="1200">
-                <a:solidFill>
-                  <a:schemeClr val="lt1"/>
-                </a:solidFill>
-                <a:latin typeface="+mn-lt"/>
-                <a:ea typeface="+mn-ea"/>
-                <a:cs typeface="+mn-cs"/>
-              </a:defRPr>
-            </a:lvl8pPr>
-            <a:lvl9pPr marL="3657600" algn="l" defTabSz="914400" rtl="0" eaLnBrk="1" latinLnBrk="0" hangingPunct="1">
-              <a:defRPr kern="1200">
-                <a:solidFill>
-                  <a:schemeClr val="lt1"/>
-                </a:solidFill>
-                <a:latin typeface="+mn-lt"/>
-                <a:ea typeface="+mn-ea"/>
-                <a:cs typeface="+mn-cs"/>
-              </a:defRPr>
-            </a:lvl9pPr>
-          </a:lstStyle>
-          <a:p>
-            <a:pPr algn="ctr"/>
-            <a:endParaRPr lang="fr-FR"/>
-          </a:p>
-        </p:txBody>
-      </p:sp>
-      <p:sp>
-        <p:nvSpPr>
-          <p:cNvPr id="68" name="ZoneTexte 67"/>
-          <p:cNvSpPr txBox="1"/>
-          <p:nvPr/>
-        </p:nvSpPr>
-        <p:spPr>
-          <a:xfrm>
-            <a:off x="8125271" y="4366979"/>
-            <a:ext cx="866998" cy="461665"/>
-          </a:xfrm>
-          <a:prstGeom prst="rect">
-            <a:avLst/>
-          </a:prstGeom>
-          <a:noFill/>
-        </p:spPr>
-        <p:txBody>
-          <a:bodyPr wrap="square" rtlCol="0">
-            <a:spAutoFit/>
-          </a:bodyPr>
-          <a:lstStyle/>
-          <a:p>
-            <a:pPr algn="ctr"/>
-            <a:r>
-              <a:rPr lang="fr-FR" sz="1200" dirty="0" smtClean="0"/>
-              <a:t>Machine </a:t>
-            </a:r>
-            <a:r>
-              <a:rPr lang="fr-FR" sz="1200" dirty="0" smtClean="0"/>
-              <a:t>5</a:t>
-            </a:r>
-            <a:endParaRPr lang="fr-FR" sz="1200" dirty="0"/>
-          </a:p>
-        </p:txBody>
-      </p:sp>
       <p:grpSp>
         <p:nvGrpSpPr>
-          <p:cNvPr id="12" name="Groupe 11"/>
+          <p:cNvPr id="60" name="Groupe 59"/>
           <p:cNvGrpSpPr/>
           <p:nvPr/>
         </p:nvGrpSpPr>
         <p:grpSpPr>
           <a:xfrm>
-            <a:off x="8044478" y="2708256"/>
-            <a:ext cx="1040530" cy="705037"/>
-            <a:chOff x="8152590" y="2571362"/>
-            <a:chExt cx="1040530" cy="705037"/>
+            <a:off x="4674741" y="5230522"/>
+            <a:ext cx="1871142" cy="972779"/>
+            <a:chOff x="4801076" y="4549333"/>
+            <a:chExt cx="1871142" cy="972779"/>
           </a:xfrm>
         </p:grpSpPr>
-        <p:sp>
-          <p:nvSpPr>
-            <p:cNvPr id="69" name="Rectangle à coins arrondis 68">
+        <p:grpSp>
+          <p:nvGrpSpPr>
+            <p:cNvPr id="61" name="Groupe 60">
               <a:extLst>
                 <a:ext uri="{FF2B5EF4-FFF2-40B4-BE49-F238E27FC236}">
-                  <a16:creationId xmlns="" xmlns:a16="http://schemas.microsoft.com/office/drawing/2014/main" xmlns:lc="http://schemas.openxmlformats.org/drawingml/2006/lockedCanvas" id="{D95582EE-8B26-42D1-A65F-CB3D8ACB3AAF}"/>
+                  <a16:creationId xmlns="" xmlns:a16="http://schemas.microsoft.com/office/drawing/2014/main" xmlns:lc="http://schemas.openxmlformats.org/drawingml/2006/lockedCanvas" id="{E0E230ED-9E76-46B5-92C4-AB7962005D3F}"/>
                 </a:ext>
               </a:extLst>
             </p:cNvPr>
-            <p:cNvSpPr/>
+            <p:cNvGrpSpPr/>
             <p:nvPr/>
-          </p:nvSpPr>
-          <p:spPr>
-            <a:xfrm flipH="1">
-              <a:off x="8152590" y="2571362"/>
-              <a:ext cx="1040530" cy="705037"/>
+          </p:nvGrpSpPr>
+          <p:grpSpPr>
+            <a:xfrm>
+              <a:off x="4801076" y="4549333"/>
+              <a:ext cx="1871142" cy="972779"/>
+              <a:chOff x="2155105" y="3861048"/>
+              <a:chExt cx="1336774" cy="720080"/>
             </a:xfrm>
-            <a:prstGeom prst="roundRect">
-              <a:avLst>
-                <a:gd name="adj" fmla="val 9644"/>
-              </a:avLst>
-            </a:prstGeom>
-            <a:noFill/>
-          </p:spPr>
-          <p:style>
-            <a:lnRef idx="2">
-              <a:schemeClr val="accent1">
-                <a:shade val="50000"/>
-              </a:schemeClr>
-            </a:lnRef>
-            <a:fillRef idx="1">
-              <a:schemeClr val="accent1"/>
-            </a:fillRef>
-            <a:effectRef idx="0">
-              <a:schemeClr val="accent1"/>
-            </a:effectRef>
-            <a:fontRef idx="minor">
-              <a:schemeClr val="lt1"/>
-            </a:fontRef>
-          </p:style>
-          <p:txBody>
-            <a:bodyPr rtlCol="0" anchor="ctr"/>
-            <a:lstStyle>
-              <a:defPPr>
-                <a:defRPr lang="fr-FR"/>
-              </a:defPPr>
-              <a:lvl1pPr algn="l" rtl="0" fontAlgn="base">
-                <a:spcBef>
-                  <a:spcPct val="0"/>
-                </a:spcBef>
-                <a:spcAft>
-                  <a:spcPct val="0"/>
-                </a:spcAft>
-                <a:defRPr kern="1200">
-                  <a:solidFill>
-                    <a:schemeClr val="lt1"/>
-                  </a:solidFill>
-                  <a:latin typeface="+mn-lt"/>
-                  <a:ea typeface="+mn-ea"/>
-                  <a:cs typeface="+mn-cs"/>
-                </a:defRPr>
-              </a:lvl1pPr>
-              <a:lvl2pPr marL="457200" algn="l" rtl="0" fontAlgn="base">
-                <a:spcBef>
-                  <a:spcPct val="0"/>
-                </a:spcBef>
-                <a:spcAft>
-                  <a:spcPct val="0"/>
-                </a:spcAft>
-                <a:defRPr kern="1200">
-                  <a:solidFill>
-                    <a:schemeClr val="lt1"/>
-                  </a:solidFill>
-                  <a:latin typeface="+mn-lt"/>
-                  <a:ea typeface="+mn-ea"/>
-                  <a:cs typeface="+mn-cs"/>
-                </a:defRPr>
-              </a:lvl2pPr>
-              <a:lvl3pPr marL="914400" algn="l" rtl="0" fontAlgn="base">
-                <a:spcBef>
-                  <a:spcPct val="0"/>
-                </a:spcBef>
-                <a:spcAft>
-                  <a:spcPct val="0"/>
-                </a:spcAft>
-                <a:defRPr kern="1200">
-                  <a:solidFill>
-                    <a:schemeClr val="lt1"/>
-                  </a:solidFill>
-                  <a:latin typeface="+mn-lt"/>
-                  <a:ea typeface="+mn-ea"/>
-                  <a:cs typeface="+mn-cs"/>
-                </a:defRPr>
-              </a:lvl3pPr>
-              <a:lvl4pPr marL="1371600" algn="l" rtl="0" fontAlgn="base">
-                <a:spcBef>
-                  <a:spcPct val="0"/>
-                </a:spcBef>
-                <a:spcAft>
-                  <a:spcPct val="0"/>
-                </a:spcAft>
-                <a:defRPr kern="1200">
-                  <a:solidFill>
-                    <a:schemeClr val="lt1"/>
-                  </a:solidFill>
-                  <a:latin typeface="+mn-lt"/>
-                  <a:ea typeface="+mn-ea"/>
-                  <a:cs typeface="+mn-cs"/>
-                </a:defRPr>
-              </a:lvl4pPr>
-              <a:lvl5pPr marL="1828800" algn="l" rtl="0" fontAlgn="base">
-                <a:spcBef>
-                  <a:spcPct val="0"/>
-                </a:spcBef>
-                <a:spcAft>
-                  <a:spcPct val="0"/>
-                </a:spcAft>
-                <a:defRPr kern="1200">
-                  <a:solidFill>
-                    <a:schemeClr val="lt1"/>
-                  </a:solidFill>
-                  <a:latin typeface="+mn-lt"/>
-                  <a:ea typeface="+mn-ea"/>
-                  <a:cs typeface="+mn-cs"/>
-                </a:defRPr>
-              </a:lvl5pPr>
-              <a:lvl6pPr marL="2286000" algn="l" defTabSz="914400" rtl="0" eaLnBrk="1" latinLnBrk="0" hangingPunct="1">
-                <a:defRPr kern="1200">
-                  <a:solidFill>
-                    <a:schemeClr val="lt1"/>
-                  </a:solidFill>
-                  <a:latin typeface="+mn-lt"/>
-                  <a:ea typeface="+mn-ea"/>
-                  <a:cs typeface="+mn-cs"/>
-                </a:defRPr>
-              </a:lvl6pPr>
-              <a:lvl7pPr marL="2743200" algn="l" defTabSz="914400" rtl="0" eaLnBrk="1" latinLnBrk="0" hangingPunct="1">
-                <a:defRPr kern="1200">
-                  <a:solidFill>
-                    <a:schemeClr val="lt1"/>
-                  </a:solidFill>
-                  <a:latin typeface="+mn-lt"/>
-                  <a:ea typeface="+mn-ea"/>
-                  <a:cs typeface="+mn-cs"/>
-                </a:defRPr>
-              </a:lvl7pPr>
-              <a:lvl8pPr marL="3200400" algn="l" defTabSz="914400" rtl="0" eaLnBrk="1" latinLnBrk="0" hangingPunct="1">
-                <a:defRPr kern="1200">
-                  <a:solidFill>
-                    <a:schemeClr val="lt1"/>
-                  </a:solidFill>
-                  <a:latin typeface="+mn-lt"/>
-                  <a:ea typeface="+mn-ea"/>
-                  <a:cs typeface="+mn-cs"/>
-                </a:defRPr>
-              </a:lvl8pPr>
-              <a:lvl9pPr marL="3657600" algn="l" defTabSz="914400" rtl="0" eaLnBrk="1" latinLnBrk="0" hangingPunct="1">
-                <a:defRPr kern="1200">
-                  <a:solidFill>
-                    <a:schemeClr val="lt1"/>
-                  </a:solidFill>
-                  <a:latin typeface="+mn-lt"/>
-                  <a:ea typeface="+mn-ea"/>
-                  <a:cs typeface="+mn-cs"/>
-                </a:defRPr>
-              </a:lvl9pPr>
-            </a:lstStyle>
-            <a:p>
-              <a:pPr algn="ctr"/>
-              <a:endParaRPr lang="fr-FR"/>
-            </a:p>
-          </p:txBody>
-        </p:sp>
+            <a:solidFill>
+              <a:schemeClr val="bg1"/>
+            </a:solidFill>
+          </p:grpSpPr>
+          <p:pic>
+            <p:nvPicPr>
+              <p:cNvPr id="64" name="Image 63">
+                <a:extLst>
+                  <a:ext uri="{FF2B5EF4-FFF2-40B4-BE49-F238E27FC236}">
+                    <a16:creationId xmlns="" xmlns:a16="http://schemas.microsoft.com/office/drawing/2014/main" xmlns:lc="http://schemas.openxmlformats.org/drawingml/2006/lockedCanvas" id="{8A3CA8B9-B9C7-4C5E-945E-30789F67099A}"/>
+                  </a:ext>
+                </a:extLst>
+              </p:cNvPr>
+              <p:cNvPicPr>
+                <a:picLocks noChangeAspect="1"/>
+              </p:cNvPicPr>
+              <p:nvPr/>
+            </p:nvPicPr>
+            <p:blipFill>
+              <a:blip r:embed="rId2" cstate="print">
+                <a:extLst>
+                  <a:ext uri="{28A0092B-C50C-407E-A947-70E740481C1C}">
+                    <a14:useLocalDpi xmlns:a14="http://schemas.microsoft.com/office/drawing/2010/main" val="0"/>
+                  </a:ext>
+                </a:extLst>
+              </a:blip>
+              <a:stretch>
+                <a:fillRect/>
+              </a:stretch>
+            </p:blipFill>
+            <p:spPr>
+              <a:xfrm>
+                <a:off x="2204095" y="3905903"/>
+                <a:ext cx="517589" cy="222637"/>
+              </a:xfrm>
+              <a:prstGeom prst="rect">
+                <a:avLst/>
+              </a:prstGeom>
+              <a:grpFill/>
+            </p:spPr>
+          </p:pic>
+          <p:sp>
+            <p:nvSpPr>
+              <p:cNvPr id="76" name="Rectangle à coins arrondis 75">
+                <a:extLst>
+                  <a:ext uri="{FF2B5EF4-FFF2-40B4-BE49-F238E27FC236}">
+                    <a16:creationId xmlns="" xmlns:a16="http://schemas.microsoft.com/office/drawing/2014/main" xmlns:lc="http://schemas.openxmlformats.org/drawingml/2006/lockedCanvas" id="{D95582EE-8B26-42D1-A65F-CB3D8ACB3AAF}"/>
+                  </a:ext>
+                </a:extLst>
+              </p:cNvPr>
+              <p:cNvSpPr/>
+              <p:nvPr/>
+            </p:nvSpPr>
+            <p:spPr>
+              <a:xfrm flipH="1">
+                <a:off x="2155105" y="3861048"/>
+                <a:ext cx="1336774" cy="720080"/>
+              </a:xfrm>
+              <a:prstGeom prst="roundRect">
+                <a:avLst>
+                  <a:gd name="adj" fmla="val 9644"/>
+                </a:avLst>
+              </a:prstGeom>
+              <a:grpFill/>
+              <a:ln>
+                <a:solidFill>
+                  <a:srgbClr val="00B050"/>
+                </a:solidFill>
+              </a:ln>
+            </p:spPr>
+            <p:style>
+              <a:lnRef idx="2">
+                <a:schemeClr val="accent1">
+                  <a:shade val="50000"/>
+                </a:schemeClr>
+              </a:lnRef>
+              <a:fillRef idx="1">
+                <a:schemeClr val="accent1"/>
+              </a:fillRef>
+              <a:effectRef idx="0">
+                <a:schemeClr val="accent1"/>
+              </a:effectRef>
+              <a:fontRef idx="minor">
+                <a:schemeClr val="lt1"/>
+              </a:fontRef>
+            </p:style>
+            <p:txBody>
+              <a:bodyPr rtlCol="0" anchor="ctr"/>
+              <a:lstStyle>
+                <a:defPPr>
+                  <a:defRPr lang="fr-FR"/>
+                </a:defPPr>
+                <a:lvl1pPr algn="l" rtl="0" fontAlgn="base">
+                  <a:spcBef>
+                    <a:spcPct val="0"/>
+                  </a:spcBef>
+                  <a:spcAft>
+                    <a:spcPct val="0"/>
+                  </a:spcAft>
+                  <a:defRPr kern="1200">
+                    <a:solidFill>
+                      <a:schemeClr val="lt1"/>
+                    </a:solidFill>
+                    <a:latin typeface="+mn-lt"/>
+                    <a:ea typeface="+mn-ea"/>
+                    <a:cs typeface="+mn-cs"/>
+                  </a:defRPr>
+                </a:lvl1pPr>
+                <a:lvl2pPr marL="457200" algn="l" rtl="0" fontAlgn="base">
+                  <a:spcBef>
+                    <a:spcPct val="0"/>
+                  </a:spcBef>
+                  <a:spcAft>
+                    <a:spcPct val="0"/>
+                  </a:spcAft>
+                  <a:defRPr kern="1200">
+                    <a:solidFill>
+                      <a:schemeClr val="lt1"/>
+                    </a:solidFill>
+                    <a:latin typeface="+mn-lt"/>
+                    <a:ea typeface="+mn-ea"/>
+                    <a:cs typeface="+mn-cs"/>
+                  </a:defRPr>
+                </a:lvl2pPr>
+                <a:lvl3pPr marL="914400" algn="l" rtl="0" fontAlgn="base">
+                  <a:spcBef>
+                    <a:spcPct val="0"/>
+                  </a:spcBef>
+                  <a:spcAft>
+                    <a:spcPct val="0"/>
+                  </a:spcAft>
+                  <a:defRPr kern="1200">
+                    <a:solidFill>
+                      <a:schemeClr val="lt1"/>
+                    </a:solidFill>
+                    <a:latin typeface="+mn-lt"/>
+                    <a:ea typeface="+mn-ea"/>
+                    <a:cs typeface="+mn-cs"/>
+                  </a:defRPr>
+                </a:lvl3pPr>
+                <a:lvl4pPr marL="1371600" algn="l" rtl="0" fontAlgn="base">
+                  <a:spcBef>
+                    <a:spcPct val="0"/>
+                  </a:spcBef>
+                  <a:spcAft>
+                    <a:spcPct val="0"/>
+                  </a:spcAft>
+                  <a:defRPr kern="1200">
+                    <a:solidFill>
+                      <a:schemeClr val="lt1"/>
+                    </a:solidFill>
+                    <a:latin typeface="+mn-lt"/>
+                    <a:ea typeface="+mn-ea"/>
+                    <a:cs typeface="+mn-cs"/>
+                  </a:defRPr>
+                </a:lvl4pPr>
+                <a:lvl5pPr marL="1828800" algn="l" rtl="0" fontAlgn="base">
+                  <a:spcBef>
+                    <a:spcPct val="0"/>
+                  </a:spcBef>
+                  <a:spcAft>
+                    <a:spcPct val="0"/>
+                  </a:spcAft>
+                  <a:defRPr kern="1200">
+                    <a:solidFill>
+                      <a:schemeClr val="lt1"/>
+                    </a:solidFill>
+                    <a:latin typeface="+mn-lt"/>
+                    <a:ea typeface="+mn-ea"/>
+                    <a:cs typeface="+mn-cs"/>
+                  </a:defRPr>
+                </a:lvl5pPr>
+                <a:lvl6pPr marL="2286000" algn="l" defTabSz="914400" rtl="0" eaLnBrk="1" latinLnBrk="0" hangingPunct="1">
+                  <a:defRPr kern="1200">
+                    <a:solidFill>
+                      <a:schemeClr val="lt1"/>
+                    </a:solidFill>
+                    <a:latin typeface="+mn-lt"/>
+                    <a:ea typeface="+mn-ea"/>
+                    <a:cs typeface="+mn-cs"/>
+                  </a:defRPr>
+                </a:lvl6pPr>
+                <a:lvl7pPr marL="2743200" algn="l" defTabSz="914400" rtl="0" eaLnBrk="1" latinLnBrk="0" hangingPunct="1">
+                  <a:defRPr kern="1200">
+                    <a:solidFill>
+                      <a:schemeClr val="lt1"/>
+                    </a:solidFill>
+                    <a:latin typeface="+mn-lt"/>
+                    <a:ea typeface="+mn-ea"/>
+                    <a:cs typeface="+mn-cs"/>
+                  </a:defRPr>
+                </a:lvl7pPr>
+                <a:lvl8pPr marL="3200400" algn="l" defTabSz="914400" rtl="0" eaLnBrk="1" latinLnBrk="0" hangingPunct="1">
+                  <a:defRPr kern="1200">
+                    <a:solidFill>
+                      <a:schemeClr val="lt1"/>
+                    </a:solidFill>
+                    <a:latin typeface="+mn-lt"/>
+                    <a:ea typeface="+mn-ea"/>
+                    <a:cs typeface="+mn-cs"/>
+                  </a:defRPr>
+                </a:lvl8pPr>
+                <a:lvl9pPr marL="3657600" algn="l" defTabSz="914400" rtl="0" eaLnBrk="1" latinLnBrk="0" hangingPunct="1">
+                  <a:defRPr kern="1200">
+                    <a:solidFill>
+                      <a:schemeClr val="lt1"/>
+                    </a:solidFill>
+                    <a:latin typeface="+mn-lt"/>
+                    <a:ea typeface="+mn-ea"/>
+                    <a:cs typeface="+mn-cs"/>
+                  </a:defRPr>
+                </a:lvl9pPr>
+              </a:lstStyle>
+              <a:p>
+                <a:pPr algn="ctr"/>
+                <a:endParaRPr lang="fr-FR"/>
+              </a:p>
+            </p:txBody>
+          </p:sp>
+        </p:grpSp>
         <p:sp>
           <p:nvSpPr>
-            <p:cNvPr id="70" name="ZoneTexte 69"/>
+            <p:cNvPr id="62" name="ZoneTexte 61"/>
             <p:cNvSpPr txBox="1"/>
             <p:nvPr/>
           </p:nvSpPr>
           <p:spPr>
             <a:xfrm>
-              <a:off x="8239356" y="2704350"/>
-              <a:ext cx="866998" cy="461665"/>
+              <a:off x="5172867" y="4926263"/>
+              <a:ext cx="1116124" cy="530915"/>
             </a:xfrm>
             <a:prstGeom prst="rect">
               <a:avLst/>
@@ -5317,459 +5040,320 @@
             </a:bodyPr>
             <a:lstStyle/>
             <a:p>
-              <a:pPr algn="ctr"/>
               <a:r>
-                <a:rPr lang="fr-FR" sz="1200" dirty="0" smtClean="0"/>
-                <a:t>Machine </a:t>
+                <a:rPr lang="fr-FR" dirty="0" smtClean="0"/>
+                <a:t>Client-A</a:t>
               </a:r>
-              <a:endParaRPr lang="fr-FR" sz="1200" dirty="0" smtClean="0"/>
             </a:p>
             <a:p>
-              <a:pPr algn="ctr"/>
+              <a:pPr lvl="0" algn="ctr"/>
               <a:r>
-                <a:rPr lang="fr-FR" sz="1200" dirty="0"/>
-                <a:t>6</a:t>
+                <a:rPr lang="fr-FR" sz="1050" dirty="0" smtClean="0">
+                  <a:solidFill>
+                    <a:prstClr val="black"/>
+                  </a:solidFill>
+                </a:rPr>
+                <a:t>192.168.0.16</a:t>
               </a:r>
-              <a:endParaRPr lang="fr-FR" sz="1200" dirty="0"/>
+              <a:endParaRPr lang="fr-FR" sz="1050" dirty="0">
+                <a:solidFill>
+                  <a:prstClr val="black"/>
+                </a:solidFill>
+              </a:endParaRPr>
             </a:p>
           </p:txBody>
         </p:sp>
+        <p:pic>
+          <p:nvPicPr>
+            <p:cNvPr id="63" name="Image 62">
+              <a:extLst>
+                <a:ext uri="{FF2B5EF4-FFF2-40B4-BE49-F238E27FC236}">
+                  <a16:creationId xmlns="" xmlns:a16="http://schemas.microsoft.com/office/drawing/2014/main" xmlns:lc="http://schemas.openxmlformats.org/drawingml/2006/lockedCanvas" id="{8A3CA8B9-B9C7-4C5E-945E-30789F67099A}"/>
+                </a:ext>
+              </a:extLst>
+            </p:cNvPr>
+            <p:cNvPicPr>
+              <a:picLocks noChangeAspect="1"/>
+            </p:cNvPicPr>
+            <p:nvPr/>
+          </p:nvPicPr>
+          <p:blipFill>
+            <a:blip r:embed="rId2" cstate="print">
+              <a:extLst>
+                <a:ext uri="{28A0092B-C50C-407E-A947-70E740481C1C}">
+                  <a14:useLocalDpi xmlns:a14="http://schemas.microsoft.com/office/drawing/2010/main" val="0"/>
+                </a:ext>
+              </a:extLst>
+            </a:blip>
+            <a:stretch>
+              <a:fillRect/>
+            </a:stretch>
+          </p:blipFill>
+          <p:spPr>
+            <a:xfrm>
+              <a:off x="4857277" y="4576416"/>
+              <a:ext cx="876286" cy="363783"/>
+            </a:xfrm>
+            <a:prstGeom prst="rect">
+              <a:avLst/>
+            </a:prstGeom>
+          </p:spPr>
+        </p:pic>
       </p:grpSp>
-      <p:sp>
-        <p:nvSpPr>
-          <p:cNvPr id="71" name="Rectangle à coins arrondis 70">
+      <p:pic>
+        <p:nvPicPr>
+          <p:cNvPr id="8" name="Image 7"/>
+          <p:cNvPicPr>
+            <a:picLocks noChangeAspect="1"/>
+          </p:cNvPicPr>
+          <p:nvPr/>
+        </p:nvPicPr>
+        <p:blipFill>
+          <a:blip r:embed="rId3" cstate="print">
             <a:extLst>
-              <a:ext uri="{FF2B5EF4-FFF2-40B4-BE49-F238E27FC236}">
-                <a16:creationId xmlns="" xmlns:a16="http://schemas.microsoft.com/office/drawing/2014/main" xmlns:lc="http://schemas.openxmlformats.org/drawingml/2006/lockedCanvas" id="{D95582EE-8B26-42D1-A65F-CB3D8ACB3AAF}"/>
+              <a:ext uri="{28A0092B-C50C-407E-A947-70E740481C1C}">
+                <a14:useLocalDpi xmlns:a14="http://schemas.microsoft.com/office/drawing/2010/main" val="0"/>
               </a:ext>
             </a:extLst>
-          </p:cNvPr>
-          <p:cNvSpPr/>
-          <p:nvPr/>
-        </p:nvSpPr>
-        <p:spPr>
-          <a:xfrm flipH="1">
-            <a:off x="103881" y="2706498"/>
-            <a:ext cx="1040530" cy="705037"/>
-          </a:xfrm>
-          <a:prstGeom prst="roundRect">
-            <a:avLst>
-              <a:gd name="adj" fmla="val 9644"/>
-            </a:avLst>
-          </a:prstGeom>
-          <a:noFill/>
-        </p:spPr>
-        <p:style>
-          <a:lnRef idx="2">
-            <a:schemeClr val="accent1">
-              <a:shade val="50000"/>
-            </a:schemeClr>
-          </a:lnRef>
-          <a:fillRef idx="1">
-            <a:schemeClr val="accent1"/>
-          </a:fillRef>
-          <a:effectRef idx="0">
-            <a:schemeClr val="accent1"/>
-          </a:effectRef>
-          <a:fontRef idx="minor">
-            <a:schemeClr val="lt1"/>
-          </a:fontRef>
-        </p:style>
-        <p:txBody>
-          <a:bodyPr rtlCol="0" anchor="ctr"/>
-          <a:lstStyle>
-            <a:defPPr>
-              <a:defRPr lang="fr-FR"/>
-            </a:defPPr>
-            <a:lvl1pPr algn="l" rtl="0" fontAlgn="base">
-              <a:spcBef>
-                <a:spcPct val="0"/>
-              </a:spcBef>
-              <a:spcAft>
-                <a:spcPct val="0"/>
-              </a:spcAft>
-              <a:defRPr kern="1200">
-                <a:solidFill>
-                  <a:schemeClr val="lt1"/>
-                </a:solidFill>
-                <a:latin typeface="+mn-lt"/>
-                <a:ea typeface="+mn-ea"/>
-                <a:cs typeface="+mn-cs"/>
-              </a:defRPr>
-            </a:lvl1pPr>
-            <a:lvl2pPr marL="457200" algn="l" rtl="0" fontAlgn="base">
-              <a:spcBef>
-                <a:spcPct val="0"/>
-              </a:spcBef>
-              <a:spcAft>
-                <a:spcPct val="0"/>
-              </a:spcAft>
-              <a:defRPr kern="1200">
-                <a:solidFill>
-                  <a:schemeClr val="lt1"/>
-                </a:solidFill>
-                <a:latin typeface="+mn-lt"/>
-                <a:ea typeface="+mn-ea"/>
-                <a:cs typeface="+mn-cs"/>
-              </a:defRPr>
-            </a:lvl2pPr>
-            <a:lvl3pPr marL="914400" algn="l" rtl="0" fontAlgn="base">
-              <a:spcBef>
-                <a:spcPct val="0"/>
-              </a:spcBef>
-              <a:spcAft>
-                <a:spcPct val="0"/>
-              </a:spcAft>
-              <a:defRPr kern="1200">
-                <a:solidFill>
-                  <a:schemeClr val="lt1"/>
-                </a:solidFill>
-                <a:latin typeface="+mn-lt"/>
-                <a:ea typeface="+mn-ea"/>
-                <a:cs typeface="+mn-cs"/>
-              </a:defRPr>
-            </a:lvl3pPr>
-            <a:lvl4pPr marL="1371600" algn="l" rtl="0" fontAlgn="base">
-              <a:spcBef>
-                <a:spcPct val="0"/>
-              </a:spcBef>
-              <a:spcAft>
-                <a:spcPct val="0"/>
-              </a:spcAft>
-              <a:defRPr kern="1200">
-                <a:solidFill>
-                  <a:schemeClr val="lt1"/>
-                </a:solidFill>
-                <a:latin typeface="+mn-lt"/>
-                <a:ea typeface="+mn-ea"/>
-                <a:cs typeface="+mn-cs"/>
-              </a:defRPr>
-            </a:lvl4pPr>
-            <a:lvl5pPr marL="1828800" algn="l" rtl="0" fontAlgn="base">
-              <a:spcBef>
-                <a:spcPct val="0"/>
-              </a:spcBef>
-              <a:spcAft>
-                <a:spcPct val="0"/>
-              </a:spcAft>
-              <a:defRPr kern="1200">
-                <a:solidFill>
-                  <a:schemeClr val="lt1"/>
-                </a:solidFill>
-                <a:latin typeface="+mn-lt"/>
-                <a:ea typeface="+mn-ea"/>
-                <a:cs typeface="+mn-cs"/>
-              </a:defRPr>
-            </a:lvl5pPr>
-            <a:lvl6pPr marL="2286000" algn="l" defTabSz="914400" rtl="0" eaLnBrk="1" latinLnBrk="0" hangingPunct="1">
-              <a:defRPr kern="1200">
-                <a:solidFill>
-                  <a:schemeClr val="lt1"/>
-                </a:solidFill>
-                <a:latin typeface="+mn-lt"/>
-                <a:ea typeface="+mn-ea"/>
-                <a:cs typeface="+mn-cs"/>
-              </a:defRPr>
-            </a:lvl6pPr>
-            <a:lvl7pPr marL="2743200" algn="l" defTabSz="914400" rtl="0" eaLnBrk="1" latinLnBrk="0" hangingPunct="1">
-              <a:defRPr kern="1200">
-                <a:solidFill>
-                  <a:schemeClr val="lt1"/>
-                </a:solidFill>
-                <a:latin typeface="+mn-lt"/>
-                <a:ea typeface="+mn-ea"/>
-                <a:cs typeface="+mn-cs"/>
-              </a:defRPr>
-            </a:lvl7pPr>
-            <a:lvl8pPr marL="3200400" algn="l" defTabSz="914400" rtl="0" eaLnBrk="1" latinLnBrk="0" hangingPunct="1">
-              <a:defRPr kern="1200">
-                <a:solidFill>
-                  <a:schemeClr val="lt1"/>
-                </a:solidFill>
-                <a:latin typeface="+mn-lt"/>
-                <a:ea typeface="+mn-ea"/>
-                <a:cs typeface="+mn-cs"/>
-              </a:defRPr>
-            </a:lvl8pPr>
-            <a:lvl9pPr marL="3657600" algn="l" defTabSz="914400" rtl="0" eaLnBrk="1" latinLnBrk="0" hangingPunct="1">
-              <a:defRPr kern="1200">
-                <a:solidFill>
-                  <a:schemeClr val="lt1"/>
-                </a:solidFill>
-                <a:latin typeface="+mn-lt"/>
-                <a:ea typeface="+mn-ea"/>
-                <a:cs typeface="+mn-cs"/>
-              </a:defRPr>
-            </a:lvl9pPr>
-          </a:lstStyle>
-          <a:p>
-            <a:pPr algn="ctr"/>
-            <a:endParaRPr lang="fr-FR"/>
-          </a:p>
-        </p:txBody>
-      </p:sp>
-      <p:sp>
-        <p:nvSpPr>
-          <p:cNvPr id="72" name="ZoneTexte 71"/>
-          <p:cNvSpPr txBox="1"/>
-          <p:nvPr/>
-        </p:nvSpPr>
+          </a:blip>
+          <a:stretch>
+            <a:fillRect/>
+          </a:stretch>
+        </p:blipFill>
         <p:spPr>
           <a:xfrm>
-            <a:off x="184783" y="2896535"/>
-            <a:ext cx="866998" cy="461665"/>
+            <a:off x="6046007" y="2417367"/>
+            <a:ext cx="428618" cy="381794"/>
           </a:xfrm>
           <a:prstGeom prst="rect">
             <a:avLst/>
           </a:prstGeom>
-          <a:noFill/>
         </p:spPr>
-        <p:txBody>
-          <a:bodyPr wrap="square" rtlCol="0">
-            <a:spAutoFit/>
-          </a:bodyPr>
-          <a:lstStyle/>
-          <a:p>
-            <a:pPr algn="ctr"/>
-            <a:r>
-              <a:rPr lang="fr-FR" sz="1200" dirty="0" smtClean="0"/>
-              <a:t>Machine 2</a:t>
-            </a:r>
-            <a:endParaRPr lang="fr-FR" sz="1200" dirty="0"/>
-          </a:p>
-        </p:txBody>
-      </p:sp>
-      <p:sp>
-        <p:nvSpPr>
-          <p:cNvPr id="73" name="Rectangle à coins arrondis 72">
+      </p:pic>
+      <p:pic>
+        <p:nvPicPr>
+          <p:cNvPr id="59" name="Image 58"/>
+          <p:cNvPicPr>
+            <a:picLocks noChangeAspect="1"/>
+          </p:cNvPicPr>
+          <p:nvPr/>
+        </p:nvPicPr>
+        <p:blipFill>
+          <a:blip r:embed="rId3" cstate="print">
             <a:extLst>
-              <a:ext uri="{FF2B5EF4-FFF2-40B4-BE49-F238E27FC236}">
-                <a16:creationId xmlns="" xmlns:a16="http://schemas.microsoft.com/office/drawing/2014/main" xmlns:lc="http://schemas.openxmlformats.org/drawingml/2006/lockedCanvas" id="{D95582EE-8B26-42D1-A65F-CB3D8ACB3AAF}"/>
+              <a:ext uri="{28A0092B-C50C-407E-A947-70E740481C1C}">
+                <a14:useLocalDpi xmlns:a14="http://schemas.microsoft.com/office/drawing/2010/main" val="0"/>
               </a:ext>
             </a:extLst>
-          </p:cNvPr>
-          <p:cNvSpPr/>
-          <p:nvPr/>
-        </p:nvSpPr>
-        <p:spPr>
-          <a:xfrm flipH="1">
-            <a:off x="4019450" y="704306"/>
-            <a:ext cx="1040530" cy="705037"/>
-          </a:xfrm>
-          <a:prstGeom prst="roundRect">
-            <a:avLst>
-              <a:gd name="adj" fmla="val 9644"/>
-            </a:avLst>
-          </a:prstGeom>
-          <a:noFill/>
-        </p:spPr>
-        <p:style>
-          <a:lnRef idx="2">
-            <a:schemeClr val="accent1">
-              <a:shade val="50000"/>
-            </a:schemeClr>
-          </a:lnRef>
-          <a:fillRef idx="1">
-            <a:schemeClr val="accent1"/>
-          </a:fillRef>
-          <a:effectRef idx="0">
-            <a:schemeClr val="accent1"/>
-          </a:effectRef>
-          <a:fontRef idx="minor">
-            <a:schemeClr val="lt1"/>
-          </a:fontRef>
-        </p:style>
-        <p:txBody>
-          <a:bodyPr rtlCol="0" anchor="ctr"/>
-          <a:lstStyle>
-            <a:defPPr>
-              <a:defRPr lang="fr-FR"/>
-            </a:defPPr>
-            <a:lvl1pPr algn="l" rtl="0" fontAlgn="base">
-              <a:spcBef>
-                <a:spcPct val="0"/>
-              </a:spcBef>
-              <a:spcAft>
-                <a:spcPct val="0"/>
-              </a:spcAft>
-              <a:defRPr kern="1200">
-                <a:solidFill>
-                  <a:schemeClr val="lt1"/>
-                </a:solidFill>
-                <a:latin typeface="+mn-lt"/>
-                <a:ea typeface="+mn-ea"/>
-                <a:cs typeface="+mn-cs"/>
-              </a:defRPr>
-            </a:lvl1pPr>
-            <a:lvl2pPr marL="457200" algn="l" rtl="0" fontAlgn="base">
-              <a:spcBef>
-                <a:spcPct val="0"/>
-              </a:spcBef>
-              <a:spcAft>
-                <a:spcPct val="0"/>
-              </a:spcAft>
-              <a:defRPr kern="1200">
-                <a:solidFill>
-                  <a:schemeClr val="lt1"/>
-                </a:solidFill>
-                <a:latin typeface="+mn-lt"/>
-                <a:ea typeface="+mn-ea"/>
-                <a:cs typeface="+mn-cs"/>
-              </a:defRPr>
-            </a:lvl2pPr>
-            <a:lvl3pPr marL="914400" algn="l" rtl="0" fontAlgn="base">
-              <a:spcBef>
-                <a:spcPct val="0"/>
-              </a:spcBef>
-              <a:spcAft>
-                <a:spcPct val="0"/>
-              </a:spcAft>
-              <a:defRPr kern="1200">
-                <a:solidFill>
-                  <a:schemeClr val="lt1"/>
-                </a:solidFill>
-                <a:latin typeface="+mn-lt"/>
-                <a:ea typeface="+mn-ea"/>
-                <a:cs typeface="+mn-cs"/>
-              </a:defRPr>
-            </a:lvl3pPr>
-            <a:lvl4pPr marL="1371600" algn="l" rtl="0" fontAlgn="base">
-              <a:spcBef>
-                <a:spcPct val="0"/>
-              </a:spcBef>
-              <a:spcAft>
-                <a:spcPct val="0"/>
-              </a:spcAft>
-              <a:defRPr kern="1200">
-                <a:solidFill>
-                  <a:schemeClr val="lt1"/>
-                </a:solidFill>
-                <a:latin typeface="+mn-lt"/>
-                <a:ea typeface="+mn-ea"/>
-                <a:cs typeface="+mn-cs"/>
-              </a:defRPr>
-            </a:lvl4pPr>
-            <a:lvl5pPr marL="1828800" algn="l" rtl="0" fontAlgn="base">
-              <a:spcBef>
-                <a:spcPct val="0"/>
-              </a:spcBef>
-              <a:spcAft>
-                <a:spcPct val="0"/>
-              </a:spcAft>
-              <a:defRPr kern="1200">
-                <a:solidFill>
-                  <a:schemeClr val="lt1"/>
-                </a:solidFill>
-                <a:latin typeface="+mn-lt"/>
-                <a:ea typeface="+mn-ea"/>
-                <a:cs typeface="+mn-cs"/>
-              </a:defRPr>
-            </a:lvl5pPr>
-            <a:lvl6pPr marL="2286000" algn="l" defTabSz="914400" rtl="0" eaLnBrk="1" latinLnBrk="0" hangingPunct="1">
-              <a:defRPr kern="1200">
-                <a:solidFill>
-                  <a:schemeClr val="lt1"/>
-                </a:solidFill>
-                <a:latin typeface="+mn-lt"/>
-                <a:ea typeface="+mn-ea"/>
-                <a:cs typeface="+mn-cs"/>
-              </a:defRPr>
-            </a:lvl6pPr>
-            <a:lvl7pPr marL="2743200" algn="l" defTabSz="914400" rtl="0" eaLnBrk="1" latinLnBrk="0" hangingPunct="1">
-              <a:defRPr kern="1200">
-                <a:solidFill>
-                  <a:schemeClr val="lt1"/>
-                </a:solidFill>
-                <a:latin typeface="+mn-lt"/>
-                <a:ea typeface="+mn-ea"/>
-                <a:cs typeface="+mn-cs"/>
-              </a:defRPr>
-            </a:lvl7pPr>
-            <a:lvl8pPr marL="3200400" algn="l" defTabSz="914400" rtl="0" eaLnBrk="1" latinLnBrk="0" hangingPunct="1">
-              <a:defRPr kern="1200">
-                <a:solidFill>
-                  <a:schemeClr val="lt1"/>
-                </a:solidFill>
-                <a:latin typeface="+mn-lt"/>
-                <a:ea typeface="+mn-ea"/>
-                <a:cs typeface="+mn-cs"/>
-              </a:defRPr>
-            </a:lvl8pPr>
-            <a:lvl9pPr marL="3657600" algn="l" defTabSz="914400" rtl="0" eaLnBrk="1" latinLnBrk="0" hangingPunct="1">
-              <a:defRPr kern="1200">
-                <a:solidFill>
-                  <a:schemeClr val="lt1"/>
-                </a:solidFill>
-                <a:latin typeface="+mn-lt"/>
-                <a:ea typeface="+mn-ea"/>
-                <a:cs typeface="+mn-cs"/>
-              </a:defRPr>
-            </a:lvl9pPr>
-          </a:lstStyle>
-          <a:p>
-            <a:pPr algn="ctr"/>
-            <a:endParaRPr lang="fr-FR"/>
-          </a:p>
-        </p:txBody>
-      </p:sp>
-      <p:sp>
-        <p:nvSpPr>
-          <p:cNvPr id="74" name="ZoneTexte 73"/>
-          <p:cNvSpPr txBox="1"/>
-          <p:nvPr/>
-        </p:nvSpPr>
+          </a:blip>
+          <a:stretch>
+            <a:fillRect/>
+          </a:stretch>
+        </p:blipFill>
         <p:spPr>
           <a:xfrm>
-            <a:off x="4106216" y="860903"/>
-            <a:ext cx="866998" cy="461665"/>
+            <a:off x="4029783" y="3310614"/>
+            <a:ext cx="428618" cy="381794"/>
           </a:xfrm>
           <a:prstGeom prst="rect">
             <a:avLst/>
           </a:prstGeom>
-          <a:noFill/>
         </p:spPr>
-        <p:txBody>
-          <a:bodyPr wrap="square" rtlCol="0">
-            <a:spAutoFit/>
-          </a:bodyPr>
-          <a:lstStyle/>
-          <a:p>
-            <a:pPr algn="ctr"/>
-            <a:r>
-              <a:rPr lang="fr-FR" sz="1200" dirty="0" smtClean="0"/>
-              <a:t>Machine 1</a:t>
-            </a:r>
-            <a:endParaRPr lang="fr-FR" sz="1200" dirty="0"/>
-          </a:p>
-        </p:txBody>
-      </p:sp>
+      </p:pic>
+      <p:pic>
+        <p:nvPicPr>
+          <p:cNvPr id="78" name="Image 77"/>
+          <p:cNvPicPr>
+            <a:picLocks noChangeAspect="1"/>
+          </p:cNvPicPr>
+          <p:nvPr/>
+        </p:nvPicPr>
+        <p:blipFill>
+          <a:blip r:embed="rId3" cstate="print">
+            <a:extLst>
+              <a:ext uri="{28A0092B-C50C-407E-A947-70E740481C1C}">
+                <a14:useLocalDpi xmlns:a14="http://schemas.microsoft.com/office/drawing/2010/main" val="0"/>
+              </a:ext>
+            </a:extLst>
+          </a:blip>
+          <a:stretch>
+            <a:fillRect/>
+          </a:stretch>
+        </p:blipFill>
+        <p:spPr>
+          <a:xfrm>
+            <a:off x="8163366" y="3326074"/>
+            <a:ext cx="428618" cy="381794"/>
+          </a:xfrm>
+          <a:prstGeom prst="rect">
+            <a:avLst/>
+          </a:prstGeom>
+        </p:spPr>
+      </p:pic>
+      <p:pic>
+        <p:nvPicPr>
+          <p:cNvPr id="79" name="Image 78"/>
+          <p:cNvPicPr>
+            <a:picLocks noChangeAspect="1"/>
+          </p:cNvPicPr>
+          <p:nvPr/>
+        </p:nvPicPr>
+        <p:blipFill>
+          <a:blip r:embed="rId3" cstate="print">
+            <a:extLst>
+              <a:ext uri="{28A0092B-C50C-407E-A947-70E740481C1C}">
+                <a14:useLocalDpi xmlns:a14="http://schemas.microsoft.com/office/drawing/2010/main" val="0"/>
+              </a:ext>
+            </a:extLst>
+          </a:blip>
+          <a:stretch>
+            <a:fillRect/>
+          </a:stretch>
+        </p:blipFill>
+        <p:spPr>
+          <a:xfrm>
+            <a:off x="8170243" y="4454045"/>
+            <a:ext cx="428618" cy="381794"/>
+          </a:xfrm>
+          <a:prstGeom prst="rect">
+            <a:avLst/>
+          </a:prstGeom>
+        </p:spPr>
+      </p:pic>
+      <p:pic>
+        <p:nvPicPr>
+          <p:cNvPr id="83" name="Image 82"/>
+          <p:cNvPicPr>
+            <a:picLocks noChangeAspect="1"/>
+          </p:cNvPicPr>
+          <p:nvPr/>
+        </p:nvPicPr>
+        <p:blipFill>
+          <a:blip r:embed="rId3" cstate="print">
+            <a:extLst>
+              <a:ext uri="{28A0092B-C50C-407E-A947-70E740481C1C}">
+                <a14:useLocalDpi xmlns:a14="http://schemas.microsoft.com/office/drawing/2010/main" val="0"/>
+              </a:ext>
+            </a:extLst>
+          </a:blip>
+          <a:stretch>
+            <a:fillRect/>
+          </a:stretch>
+        </p:blipFill>
+        <p:spPr>
+          <a:xfrm>
+            <a:off x="6052738" y="5257605"/>
+            <a:ext cx="428618" cy="381794"/>
+          </a:xfrm>
+          <a:prstGeom prst="rect">
+            <a:avLst/>
+          </a:prstGeom>
+        </p:spPr>
+      </p:pic>
+      <p:pic>
+        <p:nvPicPr>
+          <p:cNvPr id="85" name="Image 84"/>
+          <p:cNvPicPr>
+            <a:picLocks noChangeAspect="1"/>
+          </p:cNvPicPr>
+          <p:nvPr/>
+        </p:nvPicPr>
+        <p:blipFill>
+          <a:blip r:embed="rId3" cstate="print">
+            <a:extLst>
+              <a:ext uri="{28A0092B-C50C-407E-A947-70E740481C1C}">
+                <a14:useLocalDpi xmlns:a14="http://schemas.microsoft.com/office/drawing/2010/main" val="0"/>
+              </a:ext>
+            </a:extLst>
+          </a:blip>
+          <a:stretch>
+            <a:fillRect/>
+          </a:stretch>
+        </p:blipFill>
+        <p:spPr>
+          <a:xfrm>
+            <a:off x="4031570" y="4515254"/>
+            <a:ext cx="428618" cy="381794"/>
+          </a:xfrm>
+          <a:prstGeom prst="rect">
+            <a:avLst/>
+          </a:prstGeom>
+        </p:spPr>
+      </p:pic>
+      <p:pic>
+        <p:nvPicPr>
+          <p:cNvPr id="9" name="Image 8"/>
+          <p:cNvPicPr>
+            <a:picLocks noChangeAspect="1"/>
+          </p:cNvPicPr>
+          <p:nvPr/>
+        </p:nvPicPr>
+        <p:blipFill>
+          <a:blip r:embed="rId4" cstate="print">
+            <a:extLst>
+              <a:ext uri="{28A0092B-C50C-407E-A947-70E740481C1C}">
+                <a14:useLocalDpi xmlns:a14="http://schemas.microsoft.com/office/drawing/2010/main" val="0"/>
+              </a:ext>
+            </a:extLst>
+          </a:blip>
+          <a:stretch>
+            <a:fillRect/>
+          </a:stretch>
+        </p:blipFill>
+        <p:spPr>
+          <a:xfrm>
+            <a:off x="1082332" y="4568629"/>
+            <a:ext cx="999733" cy="833111"/>
+          </a:xfrm>
+          <a:prstGeom prst="rect">
+            <a:avLst/>
+          </a:prstGeom>
+        </p:spPr>
+      </p:pic>
+      <p:pic>
+        <p:nvPicPr>
+          <p:cNvPr id="11" name="Image 10"/>
+          <p:cNvPicPr>
+            <a:picLocks noChangeAspect="1"/>
+          </p:cNvPicPr>
+          <p:nvPr/>
+        </p:nvPicPr>
+        <p:blipFill>
+          <a:blip r:embed="rId5" cstate="print">
+            <a:extLst>
+              <a:ext uri="{28A0092B-C50C-407E-A947-70E740481C1C}">
+                <a14:useLocalDpi xmlns:a14="http://schemas.microsoft.com/office/drawing/2010/main" val="0"/>
+              </a:ext>
+            </a:extLst>
+          </a:blip>
+          <a:stretch>
+            <a:fillRect/>
+          </a:stretch>
+        </p:blipFill>
+        <p:spPr>
+          <a:xfrm>
+            <a:off x="234507" y="4788206"/>
+            <a:ext cx="405080" cy="405080"/>
+          </a:xfrm>
+          <a:prstGeom prst="rect">
+            <a:avLst/>
+          </a:prstGeom>
+        </p:spPr>
+      </p:pic>
       <p:cxnSp>
         <p:nvCxnSpPr>
-          <p:cNvPr id="75" name="Connecteur droit avec flèche 74">
-            <a:extLst>
-              <a:ext uri="{FF2B5EF4-FFF2-40B4-BE49-F238E27FC236}">
-                <a16:creationId xmlns="" xmlns:a16="http://schemas.microsoft.com/office/drawing/2014/main" xmlns:lc="http://schemas.openxmlformats.org/drawingml/2006/lockedCanvas" id="{2671D7D3-4838-4656-8E59-51270B18B09E}"/>
-              </a:ext>
-            </a:extLst>
-          </p:cNvPr>
-          <p:cNvCxnSpPr>
-            <a:cxnSpLocks/>
-            <a:stCxn id="25" idx="0"/>
-            <a:endCxn id="73" idx="2"/>
-          </p:cNvCxnSpPr>
+          <p:cNvPr id="16" name="Connecteur droit 15"/>
+          <p:cNvCxnSpPr/>
           <p:nvPr/>
         </p:nvCxnSpPr>
         <p:spPr>
           <a:xfrm flipV="1">
-            <a:off x="4539715" y="1409343"/>
-            <a:ext cx="0" cy="253952"/>
+            <a:off x="656541" y="4742835"/>
+            <a:ext cx="396000" cy="181892"/>
           </a:xfrm>
-          <a:prstGeom prst="straightConnector1">
+          <a:prstGeom prst="line">
             <a:avLst/>
           </a:prstGeom>
-          <a:ln w="25400">
-            <a:tailEnd type="none"/>
-          </a:ln>
         </p:spPr>
         <p:style>
           <a:lnRef idx="1">
@@ -5788,31 +5372,18 @@
       </p:cxnSp>
       <p:cxnSp>
         <p:nvCxnSpPr>
-          <p:cNvPr id="80" name="Connecteur droit avec flèche 79">
-            <a:extLst>
-              <a:ext uri="{FF2B5EF4-FFF2-40B4-BE49-F238E27FC236}">
-                <a16:creationId xmlns="" xmlns:a16="http://schemas.microsoft.com/office/drawing/2014/main" xmlns:lc="http://schemas.openxmlformats.org/drawingml/2006/lockedCanvas" id="{2671D7D3-4838-4656-8E59-51270B18B09E}"/>
-              </a:ext>
-            </a:extLst>
-          </p:cNvPr>
-          <p:cNvCxnSpPr>
-            <a:cxnSpLocks/>
-            <a:stCxn id="71" idx="1"/>
-            <a:endCxn id="27" idx="3"/>
-          </p:cNvCxnSpPr>
+          <p:cNvPr id="19" name="Connecteur droit 18"/>
+          <p:cNvCxnSpPr/>
           <p:nvPr/>
         </p:nvCxnSpPr>
         <p:spPr>
           <a:xfrm>
-            <a:off x="1144411" y="3059017"/>
-            <a:ext cx="466334" cy="0"/>
+            <a:off x="653299" y="5029822"/>
+            <a:ext cx="398675" cy="163464"/>
           </a:xfrm>
-          <a:prstGeom prst="straightConnector1">
+          <a:prstGeom prst="line">
             <a:avLst/>
           </a:prstGeom>
-          <a:ln w="25400">
-            <a:tailEnd type="none"/>
-          </a:ln>
         </p:spPr>
         <p:style>
           <a:lnRef idx="1">
@@ -5831,30 +5402,26 @@
       </p:cxnSp>
       <p:cxnSp>
         <p:nvCxnSpPr>
-          <p:cNvPr id="84" name="Connecteur droit avec flèche 83">
-            <a:extLst>
-              <a:ext uri="{FF2B5EF4-FFF2-40B4-BE49-F238E27FC236}">
-                <a16:creationId xmlns="" xmlns:a16="http://schemas.microsoft.com/office/drawing/2014/main" xmlns:lc="http://schemas.openxmlformats.org/drawingml/2006/lockedCanvas" id="{2671D7D3-4838-4656-8E59-51270B18B09E}"/>
-              </a:ext>
-            </a:extLst>
-          </p:cNvPr>
+          <p:cNvPr id="28" name="Connecteur droit 27"/>
           <p:cNvCxnSpPr>
-            <a:cxnSpLocks/>
-            <a:stCxn id="23" idx="1"/>
-            <a:endCxn id="69" idx="3"/>
+            <a:stCxn id="47" idx="3"/>
+            <a:endCxn id="9" idx="3"/>
           </p:cNvCxnSpPr>
           <p:nvPr/>
         </p:nvCxnSpPr>
         <p:spPr>
-          <a:xfrm>
-            <a:off x="7595112" y="3053509"/>
-            <a:ext cx="449366" cy="7266"/>
+          <a:xfrm flipH="1">
+            <a:off x="2082065" y="4980476"/>
+            <a:ext cx="574370" cy="4709"/>
           </a:xfrm>
-          <a:prstGeom prst="straightConnector1">
+          <a:prstGeom prst="line">
             <a:avLst/>
           </a:prstGeom>
           <a:ln w="25400">
-            <a:tailEnd type="none"/>
+            <a:solidFill>
+              <a:schemeClr val="tx1"/>
+            </a:solidFill>
+            <a:prstDash val="dash"/>
           </a:ln>
         </p:spPr>
         <p:style>
@@ -5872,131 +5439,15 @@
           </a:fontRef>
         </p:style>
       </p:cxnSp>
-      <p:cxnSp>
-        <p:nvCxnSpPr>
-          <p:cNvPr id="88" name="Connecteur droit avec flèche 87">
-            <a:extLst>
-              <a:ext uri="{FF2B5EF4-FFF2-40B4-BE49-F238E27FC236}">
-                <a16:creationId xmlns="" xmlns:a16="http://schemas.microsoft.com/office/drawing/2014/main" xmlns:lc="http://schemas.openxmlformats.org/drawingml/2006/lockedCanvas" id="{2671D7D3-4838-4656-8E59-51270B18B09E}"/>
-              </a:ext>
-            </a:extLst>
-          </p:cNvPr>
-          <p:cNvCxnSpPr>
-            <a:cxnSpLocks/>
-            <a:stCxn id="65" idx="1"/>
-            <a:endCxn id="47" idx="3"/>
-          </p:cNvCxnSpPr>
-          <p:nvPr/>
-        </p:nvCxnSpPr>
-        <p:spPr>
-          <a:xfrm flipV="1">
-            <a:off x="1121111" y="4263326"/>
-            <a:ext cx="494687" cy="395550"/>
-          </a:xfrm>
-          <a:prstGeom prst="straightConnector1">
-            <a:avLst/>
-          </a:prstGeom>
-          <a:ln w="25400">
-            <a:tailEnd type="none"/>
-          </a:ln>
-        </p:spPr>
-        <p:style>
-          <a:lnRef idx="1">
-            <a:schemeClr val="accent1"/>
-          </a:lnRef>
-          <a:fillRef idx="0">
-            <a:schemeClr val="accent1"/>
-          </a:fillRef>
-          <a:effectRef idx="0">
-            <a:schemeClr val="accent1"/>
-          </a:effectRef>
-          <a:fontRef idx="minor">
-            <a:schemeClr val="tx1"/>
-          </a:fontRef>
-        </p:style>
-      </p:cxnSp>
-      <p:cxnSp>
-        <p:nvCxnSpPr>
-          <p:cNvPr id="91" name="Connecteur droit avec flèche 90">
-            <a:extLst>
-              <a:ext uri="{FF2B5EF4-FFF2-40B4-BE49-F238E27FC236}">
-                <a16:creationId xmlns="" xmlns:a16="http://schemas.microsoft.com/office/drawing/2014/main" xmlns:lc="http://schemas.openxmlformats.org/drawingml/2006/lockedCanvas" id="{2671D7D3-4838-4656-8E59-51270B18B09E}"/>
-              </a:ext>
-            </a:extLst>
-          </p:cNvPr>
-          <p:cNvCxnSpPr>
-            <a:cxnSpLocks/>
-            <a:stCxn id="67" idx="3"/>
-            <a:endCxn id="51" idx="1"/>
-          </p:cNvCxnSpPr>
-          <p:nvPr/>
-        </p:nvCxnSpPr>
-        <p:spPr>
-          <a:xfrm flipH="1" flipV="1">
-            <a:off x="7611351" y="4193911"/>
-            <a:ext cx="427154" cy="408513"/>
-          </a:xfrm>
-          <a:prstGeom prst="straightConnector1">
-            <a:avLst/>
-          </a:prstGeom>
-          <a:ln w="25400">
-            <a:tailEnd type="none"/>
-          </a:ln>
-        </p:spPr>
-        <p:style>
-          <a:lnRef idx="1">
-            <a:schemeClr val="accent1"/>
-          </a:lnRef>
-          <a:fillRef idx="0">
-            <a:schemeClr val="accent1"/>
-          </a:fillRef>
-          <a:effectRef idx="0">
-            <a:schemeClr val="accent1"/>
-          </a:effectRef>
-          <a:fontRef idx="minor">
-            <a:schemeClr val="tx1"/>
-          </a:fontRef>
-        </p:style>
-      </p:cxnSp>
-      <p:sp>
-        <p:nvSpPr>
-          <p:cNvPr id="3" name="ZoneTexte 2"/>
-          <p:cNvSpPr txBox="1"/>
-          <p:nvPr/>
-        </p:nvSpPr>
-        <p:spPr>
-          <a:xfrm>
-            <a:off x="1277890" y="1577130"/>
-            <a:ext cx="1697901" cy="369332"/>
-          </a:xfrm>
-          <a:prstGeom prst="rect">
-            <a:avLst/>
-          </a:prstGeom>
-          <a:noFill/>
-        </p:spPr>
-        <p:txBody>
-          <a:bodyPr wrap="none" rtlCol="0">
-            <a:spAutoFit/>
-          </a:bodyPr>
-          <a:lstStyle/>
-          <a:p>
-            <a:r>
-              <a:rPr lang="fr-FR" dirty="0" smtClean="0"/>
-              <a:t>Cluster Consul</a:t>
-            </a:r>
-            <a:endParaRPr lang="fr-FR" dirty="0"/>
-          </a:p>
-        </p:txBody>
-      </p:sp>
       <p:grpSp>
         <p:nvGrpSpPr>
-          <p:cNvPr id="7" name="Groupe 6"/>
+          <p:cNvPr id="86" name="Groupe 85"/>
           <p:cNvGrpSpPr/>
           <p:nvPr/>
         </p:nvGrpSpPr>
         <p:grpSpPr>
           <a:xfrm>
-            <a:off x="1610745" y="2572627"/>
+            <a:off x="3807743" y="800790"/>
             <a:ext cx="1871142" cy="972779"/>
             <a:chOff x="1411867" y="3212974"/>
             <a:chExt cx="1871142" cy="972779"/>
@@ -6004,7 +5455,7 @@
         </p:grpSpPr>
         <p:grpSp>
           <p:nvGrpSpPr>
-            <p:cNvPr id="15" name="Groupe 14">
+            <p:cNvPr id="87" name="Groupe 86">
               <a:extLst>
                 <a:ext uri="{FF2B5EF4-FFF2-40B4-BE49-F238E27FC236}">
                   <a16:creationId xmlns="" xmlns:a16="http://schemas.microsoft.com/office/drawing/2014/main" xmlns:lc="http://schemas.openxmlformats.org/drawingml/2006/lockedCanvas" id="{E0E230ED-9E76-46B5-92C4-AB7962005D3F}"/>
@@ -6027,7 +5478,7 @@
           </p:grpSpPr>
           <p:pic>
             <p:nvPicPr>
-              <p:cNvPr id="26" name="Image 25">
+              <p:cNvPr id="92" name="Image 91">
                 <a:extLst>
                   <a:ext uri="{FF2B5EF4-FFF2-40B4-BE49-F238E27FC236}">
                     <a16:creationId xmlns="" xmlns:a16="http://schemas.microsoft.com/office/drawing/2014/main" xmlns:lc="http://schemas.openxmlformats.org/drawingml/2006/lockedCanvas" id="{8A3CA8B9-B9C7-4C5E-945E-30789F67099A}"/>
@@ -6064,7 +5515,7 @@
           </p:pic>
           <p:sp>
             <p:nvSpPr>
-              <p:cNvPr id="27" name="Rectangle à coins arrondis 26">
+              <p:cNvPr id="93" name="Rectangle à coins arrondis 92">
                 <a:extLst>
                   <a:ext uri="{FF2B5EF4-FFF2-40B4-BE49-F238E27FC236}">
                     <a16:creationId xmlns="" xmlns:a16="http://schemas.microsoft.com/office/drawing/2014/main" xmlns:lc="http://schemas.openxmlformats.org/drawingml/2006/lockedCanvas" id="{D95582EE-8B26-42D1-A65F-CB3D8ACB3AAF}"/>
@@ -6238,7 +5689,7 @@
         </p:grpSp>
         <p:sp>
           <p:nvSpPr>
-            <p:cNvPr id="40" name="ZoneTexte 39"/>
+            <p:cNvPr id="89" name="ZoneTexte 88"/>
             <p:cNvSpPr txBox="1"/>
             <p:nvPr/>
           </p:nvSpPr>
@@ -6258,947 +5709,193 @@
             </a:bodyPr>
             <a:lstStyle/>
             <a:p>
+              <a:pPr algn="ctr"/>
               <a:r>
-                <a:rPr lang="fr-FR" dirty="0" smtClean="0"/>
-                <a:t>Server-B</a:t>
+                <a:rPr lang="fr-FR" dirty="0" err="1" smtClean="0"/>
+                <a:t>Hotspot</a:t>
               </a:r>
-              <a:endParaRPr lang="fr-FR" dirty="0"/>
+              <a:endParaRPr lang="fr-FR" dirty="0" smtClean="0"/>
             </a:p>
           </p:txBody>
         </p:sp>
-        <p:pic>
-          <p:nvPicPr>
-            <p:cNvPr id="55" name="Image 54">
-              <a:extLst>
-                <a:ext uri="{FF2B5EF4-FFF2-40B4-BE49-F238E27FC236}">
-                  <a16:creationId xmlns="" xmlns:a16="http://schemas.microsoft.com/office/drawing/2014/main" xmlns:lc="http://schemas.openxmlformats.org/drawingml/2006/lockedCanvas" id="{8A3CA8B9-B9C7-4C5E-945E-30789F67099A}"/>
-                </a:ext>
-              </a:extLst>
-            </p:cNvPr>
-            <p:cNvPicPr>
-              <a:picLocks noChangeAspect="1"/>
-            </p:cNvPicPr>
-            <p:nvPr/>
-          </p:nvPicPr>
-          <p:blipFill>
-            <a:blip r:embed="rId2" cstate="print">
-              <a:extLst>
-                <a:ext uri="{28A0092B-C50C-407E-A947-70E740481C1C}">
-                  <a14:useLocalDpi xmlns:a14="http://schemas.microsoft.com/office/drawing/2010/main" val="0"/>
-                </a:ext>
-              </a:extLst>
-            </a:blip>
-            <a:stretch>
-              <a:fillRect/>
-            </a:stretch>
-          </p:blipFill>
-          <p:spPr>
-            <a:xfrm>
-              <a:off x="1495122" y="3251822"/>
-              <a:ext cx="876286" cy="363783"/>
-            </a:xfrm>
-            <a:prstGeom prst="rect">
-              <a:avLst/>
-            </a:prstGeom>
-          </p:spPr>
-        </p:pic>
       </p:grpSp>
-      <p:grpSp>
-        <p:nvGrpSpPr>
-          <p:cNvPr id="4" name="Groupe 3"/>
-          <p:cNvGrpSpPr/>
+      <p:pic>
+        <p:nvPicPr>
+          <p:cNvPr id="94" name="Image 93"/>
+          <p:cNvPicPr>
+            <a:picLocks noChangeAspect="1"/>
+          </p:cNvPicPr>
           <p:nvPr/>
-        </p:nvGrpSpPr>
-        <p:grpSpPr>
+        </p:nvPicPr>
+        <p:blipFill>
+          <a:blip r:embed="rId3" cstate="print">
+            <a:extLst>
+              <a:ext uri="{28A0092B-C50C-407E-A947-70E740481C1C}">
+                <a14:useLocalDpi xmlns:a14="http://schemas.microsoft.com/office/drawing/2010/main" val="0"/>
+              </a:ext>
+            </a:extLst>
+          </a:blip>
+          <a:stretch>
+            <a:fillRect/>
+          </a:stretch>
+        </p:blipFill>
+        <p:spPr>
           <a:xfrm>
-            <a:off x="1615798" y="3776936"/>
-            <a:ext cx="1871142" cy="972779"/>
-            <a:chOff x="2548410" y="4549332"/>
-            <a:chExt cx="1871142" cy="972779"/>
+            <a:off x="4493135" y="855500"/>
+            <a:ext cx="428618" cy="381794"/>
           </a:xfrm>
-        </p:grpSpPr>
-        <p:grpSp>
-          <p:nvGrpSpPr>
-            <p:cNvPr id="45" name="Groupe 44">
-              <a:extLst>
-                <a:ext uri="{FF2B5EF4-FFF2-40B4-BE49-F238E27FC236}">
-                  <a16:creationId xmlns="" xmlns:a16="http://schemas.microsoft.com/office/drawing/2014/main" xmlns:lc="http://schemas.openxmlformats.org/drawingml/2006/lockedCanvas" id="{E0E230ED-9E76-46B5-92C4-AB7962005D3F}"/>
-                </a:ext>
-              </a:extLst>
-            </p:cNvPr>
-            <p:cNvGrpSpPr/>
-            <p:nvPr/>
-          </p:nvGrpSpPr>
-          <p:grpSpPr>
-            <a:xfrm>
-              <a:off x="2548410" y="4549332"/>
-              <a:ext cx="1871142" cy="972779"/>
-              <a:chOff x="2155105" y="3861048"/>
-              <a:chExt cx="1336774" cy="720080"/>
-            </a:xfrm>
+          <a:prstGeom prst="rect">
+            <a:avLst/>
+          </a:prstGeom>
+        </p:spPr>
+      </p:pic>
+      <p:pic>
+        <p:nvPicPr>
+          <p:cNvPr id="32" name="Image 31"/>
+          <p:cNvPicPr>
+            <a:picLocks noChangeAspect="1"/>
+          </p:cNvPicPr>
+          <p:nvPr/>
+        </p:nvPicPr>
+        <p:blipFill>
+          <a:blip r:embed="rId6" cstate="print">
+            <a:extLst>
+              <a:ext uri="{28A0092B-C50C-407E-A947-70E740481C1C}">
+                <a14:useLocalDpi xmlns:a14="http://schemas.microsoft.com/office/drawing/2010/main" val="0"/>
+              </a:ext>
+            </a:extLst>
+          </a:blip>
+          <a:stretch>
+            <a:fillRect/>
+          </a:stretch>
+        </p:blipFill>
+        <p:spPr>
+          <a:xfrm>
+            <a:off x="7211665" y="1091649"/>
+            <a:ext cx="540000" cy="425183"/>
+          </a:xfrm>
+          <a:prstGeom prst="rect">
+            <a:avLst/>
+          </a:prstGeom>
+        </p:spPr>
+      </p:pic>
+      <p:pic>
+        <p:nvPicPr>
+          <p:cNvPr id="33" name="Image 32"/>
+          <p:cNvPicPr>
+            <a:picLocks noChangeAspect="1"/>
+          </p:cNvPicPr>
+          <p:nvPr/>
+        </p:nvPicPr>
+        <p:blipFill>
+          <a:blip r:embed="rId7" cstate="print">
+            <a:extLst>
+              <a:ext uri="{28A0092B-C50C-407E-A947-70E740481C1C}">
+                <a14:useLocalDpi xmlns:a14="http://schemas.microsoft.com/office/drawing/2010/main" val="0"/>
+              </a:ext>
+            </a:extLst>
+          </a:blip>
+          <a:stretch>
+            <a:fillRect/>
+          </a:stretch>
+        </p:blipFill>
+        <p:spPr>
+          <a:xfrm flipH="1">
+            <a:off x="1886572" y="1063322"/>
+            <a:ext cx="540000" cy="447714"/>
+          </a:xfrm>
+          <a:prstGeom prst="rect">
+            <a:avLst/>
+          </a:prstGeom>
+        </p:spPr>
+      </p:pic>
+      <p:cxnSp>
+        <p:nvCxnSpPr>
+          <p:cNvPr id="35" name="Connecteur droit 34"/>
+          <p:cNvCxnSpPr>
+            <a:stCxn id="93" idx="3"/>
+            <a:endCxn id="33" idx="1"/>
+          </p:cNvCxnSpPr>
+          <p:nvPr/>
+        </p:nvCxnSpPr>
+        <p:spPr>
+          <a:xfrm flipH="1" flipV="1">
+            <a:off x="2426572" y="1287179"/>
+            <a:ext cx="1381171" cy="1"/>
+          </a:xfrm>
+          <a:prstGeom prst="line">
+            <a:avLst/>
+          </a:prstGeom>
+          <a:ln w="25400">
             <a:solidFill>
-              <a:schemeClr val="bg1"/>
+              <a:schemeClr val="tx1"/>
             </a:solidFill>
-          </p:grpSpPr>
-          <p:pic>
-            <p:nvPicPr>
-              <p:cNvPr id="46" name="Image 45">
-                <a:extLst>
-                  <a:ext uri="{FF2B5EF4-FFF2-40B4-BE49-F238E27FC236}">
-                    <a16:creationId xmlns="" xmlns:a16="http://schemas.microsoft.com/office/drawing/2014/main" xmlns:lc="http://schemas.openxmlformats.org/drawingml/2006/lockedCanvas" id="{8A3CA8B9-B9C7-4C5E-945E-30789F67099A}"/>
-                  </a:ext>
-                </a:extLst>
-              </p:cNvPr>
-              <p:cNvPicPr>
-                <a:picLocks noChangeAspect="1"/>
-              </p:cNvPicPr>
-              <p:nvPr/>
-            </p:nvPicPr>
-            <p:blipFill>
-              <a:blip r:embed="rId2" cstate="print">
-                <a:extLst>
-                  <a:ext uri="{28A0092B-C50C-407E-A947-70E740481C1C}">
-                    <a14:useLocalDpi xmlns:a14="http://schemas.microsoft.com/office/drawing/2010/main" val="0"/>
-                  </a:ext>
-                </a:extLst>
-              </a:blip>
-              <a:stretch>
-                <a:fillRect/>
-              </a:stretch>
-            </p:blipFill>
-            <p:spPr>
-              <a:xfrm>
-                <a:off x="2204095" y="3905903"/>
-                <a:ext cx="517589" cy="222637"/>
-              </a:xfrm>
-              <a:prstGeom prst="rect">
-                <a:avLst/>
-              </a:prstGeom>
-              <a:grpFill/>
-            </p:spPr>
-          </p:pic>
-          <p:sp>
-            <p:nvSpPr>
-              <p:cNvPr id="47" name="Rectangle à coins arrondis 46">
-                <a:extLst>
-                  <a:ext uri="{FF2B5EF4-FFF2-40B4-BE49-F238E27FC236}">
-                    <a16:creationId xmlns="" xmlns:a16="http://schemas.microsoft.com/office/drawing/2014/main" xmlns:lc="http://schemas.openxmlformats.org/drawingml/2006/lockedCanvas" id="{D95582EE-8B26-42D1-A65F-CB3D8ACB3AAF}"/>
-                  </a:ext>
-                </a:extLst>
-              </p:cNvPr>
-              <p:cNvSpPr/>
-              <p:nvPr/>
-            </p:nvSpPr>
-            <p:spPr>
-              <a:xfrm flipH="1">
-                <a:off x="2155105" y="3861048"/>
-                <a:ext cx="1336774" cy="720080"/>
-              </a:xfrm>
-              <a:prstGeom prst="roundRect">
-                <a:avLst>
-                  <a:gd name="adj" fmla="val 9644"/>
-                </a:avLst>
-              </a:prstGeom>
-              <a:grpFill/>
-            </p:spPr>
-            <p:style>
-              <a:lnRef idx="2">
-                <a:schemeClr val="accent1">
-                  <a:shade val="50000"/>
-                </a:schemeClr>
-              </a:lnRef>
-              <a:fillRef idx="1">
-                <a:schemeClr val="accent1"/>
-              </a:fillRef>
-              <a:effectRef idx="0">
-                <a:schemeClr val="accent1"/>
-              </a:effectRef>
-              <a:fontRef idx="minor">
-                <a:schemeClr val="lt1"/>
-              </a:fontRef>
-            </p:style>
-            <p:txBody>
-              <a:bodyPr rtlCol="0" anchor="ctr"/>
-              <a:lstStyle>
-                <a:defPPr>
-                  <a:defRPr lang="fr-FR"/>
-                </a:defPPr>
-                <a:lvl1pPr algn="l" rtl="0" fontAlgn="base">
-                  <a:spcBef>
-                    <a:spcPct val="0"/>
-                  </a:spcBef>
-                  <a:spcAft>
-                    <a:spcPct val="0"/>
-                  </a:spcAft>
-                  <a:defRPr kern="1200">
-                    <a:solidFill>
-                      <a:schemeClr val="lt1"/>
-                    </a:solidFill>
-                    <a:latin typeface="+mn-lt"/>
-                    <a:ea typeface="+mn-ea"/>
-                    <a:cs typeface="+mn-cs"/>
-                  </a:defRPr>
-                </a:lvl1pPr>
-                <a:lvl2pPr marL="457200" algn="l" rtl="0" fontAlgn="base">
-                  <a:spcBef>
-                    <a:spcPct val="0"/>
-                  </a:spcBef>
-                  <a:spcAft>
-                    <a:spcPct val="0"/>
-                  </a:spcAft>
-                  <a:defRPr kern="1200">
-                    <a:solidFill>
-                      <a:schemeClr val="lt1"/>
-                    </a:solidFill>
-                    <a:latin typeface="+mn-lt"/>
-                    <a:ea typeface="+mn-ea"/>
-                    <a:cs typeface="+mn-cs"/>
-                  </a:defRPr>
-                </a:lvl2pPr>
-                <a:lvl3pPr marL="914400" algn="l" rtl="0" fontAlgn="base">
-                  <a:spcBef>
-                    <a:spcPct val="0"/>
-                  </a:spcBef>
-                  <a:spcAft>
-                    <a:spcPct val="0"/>
-                  </a:spcAft>
-                  <a:defRPr kern="1200">
-                    <a:solidFill>
-                      <a:schemeClr val="lt1"/>
-                    </a:solidFill>
-                    <a:latin typeface="+mn-lt"/>
-                    <a:ea typeface="+mn-ea"/>
-                    <a:cs typeface="+mn-cs"/>
-                  </a:defRPr>
-                </a:lvl3pPr>
-                <a:lvl4pPr marL="1371600" algn="l" rtl="0" fontAlgn="base">
-                  <a:spcBef>
-                    <a:spcPct val="0"/>
-                  </a:spcBef>
-                  <a:spcAft>
-                    <a:spcPct val="0"/>
-                  </a:spcAft>
-                  <a:defRPr kern="1200">
-                    <a:solidFill>
-                      <a:schemeClr val="lt1"/>
-                    </a:solidFill>
-                    <a:latin typeface="+mn-lt"/>
-                    <a:ea typeface="+mn-ea"/>
-                    <a:cs typeface="+mn-cs"/>
-                  </a:defRPr>
-                </a:lvl4pPr>
-                <a:lvl5pPr marL="1828800" algn="l" rtl="0" fontAlgn="base">
-                  <a:spcBef>
-                    <a:spcPct val="0"/>
-                  </a:spcBef>
-                  <a:spcAft>
-                    <a:spcPct val="0"/>
-                  </a:spcAft>
-                  <a:defRPr kern="1200">
-                    <a:solidFill>
-                      <a:schemeClr val="lt1"/>
-                    </a:solidFill>
-                    <a:latin typeface="+mn-lt"/>
-                    <a:ea typeface="+mn-ea"/>
-                    <a:cs typeface="+mn-cs"/>
-                  </a:defRPr>
-                </a:lvl5pPr>
-                <a:lvl6pPr marL="2286000" algn="l" defTabSz="914400" rtl="0" eaLnBrk="1" latinLnBrk="0" hangingPunct="1">
-                  <a:defRPr kern="1200">
-                    <a:solidFill>
-                      <a:schemeClr val="lt1"/>
-                    </a:solidFill>
-                    <a:latin typeface="+mn-lt"/>
-                    <a:ea typeface="+mn-ea"/>
-                    <a:cs typeface="+mn-cs"/>
-                  </a:defRPr>
-                </a:lvl6pPr>
-                <a:lvl7pPr marL="2743200" algn="l" defTabSz="914400" rtl="0" eaLnBrk="1" latinLnBrk="0" hangingPunct="1">
-                  <a:defRPr kern="1200">
-                    <a:solidFill>
-                      <a:schemeClr val="lt1"/>
-                    </a:solidFill>
-                    <a:latin typeface="+mn-lt"/>
-                    <a:ea typeface="+mn-ea"/>
-                    <a:cs typeface="+mn-cs"/>
-                  </a:defRPr>
-                </a:lvl7pPr>
-                <a:lvl8pPr marL="3200400" algn="l" defTabSz="914400" rtl="0" eaLnBrk="1" latinLnBrk="0" hangingPunct="1">
-                  <a:defRPr kern="1200">
-                    <a:solidFill>
-                      <a:schemeClr val="lt1"/>
-                    </a:solidFill>
-                    <a:latin typeface="+mn-lt"/>
-                    <a:ea typeface="+mn-ea"/>
-                    <a:cs typeface="+mn-cs"/>
-                  </a:defRPr>
-                </a:lvl8pPr>
-                <a:lvl9pPr marL="3657600" algn="l" defTabSz="914400" rtl="0" eaLnBrk="1" latinLnBrk="0" hangingPunct="1">
-                  <a:defRPr kern="1200">
-                    <a:solidFill>
-                      <a:schemeClr val="lt1"/>
-                    </a:solidFill>
-                    <a:latin typeface="+mn-lt"/>
-                    <a:ea typeface="+mn-ea"/>
-                    <a:cs typeface="+mn-cs"/>
-                  </a:defRPr>
-                </a:lvl9pPr>
-              </a:lstStyle>
-              <a:p>
-                <a:pPr algn="ctr"/>
-                <a:endParaRPr lang="fr-FR"/>
-              </a:p>
-            </p:txBody>
-          </p:sp>
-        </p:grpSp>
-        <p:sp>
-          <p:nvSpPr>
-            <p:cNvPr id="48" name="ZoneTexte 47"/>
-            <p:cNvSpPr txBox="1"/>
-            <p:nvPr/>
-          </p:nvSpPr>
-          <p:spPr>
-            <a:xfrm>
-              <a:off x="2925919" y="4926263"/>
-              <a:ext cx="1116124" cy="369332"/>
-            </a:xfrm>
-            <a:prstGeom prst="rect">
-              <a:avLst/>
-            </a:prstGeom>
-            <a:noFill/>
-          </p:spPr>
-          <p:txBody>
-            <a:bodyPr wrap="square" rtlCol="0">
-              <a:spAutoFit/>
-            </a:bodyPr>
-            <a:lstStyle/>
-            <a:p>
-              <a:r>
-                <a:rPr lang="fr-FR" dirty="0" smtClean="0"/>
-                <a:t>Client-UI</a:t>
-              </a:r>
-              <a:endParaRPr lang="fr-FR" sz="1200" i="1" dirty="0"/>
-            </a:p>
-          </p:txBody>
-        </p:sp>
-        <p:pic>
-          <p:nvPicPr>
-            <p:cNvPr id="56" name="Image 55">
-              <a:extLst>
-                <a:ext uri="{FF2B5EF4-FFF2-40B4-BE49-F238E27FC236}">
-                  <a16:creationId xmlns="" xmlns:a16="http://schemas.microsoft.com/office/drawing/2014/main" xmlns:lc="http://schemas.openxmlformats.org/drawingml/2006/lockedCanvas" id="{8A3CA8B9-B9C7-4C5E-945E-30789F67099A}"/>
-                </a:ext>
-              </a:extLst>
-            </p:cNvPr>
-            <p:cNvPicPr>
-              <a:picLocks noChangeAspect="1"/>
-            </p:cNvPicPr>
-            <p:nvPr/>
-          </p:nvPicPr>
-          <p:blipFill>
-            <a:blip r:embed="rId2" cstate="print">
-              <a:extLst>
-                <a:ext uri="{28A0092B-C50C-407E-A947-70E740481C1C}">
-                  <a14:useLocalDpi xmlns:a14="http://schemas.microsoft.com/office/drawing/2010/main" val="0"/>
-                </a:ext>
-              </a:extLst>
-            </a:blip>
-            <a:stretch>
-              <a:fillRect/>
-            </a:stretch>
-          </p:blipFill>
-          <p:spPr>
-            <a:xfrm>
-              <a:off x="2616983" y="4584994"/>
-              <a:ext cx="876286" cy="363783"/>
-            </a:xfrm>
-            <a:prstGeom prst="rect">
-              <a:avLst/>
-            </a:prstGeom>
-          </p:spPr>
-        </p:pic>
-      </p:grpSp>
-      <p:grpSp>
-        <p:nvGrpSpPr>
-          <p:cNvPr id="13" name="Groupe 12"/>
-          <p:cNvGrpSpPr/>
+            <a:prstDash val="solid"/>
+          </a:ln>
+        </p:spPr>
+        <p:style>
+          <a:lnRef idx="1">
+            <a:schemeClr val="accent1"/>
+          </a:lnRef>
+          <a:fillRef idx="0">
+            <a:schemeClr val="accent1"/>
+          </a:fillRef>
+          <a:effectRef idx="0">
+            <a:schemeClr val="accent1"/>
+          </a:effectRef>
+          <a:fontRef idx="minor">
+            <a:schemeClr val="tx1"/>
+          </a:fontRef>
+        </p:style>
+      </p:cxnSp>
+      <p:cxnSp>
+        <p:nvCxnSpPr>
+          <p:cNvPr id="38" name="Connecteur droit 37"/>
+          <p:cNvCxnSpPr>
+            <a:stCxn id="93" idx="1"/>
+            <a:endCxn id="32" idx="1"/>
+          </p:cNvCxnSpPr>
           <p:nvPr/>
-        </p:nvGrpSpPr>
-        <p:grpSpPr>
+        </p:nvCxnSpPr>
+        <p:spPr>
           <a:xfrm>
-            <a:off x="5740209" y="3707521"/>
-            <a:ext cx="1871142" cy="972779"/>
-            <a:chOff x="4801076" y="4549333"/>
-            <a:chExt cx="1871142" cy="972779"/>
+            <a:off x="5678885" y="1287180"/>
+            <a:ext cx="1532780" cy="17061"/>
           </a:xfrm>
-        </p:grpSpPr>
-        <p:grpSp>
-          <p:nvGrpSpPr>
-            <p:cNvPr id="49" name="Groupe 48">
-              <a:extLst>
-                <a:ext uri="{FF2B5EF4-FFF2-40B4-BE49-F238E27FC236}">
-                  <a16:creationId xmlns="" xmlns:a16="http://schemas.microsoft.com/office/drawing/2014/main" xmlns:lc="http://schemas.openxmlformats.org/drawingml/2006/lockedCanvas" id="{E0E230ED-9E76-46B5-92C4-AB7962005D3F}"/>
-                </a:ext>
-              </a:extLst>
-            </p:cNvPr>
-            <p:cNvGrpSpPr/>
-            <p:nvPr/>
-          </p:nvGrpSpPr>
-          <p:grpSpPr>
-            <a:xfrm>
-              <a:off x="4801076" y="4549333"/>
-              <a:ext cx="1871142" cy="972779"/>
-              <a:chOff x="2155105" y="3861048"/>
-              <a:chExt cx="1336774" cy="720080"/>
-            </a:xfrm>
+          <a:prstGeom prst="line">
+            <a:avLst/>
+          </a:prstGeom>
+          <a:ln w="25400">
             <a:solidFill>
-              <a:schemeClr val="bg1"/>
+              <a:schemeClr val="tx1"/>
             </a:solidFill>
-          </p:grpSpPr>
-          <p:pic>
-            <p:nvPicPr>
-              <p:cNvPr id="50" name="Image 49">
-                <a:extLst>
-                  <a:ext uri="{FF2B5EF4-FFF2-40B4-BE49-F238E27FC236}">
-                    <a16:creationId xmlns="" xmlns:a16="http://schemas.microsoft.com/office/drawing/2014/main" xmlns:lc="http://schemas.openxmlformats.org/drawingml/2006/lockedCanvas" id="{8A3CA8B9-B9C7-4C5E-945E-30789F67099A}"/>
-                  </a:ext>
-                </a:extLst>
-              </p:cNvPr>
-              <p:cNvPicPr>
-                <a:picLocks noChangeAspect="1"/>
-              </p:cNvPicPr>
-              <p:nvPr/>
-            </p:nvPicPr>
-            <p:blipFill>
-              <a:blip r:embed="rId2" cstate="print">
-                <a:extLst>
-                  <a:ext uri="{28A0092B-C50C-407E-A947-70E740481C1C}">
-                    <a14:useLocalDpi xmlns:a14="http://schemas.microsoft.com/office/drawing/2010/main" val="0"/>
-                  </a:ext>
-                </a:extLst>
-              </a:blip>
-              <a:stretch>
-                <a:fillRect/>
-              </a:stretch>
-            </p:blipFill>
-            <p:spPr>
-              <a:xfrm>
-                <a:off x="2204095" y="3905903"/>
-                <a:ext cx="517589" cy="222637"/>
-              </a:xfrm>
-              <a:prstGeom prst="rect">
-                <a:avLst/>
-              </a:prstGeom>
-              <a:grpFill/>
-            </p:spPr>
-          </p:pic>
-          <p:sp>
-            <p:nvSpPr>
-              <p:cNvPr id="51" name="Rectangle à coins arrondis 50">
-                <a:extLst>
-                  <a:ext uri="{FF2B5EF4-FFF2-40B4-BE49-F238E27FC236}">
-                    <a16:creationId xmlns="" xmlns:a16="http://schemas.microsoft.com/office/drawing/2014/main" xmlns:lc="http://schemas.openxmlformats.org/drawingml/2006/lockedCanvas" id="{D95582EE-8B26-42D1-A65F-CB3D8ACB3AAF}"/>
-                  </a:ext>
-                </a:extLst>
-              </p:cNvPr>
-              <p:cNvSpPr/>
-              <p:nvPr/>
-            </p:nvSpPr>
-            <p:spPr>
-              <a:xfrm flipH="1">
-                <a:off x="2155105" y="3861048"/>
-                <a:ext cx="1336774" cy="720080"/>
-              </a:xfrm>
-              <a:prstGeom prst="roundRect">
-                <a:avLst>
-                  <a:gd name="adj" fmla="val 9644"/>
-                </a:avLst>
-              </a:prstGeom>
-              <a:grpFill/>
-            </p:spPr>
-            <p:style>
-              <a:lnRef idx="2">
-                <a:schemeClr val="accent1">
-                  <a:shade val="50000"/>
-                </a:schemeClr>
-              </a:lnRef>
-              <a:fillRef idx="1">
-                <a:schemeClr val="accent1"/>
-              </a:fillRef>
-              <a:effectRef idx="0">
-                <a:schemeClr val="accent1"/>
-              </a:effectRef>
-              <a:fontRef idx="minor">
-                <a:schemeClr val="lt1"/>
-              </a:fontRef>
-            </p:style>
-            <p:txBody>
-              <a:bodyPr rtlCol="0" anchor="ctr"/>
-              <a:lstStyle>
-                <a:defPPr>
-                  <a:defRPr lang="fr-FR"/>
-                </a:defPPr>
-                <a:lvl1pPr algn="l" rtl="0" fontAlgn="base">
-                  <a:spcBef>
-                    <a:spcPct val="0"/>
-                  </a:spcBef>
-                  <a:spcAft>
-                    <a:spcPct val="0"/>
-                  </a:spcAft>
-                  <a:defRPr kern="1200">
-                    <a:solidFill>
-                      <a:schemeClr val="lt1"/>
-                    </a:solidFill>
-                    <a:latin typeface="+mn-lt"/>
-                    <a:ea typeface="+mn-ea"/>
-                    <a:cs typeface="+mn-cs"/>
-                  </a:defRPr>
-                </a:lvl1pPr>
-                <a:lvl2pPr marL="457200" algn="l" rtl="0" fontAlgn="base">
-                  <a:spcBef>
-                    <a:spcPct val="0"/>
-                  </a:spcBef>
-                  <a:spcAft>
-                    <a:spcPct val="0"/>
-                  </a:spcAft>
-                  <a:defRPr kern="1200">
-                    <a:solidFill>
-                      <a:schemeClr val="lt1"/>
-                    </a:solidFill>
-                    <a:latin typeface="+mn-lt"/>
-                    <a:ea typeface="+mn-ea"/>
-                    <a:cs typeface="+mn-cs"/>
-                  </a:defRPr>
-                </a:lvl2pPr>
-                <a:lvl3pPr marL="914400" algn="l" rtl="0" fontAlgn="base">
-                  <a:spcBef>
-                    <a:spcPct val="0"/>
-                  </a:spcBef>
-                  <a:spcAft>
-                    <a:spcPct val="0"/>
-                  </a:spcAft>
-                  <a:defRPr kern="1200">
-                    <a:solidFill>
-                      <a:schemeClr val="lt1"/>
-                    </a:solidFill>
-                    <a:latin typeface="+mn-lt"/>
-                    <a:ea typeface="+mn-ea"/>
-                    <a:cs typeface="+mn-cs"/>
-                  </a:defRPr>
-                </a:lvl3pPr>
-                <a:lvl4pPr marL="1371600" algn="l" rtl="0" fontAlgn="base">
-                  <a:spcBef>
-                    <a:spcPct val="0"/>
-                  </a:spcBef>
-                  <a:spcAft>
-                    <a:spcPct val="0"/>
-                  </a:spcAft>
-                  <a:defRPr kern="1200">
-                    <a:solidFill>
-                      <a:schemeClr val="lt1"/>
-                    </a:solidFill>
-                    <a:latin typeface="+mn-lt"/>
-                    <a:ea typeface="+mn-ea"/>
-                    <a:cs typeface="+mn-cs"/>
-                  </a:defRPr>
-                </a:lvl4pPr>
-                <a:lvl5pPr marL="1828800" algn="l" rtl="0" fontAlgn="base">
-                  <a:spcBef>
-                    <a:spcPct val="0"/>
-                  </a:spcBef>
-                  <a:spcAft>
-                    <a:spcPct val="0"/>
-                  </a:spcAft>
-                  <a:defRPr kern="1200">
-                    <a:solidFill>
-                      <a:schemeClr val="lt1"/>
-                    </a:solidFill>
-                    <a:latin typeface="+mn-lt"/>
-                    <a:ea typeface="+mn-ea"/>
-                    <a:cs typeface="+mn-cs"/>
-                  </a:defRPr>
-                </a:lvl5pPr>
-                <a:lvl6pPr marL="2286000" algn="l" defTabSz="914400" rtl="0" eaLnBrk="1" latinLnBrk="0" hangingPunct="1">
-                  <a:defRPr kern="1200">
-                    <a:solidFill>
-                      <a:schemeClr val="lt1"/>
-                    </a:solidFill>
-                    <a:latin typeface="+mn-lt"/>
-                    <a:ea typeface="+mn-ea"/>
-                    <a:cs typeface="+mn-cs"/>
-                  </a:defRPr>
-                </a:lvl6pPr>
-                <a:lvl7pPr marL="2743200" algn="l" defTabSz="914400" rtl="0" eaLnBrk="1" latinLnBrk="0" hangingPunct="1">
-                  <a:defRPr kern="1200">
-                    <a:solidFill>
-                      <a:schemeClr val="lt1"/>
-                    </a:solidFill>
-                    <a:latin typeface="+mn-lt"/>
-                    <a:ea typeface="+mn-ea"/>
-                    <a:cs typeface="+mn-cs"/>
-                  </a:defRPr>
-                </a:lvl7pPr>
-                <a:lvl8pPr marL="3200400" algn="l" defTabSz="914400" rtl="0" eaLnBrk="1" latinLnBrk="0" hangingPunct="1">
-                  <a:defRPr kern="1200">
-                    <a:solidFill>
-                      <a:schemeClr val="lt1"/>
-                    </a:solidFill>
-                    <a:latin typeface="+mn-lt"/>
-                    <a:ea typeface="+mn-ea"/>
-                    <a:cs typeface="+mn-cs"/>
-                  </a:defRPr>
-                </a:lvl8pPr>
-                <a:lvl9pPr marL="3657600" algn="l" defTabSz="914400" rtl="0" eaLnBrk="1" latinLnBrk="0" hangingPunct="1">
-                  <a:defRPr kern="1200">
-                    <a:solidFill>
-                      <a:schemeClr val="lt1"/>
-                    </a:solidFill>
-                    <a:latin typeface="+mn-lt"/>
-                    <a:ea typeface="+mn-ea"/>
-                    <a:cs typeface="+mn-cs"/>
-                  </a:defRPr>
-                </a:lvl9pPr>
-              </a:lstStyle>
-              <a:p>
-                <a:pPr algn="ctr"/>
-                <a:endParaRPr lang="fr-FR"/>
-              </a:p>
-            </p:txBody>
-          </p:sp>
-        </p:grpSp>
-        <p:sp>
-          <p:nvSpPr>
-            <p:cNvPr id="52" name="ZoneTexte 51"/>
-            <p:cNvSpPr txBox="1"/>
-            <p:nvPr/>
-          </p:nvSpPr>
-          <p:spPr>
-            <a:xfrm>
-              <a:off x="5172867" y="4926263"/>
-              <a:ext cx="1116124" cy="369332"/>
-            </a:xfrm>
-            <a:prstGeom prst="rect">
-              <a:avLst/>
-            </a:prstGeom>
-            <a:noFill/>
-          </p:spPr>
-          <p:txBody>
-            <a:bodyPr wrap="square" rtlCol="0">
-              <a:spAutoFit/>
-            </a:bodyPr>
-            <a:lstStyle/>
-            <a:p>
-              <a:r>
-                <a:rPr lang="fr-FR" dirty="0" smtClean="0"/>
-                <a:t>Client-B</a:t>
-              </a:r>
-              <a:endParaRPr lang="fr-FR" dirty="0"/>
-            </a:p>
-          </p:txBody>
-        </p:sp>
-        <p:pic>
-          <p:nvPicPr>
-            <p:cNvPr id="57" name="Image 56">
-              <a:extLst>
-                <a:ext uri="{FF2B5EF4-FFF2-40B4-BE49-F238E27FC236}">
-                  <a16:creationId xmlns="" xmlns:a16="http://schemas.microsoft.com/office/drawing/2014/main" xmlns:lc="http://schemas.openxmlformats.org/drawingml/2006/lockedCanvas" id="{8A3CA8B9-B9C7-4C5E-945E-30789F67099A}"/>
-                </a:ext>
-              </a:extLst>
-            </p:cNvPr>
-            <p:cNvPicPr>
-              <a:picLocks noChangeAspect="1"/>
-            </p:cNvPicPr>
-            <p:nvPr/>
-          </p:nvPicPr>
-          <p:blipFill>
-            <a:blip r:embed="rId2" cstate="print">
-              <a:extLst>
-                <a:ext uri="{28A0092B-C50C-407E-A947-70E740481C1C}">
-                  <a14:useLocalDpi xmlns:a14="http://schemas.microsoft.com/office/drawing/2010/main" val="0"/>
-                </a:ext>
-              </a:extLst>
-            </a:blip>
-            <a:stretch>
-              <a:fillRect/>
-            </a:stretch>
-          </p:blipFill>
-          <p:spPr>
-            <a:xfrm>
-              <a:off x="4857277" y="4576416"/>
-              <a:ext cx="876286" cy="363783"/>
-            </a:xfrm>
-            <a:prstGeom prst="rect">
-              <a:avLst/>
-            </a:prstGeom>
-          </p:spPr>
-        </p:pic>
-      </p:grpSp>
-      <p:grpSp>
-        <p:nvGrpSpPr>
-          <p:cNvPr id="10" name="Groupe 9"/>
-          <p:cNvGrpSpPr/>
-          <p:nvPr/>
-        </p:nvGrpSpPr>
-        <p:grpSpPr>
-          <a:xfrm>
-            <a:off x="5723970" y="2567119"/>
-            <a:ext cx="1871142" cy="972779"/>
-            <a:chOff x="5891328" y="3212974"/>
-            <a:chExt cx="1871142" cy="972779"/>
-          </a:xfrm>
-        </p:grpSpPr>
-        <p:sp>
-          <p:nvSpPr>
-            <p:cNvPr id="23" name="Rectangle à coins arrondis 22">
-              <a:extLst>
-                <a:ext uri="{FF2B5EF4-FFF2-40B4-BE49-F238E27FC236}">
-                  <a16:creationId xmlns="" xmlns:a16="http://schemas.microsoft.com/office/drawing/2014/main" xmlns:lc="http://schemas.openxmlformats.org/drawingml/2006/lockedCanvas" id="{39EF6DF5-5B2C-46F6-9EF9-79BC9ADA4131}"/>
-                </a:ext>
-              </a:extLst>
-            </p:cNvPr>
-            <p:cNvSpPr/>
-            <p:nvPr/>
-          </p:nvSpPr>
-          <p:spPr>
-            <a:xfrm flipH="1">
-              <a:off x="5891328" y="3212974"/>
-              <a:ext cx="1871142" cy="972779"/>
-            </a:xfrm>
-            <a:prstGeom prst="roundRect">
-              <a:avLst>
-                <a:gd name="adj" fmla="val 9644"/>
-              </a:avLst>
-            </a:prstGeom>
-            <a:solidFill>
-              <a:schemeClr val="bg1"/>
-            </a:solidFill>
-          </p:spPr>
-          <p:style>
-            <a:lnRef idx="2">
-              <a:schemeClr val="accent1">
-                <a:shade val="50000"/>
-              </a:schemeClr>
-            </a:lnRef>
-            <a:fillRef idx="1">
-              <a:schemeClr val="accent1"/>
-            </a:fillRef>
-            <a:effectRef idx="0">
-              <a:schemeClr val="accent1"/>
-            </a:effectRef>
-            <a:fontRef idx="minor">
-              <a:schemeClr val="lt1"/>
-            </a:fontRef>
-          </p:style>
-          <p:txBody>
-            <a:bodyPr rtlCol="0" anchor="ctr"/>
-            <a:lstStyle>
-              <a:defPPr>
-                <a:defRPr lang="fr-FR"/>
-              </a:defPPr>
-              <a:lvl1pPr algn="l" rtl="0" fontAlgn="base">
-                <a:spcBef>
-                  <a:spcPct val="0"/>
-                </a:spcBef>
-                <a:spcAft>
-                  <a:spcPct val="0"/>
-                </a:spcAft>
-                <a:defRPr kern="1200">
-                  <a:solidFill>
-                    <a:schemeClr val="lt1"/>
-                  </a:solidFill>
-                  <a:latin typeface="+mn-lt"/>
-                  <a:ea typeface="+mn-ea"/>
-                  <a:cs typeface="+mn-cs"/>
-                </a:defRPr>
-              </a:lvl1pPr>
-              <a:lvl2pPr marL="457200" algn="l" rtl="0" fontAlgn="base">
-                <a:spcBef>
-                  <a:spcPct val="0"/>
-                </a:spcBef>
-                <a:spcAft>
-                  <a:spcPct val="0"/>
-                </a:spcAft>
-                <a:defRPr kern="1200">
-                  <a:solidFill>
-                    <a:schemeClr val="lt1"/>
-                  </a:solidFill>
-                  <a:latin typeface="+mn-lt"/>
-                  <a:ea typeface="+mn-ea"/>
-                  <a:cs typeface="+mn-cs"/>
-                </a:defRPr>
-              </a:lvl2pPr>
-              <a:lvl3pPr marL="914400" algn="l" rtl="0" fontAlgn="base">
-                <a:spcBef>
-                  <a:spcPct val="0"/>
-                </a:spcBef>
-                <a:spcAft>
-                  <a:spcPct val="0"/>
-                </a:spcAft>
-                <a:defRPr kern="1200">
-                  <a:solidFill>
-                    <a:schemeClr val="lt1"/>
-                  </a:solidFill>
-                  <a:latin typeface="+mn-lt"/>
-                  <a:ea typeface="+mn-ea"/>
-                  <a:cs typeface="+mn-cs"/>
-                </a:defRPr>
-              </a:lvl3pPr>
-              <a:lvl4pPr marL="1371600" algn="l" rtl="0" fontAlgn="base">
-                <a:spcBef>
-                  <a:spcPct val="0"/>
-                </a:spcBef>
-                <a:spcAft>
-                  <a:spcPct val="0"/>
-                </a:spcAft>
-                <a:defRPr kern="1200">
-                  <a:solidFill>
-                    <a:schemeClr val="lt1"/>
-                  </a:solidFill>
-                  <a:latin typeface="+mn-lt"/>
-                  <a:ea typeface="+mn-ea"/>
-                  <a:cs typeface="+mn-cs"/>
-                </a:defRPr>
-              </a:lvl4pPr>
-              <a:lvl5pPr marL="1828800" algn="l" rtl="0" fontAlgn="base">
-                <a:spcBef>
-                  <a:spcPct val="0"/>
-                </a:spcBef>
-                <a:spcAft>
-                  <a:spcPct val="0"/>
-                </a:spcAft>
-                <a:defRPr kern="1200">
-                  <a:solidFill>
-                    <a:schemeClr val="lt1"/>
-                  </a:solidFill>
-                  <a:latin typeface="+mn-lt"/>
-                  <a:ea typeface="+mn-ea"/>
-                  <a:cs typeface="+mn-cs"/>
-                </a:defRPr>
-              </a:lvl5pPr>
-              <a:lvl6pPr marL="2286000" algn="l" defTabSz="914400" rtl="0" eaLnBrk="1" latinLnBrk="0" hangingPunct="1">
-                <a:defRPr kern="1200">
-                  <a:solidFill>
-                    <a:schemeClr val="lt1"/>
-                  </a:solidFill>
-                  <a:latin typeface="+mn-lt"/>
-                  <a:ea typeface="+mn-ea"/>
-                  <a:cs typeface="+mn-cs"/>
-                </a:defRPr>
-              </a:lvl6pPr>
-              <a:lvl7pPr marL="2743200" algn="l" defTabSz="914400" rtl="0" eaLnBrk="1" latinLnBrk="0" hangingPunct="1">
-                <a:defRPr kern="1200">
-                  <a:solidFill>
-                    <a:schemeClr val="lt1"/>
-                  </a:solidFill>
-                  <a:latin typeface="+mn-lt"/>
-                  <a:ea typeface="+mn-ea"/>
-                  <a:cs typeface="+mn-cs"/>
-                </a:defRPr>
-              </a:lvl7pPr>
-              <a:lvl8pPr marL="3200400" algn="l" defTabSz="914400" rtl="0" eaLnBrk="1" latinLnBrk="0" hangingPunct="1">
-                <a:defRPr kern="1200">
-                  <a:solidFill>
-                    <a:schemeClr val="lt1"/>
-                  </a:solidFill>
-                  <a:latin typeface="+mn-lt"/>
-                  <a:ea typeface="+mn-ea"/>
-                  <a:cs typeface="+mn-cs"/>
-                </a:defRPr>
-              </a:lvl8pPr>
-              <a:lvl9pPr marL="3657600" algn="l" defTabSz="914400" rtl="0" eaLnBrk="1" latinLnBrk="0" hangingPunct="1">
-                <a:defRPr kern="1200">
-                  <a:solidFill>
-                    <a:schemeClr val="lt1"/>
-                  </a:solidFill>
-                  <a:latin typeface="+mn-lt"/>
-                  <a:ea typeface="+mn-ea"/>
-                  <a:cs typeface="+mn-cs"/>
-                </a:defRPr>
-              </a:lvl9pPr>
-            </a:lstStyle>
-            <a:p>
-              <a:pPr algn="ctr"/>
-              <a:endParaRPr lang="fr-FR"/>
-            </a:p>
-          </p:txBody>
-        </p:sp>
-        <p:sp>
-          <p:nvSpPr>
-            <p:cNvPr id="43" name="ZoneTexte 42"/>
-            <p:cNvSpPr txBox="1"/>
-            <p:nvPr/>
-          </p:nvSpPr>
-          <p:spPr>
-            <a:xfrm>
-              <a:off x="6205247" y="3579432"/>
-              <a:ext cx="1116124" cy="369332"/>
-            </a:xfrm>
-            <a:prstGeom prst="rect">
-              <a:avLst/>
-            </a:prstGeom>
-            <a:noFill/>
-          </p:spPr>
-          <p:txBody>
-            <a:bodyPr wrap="square" rtlCol="0">
-              <a:spAutoFit/>
-            </a:bodyPr>
-            <a:lstStyle/>
-            <a:p>
-              <a:r>
-                <a:rPr lang="fr-FR" dirty="0" smtClean="0"/>
-                <a:t>Server-C</a:t>
-              </a:r>
-              <a:endParaRPr lang="fr-FR" dirty="0"/>
-            </a:p>
-          </p:txBody>
-        </p:sp>
-        <p:pic>
-          <p:nvPicPr>
-            <p:cNvPr id="58" name="Image 57">
-              <a:extLst>
-                <a:ext uri="{FF2B5EF4-FFF2-40B4-BE49-F238E27FC236}">
-                  <a16:creationId xmlns="" xmlns:a16="http://schemas.microsoft.com/office/drawing/2014/main" xmlns:lc="http://schemas.openxmlformats.org/drawingml/2006/lockedCanvas" id="{8A3CA8B9-B9C7-4C5E-945E-30789F67099A}"/>
-                </a:ext>
-              </a:extLst>
-            </p:cNvPr>
-            <p:cNvPicPr>
-              <a:picLocks noChangeAspect="1"/>
-            </p:cNvPicPr>
-            <p:nvPr/>
-          </p:nvPicPr>
-          <p:blipFill>
-            <a:blip r:embed="rId2" cstate="print">
-              <a:extLst>
-                <a:ext uri="{28A0092B-C50C-407E-A947-70E740481C1C}">
-                  <a14:useLocalDpi xmlns:a14="http://schemas.microsoft.com/office/drawing/2010/main" val="0"/>
-                </a:ext>
-              </a:extLst>
-            </a:blip>
-            <a:stretch>
-              <a:fillRect/>
-            </a:stretch>
-          </p:blipFill>
-          <p:spPr>
-            <a:xfrm>
-              <a:off x="5950613" y="3237770"/>
-              <a:ext cx="876286" cy="363783"/>
-            </a:xfrm>
-            <a:prstGeom prst="rect">
-              <a:avLst/>
-            </a:prstGeom>
-          </p:spPr>
-        </p:pic>
-      </p:grpSp>
+          </a:ln>
+        </p:spPr>
+        <p:style>
+          <a:lnRef idx="1">
+            <a:schemeClr val="accent1"/>
+          </a:lnRef>
+          <a:fillRef idx="0">
+            <a:schemeClr val="accent1"/>
+          </a:fillRef>
+          <a:effectRef idx="0">
+            <a:schemeClr val="accent1"/>
+          </a:effectRef>
+          <a:fontRef idx="minor">
+            <a:schemeClr val="tx1"/>
+          </a:fontRef>
+        </p:style>
+      </p:cxnSp>
       <p:sp>
         <p:nvSpPr>
-          <p:cNvPr id="6" name="ZoneTexte 5"/>
+          <p:cNvPr id="41" name="ZoneTexte 40"/>
           <p:cNvSpPr txBox="1"/>
           <p:nvPr/>
         </p:nvSpPr>
         <p:spPr>
           <a:xfrm>
-            <a:off x="5600742" y="2149684"/>
-            <a:ext cx="1941557" cy="369332"/>
+            <a:off x="5645304" y="1025570"/>
+            <a:ext cx="928459" cy="261610"/>
           </a:xfrm>
           <a:prstGeom prst="rect">
             <a:avLst/>
@@ -7212,379 +5909,138 @@
           <a:lstStyle/>
           <a:p>
             <a:r>
-              <a:rPr lang="fr-FR" dirty="0" smtClean="0">
+              <a:rPr lang="fr-FR" sz="1100" dirty="0" smtClean="0">
                 <a:solidFill>
-                  <a:srgbClr val="7030A0"/>
+                  <a:prstClr val="black"/>
                 </a:solidFill>
               </a:rPr>
-              <a:t>Protocole </a:t>
-            </a:r>
-            <a:r>
-              <a:rPr lang="fr-FR" dirty="0" err="1" smtClean="0">
-                <a:solidFill>
-                  <a:srgbClr val="7030A0"/>
-                </a:solidFill>
-              </a:rPr>
-              <a:t>Gossip</a:t>
-            </a:r>
-            <a:endParaRPr lang="fr-FR" dirty="0">
+              <a:t>192.168.0.1</a:t>
+            </a:r>
+            <a:endParaRPr lang="fr-FR" sz="1100" dirty="0">
               <a:solidFill>
-                <a:srgbClr val="7030A0"/>
+                <a:prstClr val="black"/>
               </a:solidFill>
             </a:endParaRPr>
           </a:p>
         </p:txBody>
       </p:sp>
-      <p:grpSp>
-        <p:nvGrpSpPr>
-          <p:cNvPr id="60" name="Groupe 59"/>
-          <p:cNvGrpSpPr/>
+      <p:cxnSp>
+        <p:nvCxnSpPr>
+          <p:cNvPr id="53" name="Connecteur droit 52"/>
+          <p:cNvCxnSpPr>
+            <a:stCxn id="32" idx="2"/>
+          </p:cNvCxnSpPr>
           <p:nvPr/>
-        </p:nvGrpSpPr>
-        <p:grpSpPr>
+        </p:nvCxnSpPr>
+        <p:spPr>
           <a:xfrm>
-            <a:off x="3634104" y="4513372"/>
-            <a:ext cx="1871142" cy="972779"/>
-            <a:chOff x="4801076" y="4549333"/>
-            <a:chExt cx="1871142" cy="972779"/>
+            <a:off x="7481665" y="1516832"/>
+            <a:ext cx="0" cy="726719"/>
           </a:xfrm>
-        </p:grpSpPr>
-        <p:grpSp>
-          <p:nvGrpSpPr>
-            <p:cNvPr id="61" name="Groupe 60">
-              <a:extLst>
-                <a:ext uri="{FF2B5EF4-FFF2-40B4-BE49-F238E27FC236}">
-                  <a16:creationId xmlns="" xmlns:a16="http://schemas.microsoft.com/office/drawing/2014/main" xmlns:lc="http://schemas.openxmlformats.org/drawingml/2006/lockedCanvas" id="{E0E230ED-9E76-46B5-92C4-AB7962005D3F}"/>
-                </a:ext>
-              </a:extLst>
-            </p:cNvPr>
-            <p:cNvGrpSpPr/>
-            <p:nvPr/>
-          </p:nvGrpSpPr>
-          <p:grpSpPr>
-            <a:xfrm>
-              <a:off x="4801076" y="4549333"/>
-              <a:ext cx="1871142" cy="972779"/>
-              <a:chOff x="2155105" y="3861048"/>
-              <a:chExt cx="1336774" cy="720080"/>
-            </a:xfrm>
+          <a:prstGeom prst="line">
+            <a:avLst/>
+          </a:prstGeom>
+          <a:ln w="25400">
             <a:solidFill>
-              <a:schemeClr val="bg1"/>
+              <a:schemeClr val="tx1"/>
             </a:solidFill>
-          </p:grpSpPr>
-          <p:pic>
-            <p:nvPicPr>
-              <p:cNvPr id="64" name="Image 63">
-                <a:extLst>
-                  <a:ext uri="{FF2B5EF4-FFF2-40B4-BE49-F238E27FC236}">
-                    <a16:creationId xmlns="" xmlns:a16="http://schemas.microsoft.com/office/drawing/2014/main" xmlns:lc="http://schemas.openxmlformats.org/drawingml/2006/lockedCanvas" id="{8A3CA8B9-B9C7-4C5E-945E-30789F67099A}"/>
-                  </a:ext>
-                </a:extLst>
-              </p:cNvPr>
-              <p:cNvPicPr>
-                <a:picLocks noChangeAspect="1"/>
-              </p:cNvPicPr>
-              <p:nvPr/>
-            </p:nvPicPr>
-            <p:blipFill>
-              <a:blip r:embed="rId2" cstate="print">
-                <a:extLst>
-                  <a:ext uri="{28A0092B-C50C-407E-A947-70E740481C1C}">
-                    <a14:useLocalDpi xmlns:a14="http://schemas.microsoft.com/office/drawing/2010/main" val="0"/>
-                  </a:ext>
-                </a:extLst>
-              </a:blip>
-              <a:stretch>
-                <a:fillRect/>
-              </a:stretch>
-            </p:blipFill>
-            <p:spPr>
-              <a:xfrm>
-                <a:off x="2204095" y="3905903"/>
-                <a:ext cx="517589" cy="222637"/>
-              </a:xfrm>
-              <a:prstGeom prst="rect">
-                <a:avLst/>
-              </a:prstGeom>
-              <a:grpFill/>
-            </p:spPr>
-          </p:pic>
-          <p:sp>
-            <p:nvSpPr>
-              <p:cNvPr id="76" name="Rectangle à coins arrondis 75">
-                <a:extLst>
-                  <a:ext uri="{FF2B5EF4-FFF2-40B4-BE49-F238E27FC236}">
-                    <a16:creationId xmlns="" xmlns:a16="http://schemas.microsoft.com/office/drawing/2014/main" xmlns:lc="http://schemas.openxmlformats.org/drawingml/2006/lockedCanvas" id="{D95582EE-8B26-42D1-A65F-CB3D8ACB3AAF}"/>
-                  </a:ext>
-                </a:extLst>
-              </p:cNvPr>
-              <p:cNvSpPr/>
-              <p:nvPr/>
-            </p:nvSpPr>
-            <p:spPr>
-              <a:xfrm flipH="1">
-                <a:off x="2155105" y="3861048"/>
-                <a:ext cx="1336774" cy="720080"/>
-              </a:xfrm>
-              <a:prstGeom prst="roundRect">
-                <a:avLst>
-                  <a:gd name="adj" fmla="val 9644"/>
-                </a:avLst>
-              </a:prstGeom>
-              <a:grpFill/>
-            </p:spPr>
-            <p:style>
-              <a:lnRef idx="2">
-                <a:schemeClr val="accent1">
-                  <a:shade val="50000"/>
-                </a:schemeClr>
-              </a:lnRef>
-              <a:fillRef idx="1">
-                <a:schemeClr val="accent1"/>
-              </a:fillRef>
-              <a:effectRef idx="0">
-                <a:schemeClr val="accent1"/>
-              </a:effectRef>
-              <a:fontRef idx="minor">
-                <a:schemeClr val="lt1"/>
-              </a:fontRef>
-            </p:style>
-            <p:txBody>
-              <a:bodyPr rtlCol="0" anchor="ctr"/>
-              <a:lstStyle>
-                <a:defPPr>
-                  <a:defRPr lang="fr-FR"/>
-                </a:defPPr>
-                <a:lvl1pPr algn="l" rtl="0" fontAlgn="base">
-                  <a:spcBef>
-                    <a:spcPct val="0"/>
-                  </a:spcBef>
-                  <a:spcAft>
-                    <a:spcPct val="0"/>
-                  </a:spcAft>
-                  <a:defRPr kern="1200">
-                    <a:solidFill>
-                      <a:schemeClr val="lt1"/>
-                    </a:solidFill>
-                    <a:latin typeface="+mn-lt"/>
-                    <a:ea typeface="+mn-ea"/>
-                    <a:cs typeface="+mn-cs"/>
-                  </a:defRPr>
-                </a:lvl1pPr>
-                <a:lvl2pPr marL="457200" algn="l" rtl="0" fontAlgn="base">
-                  <a:spcBef>
-                    <a:spcPct val="0"/>
-                  </a:spcBef>
-                  <a:spcAft>
-                    <a:spcPct val="0"/>
-                  </a:spcAft>
-                  <a:defRPr kern="1200">
-                    <a:solidFill>
-                      <a:schemeClr val="lt1"/>
-                    </a:solidFill>
-                    <a:latin typeface="+mn-lt"/>
-                    <a:ea typeface="+mn-ea"/>
-                    <a:cs typeface="+mn-cs"/>
-                  </a:defRPr>
-                </a:lvl2pPr>
-                <a:lvl3pPr marL="914400" algn="l" rtl="0" fontAlgn="base">
-                  <a:spcBef>
-                    <a:spcPct val="0"/>
-                  </a:spcBef>
-                  <a:spcAft>
-                    <a:spcPct val="0"/>
-                  </a:spcAft>
-                  <a:defRPr kern="1200">
-                    <a:solidFill>
-                      <a:schemeClr val="lt1"/>
-                    </a:solidFill>
-                    <a:latin typeface="+mn-lt"/>
-                    <a:ea typeface="+mn-ea"/>
-                    <a:cs typeface="+mn-cs"/>
-                  </a:defRPr>
-                </a:lvl3pPr>
-                <a:lvl4pPr marL="1371600" algn="l" rtl="0" fontAlgn="base">
-                  <a:spcBef>
-                    <a:spcPct val="0"/>
-                  </a:spcBef>
-                  <a:spcAft>
-                    <a:spcPct val="0"/>
-                  </a:spcAft>
-                  <a:defRPr kern="1200">
-                    <a:solidFill>
-                      <a:schemeClr val="lt1"/>
-                    </a:solidFill>
-                    <a:latin typeface="+mn-lt"/>
-                    <a:ea typeface="+mn-ea"/>
-                    <a:cs typeface="+mn-cs"/>
-                  </a:defRPr>
-                </a:lvl4pPr>
-                <a:lvl5pPr marL="1828800" algn="l" rtl="0" fontAlgn="base">
-                  <a:spcBef>
-                    <a:spcPct val="0"/>
-                  </a:spcBef>
-                  <a:spcAft>
-                    <a:spcPct val="0"/>
-                  </a:spcAft>
-                  <a:defRPr kern="1200">
-                    <a:solidFill>
-                      <a:schemeClr val="lt1"/>
-                    </a:solidFill>
-                    <a:latin typeface="+mn-lt"/>
-                    <a:ea typeface="+mn-ea"/>
-                    <a:cs typeface="+mn-cs"/>
-                  </a:defRPr>
-                </a:lvl5pPr>
-                <a:lvl6pPr marL="2286000" algn="l" defTabSz="914400" rtl="0" eaLnBrk="1" latinLnBrk="0" hangingPunct="1">
-                  <a:defRPr kern="1200">
-                    <a:solidFill>
-                      <a:schemeClr val="lt1"/>
-                    </a:solidFill>
-                    <a:latin typeface="+mn-lt"/>
-                    <a:ea typeface="+mn-ea"/>
-                    <a:cs typeface="+mn-cs"/>
-                  </a:defRPr>
-                </a:lvl6pPr>
-                <a:lvl7pPr marL="2743200" algn="l" defTabSz="914400" rtl="0" eaLnBrk="1" latinLnBrk="0" hangingPunct="1">
-                  <a:defRPr kern="1200">
-                    <a:solidFill>
-                      <a:schemeClr val="lt1"/>
-                    </a:solidFill>
-                    <a:latin typeface="+mn-lt"/>
-                    <a:ea typeface="+mn-ea"/>
-                    <a:cs typeface="+mn-cs"/>
-                  </a:defRPr>
-                </a:lvl7pPr>
-                <a:lvl8pPr marL="3200400" algn="l" defTabSz="914400" rtl="0" eaLnBrk="1" latinLnBrk="0" hangingPunct="1">
-                  <a:defRPr kern="1200">
-                    <a:solidFill>
-                      <a:schemeClr val="lt1"/>
-                    </a:solidFill>
-                    <a:latin typeface="+mn-lt"/>
-                    <a:ea typeface="+mn-ea"/>
-                    <a:cs typeface="+mn-cs"/>
-                  </a:defRPr>
-                </a:lvl8pPr>
-                <a:lvl9pPr marL="3657600" algn="l" defTabSz="914400" rtl="0" eaLnBrk="1" latinLnBrk="0" hangingPunct="1">
-                  <a:defRPr kern="1200">
-                    <a:solidFill>
-                      <a:schemeClr val="lt1"/>
-                    </a:solidFill>
-                    <a:latin typeface="+mn-lt"/>
-                    <a:ea typeface="+mn-ea"/>
-                    <a:cs typeface="+mn-cs"/>
-                  </a:defRPr>
-                </a:lvl9pPr>
-              </a:lstStyle>
-              <a:p>
-                <a:pPr algn="ctr"/>
-                <a:endParaRPr lang="fr-FR"/>
-              </a:p>
-            </p:txBody>
-          </p:sp>
-        </p:grpSp>
-        <p:sp>
-          <p:nvSpPr>
-            <p:cNvPr id="62" name="ZoneTexte 61"/>
-            <p:cNvSpPr txBox="1"/>
-            <p:nvPr/>
-          </p:nvSpPr>
-          <p:spPr>
-            <a:xfrm>
-              <a:off x="5172867" y="4926263"/>
-              <a:ext cx="1116124" cy="369332"/>
-            </a:xfrm>
-            <a:prstGeom prst="rect">
-              <a:avLst/>
-            </a:prstGeom>
-            <a:noFill/>
-          </p:spPr>
-          <p:txBody>
-            <a:bodyPr wrap="square" rtlCol="0">
-              <a:spAutoFit/>
-            </a:bodyPr>
-            <a:lstStyle/>
-            <a:p>
-              <a:r>
-                <a:rPr lang="fr-FR" dirty="0" smtClean="0"/>
-                <a:t>Client-A</a:t>
-              </a:r>
-              <a:endParaRPr lang="fr-FR" dirty="0"/>
-            </a:p>
-          </p:txBody>
-        </p:sp>
-        <p:pic>
-          <p:nvPicPr>
-            <p:cNvPr id="63" name="Image 62">
-              <a:extLst>
-                <a:ext uri="{FF2B5EF4-FFF2-40B4-BE49-F238E27FC236}">
-                  <a16:creationId xmlns="" xmlns:a16="http://schemas.microsoft.com/office/drawing/2014/main" xmlns:lc="http://schemas.openxmlformats.org/drawingml/2006/lockedCanvas" id="{8A3CA8B9-B9C7-4C5E-945E-30789F67099A}"/>
-                </a:ext>
-              </a:extLst>
-            </p:cNvPr>
-            <p:cNvPicPr>
-              <a:picLocks noChangeAspect="1"/>
-            </p:cNvPicPr>
-            <p:nvPr/>
-          </p:nvPicPr>
-          <p:blipFill>
-            <a:blip r:embed="rId2" cstate="print">
-              <a:extLst>
-                <a:ext uri="{28A0092B-C50C-407E-A947-70E740481C1C}">
-                  <a14:useLocalDpi xmlns:a14="http://schemas.microsoft.com/office/drawing/2010/main" val="0"/>
-                </a:ext>
-              </a:extLst>
-            </a:blip>
-            <a:stretch>
-              <a:fillRect/>
-            </a:stretch>
-          </p:blipFill>
-          <p:spPr>
-            <a:xfrm>
-              <a:off x="4857277" y="4576416"/>
-              <a:ext cx="876286" cy="363783"/>
-            </a:xfrm>
-            <a:prstGeom prst="rect">
-              <a:avLst/>
-            </a:prstGeom>
-          </p:spPr>
-        </p:pic>
-      </p:grpSp>
+          </a:ln>
+        </p:spPr>
+        <p:style>
+          <a:lnRef idx="1">
+            <a:schemeClr val="accent1"/>
+          </a:lnRef>
+          <a:fillRef idx="0">
+            <a:schemeClr val="accent1"/>
+          </a:fillRef>
+          <a:effectRef idx="0">
+            <a:schemeClr val="accent1"/>
+          </a:effectRef>
+          <a:fontRef idx="minor">
+            <a:schemeClr val="tx1"/>
+          </a:fontRef>
+        </p:style>
+      </p:cxnSp>
       <p:sp>
         <p:nvSpPr>
-          <p:cNvPr id="77" name="Rectangle à coins arrondis 76">
-            <a:extLst>
-              <a:ext uri="{FF2B5EF4-FFF2-40B4-BE49-F238E27FC236}">
-                <a16:creationId xmlns="" xmlns:a16="http://schemas.microsoft.com/office/drawing/2014/main" xmlns:lc="http://schemas.openxmlformats.org/drawingml/2006/lockedCanvas" id="{D95582EE-8B26-42D1-A65F-CB3D8ACB3AAF}"/>
-              </a:ext>
-            </a:extLst>
-          </p:cNvPr>
+          <p:cNvPr id="95" name="ZoneTexte 94"/>
+          <p:cNvSpPr txBox="1"/>
+          <p:nvPr/>
+        </p:nvSpPr>
+        <p:spPr>
+          <a:xfrm>
+            <a:off x="2884135" y="853361"/>
+            <a:ext cx="803425" cy="430887"/>
+          </a:xfrm>
+          <a:prstGeom prst="rect">
+            <a:avLst/>
+          </a:prstGeom>
+          <a:noFill/>
+        </p:spPr>
+        <p:txBody>
+          <a:bodyPr wrap="none" rtlCol="0">
+            <a:spAutoFit/>
+          </a:bodyPr>
+          <a:lstStyle/>
+          <a:p>
+            <a:pPr algn="ctr"/>
+            <a:r>
+              <a:rPr lang="fr-FR" sz="1100" dirty="0" smtClean="0">
+                <a:solidFill>
+                  <a:prstClr val="black"/>
+                </a:solidFill>
+              </a:rPr>
+              <a:t>10.65.X.X</a:t>
+            </a:r>
+            <a:br>
+              <a:rPr lang="fr-FR" sz="1100" dirty="0" smtClean="0">
+                <a:solidFill>
+                  <a:prstClr val="black"/>
+                </a:solidFill>
+              </a:rPr>
+            </a:br>
+            <a:r>
+              <a:rPr lang="fr-FR" sz="1100" dirty="0" smtClean="0">
+                <a:solidFill>
+                  <a:prstClr val="black"/>
+                </a:solidFill>
+              </a:rPr>
+              <a:t>(DHCP)</a:t>
+            </a:r>
+            <a:endParaRPr lang="fr-FR" sz="1100" dirty="0">
+              <a:solidFill>
+                <a:prstClr val="black"/>
+              </a:solidFill>
+            </a:endParaRPr>
+          </a:p>
+        </p:txBody>
+      </p:sp>
+      <p:sp>
+        <p:nvSpPr>
+          <p:cNvPr id="54" name="Nuage 53"/>
           <p:cNvSpPr/>
           <p:nvPr/>
         </p:nvSpPr>
         <p:spPr>
-          <a:xfrm flipH="1">
-            <a:off x="4050146" y="5940434"/>
-            <a:ext cx="1040530" cy="705037"/>
+          <a:xfrm>
+            <a:off x="83791" y="800790"/>
+            <a:ext cx="1682597" cy="972779"/>
           </a:xfrm>
-          <a:prstGeom prst="roundRect">
-            <a:avLst>
-              <a:gd name="adj" fmla="val 9644"/>
-            </a:avLst>
+          <a:prstGeom prst="cloud">
+            <a:avLst/>
           </a:prstGeom>
-          <a:noFill/>
         </p:spPr>
         <p:style>
           <a:lnRef idx="2">
-            <a:schemeClr val="accent1">
+            <a:schemeClr val="accent3">
               <a:shade val="50000"/>
             </a:schemeClr>
           </a:lnRef>
           <a:fillRef idx="1">
-            <a:schemeClr val="accent1"/>
+            <a:schemeClr val="accent3"/>
           </a:fillRef>
           <a:effectRef idx="0">
-            <a:schemeClr val="accent1"/>
+            <a:schemeClr val="accent3"/>
           </a:effectRef>
           <a:fontRef idx="minor">
             <a:schemeClr val="lt1"/>
@@ -7592,194 +6048,70 @@
         </p:style>
         <p:txBody>
           <a:bodyPr rtlCol="0" anchor="ctr"/>
-          <a:lstStyle>
-            <a:defPPr>
-              <a:defRPr lang="fr-FR"/>
-            </a:defPPr>
-            <a:lvl1pPr algn="l" rtl="0" fontAlgn="base">
-              <a:spcBef>
-                <a:spcPct val="0"/>
-              </a:spcBef>
-              <a:spcAft>
-                <a:spcPct val="0"/>
-              </a:spcAft>
-              <a:defRPr kern="1200">
-                <a:solidFill>
-                  <a:schemeClr val="lt1"/>
-                </a:solidFill>
-                <a:latin typeface="+mn-lt"/>
-                <a:ea typeface="+mn-ea"/>
-                <a:cs typeface="+mn-cs"/>
-              </a:defRPr>
-            </a:lvl1pPr>
-            <a:lvl2pPr marL="457200" algn="l" rtl="0" fontAlgn="base">
-              <a:spcBef>
-                <a:spcPct val="0"/>
-              </a:spcBef>
-              <a:spcAft>
-                <a:spcPct val="0"/>
-              </a:spcAft>
-              <a:defRPr kern="1200">
-                <a:solidFill>
-                  <a:schemeClr val="lt1"/>
-                </a:solidFill>
-                <a:latin typeface="+mn-lt"/>
-                <a:ea typeface="+mn-ea"/>
-                <a:cs typeface="+mn-cs"/>
-              </a:defRPr>
-            </a:lvl2pPr>
-            <a:lvl3pPr marL="914400" algn="l" rtl="0" fontAlgn="base">
-              <a:spcBef>
-                <a:spcPct val="0"/>
-              </a:spcBef>
-              <a:spcAft>
-                <a:spcPct val="0"/>
-              </a:spcAft>
-              <a:defRPr kern="1200">
-                <a:solidFill>
-                  <a:schemeClr val="lt1"/>
-                </a:solidFill>
-                <a:latin typeface="+mn-lt"/>
-                <a:ea typeface="+mn-ea"/>
-                <a:cs typeface="+mn-cs"/>
-              </a:defRPr>
-            </a:lvl3pPr>
-            <a:lvl4pPr marL="1371600" algn="l" rtl="0" fontAlgn="base">
-              <a:spcBef>
-                <a:spcPct val="0"/>
-              </a:spcBef>
-              <a:spcAft>
-                <a:spcPct val="0"/>
-              </a:spcAft>
-              <a:defRPr kern="1200">
-                <a:solidFill>
-                  <a:schemeClr val="lt1"/>
-                </a:solidFill>
-                <a:latin typeface="+mn-lt"/>
-                <a:ea typeface="+mn-ea"/>
-                <a:cs typeface="+mn-cs"/>
-              </a:defRPr>
-            </a:lvl4pPr>
-            <a:lvl5pPr marL="1828800" algn="l" rtl="0" fontAlgn="base">
-              <a:spcBef>
-                <a:spcPct val="0"/>
-              </a:spcBef>
-              <a:spcAft>
-                <a:spcPct val="0"/>
-              </a:spcAft>
-              <a:defRPr kern="1200">
-                <a:solidFill>
-                  <a:schemeClr val="lt1"/>
-                </a:solidFill>
-                <a:latin typeface="+mn-lt"/>
-                <a:ea typeface="+mn-ea"/>
-                <a:cs typeface="+mn-cs"/>
-              </a:defRPr>
-            </a:lvl5pPr>
-            <a:lvl6pPr marL="2286000" algn="l" defTabSz="914400" rtl="0" eaLnBrk="1" latinLnBrk="0" hangingPunct="1">
-              <a:defRPr kern="1200">
-                <a:solidFill>
-                  <a:schemeClr val="lt1"/>
-                </a:solidFill>
-                <a:latin typeface="+mn-lt"/>
-                <a:ea typeface="+mn-ea"/>
-                <a:cs typeface="+mn-cs"/>
-              </a:defRPr>
-            </a:lvl6pPr>
-            <a:lvl7pPr marL="2743200" algn="l" defTabSz="914400" rtl="0" eaLnBrk="1" latinLnBrk="0" hangingPunct="1">
-              <a:defRPr kern="1200">
-                <a:solidFill>
-                  <a:schemeClr val="lt1"/>
-                </a:solidFill>
-                <a:latin typeface="+mn-lt"/>
-                <a:ea typeface="+mn-ea"/>
-                <a:cs typeface="+mn-cs"/>
-              </a:defRPr>
-            </a:lvl7pPr>
-            <a:lvl8pPr marL="3200400" algn="l" defTabSz="914400" rtl="0" eaLnBrk="1" latinLnBrk="0" hangingPunct="1">
-              <a:defRPr kern="1200">
-                <a:solidFill>
-                  <a:schemeClr val="lt1"/>
-                </a:solidFill>
-                <a:latin typeface="+mn-lt"/>
-                <a:ea typeface="+mn-ea"/>
-                <a:cs typeface="+mn-cs"/>
-              </a:defRPr>
-            </a:lvl8pPr>
-            <a:lvl9pPr marL="3657600" algn="l" defTabSz="914400" rtl="0" eaLnBrk="1" latinLnBrk="0" hangingPunct="1">
-              <a:defRPr kern="1200">
-                <a:solidFill>
-                  <a:schemeClr val="lt1"/>
-                </a:solidFill>
-                <a:latin typeface="+mn-lt"/>
-                <a:ea typeface="+mn-ea"/>
-                <a:cs typeface="+mn-cs"/>
-              </a:defRPr>
-            </a:lvl9pPr>
-          </a:lstStyle>
-          <a:p>
-            <a:pPr algn="ctr"/>
-            <a:endParaRPr lang="fr-FR"/>
-          </a:p>
-        </p:txBody>
-      </p:sp>
-      <p:sp>
-        <p:nvSpPr>
-          <p:cNvPr id="81" name="ZoneTexte 80"/>
-          <p:cNvSpPr txBox="1"/>
-          <p:nvPr/>
-        </p:nvSpPr>
-        <p:spPr>
-          <a:xfrm>
-            <a:off x="4161288" y="6062121"/>
-            <a:ext cx="866998" cy="461665"/>
-          </a:xfrm>
-          <a:prstGeom prst="rect">
-            <a:avLst/>
-          </a:prstGeom>
-          <a:noFill/>
-        </p:spPr>
-        <p:txBody>
-          <a:bodyPr wrap="square" rtlCol="0">
-            <a:spAutoFit/>
-          </a:bodyPr>
           <a:lstStyle/>
           <a:p>
             <a:pPr algn="ctr"/>
             <a:r>
-              <a:rPr lang="fr-FR" sz="1200" dirty="0" smtClean="0"/>
-              <a:t>Machine 4</a:t>
-            </a:r>
-            <a:endParaRPr lang="fr-FR" sz="1200" dirty="0"/>
+              <a:rPr lang="fr-FR" sz="1200" dirty="0" smtClean="0">
+                <a:solidFill>
+                  <a:srgbClr val="FF0000"/>
+                </a:solidFill>
+              </a:rPr>
+              <a:t>Sogeti </a:t>
+            </a:r>
+            <a:r>
+              <a:rPr lang="fr-FR" sz="1200" dirty="0" err="1" smtClean="0">
+                <a:solidFill>
+                  <a:srgbClr val="FF0000"/>
+                </a:solidFill>
+              </a:rPr>
+              <a:t>Wired</a:t>
+            </a:r>
+            <a:endParaRPr lang="fr-FR" sz="1200" dirty="0" smtClean="0">
+              <a:solidFill>
+                <a:srgbClr val="FF0000"/>
+              </a:solidFill>
+            </a:endParaRPr>
+          </a:p>
+          <a:p>
+            <a:pPr algn="ctr"/>
+            <a:r>
+              <a:rPr lang="fr-FR" sz="1200" dirty="0" smtClean="0">
+                <a:solidFill>
+                  <a:srgbClr val="FF0000"/>
+                </a:solidFill>
+              </a:rPr>
+              <a:t>(machine inconnue)</a:t>
+            </a:r>
+            <a:endParaRPr lang="fr-FR" sz="1200" dirty="0">
+              <a:solidFill>
+                <a:srgbClr val="FF0000"/>
+              </a:solidFill>
+            </a:endParaRPr>
           </a:p>
         </p:txBody>
       </p:sp>
       <p:cxnSp>
         <p:nvCxnSpPr>
-          <p:cNvPr id="82" name="Connecteur droit avec flèche 81">
-            <a:extLst>
-              <a:ext uri="{FF2B5EF4-FFF2-40B4-BE49-F238E27FC236}">
-                <a16:creationId xmlns="" xmlns:a16="http://schemas.microsoft.com/office/drawing/2014/main" xmlns:lc="http://schemas.openxmlformats.org/drawingml/2006/lockedCanvas" id="{2671D7D3-4838-4656-8E59-51270B18B09E}"/>
-              </a:ext>
-            </a:extLst>
-          </p:cNvPr>
+          <p:cNvPr id="97" name="Connecteur droit 96"/>
           <p:cNvCxnSpPr>
-            <a:cxnSpLocks/>
-            <a:stCxn id="77" idx="0"/>
-            <a:endCxn id="76" idx="2"/>
+            <a:stCxn id="54" idx="0"/>
+            <a:endCxn id="33" idx="3"/>
           </p:cNvCxnSpPr>
           <p:nvPr/>
         </p:nvCxnSpPr>
         <p:spPr>
-          <a:xfrm flipH="1" flipV="1">
-            <a:off x="4569675" y="5486151"/>
-            <a:ext cx="736" cy="454283"/>
+          <a:xfrm flipV="1">
+            <a:off x="1764986" y="1287179"/>
+            <a:ext cx="121586" cy="1"/>
           </a:xfrm>
-          <a:prstGeom prst="straightConnector1">
+          <a:prstGeom prst="line">
             <a:avLst/>
           </a:prstGeom>
           <a:ln w="25400">
-            <a:tailEnd type="none"/>
+            <a:solidFill>
+              <a:schemeClr val="tx1"/>
+            </a:solidFill>
           </a:ln>
         </p:spPr>
         <p:style>
@@ -7817,7 +6149,7 @@
 </p:sld>
 </file>
 
-<file path=ppt/slides/slide8.xml><?xml version="1.0" encoding="utf-8"?>
+<file path=ppt/slides/slide3.xml><?xml version="1.0" encoding="utf-8"?>
 <p:sld xmlns:a="http://schemas.openxmlformats.org/drawingml/2006/main" xmlns:r="http://schemas.openxmlformats.org/officeDocument/2006/relationships" xmlns:p="http://schemas.openxmlformats.org/presentationml/2006/main">
   <p:cSld>
     <p:spTree>
@@ -7842,6 +6174,262 @@
         </p:nvSpPr>
         <p:spPr>
           <a:xfrm>
+            <a:off x="359532" y="2242026"/>
+            <a:ext cx="8212505" cy="2339102"/>
+          </a:xfrm>
+          <a:prstGeom prst="rect">
+            <a:avLst/>
+          </a:prstGeom>
+          <a:noFill/>
+        </p:spPr>
+        <p:txBody>
+          <a:bodyPr wrap="square" rtlCol="0">
+            <a:spAutoFit/>
+          </a:bodyPr>
+          <a:lstStyle/>
+          <a:p>
+            <a:r>
+              <a:rPr lang="fr-FR" sz="1600" dirty="0" smtClean="0">
+                <a:latin typeface="Courier New" panose="02070309020205020404" pitchFamily="49" charset="0"/>
+                <a:cs typeface="Courier New" panose="02070309020205020404" pitchFamily="49" charset="0"/>
+              </a:rPr>
+              <a:t>{</a:t>
+            </a:r>
+            <a:endParaRPr lang="fr-FR" sz="1600" dirty="0">
+              <a:latin typeface="Courier New" panose="02070309020205020404" pitchFamily="49" charset="0"/>
+              <a:cs typeface="Courier New" panose="02070309020205020404" pitchFamily="49" charset="0"/>
+            </a:endParaRPr>
+          </a:p>
+          <a:p>
+            <a:r>
+              <a:rPr lang="fr-FR" sz="1600" dirty="0">
+                <a:latin typeface="Courier New" panose="02070309020205020404" pitchFamily="49" charset="0"/>
+                <a:cs typeface="Courier New" panose="02070309020205020404" pitchFamily="49" charset="0"/>
+              </a:rPr>
+              <a:t>    "</a:t>
+            </a:r>
+            <a:r>
+              <a:rPr lang="fr-FR" sz="1600" dirty="0" err="1">
+                <a:latin typeface="Courier New" panose="02070309020205020404" pitchFamily="49" charset="0"/>
+                <a:cs typeface="Courier New" panose="02070309020205020404" pitchFamily="49" charset="0"/>
+              </a:rPr>
+              <a:t>bootstrap</a:t>
+            </a:r>
+            <a:r>
+              <a:rPr lang="fr-FR" sz="1600" dirty="0">
+                <a:latin typeface="Courier New" panose="02070309020205020404" pitchFamily="49" charset="0"/>
+                <a:cs typeface="Courier New" panose="02070309020205020404" pitchFamily="49" charset="0"/>
+              </a:rPr>
+              <a:t>": </a:t>
+            </a:r>
+            <a:r>
+              <a:rPr lang="fr-FR" sz="1600" dirty="0" err="1">
+                <a:latin typeface="Courier New" panose="02070309020205020404" pitchFamily="49" charset="0"/>
+                <a:cs typeface="Courier New" panose="02070309020205020404" pitchFamily="49" charset="0"/>
+              </a:rPr>
+              <a:t>true</a:t>
+            </a:r>
+            <a:r>
+              <a:rPr lang="fr-FR" sz="1600" dirty="0">
+                <a:latin typeface="Courier New" panose="02070309020205020404" pitchFamily="49" charset="0"/>
+                <a:cs typeface="Courier New" panose="02070309020205020404" pitchFamily="49" charset="0"/>
+              </a:rPr>
+              <a:t>,</a:t>
+            </a:r>
+          </a:p>
+          <a:p>
+            <a:r>
+              <a:rPr lang="fr-FR" sz="1600" dirty="0">
+                <a:latin typeface="Courier New" panose="02070309020205020404" pitchFamily="49" charset="0"/>
+                <a:cs typeface="Courier New" panose="02070309020205020404" pitchFamily="49" charset="0"/>
+              </a:rPr>
+              <a:t>    "server": </a:t>
+            </a:r>
+            <a:r>
+              <a:rPr lang="fr-FR" sz="1600" dirty="0" err="1">
+                <a:latin typeface="Courier New" panose="02070309020205020404" pitchFamily="49" charset="0"/>
+                <a:cs typeface="Courier New" panose="02070309020205020404" pitchFamily="49" charset="0"/>
+              </a:rPr>
+              <a:t>true</a:t>
+            </a:r>
+            <a:r>
+              <a:rPr lang="fr-FR" sz="1600" dirty="0">
+                <a:latin typeface="Courier New" panose="02070309020205020404" pitchFamily="49" charset="0"/>
+                <a:cs typeface="Courier New" panose="02070309020205020404" pitchFamily="49" charset="0"/>
+              </a:rPr>
+              <a:t>,</a:t>
+            </a:r>
+          </a:p>
+          <a:p>
+            <a:r>
+              <a:rPr lang="fr-FR" sz="1600" dirty="0">
+                <a:latin typeface="Courier New" panose="02070309020205020404" pitchFamily="49" charset="0"/>
+                <a:cs typeface="Courier New" panose="02070309020205020404" pitchFamily="49" charset="0"/>
+              </a:rPr>
+              <a:t>    "</a:t>
+            </a:r>
+            <a:r>
+              <a:rPr lang="fr-FR" sz="1600" dirty="0" err="1">
+                <a:latin typeface="Courier New" panose="02070309020205020404" pitchFamily="49" charset="0"/>
+                <a:cs typeface="Courier New" panose="02070309020205020404" pitchFamily="49" charset="0"/>
+              </a:rPr>
+              <a:t>datacenter</a:t>
+            </a:r>
+            <a:r>
+              <a:rPr lang="fr-FR" sz="1600" dirty="0">
+                <a:latin typeface="Courier New" panose="02070309020205020404" pitchFamily="49" charset="0"/>
+                <a:cs typeface="Courier New" panose="02070309020205020404" pitchFamily="49" charset="0"/>
+              </a:rPr>
+              <a:t>": "nyc2",</a:t>
+            </a:r>
+          </a:p>
+          <a:p>
+            <a:r>
+              <a:rPr lang="fr-FR" sz="1600" dirty="0">
+                <a:latin typeface="Courier New" panose="02070309020205020404" pitchFamily="49" charset="0"/>
+                <a:cs typeface="Courier New" panose="02070309020205020404" pitchFamily="49" charset="0"/>
+              </a:rPr>
+              <a:t>    "</a:t>
+            </a:r>
+            <a:r>
+              <a:rPr lang="fr-FR" sz="1600" dirty="0" err="1">
+                <a:latin typeface="Courier New" panose="02070309020205020404" pitchFamily="49" charset="0"/>
+                <a:cs typeface="Courier New" panose="02070309020205020404" pitchFamily="49" charset="0"/>
+              </a:rPr>
+              <a:t>data_dir</a:t>
+            </a:r>
+            <a:r>
+              <a:rPr lang="fr-FR" sz="1600" dirty="0">
+                <a:latin typeface="Courier New" panose="02070309020205020404" pitchFamily="49" charset="0"/>
+                <a:cs typeface="Courier New" panose="02070309020205020404" pitchFamily="49" charset="0"/>
+              </a:rPr>
+              <a:t>": "/var/consul",</a:t>
+            </a:r>
+          </a:p>
+          <a:p>
+            <a:r>
+              <a:rPr lang="fr-FR" sz="1600" dirty="0">
+                <a:latin typeface="Courier New" panose="02070309020205020404" pitchFamily="49" charset="0"/>
+                <a:cs typeface="Courier New" panose="02070309020205020404" pitchFamily="49" charset="0"/>
+              </a:rPr>
+              <a:t>    "</a:t>
+            </a:r>
+            <a:r>
+              <a:rPr lang="fr-FR" sz="1600" dirty="0" err="1">
+                <a:latin typeface="Courier New" panose="02070309020205020404" pitchFamily="49" charset="0"/>
+                <a:cs typeface="Courier New" panose="02070309020205020404" pitchFamily="49" charset="0"/>
+              </a:rPr>
+              <a:t>log_level</a:t>
+            </a:r>
+            <a:r>
+              <a:rPr lang="fr-FR" sz="1600" dirty="0">
+                <a:latin typeface="Courier New" panose="02070309020205020404" pitchFamily="49" charset="0"/>
+                <a:cs typeface="Courier New" panose="02070309020205020404" pitchFamily="49" charset="0"/>
+              </a:rPr>
+              <a:t>": "DEBUG",</a:t>
+            </a:r>
+          </a:p>
+          <a:p>
+            <a:r>
+              <a:rPr lang="fr-FR" sz="1600" dirty="0">
+                <a:latin typeface="Courier New" panose="02070309020205020404" pitchFamily="49" charset="0"/>
+                <a:cs typeface="Courier New" panose="02070309020205020404" pitchFamily="49" charset="0"/>
+              </a:rPr>
+              <a:t>    "</a:t>
+            </a:r>
+            <a:r>
+              <a:rPr lang="fr-FR" sz="1600" dirty="0" err="1">
+                <a:latin typeface="Courier New" panose="02070309020205020404" pitchFamily="49" charset="0"/>
+                <a:cs typeface="Courier New" panose="02070309020205020404" pitchFamily="49" charset="0"/>
+              </a:rPr>
+              <a:t>enable_syslog</a:t>
+            </a:r>
+            <a:r>
+              <a:rPr lang="fr-FR" sz="1600" dirty="0">
+                <a:latin typeface="Courier New" panose="02070309020205020404" pitchFamily="49" charset="0"/>
+                <a:cs typeface="Courier New" panose="02070309020205020404" pitchFamily="49" charset="0"/>
+              </a:rPr>
+              <a:t>": </a:t>
+            </a:r>
+            <a:r>
+              <a:rPr lang="fr-FR" sz="1600" dirty="0" err="1">
+                <a:latin typeface="Courier New" panose="02070309020205020404" pitchFamily="49" charset="0"/>
+                <a:cs typeface="Courier New" panose="02070309020205020404" pitchFamily="49" charset="0"/>
+              </a:rPr>
+              <a:t>true</a:t>
+            </a:r>
+            <a:r>
+              <a:rPr lang="fr-FR" sz="1600" dirty="0">
+                <a:latin typeface="Courier New" panose="02070309020205020404" pitchFamily="49" charset="0"/>
+                <a:cs typeface="Courier New" panose="02070309020205020404" pitchFamily="49" charset="0"/>
+              </a:rPr>
+              <a:t>,</a:t>
+            </a:r>
+          </a:p>
+          <a:p>
+            <a:r>
+              <a:rPr lang="fr-FR" sz="1600" dirty="0">
+                <a:latin typeface="Courier New" panose="02070309020205020404" pitchFamily="49" charset="0"/>
+                <a:cs typeface="Courier New" panose="02070309020205020404" pitchFamily="49" charset="0"/>
+              </a:rPr>
+              <a:t>    </a:t>
+            </a:r>
+            <a:r>
+              <a:rPr lang="fr-FR" sz="1600" dirty="0" smtClean="0">
+                <a:latin typeface="Courier New" panose="02070309020205020404" pitchFamily="49" charset="0"/>
+                <a:cs typeface="Courier New" panose="02070309020205020404" pitchFamily="49" charset="0"/>
+              </a:rPr>
+              <a:t>"</a:t>
+            </a:r>
+            <a:r>
+              <a:rPr lang="fr-FR" sz="1600" dirty="0">
+                <a:latin typeface="Courier New" panose="02070309020205020404" pitchFamily="49" charset="0"/>
+                <a:cs typeface="Courier New" panose="02070309020205020404" pitchFamily="49" charset="0"/>
+              </a:rPr>
+              <a:t>node_</a:t>
+            </a:r>
+            <a:r>
+              <a:rPr lang="fr-FR" sz="1600" dirty="0" err="1">
+                <a:latin typeface="Courier New" panose="02070309020205020404" pitchFamily="49" charset="0"/>
+                <a:cs typeface="Courier New" panose="02070309020205020404" pitchFamily="49" charset="0"/>
+              </a:rPr>
+              <a:t>name</a:t>
+            </a:r>
+            <a:r>
+              <a:rPr lang="fr-FR" sz="1600" dirty="0">
+                <a:latin typeface="Courier New" panose="02070309020205020404" pitchFamily="49" charset="0"/>
+                <a:cs typeface="Courier New" panose="02070309020205020404" pitchFamily="49" charset="0"/>
+              </a:rPr>
+              <a:t>":"server-A" </a:t>
+            </a:r>
+            <a:endParaRPr lang="fr-FR" sz="1600" dirty="0" smtClean="0">
+              <a:latin typeface="Courier New" panose="02070309020205020404" pitchFamily="49" charset="0"/>
+              <a:cs typeface="Courier New" panose="02070309020205020404" pitchFamily="49" charset="0"/>
+            </a:endParaRPr>
+          </a:p>
+          <a:p>
+            <a:r>
+              <a:rPr lang="fr-FR" sz="1600" dirty="0" smtClean="0">
+                <a:latin typeface="Courier New" panose="02070309020205020404" pitchFamily="49" charset="0"/>
+                <a:cs typeface="Courier New" panose="02070309020205020404" pitchFamily="49" charset="0"/>
+              </a:rPr>
+              <a:t>}</a:t>
+            </a:r>
+            <a:endParaRPr lang="fr-FR" sz="1600" dirty="0">
+              <a:latin typeface="Courier New" panose="02070309020205020404" pitchFamily="49" charset="0"/>
+              <a:cs typeface="Courier New" panose="02070309020205020404" pitchFamily="49" charset="0"/>
+            </a:endParaRPr>
+          </a:p>
+        </p:txBody>
+      </p:sp>
+      <p:sp>
+        <p:nvSpPr>
+          <p:cNvPr id="3" name="ZoneTexte 2"/>
+          <p:cNvSpPr txBox="1"/>
+          <p:nvPr/>
+        </p:nvSpPr>
+        <p:spPr>
+          <a:xfrm>
             <a:off x="-1" y="0"/>
             <a:ext cx="9140825" cy="523220"/>
           </a:xfrm>
@@ -7863,7 +6451,16 @@
                 </a:solidFill>
                 <a:latin typeface="+mn-lt"/>
               </a:rPr>
-              <a:t>Mise en place – Démarrer un cluster</a:t>
+              <a:t>Cluster Consul – Configuration Server </a:t>
+            </a:r>
+            <a:r>
+              <a:rPr lang="fr-FR" sz="2800" dirty="0" err="1" smtClean="0">
+                <a:solidFill>
+                  <a:schemeClr val="accent4"/>
+                </a:solidFill>
+                <a:latin typeface="+mn-lt"/>
+              </a:rPr>
+              <a:t>bootstrap</a:t>
             </a:r>
             <a:endParaRPr lang="fr-FR" sz="2800" dirty="0">
               <a:solidFill>
@@ -7874,22 +6471,46 @@
           </a:p>
         </p:txBody>
       </p:sp>
+    </p:spTree>
+    <p:extLst>
+      <p:ext uri="{BB962C8B-B14F-4D97-AF65-F5344CB8AC3E}">
+        <p14:creationId xmlns:p14="http://schemas.microsoft.com/office/powerpoint/2010/main" val="3849961319"/>
+      </p:ext>
+    </p:extLst>
+  </p:cSld>
+  <p:clrMapOvr>
+    <a:masterClrMapping/>
+  </p:clrMapOvr>
+</p:sld>
+</file>
+
+<file path=ppt/slides/slide4.xml><?xml version="1.0" encoding="utf-8"?>
+<p:sld xmlns:a="http://schemas.openxmlformats.org/drawingml/2006/main" xmlns:r="http://schemas.openxmlformats.org/officeDocument/2006/relationships" xmlns:p="http://schemas.openxmlformats.org/presentationml/2006/main">
+  <p:cSld>
+    <p:spTree>
+      <p:nvGrpSpPr>
+        <p:cNvPr id="1" name=""/>
+        <p:cNvGrpSpPr/>
+        <p:nvPr/>
+      </p:nvGrpSpPr>
+      <p:grpSpPr>
+        <a:xfrm>
+          <a:off x="0" y="0"/>
+          <a:ext cx="0" cy="0"/>
+          <a:chOff x="0" y="0"/>
+          <a:chExt cx="0" cy="0"/>
+        </a:xfrm>
+      </p:grpSpPr>
       <p:sp>
         <p:nvSpPr>
-          <p:cNvPr id="5" name="ZoneTexte 4">
-            <a:extLst>
-              <a:ext uri="{FF2B5EF4-FFF2-40B4-BE49-F238E27FC236}">
-                <a16:creationId xmlns:a16="http://schemas.microsoft.com/office/drawing/2014/main" xmlns="" id="{02012D19-F34D-4179-AA25-13C4AC886B01}"/>
-              </a:ext>
-            </a:extLst>
-          </p:cNvPr>
+          <p:cNvPr id="2" name="ZoneTexte 1"/>
           <p:cNvSpPr txBox="1"/>
           <p:nvPr/>
         </p:nvSpPr>
         <p:spPr>
           <a:xfrm>
-            <a:off x="241581" y="872716"/>
-            <a:ext cx="8821515" cy="4093428"/>
+            <a:off x="359532" y="1935410"/>
+            <a:ext cx="8212505" cy="3077766"/>
           </a:xfrm>
           <a:prstGeom prst="rect">
             <a:avLst/>
@@ -7903,109 +6524,729 @@
           <a:lstStyle/>
           <a:p>
             <a:r>
-              <a:rPr lang="fr-FR" sz="2000" dirty="0" smtClean="0"/>
-              <a:t>Afin de démarrer un cluster Consul il faut procéder comme suit :</a:t>
-            </a:r>
-          </a:p>
-          <a:p>
-            <a:endParaRPr lang="fr-FR" sz="2000" dirty="0"/>
-          </a:p>
-          <a:p>
-            <a:pPr marL="800100" lvl="1" indent="-342900">
-              <a:buFont typeface="Arial" panose="020B0604020202020204" pitchFamily="34" charset="0"/>
-              <a:buChar char="•"/>
-            </a:pPr>
-            <a:r>
-              <a:rPr lang="fr-FR" sz="2000" dirty="0" smtClean="0"/>
-              <a:t>Démarrer un premier serveur en t	</a:t>
-            </a:r>
-            <a:r>
-              <a:rPr lang="fr-FR" sz="2000" dirty="0" err="1" smtClean="0"/>
-              <a:t>ant</a:t>
-            </a:r>
-            <a:r>
-              <a:rPr lang="fr-FR" sz="2000" dirty="0" smtClean="0"/>
-              <a:t> que leader avec un fichier de configuration avec l’option « </a:t>
-            </a:r>
-            <a:r>
-              <a:rPr lang="fr-FR" sz="2000" b="1" dirty="0" err="1" smtClean="0"/>
-              <a:t>bootstrap</a:t>
-            </a:r>
-            <a:r>
-              <a:rPr lang="fr-FR" sz="2000" dirty="0" smtClean="0"/>
-              <a:t> » à </a:t>
-            </a:r>
-            <a:r>
-              <a:rPr lang="fr-FR" sz="2000" dirty="0" err="1" smtClean="0">
-                <a:latin typeface="Courier New" panose="02070309020205020404" pitchFamily="49" charset="0"/>
-                <a:cs typeface="Courier New" panose="02070309020205020404" pitchFamily="49" charset="0"/>
-              </a:rPr>
-              <a:t>true</a:t>
-            </a:r>
-            <a:endParaRPr lang="fr-FR" sz="2000" dirty="0" smtClean="0">
+              <a:rPr lang="fr-FR" sz="1600" dirty="0" smtClean="0">
+                <a:latin typeface="Courier New" panose="02070309020205020404" pitchFamily="49" charset="0"/>
+                <a:cs typeface="Courier New" panose="02070309020205020404" pitchFamily="49" charset="0"/>
+              </a:rPr>
+              <a:t>{</a:t>
+            </a:r>
+            <a:endParaRPr lang="fr-FR" sz="1600" dirty="0">
               <a:latin typeface="Courier New" panose="02070309020205020404" pitchFamily="49" charset="0"/>
               <a:cs typeface="Courier New" panose="02070309020205020404" pitchFamily="49" charset="0"/>
             </a:endParaRPr>
           </a:p>
           <a:p>
-            <a:pPr lvl="1"/>
-            <a:endParaRPr lang="fr-FR" sz="2000" dirty="0" smtClean="0"/>
+            <a:r>
+              <a:rPr lang="fr-FR" sz="1600" dirty="0">
+                <a:latin typeface="Courier New" panose="02070309020205020404" pitchFamily="49" charset="0"/>
+                <a:cs typeface="Courier New" panose="02070309020205020404" pitchFamily="49" charset="0"/>
+              </a:rPr>
+              <a:t>    "</a:t>
+            </a:r>
+            <a:r>
+              <a:rPr lang="fr-FR" sz="1600" dirty="0" err="1">
+                <a:latin typeface="Courier New" panose="02070309020205020404" pitchFamily="49" charset="0"/>
+                <a:cs typeface="Courier New" panose="02070309020205020404" pitchFamily="49" charset="0"/>
+              </a:rPr>
+              <a:t>bootstrap</a:t>
+            </a:r>
+            <a:r>
+              <a:rPr lang="fr-FR" sz="1600" dirty="0">
+                <a:latin typeface="Courier New" panose="02070309020205020404" pitchFamily="49" charset="0"/>
+                <a:cs typeface="Courier New" panose="02070309020205020404" pitchFamily="49" charset="0"/>
+              </a:rPr>
+              <a:t>": false,</a:t>
+            </a:r>
           </a:p>
           <a:p>
-            <a:pPr marL="800100" lvl="1" indent="-342900">
-              <a:buFont typeface="Arial" panose="020B0604020202020204" pitchFamily="34" charset="0"/>
-              <a:buChar char="•"/>
-            </a:pPr>
-            <a:r>
-              <a:rPr lang="fr-FR" sz="2000" dirty="0" smtClean="0"/>
-              <a:t>Démarrer les autres serveurs, en mode normal, une fois que le leader est initialisé</a:t>
+            <a:r>
+              <a:rPr lang="fr-FR" sz="1600" dirty="0">
+                <a:latin typeface="Courier New" panose="02070309020205020404" pitchFamily="49" charset="0"/>
+                <a:cs typeface="Courier New" panose="02070309020205020404" pitchFamily="49" charset="0"/>
+              </a:rPr>
+              <a:t>    "server": </a:t>
+            </a:r>
+            <a:r>
+              <a:rPr lang="fr-FR" sz="1600" dirty="0" err="1">
+                <a:latin typeface="Courier New" panose="02070309020205020404" pitchFamily="49" charset="0"/>
+                <a:cs typeface="Courier New" panose="02070309020205020404" pitchFamily="49" charset="0"/>
+              </a:rPr>
+              <a:t>true</a:t>
+            </a:r>
+            <a:r>
+              <a:rPr lang="fr-FR" sz="1600" dirty="0">
+                <a:latin typeface="Courier New" panose="02070309020205020404" pitchFamily="49" charset="0"/>
+                <a:cs typeface="Courier New" panose="02070309020205020404" pitchFamily="49" charset="0"/>
+              </a:rPr>
+              <a:t>,</a:t>
             </a:r>
           </a:p>
           <a:p>
-            <a:pPr lvl="1"/>
-            <a:endParaRPr lang="fr-FR" sz="2000" dirty="0" smtClean="0"/>
+            <a:r>
+              <a:rPr lang="fr-FR" sz="1600" dirty="0">
+                <a:latin typeface="Courier New" panose="02070309020205020404" pitchFamily="49" charset="0"/>
+                <a:cs typeface="Courier New" panose="02070309020205020404" pitchFamily="49" charset="0"/>
+              </a:rPr>
+              <a:t>    "</a:t>
+            </a:r>
+            <a:r>
+              <a:rPr lang="fr-FR" sz="1600" dirty="0" err="1">
+                <a:latin typeface="Courier New" panose="02070309020205020404" pitchFamily="49" charset="0"/>
+                <a:cs typeface="Courier New" panose="02070309020205020404" pitchFamily="49" charset="0"/>
+              </a:rPr>
+              <a:t>datacenter</a:t>
+            </a:r>
+            <a:r>
+              <a:rPr lang="fr-FR" sz="1600" dirty="0">
+                <a:latin typeface="Courier New" panose="02070309020205020404" pitchFamily="49" charset="0"/>
+                <a:cs typeface="Courier New" panose="02070309020205020404" pitchFamily="49" charset="0"/>
+              </a:rPr>
+              <a:t>": "nyc2",</a:t>
+            </a:r>
           </a:p>
           <a:p>
-            <a:pPr marL="800100" lvl="1" indent="-342900">
-              <a:buFont typeface="Arial" panose="020B0604020202020204" pitchFamily="34" charset="0"/>
-              <a:buChar char="•"/>
-            </a:pPr>
-            <a:r>
-              <a:rPr lang="fr-FR" sz="2000" dirty="0" smtClean="0"/>
-              <a:t>Couper le serveur lancé en « </a:t>
-            </a:r>
-            <a:r>
-              <a:rPr lang="fr-FR" sz="2000" b="1" dirty="0" err="1" smtClean="0"/>
-              <a:t>bootstrap</a:t>
-            </a:r>
-            <a:r>
-              <a:rPr lang="fr-FR" sz="2000" dirty="0" smtClean="0"/>
-              <a:t> » et le relancer de façon normale afin que tous les serveurs soient au même niveau hiérarchique et que ce dernier ne prenne pas de décisions seul.</a:t>
+            <a:r>
+              <a:rPr lang="fr-FR" sz="1600" dirty="0">
+                <a:latin typeface="Courier New" panose="02070309020205020404" pitchFamily="49" charset="0"/>
+                <a:cs typeface="Courier New" panose="02070309020205020404" pitchFamily="49" charset="0"/>
+              </a:rPr>
+              <a:t>    "</a:t>
+            </a:r>
+            <a:r>
+              <a:rPr lang="fr-FR" sz="1600" dirty="0" err="1">
+                <a:latin typeface="Courier New" panose="02070309020205020404" pitchFamily="49" charset="0"/>
+                <a:cs typeface="Courier New" panose="02070309020205020404" pitchFamily="49" charset="0"/>
+              </a:rPr>
+              <a:t>data_dir</a:t>
+            </a:r>
+            <a:r>
+              <a:rPr lang="fr-FR" sz="1600" dirty="0">
+                <a:latin typeface="Courier New" panose="02070309020205020404" pitchFamily="49" charset="0"/>
+                <a:cs typeface="Courier New" panose="02070309020205020404" pitchFamily="49" charset="0"/>
+              </a:rPr>
+              <a:t>": "/var/consul",</a:t>
             </a:r>
           </a:p>
           <a:p>
-            <a:pPr marL="800100" lvl="1" indent="-342900">
-              <a:buFont typeface="Arial" panose="020B0604020202020204" pitchFamily="34" charset="0"/>
-              <a:buChar char="•"/>
-            </a:pPr>
-            <a:endParaRPr lang="fr-FR" sz="2000" dirty="0"/>
+            <a:r>
+              <a:rPr lang="fr-FR" sz="1600" dirty="0">
+                <a:latin typeface="Courier New" panose="02070309020205020404" pitchFamily="49" charset="0"/>
+                <a:cs typeface="Courier New" panose="02070309020205020404" pitchFamily="49" charset="0"/>
+              </a:rPr>
+              <a:t>    "</a:t>
+            </a:r>
+            <a:r>
+              <a:rPr lang="fr-FR" sz="1600" dirty="0" err="1">
+                <a:latin typeface="Courier New" panose="02070309020205020404" pitchFamily="49" charset="0"/>
+                <a:cs typeface="Courier New" panose="02070309020205020404" pitchFamily="49" charset="0"/>
+              </a:rPr>
+              <a:t>log_level</a:t>
+            </a:r>
+            <a:r>
+              <a:rPr lang="fr-FR" sz="1600" dirty="0">
+                <a:latin typeface="Courier New" panose="02070309020205020404" pitchFamily="49" charset="0"/>
+                <a:cs typeface="Courier New" panose="02070309020205020404" pitchFamily="49" charset="0"/>
+              </a:rPr>
+              <a:t>": "DEBUG",</a:t>
+            </a:r>
           </a:p>
           <a:p>
-            <a:pPr marL="800100" lvl="1" indent="-342900">
-              <a:buFont typeface="Arial" panose="020B0604020202020204" pitchFamily="34" charset="0"/>
-              <a:buChar char="•"/>
-            </a:pPr>
-            <a:r>
-              <a:rPr lang="fr-FR" sz="2000" dirty="0" smtClean="0"/>
-              <a:t> Lancer les clients en leur indiquant dans leur fichier de configuration </a:t>
-            </a:r>
+            <a:r>
+              <a:rPr lang="fr-FR" sz="1600" dirty="0">
+                <a:latin typeface="Courier New" panose="02070309020205020404" pitchFamily="49" charset="0"/>
+                <a:cs typeface="Courier New" panose="02070309020205020404" pitchFamily="49" charset="0"/>
+              </a:rPr>
+              <a:t>    "</a:t>
+            </a:r>
+            <a:r>
+              <a:rPr lang="fr-FR" sz="1600" dirty="0" err="1">
+                <a:latin typeface="Courier New" panose="02070309020205020404" pitchFamily="49" charset="0"/>
+                <a:cs typeface="Courier New" panose="02070309020205020404" pitchFamily="49" charset="0"/>
+              </a:rPr>
+              <a:t>enable_syslog</a:t>
+            </a:r>
+            <a:r>
+              <a:rPr lang="fr-FR" sz="1600" dirty="0">
+                <a:latin typeface="Courier New" panose="02070309020205020404" pitchFamily="49" charset="0"/>
+                <a:cs typeface="Courier New" panose="02070309020205020404" pitchFamily="49" charset="0"/>
+              </a:rPr>
+              <a:t>": </a:t>
+            </a:r>
+            <a:r>
+              <a:rPr lang="fr-FR" sz="1600" dirty="0" err="1">
+                <a:latin typeface="Courier New" panose="02070309020205020404" pitchFamily="49" charset="0"/>
+                <a:cs typeface="Courier New" panose="02070309020205020404" pitchFamily="49" charset="0"/>
+              </a:rPr>
+              <a:t>true</a:t>
+            </a:r>
+            <a:r>
+              <a:rPr lang="fr-FR" sz="1600" dirty="0">
+                <a:latin typeface="Courier New" panose="02070309020205020404" pitchFamily="49" charset="0"/>
+                <a:cs typeface="Courier New" panose="02070309020205020404" pitchFamily="49" charset="0"/>
+              </a:rPr>
+              <a:t>,</a:t>
+            </a:r>
+          </a:p>
+          <a:p>
+            <a:r>
+              <a:rPr lang="fr-FR" sz="1600" dirty="0">
+                <a:latin typeface="Courier New" panose="02070309020205020404" pitchFamily="49" charset="0"/>
+                <a:cs typeface="Courier New" panose="02070309020205020404" pitchFamily="49" charset="0"/>
+              </a:rPr>
+              <a:t>    "</a:t>
+            </a:r>
+            <a:r>
+              <a:rPr lang="fr-FR" sz="1600" dirty="0" err="1">
+                <a:latin typeface="Courier New" panose="02070309020205020404" pitchFamily="49" charset="0"/>
+                <a:cs typeface="Courier New" panose="02070309020205020404" pitchFamily="49" charset="0"/>
+              </a:rPr>
+              <a:t>start_join</a:t>
+            </a:r>
+            <a:r>
+              <a:rPr lang="fr-FR" sz="1600" dirty="0">
+                <a:latin typeface="Courier New" panose="02070309020205020404" pitchFamily="49" charset="0"/>
+                <a:cs typeface="Courier New" panose="02070309020205020404" pitchFamily="49" charset="0"/>
+              </a:rPr>
+              <a:t>":["192.168.0.13", "192.168.0.14"],</a:t>
+            </a:r>
+          </a:p>
+          <a:p>
+            <a:r>
+              <a:rPr lang="fr-FR" sz="1600" dirty="0">
+                <a:latin typeface="Courier New" panose="02070309020205020404" pitchFamily="49" charset="0"/>
+                <a:cs typeface="Courier New" panose="02070309020205020404" pitchFamily="49" charset="0"/>
+              </a:rPr>
+              <a:t>    </a:t>
+            </a:r>
+            <a:r>
+              <a:rPr lang="fr-FR" sz="1600" dirty="0" smtClean="0">
+                <a:latin typeface="Courier New" panose="02070309020205020404" pitchFamily="49" charset="0"/>
+                <a:cs typeface="Courier New" panose="02070309020205020404" pitchFamily="49" charset="0"/>
+              </a:rPr>
+              <a:t>"</a:t>
+            </a:r>
+            <a:r>
+              <a:rPr lang="fr-FR" sz="1600" dirty="0" err="1">
+                <a:latin typeface="Courier New" panose="02070309020205020404" pitchFamily="49" charset="0"/>
+                <a:cs typeface="Courier New" panose="02070309020205020404" pitchFamily="49" charset="0"/>
+              </a:rPr>
+              <a:t>bind_addr</a:t>
+            </a:r>
+            <a:r>
+              <a:rPr lang="fr-FR" sz="1600" dirty="0">
+                <a:latin typeface="Courier New" panose="02070309020205020404" pitchFamily="49" charset="0"/>
+                <a:cs typeface="Courier New" panose="02070309020205020404" pitchFamily="49" charset="0"/>
+              </a:rPr>
+              <a:t>": "192.168.0.12",</a:t>
+            </a:r>
+          </a:p>
+          <a:p>
+            <a:r>
+              <a:rPr lang="fr-FR" sz="1600" dirty="0">
+                <a:latin typeface="Courier New" panose="02070309020205020404" pitchFamily="49" charset="0"/>
+                <a:cs typeface="Courier New" panose="02070309020205020404" pitchFamily="49" charset="0"/>
+              </a:rPr>
+              <a:t>    </a:t>
+            </a:r>
+            <a:r>
+              <a:rPr lang="fr-FR" sz="1600" dirty="0" smtClean="0">
+                <a:latin typeface="Courier New" panose="02070309020205020404" pitchFamily="49" charset="0"/>
+                <a:cs typeface="Courier New" panose="02070309020205020404" pitchFamily="49" charset="0"/>
+              </a:rPr>
+              <a:t>"</a:t>
+            </a:r>
+            <a:r>
+              <a:rPr lang="fr-FR" sz="1600" dirty="0">
+                <a:latin typeface="Courier New" panose="02070309020205020404" pitchFamily="49" charset="0"/>
+                <a:cs typeface="Courier New" panose="02070309020205020404" pitchFamily="49" charset="0"/>
+              </a:rPr>
+              <a:t>node_</a:t>
+            </a:r>
+            <a:r>
+              <a:rPr lang="fr-FR" sz="1600" dirty="0" err="1">
+                <a:latin typeface="Courier New" panose="02070309020205020404" pitchFamily="49" charset="0"/>
+                <a:cs typeface="Courier New" panose="02070309020205020404" pitchFamily="49" charset="0"/>
+              </a:rPr>
+              <a:t>name</a:t>
+            </a:r>
+            <a:r>
+              <a:rPr lang="fr-FR" sz="1600" dirty="0">
+                <a:latin typeface="Courier New" panose="02070309020205020404" pitchFamily="49" charset="0"/>
+                <a:cs typeface="Courier New" panose="02070309020205020404" pitchFamily="49" charset="0"/>
+              </a:rPr>
+              <a:t>":"server-A" </a:t>
+            </a:r>
+            <a:endParaRPr lang="fr-FR" sz="1600" dirty="0" smtClean="0">
+              <a:latin typeface="Courier New" panose="02070309020205020404" pitchFamily="49" charset="0"/>
+              <a:cs typeface="Courier New" panose="02070309020205020404" pitchFamily="49" charset="0"/>
+            </a:endParaRPr>
+          </a:p>
+          <a:p>
+            <a:r>
+              <a:rPr lang="fr-FR" sz="1600" dirty="0" smtClean="0">
+                <a:latin typeface="Courier New" panose="02070309020205020404" pitchFamily="49" charset="0"/>
+                <a:cs typeface="Courier New" panose="02070309020205020404" pitchFamily="49" charset="0"/>
+              </a:rPr>
+              <a:t>}</a:t>
+            </a:r>
+            <a:endParaRPr lang="fr-FR" sz="1600" dirty="0">
+              <a:latin typeface="Courier New" panose="02070309020205020404" pitchFamily="49" charset="0"/>
+              <a:cs typeface="Courier New" panose="02070309020205020404" pitchFamily="49" charset="0"/>
+            </a:endParaRPr>
+          </a:p>
+          <a:p>
+            <a:endParaRPr lang="fr-FR" dirty="0"/>
+          </a:p>
+        </p:txBody>
+      </p:sp>
+      <p:sp>
+        <p:nvSpPr>
+          <p:cNvPr id="3" name="ZoneTexte 2"/>
+          <p:cNvSpPr txBox="1"/>
+          <p:nvPr/>
+        </p:nvSpPr>
+        <p:spPr>
+          <a:xfrm>
+            <a:off x="-1" y="0"/>
+            <a:ext cx="9140825" cy="523220"/>
+          </a:xfrm>
+          <a:prstGeom prst="rect">
+            <a:avLst/>
+          </a:prstGeom>
+          <a:noFill/>
+        </p:spPr>
+        <p:txBody>
+          <a:bodyPr wrap="square" rtlCol="0">
+            <a:spAutoFit/>
+          </a:bodyPr>
+          <a:lstStyle/>
+          <a:p>
+            <a:r>
+              <a:rPr lang="fr-FR" sz="2800" dirty="0" smtClean="0">
+                <a:solidFill>
+                  <a:schemeClr val="accent4"/>
+                </a:solidFill>
+                <a:latin typeface="+mn-lt"/>
+              </a:rPr>
+              <a:t>Cluster Consul – Configuration Server</a:t>
+            </a:r>
+            <a:endParaRPr lang="fr-FR" sz="2800" dirty="0">
+              <a:solidFill>
+                <a:schemeClr val="accent4"/>
+              </a:solidFill>
+              <a:latin typeface="+mn-lt"/>
+            </a:endParaRPr>
           </a:p>
         </p:txBody>
       </p:sp>
     </p:spTree>
     <p:extLst>
       <p:ext uri="{BB962C8B-B14F-4D97-AF65-F5344CB8AC3E}">
-        <p14:creationId xmlns:p14="http://schemas.microsoft.com/office/powerpoint/2010/main" val="1958763911"/>
+        <p14:creationId xmlns:p14="http://schemas.microsoft.com/office/powerpoint/2010/main" val="119409419"/>
+      </p:ext>
+    </p:extLst>
+  </p:cSld>
+  <p:clrMapOvr>
+    <a:masterClrMapping/>
+  </p:clrMapOvr>
+</p:sld>
+</file>
+
+<file path=ppt/slides/slide5.xml><?xml version="1.0" encoding="utf-8"?>
+<p:sld xmlns:a="http://schemas.openxmlformats.org/drawingml/2006/main" xmlns:r="http://schemas.openxmlformats.org/officeDocument/2006/relationships" xmlns:p="http://schemas.openxmlformats.org/presentationml/2006/main">
+  <p:cSld>
+    <p:spTree>
+      <p:nvGrpSpPr>
+        <p:cNvPr id="1" name=""/>
+        <p:cNvGrpSpPr/>
+        <p:nvPr/>
+      </p:nvGrpSpPr>
+      <p:grpSpPr>
+        <a:xfrm>
+          <a:off x="0" y="0"/>
+          <a:ext cx="0" cy="0"/>
+          <a:chOff x="0" y="0"/>
+          <a:chExt cx="0" cy="0"/>
+        </a:xfrm>
+      </p:grpSpPr>
+      <p:sp>
+        <p:nvSpPr>
+          <p:cNvPr id="2" name="ZoneTexte 1"/>
+          <p:cNvSpPr txBox="1"/>
+          <p:nvPr/>
+        </p:nvSpPr>
+        <p:spPr>
+          <a:xfrm>
+            <a:off x="359532" y="942977"/>
+            <a:ext cx="8454559" cy="3170099"/>
+          </a:xfrm>
+          <a:prstGeom prst="rect">
+            <a:avLst/>
+          </a:prstGeom>
+          <a:noFill/>
+        </p:spPr>
+        <p:txBody>
+          <a:bodyPr wrap="none" rtlCol="0">
+            <a:spAutoFit/>
+          </a:bodyPr>
+          <a:lstStyle/>
+          <a:p>
+            <a:r>
+              <a:rPr lang="fr-FR" sz="1600" dirty="0">
+                <a:latin typeface="Courier New" panose="02070309020205020404" pitchFamily="49" charset="0"/>
+                <a:cs typeface="Courier New" panose="02070309020205020404" pitchFamily="49" charset="0"/>
+              </a:rPr>
+              <a:t>{</a:t>
+            </a:r>
+          </a:p>
+          <a:p>
+            <a:r>
+              <a:rPr lang="fr-FR" sz="1600" dirty="0">
+                <a:latin typeface="Courier New" panose="02070309020205020404" pitchFamily="49" charset="0"/>
+                <a:cs typeface="Courier New" panose="02070309020205020404" pitchFamily="49" charset="0"/>
+              </a:rPr>
+              <a:t>    "server": false,</a:t>
+            </a:r>
+          </a:p>
+          <a:p>
+            <a:r>
+              <a:rPr lang="fr-FR" sz="1600" dirty="0">
+                <a:latin typeface="Courier New" panose="02070309020205020404" pitchFamily="49" charset="0"/>
+                <a:cs typeface="Courier New" panose="02070309020205020404" pitchFamily="49" charset="0"/>
+              </a:rPr>
+              <a:t>    "</a:t>
+            </a:r>
+            <a:r>
+              <a:rPr lang="fr-FR" sz="1600" dirty="0" err="1">
+                <a:latin typeface="Courier New" panose="02070309020205020404" pitchFamily="49" charset="0"/>
+                <a:cs typeface="Courier New" panose="02070309020205020404" pitchFamily="49" charset="0"/>
+              </a:rPr>
+              <a:t>datacenter</a:t>
+            </a:r>
+            <a:r>
+              <a:rPr lang="fr-FR" sz="1600" dirty="0">
+                <a:latin typeface="Courier New" panose="02070309020205020404" pitchFamily="49" charset="0"/>
+                <a:cs typeface="Courier New" panose="02070309020205020404" pitchFamily="49" charset="0"/>
+              </a:rPr>
+              <a:t>": "nyc2",</a:t>
+            </a:r>
+          </a:p>
+          <a:p>
+            <a:r>
+              <a:rPr lang="fr-FR" sz="1600" dirty="0">
+                <a:latin typeface="Courier New" panose="02070309020205020404" pitchFamily="49" charset="0"/>
+                <a:cs typeface="Courier New" panose="02070309020205020404" pitchFamily="49" charset="0"/>
+              </a:rPr>
+              <a:t>    "</a:t>
+            </a:r>
+            <a:r>
+              <a:rPr lang="fr-FR" sz="1600" dirty="0" err="1">
+                <a:latin typeface="Courier New" panose="02070309020205020404" pitchFamily="49" charset="0"/>
+                <a:cs typeface="Courier New" panose="02070309020205020404" pitchFamily="49" charset="0"/>
+              </a:rPr>
+              <a:t>data_dir</a:t>
+            </a:r>
+            <a:r>
+              <a:rPr lang="fr-FR" sz="1600" dirty="0">
+                <a:latin typeface="Courier New" panose="02070309020205020404" pitchFamily="49" charset="0"/>
+                <a:cs typeface="Courier New" panose="02070309020205020404" pitchFamily="49" charset="0"/>
+              </a:rPr>
+              <a:t>": "/var/consul",</a:t>
+            </a:r>
+          </a:p>
+          <a:p>
+            <a:r>
+              <a:rPr lang="fr-FR" sz="1600" dirty="0">
+                <a:latin typeface="Courier New" panose="02070309020205020404" pitchFamily="49" charset="0"/>
+                <a:cs typeface="Courier New" panose="02070309020205020404" pitchFamily="49" charset="0"/>
+              </a:rPr>
+              <a:t>    "</a:t>
+            </a:r>
+            <a:r>
+              <a:rPr lang="fr-FR" sz="1600" dirty="0" err="1">
+                <a:latin typeface="Courier New" panose="02070309020205020404" pitchFamily="49" charset="0"/>
+                <a:cs typeface="Courier New" panose="02070309020205020404" pitchFamily="49" charset="0"/>
+              </a:rPr>
+              <a:t>ui</a:t>
+            </a:r>
+            <a:r>
+              <a:rPr lang="fr-FR" sz="1600" dirty="0">
+                <a:latin typeface="Courier New" panose="02070309020205020404" pitchFamily="49" charset="0"/>
+                <a:cs typeface="Courier New" panose="02070309020205020404" pitchFamily="49" charset="0"/>
+              </a:rPr>
+              <a:t>": false,</a:t>
+            </a:r>
+          </a:p>
+          <a:p>
+            <a:r>
+              <a:rPr lang="fr-FR" sz="1600" dirty="0">
+                <a:latin typeface="Courier New" panose="02070309020205020404" pitchFamily="49" charset="0"/>
+                <a:cs typeface="Courier New" panose="02070309020205020404" pitchFamily="49" charset="0"/>
+              </a:rPr>
+              <a:t>    "</a:t>
+            </a:r>
+            <a:r>
+              <a:rPr lang="fr-FR" sz="1600" dirty="0" err="1">
+                <a:latin typeface="Courier New" panose="02070309020205020404" pitchFamily="49" charset="0"/>
+                <a:cs typeface="Courier New" panose="02070309020205020404" pitchFamily="49" charset="0"/>
+              </a:rPr>
+              <a:t>log_level</a:t>
+            </a:r>
+            <a:r>
+              <a:rPr lang="fr-FR" sz="1600" dirty="0">
+                <a:latin typeface="Courier New" panose="02070309020205020404" pitchFamily="49" charset="0"/>
+                <a:cs typeface="Courier New" panose="02070309020205020404" pitchFamily="49" charset="0"/>
+              </a:rPr>
+              <a:t>": "DEBUG",</a:t>
+            </a:r>
+          </a:p>
+          <a:p>
+            <a:r>
+              <a:rPr lang="fr-FR" sz="1600" dirty="0">
+                <a:latin typeface="Courier New" panose="02070309020205020404" pitchFamily="49" charset="0"/>
+                <a:cs typeface="Courier New" panose="02070309020205020404" pitchFamily="49" charset="0"/>
+              </a:rPr>
+              <a:t>    "</a:t>
+            </a:r>
+            <a:r>
+              <a:rPr lang="fr-FR" sz="1600" dirty="0" err="1">
+                <a:latin typeface="Courier New" panose="02070309020205020404" pitchFamily="49" charset="0"/>
+                <a:cs typeface="Courier New" panose="02070309020205020404" pitchFamily="49" charset="0"/>
+              </a:rPr>
+              <a:t>enable_syslog</a:t>
+            </a:r>
+            <a:r>
+              <a:rPr lang="fr-FR" sz="1600" dirty="0">
+                <a:latin typeface="Courier New" panose="02070309020205020404" pitchFamily="49" charset="0"/>
+                <a:cs typeface="Courier New" panose="02070309020205020404" pitchFamily="49" charset="0"/>
+              </a:rPr>
+              <a:t>": </a:t>
+            </a:r>
+            <a:r>
+              <a:rPr lang="fr-FR" sz="1600" dirty="0" err="1">
+                <a:latin typeface="Courier New" panose="02070309020205020404" pitchFamily="49" charset="0"/>
+                <a:cs typeface="Courier New" panose="02070309020205020404" pitchFamily="49" charset="0"/>
+              </a:rPr>
+              <a:t>true</a:t>
+            </a:r>
+            <a:r>
+              <a:rPr lang="fr-FR" sz="1600" dirty="0">
+                <a:latin typeface="Courier New" panose="02070309020205020404" pitchFamily="49" charset="0"/>
+                <a:cs typeface="Courier New" panose="02070309020205020404" pitchFamily="49" charset="0"/>
+              </a:rPr>
+              <a:t>,</a:t>
+            </a:r>
+          </a:p>
+          <a:p>
+            <a:r>
+              <a:rPr lang="fr-FR" sz="1600" dirty="0">
+                <a:latin typeface="Courier New" panose="02070309020205020404" pitchFamily="49" charset="0"/>
+                <a:cs typeface="Courier New" panose="02070309020205020404" pitchFamily="49" charset="0"/>
+              </a:rPr>
+              <a:t>    "</a:t>
+            </a:r>
+            <a:r>
+              <a:rPr lang="fr-FR" sz="1600" dirty="0" err="1">
+                <a:latin typeface="Courier New" panose="02070309020205020404" pitchFamily="49" charset="0"/>
+                <a:cs typeface="Courier New" panose="02070309020205020404" pitchFamily="49" charset="0"/>
+              </a:rPr>
+              <a:t>start_join</a:t>
+            </a:r>
+            <a:r>
+              <a:rPr lang="fr-FR" sz="1600" dirty="0">
+                <a:latin typeface="Courier New" panose="02070309020205020404" pitchFamily="49" charset="0"/>
+                <a:cs typeface="Courier New" panose="02070309020205020404" pitchFamily="49" charset="0"/>
+              </a:rPr>
+              <a:t>": ["192.168.0.12", "192.168.0.13", "192.168.0.14"],</a:t>
+            </a:r>
+          </a:p>
+          <a:p>
+            <a:r>
+              <a:rPr lang="fr-FR" sz="1600" dirty="0">
+                <a:latin typeface="Courier New" panose="02070309020205020404" pitchFamily="49" charset="0"/>
+                <a:cs typeface="Courier New" panose="02070309020205020404" pitchFamily="49" charset="0"/>
+              </a:rPr>
+              <a:t>        "</a:t>
+            </a:r>
+            <a:r>
+              <a:rPr lang="fr-FR" sz="1600" dirty="0" err="1">
+                <a:latin typeface="Courier New" panose="02070309020205020404" pitchFamily="49" charset="0"/>
+                <a:cs typeface="Courier New" panose="02070309020205020404" pitchFamily="49" charset="0"/>
+              </a:rPr>
+              <a:t>bind_addr</a:t>
+            </a:r>
+            <a:r>
+              <a:rPr lang="fr-FR" sz="1600" dirty="0">
+                <a:latin typeface="Courier New" panose="02070309020205020404" pitchFamily="49" charset="0"/>
+                <a:cs typeface="Courier New" panose="02070309020205020404" pitchFamily="49" charset="0"/>
+              </a:rPr>
+              <a:t>": "192.168.0.16",</a:t>
+            </a:r>
+          </a:p>
+          <a:p>
+            <a:r>
+              <a:rPr lang="fr-FR" sz="1600" dirty="0">
+                <a:latin typeface="Courier New" panose="02070309020205020404" pitchFamily="49" charset="0"/>
+                <a:cs typeface="Courier New" panose="02070309020205020404" pitchFamily="49" charset="0"/>
+              </a:rPr>
+              <a:t>        "node_</a:t>
+            </a:r>
+            <a:r>
+              <a:rPr lang="fr-FR" sz="1600" dirty="0" err="1">
+                <a:latin typeface="Courier New" panose="02070309020205020404" pitchFamily="49" charset="0"/>
+                <a:cs typeface="Courier New" panose="02070309020205020404" pitchFamily="49" charset="0"/>
+              </a:rPr>
+              <a:t>name</a:t>
+            </a:r>
+            <a:r>
+              <a:rPr lang="fr-FR" sz="1600" dirty="0">
+                <a:latin typeface="Courier New" panose="02070309020205020404" pitchFamily="49" charset="0"/>
+                <a:cs typeface="Courier New" panose="02070309020205020404" pitchFamily="49" charset="0"/>
+              </a:rPr>
+              <a:t>":"</a:t>
+            </a:r>
+            <a:r>
+              <a:rPr lang="fr-FR" sz="1600" dirty="0" smtClean="0">
+                <a:latin typeface="Courier New" panose="02070309020205020404" pitchFamily="49" charset="0"/>
+                <a:cs typeface="Courier New" panose="02070309020205020404" pitchFamily="49" charset="0"/>
+              </a:rPr>
+              <a:t>client-A</a:t>
+            </a:r>
+            <a:r>
+              <a:rPr lang="fr-FR" sz="1600" dirty="0">
+                <a:latin typeface="Courier New" panose="02070309020205020404" pitchFamily="49" charset="0"/>
+                <a:cs typeface="Courier New" panose="02070309020205020404" pitchFamily="49" charset="0"/>
+              </a:rPr>
+              <a:t>"</a:t>
+            </a:r>
+            <a:r>
+              <a:rPr lang="fr-FR" sz="1600" dirty="0" smtClean="0">
+                <a:latin typeface="Courier New" panose="02070309020205020404" pitchFamily="49" charset="0"/>
+                <a:cs typeface="Courier New" panose="02070309020205020404" pitchFamily="49" charset="0"/>
+              </a:rPr>
+              <a:t>  </a:t>
+            </a:r>
+          </a:p>
+          <a:p>
+            <a:r>
+              <a:rPr lang="fr-FR" sz="1600" dirty="0" smtClean="0">
+                <a:latin typeface="Courier New" panose="02070309020205020404" pitchFamily="49" charset="0"/>
+                <a:cs typeface="Courier New" panose="02070309020205020404" pitchFamily="49" charset="0"/>
+              </a:rPr>
+              <a:t>}</a:t>
+            </a:r>
+            <a:endParaRPr lang="fr-FR" sz="1600" dirty="0">
+              <a:latin typeface="Courier New" panose="02070309020205020404" pitchFamily="49" charset="0"/>
+              <a:cs typeface="Courier New" panose="02070309020205020404" pitchFamily="49" charset="0"/>
+            </a:endParaRPr>
+          </a:p>
+          <a:p>
+            <a:endParaRPr lang="fr-FR" dirty="0"/>
+          </a:p>
+        </p:txBody>
+      </p:sp>
+      <p:sp>
+        <p:nvSpPr>
+          <p:cNvPr id="3" name="ZoneTexte 2"/>
+          <p:cNvSpPr txBox="1"/>
+          <p:nvPr/>
+        </p:nvSpPr>
+        <p:spPr>
+          <a:xfrm>
+            <a:off x="-1" y="0"/>
+            <a:ext cx="9140825" cy="523220"/>
+          </a:xfrm>
+          <a:prstGeom prst="rect">
+            <a:avLst/>
+          </a:prstGeom>
+          <a:noFill/>
+        </p:spPr>
+        <p:txBody>
+          <a:bodyPr wrap="square" rtlCol="0">
+            <a:spAutoFit/>
+          </a:bodyPr>
+          <a:lstStyle/>
+          <a:p>
+            <a:r>
+              <a:rPr lang="fr-FR" sz="2800" dirty="0" smtClean="0">
+                <a:solidFill>
+                  <a:schemeClr val="accent4"/>
+                </a:solidFill>
+                <a:latin typeface="+mn-lt"/>
+              </a:rPr>
+              <a:t>Cluster Consul – Configuration Client</a:t>
+            </a:r>
+            <a:endParaRPr lang="fr-FR" sz="2800" dirty="0">
+              <a:solidFill>
+                <a:schemeClr val="accent4"/>
+              </a:solidFill>
+              <a:latin typeface="+mn-lt"/>
+            </a:endParaRPr>
+          </a:p>
+        </p:txBody>
+      </p:sp>
+      <p:sp>
+        <p:nvSpPr>
+          <p:cNvPr id="5" name="ZoneTexte 4"/>
+          <p:cNvSpPr txBox="1"/>
+          <p:nvPr/>
+        </p:nvSpPr>
+        <p:spPr>
+          <a:xfrm>
+            <a:off x="359532" y="4581128"/>
+            <a:ext cx="8212505" cy="646331"/>
+          </a:xfrm>
+          <a:prstGeom prst="rect">
+            <a:avLst/>
+          </a:prstGeom>
+          <a:noFill/>
+        </p:spPr>
+        <p:txBody>
+          <a:bodyPr wrap="none" rtlCol="0">
+            <a:spAutoFit/>
+          </a:bodyPr>
+          <a:lstStyle/>
+          <a:p>
+            <a:r>
+              <a:rPr lang="fr-FR" dirty="0" smtClean="0"/>
+              <a:t>Dans le cas du client utilisé pour le monitoring via l’interface web il faut passer </a:t>
+            </a:r>
+          </a:p>
+          <a:p>
+            <a:r>
+              <a:rPr lang="fr-FR" dirty="0" smtClean="0"/>
+              <a:t>l’option « </a:t>
+            </a:r>
+            <a:r>
+              <a:rPr lang="fr-FR" dirty="0" err="1" smtClean="0">
+                <a:latin typeface="Courier New" panose="02070309020205020404" pitchFamily="49" charset="0"/>
+                <a:cs typeface="Courier New" panose="02070309020205020404" pitchFamily="49" charset="0"/>
+              </a:rPr>
+              <a:t>ui</a:t>
+            </a:r>
+            <a:r>
+              <a:rPr lang="fr-FR" dirty="0" smtClean="0"/>
+              <a:t> » à </a:t>
+            </a:r>
+            <a:r>
+              <a:rPr lang="fr-FR" dirty="0" err="1" smtClean="0">
+                <a:latin typeface="Courier New" panose="02070309020205020404" pitchFamily="49" charset="0"/>
+                <a:cs typeface="Courier New" panose="02070309020205020404" pitchFamily="49" charset="0"/>
+              </a:rPr>
+              <a:t>true</a:t>
+            </a:r>
+            <a:r>
+              <a:rPr lang="fr-FR" dirty="0" smtClean="0"/>
+              <a:t>.</a:t>
+            </a:r>
+            <a:endParaRPr lang="fr-FR" dirty="0"/>
+          </a:p>
+        </p:txBody>
+      </p:sp>
+    </p:spTree>
+    <p:extLst>
+      <p:ext uri="{BB962C8B-B14F-4D97-AF65-F5344CB8AC3E}">
+        <p14:creationId xmlns:p14="http://schemas.microsoft.com/office/powerpoint/2010/main" val="2944393671"/>
       </p:ext>
     </p:extLst>
   </p:cSld>

--- a/doc/setup/Cluster-Consul-v1.0.pptx
+++ b/doc/setup/Cluster-Consul-v1.0.pptx
@@ -293,7 +293,7 @@
               <a:pPr>
                 <a:defRPr/>
               </a:pPr>
-              <a:t>28/03/2018</a:t>
+              <a:t>03/04/2018</a:t>
             </a:fld>
             <a:endParaRPr lang="fr-FR"/>
           </a:p>
@@ -508,7 +508,7 @@
               <a:pPr>
                 <a:defRPr/>
               </a:pPr>
-              <a:t>28/03/2018</a:t>
+              <a:t>03/04/2018</a:t>
             </a:fld>
             <a:endParaRPr lang="fr-FR"/>
           </a:p>
@@ -3016,193 +3016,10 @@
       </p:sp>
       <p:sp>
         <p:nvSpPr>
-          <p:cNvPr id="25" name="Rectangle à coins arrondis 24">
-            <a:extLst>
-              <a:ext uri="{FF2B5EF4-FFF2-40B4-BE49-F238E27FC236}">
-                <a16:creationId xmlns="" xmlns:a16="http://schemas.microsoft.com/office/drawing/2014/main" xmlns:lc="http://schemas.openxmlformats.org/drawingml/2006/lockedCanvas" id="{8A4861F3-3648-4041-BBFF-4AAA68264099}"/>
-              </a:ext>
-            </a:extLst>
-          </p:cNvPr>
-          <p:cNvSpPr/>
-          <p:nvPr/>
-        </p:nvSpPr>
-        <p:spPr>
-          <a:xfrm flipH="1">
-            <a:off x="4644781" y="2380445"/>
-            <a:ext cx="1871142" cy="972779"/>
-          </a:xfrm>
-          <a:prstGeom prst="roundRect">
-            <a:avLst>
-              <a:gd name="adj" fmla="val 9644"/>
-            </a:avLst>
-          </a:prstGeom>
-          <a:solidFill>
-            <a:schemeClr val="bg1"/>
-          </a:solidFill>
-          <a:ln>
-            <a:solidFill>
-              <a:schemeClr val="tx2">
-                <a:lumMod val="60000"/>
-                <a:lumOff val="40000"/>
-              </a:schemeClr>
-            </a:solidFill>
-          </a:ln>
-        </p:spPr>
-        <p:style>
-          <a:lnRef idx="2">
-            <a:schemeClr val="accent1">
-              <a:shade val="50000"/>
-            </a:schemeClr>
-          </a:lnRef>
-          <a:fillRef idx="1">
-            <a:schemeClr val="accent1"/>
-          </a:fillRef>
-          <a:effectRef idx="0">
-            <a:schemeClr val="accent1"/>
-          </a:effectRef>
-          <a:fontRef idx="minor">
-            <a:schemeClr val="lt1"/>
-          </a:fontRef>
-        </p:style>
-        <p:txBody>
-          <a:bodyPr rtlCol="0" anchor="ctr"/>
-          <a:lstStyle>
-            <a:defPPr>
-              <a:defRPr lang="fr-FR"/>
-            </a:defPPr>
-            <a:lvl1pPr algn="l" rtl="0" fontAlgn="base">
-              <a:spcBef>
-                <a:spcPct val="0"/>
-              </a:spcBef>
-              <a:spcAft>
-                <a:spcPct val="0"/>
-              </a:spcAft>
-              <a:defRPr kern="1200">
-                <a:solidFill>
-                  <a:schemeClr val="lt1"/>
-                </a:solidFill>
-                <a:latin typeface="+mn-lt"/>
-                <a:ea typeface="+mn-ea"/>
-                <a:cs typeface="+mn-cs"/>
-              </a:defRPr>
-            </a:lvl1pPr>
-            <a:lvl2pPr marL="457200" algn="l" rtl="0" fontAlgn="base">
-              <a:spcBef>
-                <a:spcPct val="0"/>
-              </a:spcBef>
-              <a:spcAft>
-                <a:spcPct val="0"/>
-              </a:spcAft>
-              <a:defRPr kern="1200">
-                <a:solidFill>
-                  <a:schemeClr val="lt1"/>
-                </a:solidFill>
-                <a:latin typeface="+mn-lt"/>
-                <a:ea typeface="+mn-ea"/>
-                <a:cs typeface="+mn-cs"/>
-              </a:defRPr>
-            </a:lvl2pPr>
-            <a:lvl3pPr marL="914400" algn="l" rtl="0" fontAlgn="base">
-              <a:spcBef>
-                <a:spcPct val="0"/>
-              </a:spcBef>
-              <a:spcAft>
-                <a:spcPct val="0"/>
-              </a:spcAft>
-              <a:defRPr kern="1200">
-                <a:solidFill>
-                  <a:schemeClr val="lt1"/>
-                </a:solidFill>
-                <a:latin typeface="+mn-lt"/>
-                <a:ea typeface="+mn-ea"/>
-                <a:cs typeface="+mn-cs"/>
-              </a:defRPr>
-            </a:lvl3pPr>
-            <a:lvl4pPr marL="1371600" algn="l" rtl="0" fontAlgn="base">
-              <a:spcBef>
-                <a:spcPct val="0"/>
-              </a:spcBef>
-              <a:spcAft>
-                <a:spcPct val="0"/>
-              </a:spcAft>
-              <a:defRPr kern="1200">
-                <a:solidFill>
-                  <a:schemeClr val="lt1"/>
-                </a:solidFill>
-                <a:latin typeface="+mn-lt"/>
-                <a:ea typeface="+mn-ea"/>
-                <a:cs typeface="+mn-cs"/>
-              </a:defRPr>
-            </a:lvl4pPr>
-            <a:lvl5pPr marL="1828800" algn="l" rtl="0" fontAlgn="base">
-              <a:spcBef>
-                <a:spcPct val="0"/>
-              </a:spcBef>
-              <a:spcAft>
-                <a:spcPct val="0"/>
-              </a:spcAft>
-              <a:defRPr kern="1200">
-                <a:solidFill>
-                  <a:schemeClr val="lt1"/>
-                </a:solidFill>
-                <a:latin typeface="+mn-lt"/>
-                <a:ea typeface="+mn-ea"/>
-                <a:cs typeface="+mn-cs"/>
-              </a:defRPr>
-            </a:lvl5pPr>
-            <a:lvl6pPr marL="2286000" algn="l" defTabSz="914400" rtl="0" eaLnBrk="1" latinLnBrk="0" hangingPunct="1">
-              <a:defRPr kern="1200">
-                <a:solidFill>
-                  <a:schemeClr val="lt1"/>
-                </a:solidFill>
-                <a:latin typeface="+mn-lt"/>
-                <a:ea typeface="+mn-ea"/>
-                <a:cs typeface="+mn-cs"/>
-              </a:defRPr>
-            </a:lvl6pPr>
-            <a:lvl7pPr marL="2743200" algn="l" defTabSz="914400" rtl="0" eaLnBrk="1" latinLnBrk="0" hangingPunct="1">
-              <a:defRPr kern="1200">
-                <a:solidFill>
-                  <a:schemeClr val="lt1"/>
-                </a:solidFill>
-                <a:latin typeface="+mn-lt"/>
-                <a:ea typeface="+mn-ea"/>
-                <a:cs typeface="+mn-cs"/>
-              </a:defRPr>
-            </a:lvl7pPr>
-            <a:lvl8pPr marL="3200400" algn="l" defTabSz="914400" rtl="0" eaLnBrk="1" latinLnBrk="0" hangingPunct="1">
-              <a:defRPr kern="1200">
-                <a:solidFill>
-                  <a:schemeClr val="lt1"/>
-                </a:solidFill>
-                <a:latin typeface="+mn-lt"/>
-                <a:ea typeface="+mn-ea"/>
-                <a:cs typeface="+mn-cs"/>
-              </a:defRPr>
-            </a:lvl8pPr>
-            <a:lvl9pPr marL="3657600" algn="l" defTabSz="914400" rtl="0" eaLnBrk="1" latinLnBrk="0" hangingPunct="1">
-              <a:defRPr kern="1200">
-                <a:solidFill>
-                  <a:schemeClr val="lt1"/>
-                </a:solidFill>
-                <a:latin typeface="+mn-lt"/>
-                <a:ea typeface="+mn-ea"/>
-                <a:cs typeface="+mn-cs"/>
-              </a:defRPr>
-            </a:lvl9pPr>
-          </a:lstStyle>
-          <a:p>
-            <a:pPr algn="ctr"/>
-            <a:endParaRPr lang="fr-FR"/>
-          </a:p>
-        </p:txBody>
-      </p:sp>
-      <p:sp>
-        <p:nvSpPr>
           <p:cNvPr id="18" name="Rectangle à coins arrondis 17">
             <a:extLst>
               <a:ext uri="{FF2B5EF4-FFF2-40B4-BE49-F238E27FC236}">
-                <a16:creationId xmlns="" xmlns:a16="http://schemas.microsoft.com/office/drawing/2014/main" xmlns:lc="http://schemas.openxmlformats.org/drawingml/2006/lockedCanvas" id="{73A81684-A042-48EE-B7E8-F8866E052C48}"/>
+                <a16:creationId xmlns:lc="http://schemas.openxmlformats.org/drawingml/2006/lockedCanvas" xmlns:a16="http://schemas.microsoft.com/office/drawing/2014/main" xmlns="" id="{73A81684-A042-48EE-B7E8-F8866E052C48}"/>
               </a:ext>
             </a:extLst>
           </p:cNvPr>
@@ -3374,189 +3191,40 @@
           </a:p>
         </p:txBody>
       </p:sp>
-      <p:pic>
-        <p:nvPicPr>
-          <p:cNvPr id="37" name="Image 36">
-            <a:extLst>
-              <a:ext uri="{FF2B5EF4-FFF2-40B4-BE49-F238E27FC236}">
-                <a16:creationId xmlns="" xmlns:a16="http://schemas.microsoft.com/office/drawing/2014/main" xmlns:lc="http://schemas.openxmlformats.org/drawingml/2006/lockedCanvas" id="{8A3CA8B9-B9C7-4C5E-945E-30789F67099A}"/>
-              </a:ext>
-            </a:extLst>
-          </p:cNvPr>
-          <p:cNvPicPr>
-            <a:picLocks noChangeAspect="1"/>
-          </p:cNvPicPr>
-          <p:nvPr/>
-        </p:nvPicPr>
-        <p:blipFill>
-          <a:blip r:embed="rId2" cstate="print">
-            <a:extLst>
-              <a:ext uri="{28A0092B-C50C-407E-A947-70E740481C1C}">
-                <a14:useLocalDpi xmlns:a14="http://schemas.microsoft.com/office/drawing/2010/main" val="0"/>
-              </a:ext>
-            </a:extLst>
-          </a:blip>
-          <a:stretch>
-            <a:fillRect/>
-          </a:stretch>
-        </p:blipFill>
-        <p:spPr>
-          <a:xfrm>
-            <a:off x="4703307" y="2441748"/>
-            <a:ext cx="876286" cy="363783"/>
-          </a:xfrm>
-          <a:prstGeom prst="rect">
-            <a:avLst/>
-          </a:prstGeom>
-        </p:spPr>
-      </p:pic>
-      <p:sp>
-        <p:nvSpPr>
-          <p:cNvPr id="39" name="ZoneTexte 38"/>
-          <p:cNvSpPr txBox="1"/>
-          <p:nvPr/>
-        </p:nvSpPr>
-        <p:spPr>
-          <a:xfrm>
-            <a:off x="4969350" y="2799161"/>
-            <a:ext cx="1116124" cy="530915"/>
-          </a:xfrm>
-          <a:prstGeom prst="rect">
-            <a:avLst/>
-          </a:prstGeom>
-          <a:noFill/>
-        </p:spPr>
-        <p:txBody>
-          <a:bodyPr wrap="square" rtlCol="0">
-            <a:spAutoFit/>
-          </a:bodyPr>
-          <a:lstStyle/>
-          <a:p>
-            <a:r>
-              <a:rPr lang="fr-FR" dirty="0" smtClean="0"/>
-              <a:t>Server-A</a:t>
-            </a:r>
-          </a:p>
-          <a:p>
-            <a:pPr algn="ctr"/>
-            <a:r>
-              <a:rPr lang="fr-FR" sz="1050" dirty="0" smtClean="0"/>
-              <a:t>192.168.0.12</a:t>
-            </a:r>
-            <a:endParaRPr lang="fr-FR" sz="1050" dirty="0"/>
-          </a:p>
-        </p:txBody>
-      </p:sp>
-      <p:sp>
-        <p:nvSpPr>
-          <p:cNvPr id="3" name="ZoneTexte 2"/>
-          <p:cNvSpPr txBox="1"/>
-          <p:nvPr/>
-        </p:nvSpPr>
-        <p:spPr>
-          <a:xfrm>
-            <a:off x="2318527" y="2294280"/>
-            <a:ext cx="1697901" cy="369332"/>
-          </a:xfrm>
-          <a:prstGeom prst="rect">
-            <a:avLst/>
-          </a:prstGeom>
-          <a:noFill/>
-        </p:spPr>
-        <p:txBody>
-          <a:bodyPr wrap="none" rtlCol="0">
-            <a:spAutoFit/>
-          </a:bodyPr>
-          <a:lstStyle/>
-          <a:p>
-            <a:r>
-              <a:rPr lang="fr-FR" dirty="0" smtClean="0"/>
-              <a:t>Cluster Consul</a:t>
-            </a:r>
-            <a:endParaRPr lang="fr-FR" dirty="0"/>
-          </a:p>
-        </p:txBody>
-      </p:sp>
       <p:grpSp>
         <p:nvGrpSpPr>
-          <p:cNvPr id="7" name="Groupe 6"/>
+          <p:cNvPr id="14" name="Groupe 13"/>
           <p:cNvGrpSpPr/>
           <p:nvPr/>
         </p:nvGrpSpPr>
         <p:grpSpPr>
           <a:xfrm>
-            <a:off x="2651382" y="3289777"/>
+            <a:off x="4644781" y="2380445"/>
             <a:ext cx="1871142" cy="972779"/>
-            <a:chOff x="1411867" y="3212974"/>
+            <a:chOff x="4644781" y="2380445"/>
             <a:chExt cx="1871142" cy="972779"/>
           </a:xfrm>
         </p:grpSpPr>
         <p:grpSp>
           <p:nvGrpSpPr>
-            <p:cNvPr id="15" name="Groupe 14">
-              <a:extLst>
-                <a:ext uri="{FF2B5EF4-FFF2-40B4-BE49-F238E27FC236}">
-                  <a16:creationId xmlns="" xmlns:a16="http://schemas.microsoft.com/office/drawing/2014/main" xmlns:lc="http://schemas.openxmlformats.org/drawingml/2006/lockedCanvas" id="{E0E230ED-9E76-46B5-92C4-AB7962005D3F}"/>
-                </a:ext>
-              </a:extLst>
-            </p:cNvPr>
+            <p:cNvPr id="12" name="Groupe 11"/>
             <p:cNvGrpSpPr/>
             <p:nvPr/>
           </p:nvGrpSpPr>
           <p:grpSpPr>
             <a:xfrm>
-              <a:off x="1411867" y="3212974"/>
+              <a:off x="4644781" y="2380445"/>
               <a:ext cx="1871142" cy="972779"/>
-              <a:chOff x="2155105" y="3861048"/>
-              <a:chExt cx="1336774" cy="720080"/>
+              <a:chOff x="4644781" y="2380445"/>
+              <a:chExt cx="1871142" cy="972779"/>
             </a:xfrm>
-            <a:solidFill>
-              <a:schemeClr val="bg1"/>
-            </a:solidFill>
           </p:grpSpPr>
-          <p:pic>
-            <p:nvPicPr>
-              <p:cNvPr id="26" name="Image 25">
+          <p:sp>
+            <p:nvSpPr>
+              <p:cNvPr id="25" name="Rectangle à coins arrondis 24">
                 <a:extLst>
                   <a:ext uri="{FF2B5EF4-FFF2-40B4-BE49-F238E27FC236}">
-                    <a16:creationId xmlns="" xmlns:a16="http://schemas.microsoft.com/office/drawing/2014/main" xmlns:lc="http://schemas.openxmlformats.org/drawingml/2006/lockedCanvas" id="{8A3CA8B9-B9C7-4C5E-945E-30789F67099A}"/>
-                  </a:ext>
-                </a:extLst>
-              </p:cNvPr>
-              <p:cNvPicPr>
-                <a:picLocks noChangeAspect="1"/>
-              </p:cNvPicPr>
-              <p:nvPr/>
-            </p:nvPicPr>
-            <p:blipFill>
-              <a:blip r:embed="rId2" cstate="print">
-                <a:extLst>
-                  <a:ext uri="{28A0092B-C50C-407E-A947-70E740481C1C}">
-                    <a14:useLocalDpi xmlns:a14="http://schemas.microsoft.com/office/drawing/2010/main" val="0"/>
-                  </a:ext>
-                </a:extLst>
-              </a:blip>
-              <a:stretch>
-                <a:fillRect/>
-              </a:stretch>
-            </p:blipFill>
-            <p:spPr>
-              <a:xfrm>
-                <a:off x="2204094" y="3905903"/>
-                <a:ext cx="612028" cy="263259"/>
-              </a:xfrm>
-              <a:prstGeom prst="rect">
-                <a:avLst/>
-              </a:prstGeom>
-              <a:grpFill/>
-            </p:spPr>
-          </p:pic>
-          <p:sp>
-            <p:nvSpPr>
-              <p:cNvPr id="27" name="Rectangle à coins arrondis 26">
-                <a:extLst>
-                  <a:ext uri="{FF2B5EF4-FFF2-40B4-BE49-F238E27FC236}">
-                    <a16:creationId xmlns="" xmlns:a16="http://schemas.microsoft.com/office/drawing/2014/main" xmlns:lc="http://schemas.openxmlformats.org/drawingml/2006/lockedCanvas" id="{D95582EE-8B26-42D1-A65F-CB3D8ACB3AAF}"/>
+                    <a16:creationId xmlns:lc="http://schemas.openxmlformats.org/drawingml/2006/lockedCanvas" xmlns:a16="http://schemas.microsoft.com/office/drawing/2014/main" xmlns="" id="{8A4861F3-3648-4041-BBFF-4AAA68264099}"/>
                   </a:ext>
                 </a:extLst>
               </p:cNvPr>
@@ -3565,15 +3233,17 @@
             </p:nvSpPr>
             <p:spPr>
               <a:xfrm flipH="1">
-                <a:off x="2155105" y="3861048"/>
-                <a:ext cx="1336774" cy="720080"/>
+                <a:off x="4644781" y="2380445"/>
+                <a:ext cx="1871142" cy="972779"/>
               </a:xfrm>
               <a:prstGeom prst="roundRect">
                 <a:avLst>
                   <a:gd name="adj" fmla="val 9644"/>
                 </a:avLst>
               </a:prstGeom>
-              <a:grpFill/>
+              <a:solidFill>
+                <a:schemeClr val="bg1"/>
+              </a:solidFill>
               <a:ln>
                 <a:solidFill>
                   <a:schemeClr val="tx2">
@@ -3732,16 +3402,82 @@
               </a:p>
             </p:txBody>
           </p:sp>
+          <p:pic>
+            <p:nvPicPr>
+              <p:cNvPr id="8" name="Image 7"/>
+              <p:cNvPicPr>
+                <a:picLocks noChangeAspect="1"/>
+              </p:cNvPicPr>
+              <p:nvPr/>
+            </p:nvPicPr>
+            <p:blipFill>
+              <a:blip r:embed="rId2" cstate="print">
+                <a:extLst>
+                  <a:ext uri="{28A0092B-C50C-407E-A947-70E740481C1C}">
+                    <a14:useLocalDpi xmlns:a14="http://schemas.microsoft.com/office/drawing/2010/main" val="0"/>
+                  </a:ext>
+                </a:extLst>
+              </a:blip>
+              <a:stretch>
+                <a:fillRect/>
+              </a:stretch>
+            </p:blipFill>
+            <p:spPr>
+              <a:xfrm>
+                <a:off x="6046007" y="2417367"/>
+                <a:ext cx="428618" cy="381794"/>
+              </a:xfrm>
+              <a:prstGeom prst="rect">
+                <a:avLst/>
+              </a:prstGeom>
+            </p:spPr>
+          </p:pic>
         </p:grpSp>
+        <p:pic>
+          <p:nvPicPr>
+            <p:cNvPr id="37" name="Image 36">
+              <a:extLst>
+                <a:ext uri="{FF2B5EF4-FFF2-40B4-BE49-F238E27FC236}">
+                  <a16:creationId xmlns:lc="http://schemas.openxmlformats.org/drawingml/2006/lockedCanvas" xmlns:a16="http://schemas.microsoft.com/office/drawing/2014/main" xmlns="" id="{8A3CA8B9-B9C7-4C5E-945E-30789F67099A}"/>
+                </a:ext>
+              </a:extLst>
+            </p:cNvPr>
+            <p:cNvPicPr>
+              <a:picLocks noChangeAspect="1"/>
+            </p:cNvPicPr>
+            <p:nvPr/>
+          </p:nvPicPr>
+          <p:blipFill>
+            <a:blip r:embed="rId3" cstate="print">
+              <a:extLst>
+                <a:ext uri="{28A0092B-C50C-407E-A947-70E740481C1C}">
+                  <a14:useLocalDpi xmlns:a14="http://schemas.microsoft.com/office/drawing/2010/main" val="0"/>
+                </a:ext>
+              </a:extLst>
+            </a:blip>
+            <a:stretch>
+              <a:fillRect/>
+            </a:stretch>
+          </p:blipFill>
+          <p:spPr>
+            <a:xfrm>
+              <a:off x="4703307" y="2441748"/>
+              <a:ext cx="876286" cy="363783"/>
+            </a:xfrm>
+            <a:prstGeom prst="rect">
+              <a:avLst/>
+            </a:prstGeom>
+          </p:spPr>
+        </p:pic>
         <p:sp>
           <p:nvSpPr>
-            <p:cNvPr id="40" name="ZoneTexte 39"/>
+            <p:cNvPr id="39" name="ZoneTexte 38"/>
             <p:cNvSpPr txBox="1"/>
             <p:nvPr/>
           </p:nvSpPr>
           <p:spPr>
             <a:xfrm>
-              <a:off x="1789376" y="3629215"/>
+              <a:off x="4969350" y="2799161"/>
               <a:ext cx="1116124" cy="530915"/>
             </a:xfrm>
             <a:prstGeom prst="rect">
@@ -3757,36 +3493,405 @@
             <a:p>
               <a:r>
                 <a:rPr lang="fr-FR" dirty="0" smtClean="0"/>
-                <a:t>Server-B</a:t>
+                <a:t>Server-A</a:t>
               </a:r>
             </a:p>
             <a:p>
-              <a:pPr lvl="0" algn="ctr"/>
+              <a:pPr algn="ctr"/>
               <a:r>
-                <a:rPr lang="fr-FR" sz="1050" dirty="0" smtClean="0">
+                <a:rPr lang="fr-FR" sz="1050" dirty="0" smtClean="0"/>
+                <a:t>192.168.0.12</a:t>
+              </a:r>
+              <a:endParaRPr lang="fr-FR" sz="1050" dirty="0"/>
+            </a:p>
+          </p:txBody>
+        </p:sp>
+      </p:grpSp>
+      <p:sp>
+        <p:nvSpPr>
+          <p:cNvPr id="3" name="ZoneTexte 2"/>
+          <p:cNvSpPr txBox="1"/>
+          <p:nvPr/>
+        </p:nvSpPr>
+        <p:spPr>
+          <a:xfrm>
+            <a:off x="2318527" y="2294280"/>
+            <a:ext cx="1697901" cy="369332"/>
+          </a:xfrm>
+          <a:prstGeom prst="rect">
+            <a:avLst/>
+          </a:prstGeom>
+          <a:noFill/>
+        </p:spPr>
+        <p:txBody>
+          <a:bodyPr wrap="none" rtlCol="0">
+            <a:spAutoFit/>
+          </a:bodyPr>
+          <a:lstStyle/>
+          <a:p>
+            <a:r>
+              <a:rPr lang="fr-FR" dirty="0" smtClean="0"/>
+              <a:t>Cluster Consul</a:t>
+            </a:r>
+            <a:endParaRPr lang="fr-FR" dirty="0"/>
+          </a:p>
+        </p:txBody>
+      </p:sp>
+      <p:grpSp>
+        <p:nvGrpSpPr>
+          <p:cNvPr id="6" name="Groupe 5"/>
+          <p:cNvGrpSpPr/>
+          <p:nvPr/>
+        </p:nvGrpSpPr>
+        <p:grpSpPr>
+          <a:xfrm>
+            <a:off x="2651382" y="3289777"/>
+            <a:ext cx="1871142" cy="972779"/>
+            <a:chOff x="2651382" y="3289777"/>
+            <a:chExt cx="1871142" cy="972779"/>
+          </a:xfrm>
+        </p:grpSpPr>
+        <p:grpSp>
+          <p:nvGrpSpPr>
+            <p:cNvPr id="7" name="Groupe 6"/>
+            <p:cNvGrpSpPr/>
+            <p:nvPr/>
+          </p:nvGrpSpPr>
+          <p:grpSpPr>
+            <a:xfrm>
+              <a:off x="2651382" y="3289777"/>
+              <a:ext cx="1871142" cy="972779"/>
+              <a:chOff x="1411867" y="3212974"/>
+              <a:chExt cx="1871142" cy="972779"/>
+            </a:xfrm>
+          </p:grpSpPr>
+          <p:grpSp>
+            <p:nvGrpSpPr>
+              <p:cNvPr id="15" name="Groupe 14">
+                <a:extLst>
+                  <a:ext uri="{FF2B5EF4-FFF2-40B4-BE49-F238E27FC236}">
+                    <a16:creationId xmlns:lc="http://schemas.openxmlformats.org/drawingml/2006/lockedCanvas" xmlns:a16="http://schemas.microsoft.com/office/drawing/2014/main" xmlns="" id="{E0E230ED-9E76-46B5-92C4-AB7962005D3F}"/>
+                  </a:ext>
+                </a:extLst>
+              </p:cNvPr>
+              <p:cNvGrpSpPr/>
+              <p:nvPr/>
+            </p:nvGrpSpPr>
+            <p:grpSpPr>
+              <a:xfrm>
+                <a:off x="1411867" y="3212974"/>
+                <a:ext cx="1871142" cy="972779"/>
+                <a:chOff x="2155105" y="3861048"/>
+                <a:chExt cx="1336774" cy="720080"/>
+              </a:xfrm>
+              <a:solidFill>
+                <a:schemeClr val="bg1"/>
+              </a:solidFill>
+            </p:grpSpPr>
+            <p:pic>
+              <p:nvPicPr>
+                <p:cNvPr id="26" name="Image 25">
+                  <a:extLst>
+                    <a:ext uri="{FF2B5EF4-FFF2-40B4-BE49-F238E27FC236}">
+                      <a16:creationId xmlns:lc="http://schemas.openxmlformats.org/drawingml/2006/lockedCanvas" xmlns:a16="http://schemas.microsoft.com/office/drawing/2014/main" xmlns="" id="{8A3CA8B9-B9C7-4C5E-945E-30789F67099A}"/>
+                    </a:ext>
+                  </a:extLst>
+                </p:cNvPr>
+                <p:cNvPicPr>
+                  <a:picLocks noChangeAspect="1"/>
+                </p:cNvPicPr>
+                <p:nvPr/>
+              </p:nvPicPr>
+              <p:blipFill>
+                <a:blip r:embed="rId3" cstate="print">
+                  <a:extLst>
+                    <a:ext uri="{28A0092B-C50C-407E-A947-70E740481C1C}">
+                      <a14:useLocalDpi xmlns:a14="http://schemas.microsoft.com/office/drawing/2010/main" val="0"/>
+                    </a:ext>
+                  </a:extLst>
+                </a:blip>
+                <a:stretch>
+                  <a:fillRect/>
+                </a:stretch>
+              </p:blipFill>
+              <p:spPr>
+                <a:xfrm>
+                  <a:off x="2204094" y="3905903"/>
+                  <a:ext cx="612028" cy="263259"/>
+                </a:xfrm>
+                <a:prstGeom prst="rect">
+                  <a:avLst/>
+                </a:prstGeom>
+                <a:grpFill/>
+              </p:spPr>
+            </p:pic>
+            <p:sp>
+              <p:nvSpPr>
+                <p:cNvPr id="27" name="Rectangle à coins arrondis 26">
+                  <a:extLst>
+                    <a:ext uri="{FF2B5EF4-FFF2-40B4-BE49-F238E27FC236}">
+                      <a16:creationId xmlns:lc="http://schemas.openxmlformats.org/drawingml/2006/lockedCanvas" xmlns:a16="http://schemas.microsoft.com/office/drawing/2014/main" xmlns="" id="{D95582EE-8B26-42D1-A65F-CB3D8ACB3AAF}"/>
+                    </a:ext>
+                  </a:extLst>
+                </p:cNvPr>
+                <p:cNvSpPr/>
+                <p:nvPr/>
+              </p:nvSpPr>
+              <p:spPr>
+                <a:xfrm flipH="1">
+                  <a:off x="2155105" y="3861048"/>
+                  <a:ext cx="1336774" cy="720080"/>
+                </a:xfrm>
+                <a:prstGeom prst="roundRect">
+                  <a:avLst>
+                    <a:gd name="adj" fmla="val 9644"/>
+                  </a:avLst>
+                </a:prstGeom>
+                <a:grpFill/>
+                <a:ln>
+                  <a:solidFill>
+                    <a:schemeClr val="tx2">
+                      <a:lumMod val="60000"/>
+                      <a:lumOff val="40000"/>
+                    </a:schemeClr>
+                  </a:solidFill>
+                </a:ln>
+              </p:spPr>
+              <p:style>
+                <a:lnRef idx="2">
+                  <a:schemeClr val="accent1">
+                    <a:shade val="50000"/>
+                  </a:schemeClr>
+                </a:lnRef>
+                <a:fillRef idx="1">
+                  <a:schemeClr val="accent1"/>
+                </a:fillRef>
+                <a:effectRef idx="0">
+                  <a:schemeClr val="accent1"/>
+                </a:effectRef>
+                <a:fontRef idx="minor">
+                  <a:schemeClr val="lt1"/>
+                </a:fontRef>
+              </p:style>
+              <p:txBody>
+                <a:bodyPr rtlCol="0" anchor="ctr"/>
+                <a:lstStyle>
+                  <a:defPPr>
+                    <a:defRPr lang="fr-FR"/>
+                  </a:defPPr>
+                  <a:lvl1pPr algn="l" rtl="0" fontAlgn="base">
+                    <a:spcBef>
+                      <a:spcPct val="0"/>
+                    </a:spcBef>
+                    <a:spcAft>
+                      <a:spcPct val="0"/>
+                    </a:spcAft>
+                    <a:defRPr kern="1200">
+                      <a:solidFill>
+                        <a:schemeClr val="lt1"/>
+                      </a:solidFill>
+                      <a:latin typeface="+mn-lt"/>
+                      <a:ea typeface="+mn-ea"/>
+                      <a:cs typeface="+mn-cs"/>
+                    </a:defRPr>
+                  </a:lvl1pPr>
+                  <a:lvl2pPr marL="457200" algn="l" rtl="0" fontAlgn="base">
+                    <a:spcBef>
+                      <a:spcPct val="0"/>
+                    </a:spcBef>
+                    <a:spcAft>
+                      <a:spcPct val="0"/>
+                    </a:spcAft>
+                    <a:defRPr kern="1200">
+                      <a:solidFill>
+                        <a:schemeClr val="lt1"/>
+                      </a:solidFill>
+                      <a:latin typeface="+mn-lt"/>
+                      <a:ea typeface="+mn-ea"/>
+                      <a:cs typeface="+mn-cs"/>
+                    </a:defRPr>
+                  </a:lvl2pPr>
+                  <a:lvl3pPr marL="914400" algn="l" rtl="0" fontAlgn="base">
+                    <a:spcBef>
+                      <a:spcPct val="0"/>
+                    </a:spcBef>
+                    <a:spcAft>
+                      <a:spcPct val="0"/>
+                    </a:spcAft>
+                    <a:defRPr kern="1200">
+                      <a:solidFill>
+                        <a:schemeClr val="lt1"/>
+                      </a:solidFill>
+                      <a:latin typeface="+mn-lt"/>
+                      <a:ea typeface="+mn-ea"/>
+                      <a:cs typeface="+mn-cs"/>
+                    </a:defRPr>
+                  </a:lvl3pPr>
+                  <a:lvl4pPr marL="1371600" algn="l" rtl="0" fontAlgn="base">
+                    <a:spcBef>
+                      <a:spcPct val="0"/>
+                    </a:spcBef>
+                    <a:spcAft>
+                      <a:spcPct val="0"/>
+                    </a:spcAft>
+                    <a:defRPr kern="1200">
+                      <a:solidFill>
+                        <a:schemeClr val="lt1"/>
+                      </a:solidFill>
+                      <a:latin typeface="+mn-lt"/>
+                      <a:ea typeface="+mn-ea"/>
+                      <a:cs typeface="+mn-cs"/>
+                    </a:defRPr>
+                  </a:lvl4pPr>
+                  <a:lvl5pPr marL="1828800" algn="l" rtl="0" fontAlgn="base">
+                    <a:spcBef>
+                      <a:spcPct val="0"/>
+                    </a:spcBef>
+                    <a:spcAft>
+                      <a:spcPct val="0"/>
+                    </a:spcAft>
+                    <a:defRPr kern="1200">
+                      <a:solidFill>
+                        <a:schemeClr val="lt1"/>
+                      </a:solidFill>
+                      <a:latin typeface="+mn-lt"/>
+                      <a:ea typeface="+mn-ea"/>
+                      <a:cs typeface="+mn-cs"/>
+                    </a:defRPr>
+                  </a:lvl5pPr>
+                  <a:lvl6pPr marL="2286000" algn="l" defTabSz="914400" rtl="0" eaLnBrk="1" latinLnBrk="0" hangingPunct="1">
+                    <a:defRPr kern="1200">
+                      <a:solidFill>
+                        <a:schemeClr val="lt1"/>
+                      </a:solidFill>
+                      <a:latin typeface="+mn-lt"/>
+                      <a:ea typeface="+mn-ea"/>
+                      <a:cs typeface="+mn-cs"/>
+                    </a:defRPr>
+                  </a:lvl6pPr>
+                  <a:lvl7pPr marL="2743200" algn="l" defTabSz="914400" rtl="0" eaLnBrk="1" latinLnBrk="0" hangingPunct="1">
+                    <a:defRPr kern="1200">
+                      <a:solidFill>
+                        <a:schemeClr val="lt1"/>
+                      </a:solidFill>
+                      <a:latin typeface="+mn-lt"/>
+                      <a:ea typeface="+mn-ea"/>
+                      <a:cs typeface="+mn-cs"/>
+                    </a:defRPr>
+                  </a:lvl7pPr>
+                  <a:lvl8pPr marL="3200400" algn="l" defTabSz="914400" rtl="0" eaLnBrk="1" latinLnBrk="0" hangingPunct="1">
+                    <a:defRPr kern="1200">
+                      <a:solidFill>
+                        <a:schemeClr val="lt1"/>
+                      </a:solidFill>
+                      <a:latin typeface="+mn-lt"/>
+                      <a:ea typeface="+mn-ea"/>
+                      <a:cs typeface="+mn-cs"/>
+                    </a:defRPr>
+                  </a:lvl8pPr>
+                  <a:lvl9pPr marL="3657600" algn="l" defTabSz="914400" rtl="0" eaLnBrk="1" latinLnBrk="0" hangingPunct="1">
+                    <a:defRPr kern="1200">
+                      <a:solidFill>
+                        <a:schemeClr val="lt1"/>
+                      </a:solidFill>
+                      <a:latin typeface="+mn-lt"/>
+                      <a:ea typeface="+mn-ea"/>
+                      <a:cs typeface="+mn-cs"/>
+                    </a:defRPr>
+                  </a:lvl9pPr>
+                </a:lstStyle>
+                <a:p>
+                  <a:pPr algn="ctr"/>
+                  <a:endParaRPr lang="fr-FR"/>
+                </a:p>
+              </p:txBody>
+            </p:sp>
+          </p:grpSp>
+          <p:sp>
+            <p:nvSpPr>
+              <p:cNvPr id="40" name="ZoneTexte 39"/>
+              <p:cNvSpPr txBox="1"/>
+              <p:nvPr/>
+            </p:nvSpPr>
+            <p:spPr>
+              <a:xfrm>
+                <a:off x="1789376" y="3629215"/>
+                <a:ext cx="1116124" cy="530915"/>
+              </a:xfrm>
+              <a:prstGeom prst="rect">
+                <a:avLst/>
+              </a:prstGeom>
+              <a:noFill/>
+            </p:spPr>
+            <p:txBody>
+              <a:bodyPr wrap="square" rtlCol="0">
+                <a:spAutoFit/>
+              </a:bodyPr>
+              <a:lstStyle/>
+              <a:p>
+                <a:r>
+                  <a:rPr lang="fr-FR" dirty="0" smtClean="0"/>
+                  <a:t>Server-B</a:t>
+                </a:r>
+              </a:p>
+              <a:p>
+                <a:pPr lvl="0" algn="ctr"/>
+                <a:r>
+                  <a:rPr lang="fr-FR" sz="1050" dirty="0" smtClean="0">
+                    <a:solidFill>
+                      <a:prstClr val="black"/>
+                    </a:solidFill>
+                  </a:rPr>
+                  <a:t>192.168.0.13</a:t>
+                </a:r>
+                <a:endParaRPr lang="fr-FR" sz="1050" dirty="0">
                   <a:solidFill>
                     <a:prstClr val="black"/>
                   </a:solidFill>
-                </a:rPr>
-                <a:t>192.168.0.13</a:t>
-              </a:r>
-              <a:endParaRPr lang="fr-FR" sz="1050" dirty="0">
-                <a:solidFill>
-                  <a:prstClr val="black"/>
-                </a:solidFill>
-              </a:endParaRPr>
-            </a:p>
-          </p:txBody>
-        </p:sp>
+                </a:endParaRPr>
+              </a:p>
+            </p:txBody>
+          </p:sp>
+          <p:pic>
+            <p:nvPicPr>
+              <p:cNvPr id="55" name="Image 54">
+                <a:extLst>
+                  <a:ext uri="{FF2B5EF4-FFF2-40B4-BE49-F238E27FC236}">
+                    <a16:creationId xmlns:lc="http://schemas.openxmlformats.org/drawingml/2006/lockedCanvas" xmlns:a16="http://schemas.microsoft.com/office/drawing/2014/main" xmlns="" id="{8A3CA8B9-B9C7-4C5E-945E-30789F67099A}"/>
+                  </a:ext>
+                </a:extLst>
+              </p:cNvPr>
+              <p:cNvPicPr>
+                <a:picLocks noChangeAspect="1"/>
+              </p:cNvPicPr>
+              <p:nvPr/>
+            </p:nvPicPr>
+            <p:blipFill>
+              <a:blip r:embed="rId3" cstate="print">
+                <a:extLst>
+                  <a:ext uri="{28A0092B-C50C-407E-A947-70E740481C1C}">
+                    <a14:useLocalDpi xmlns:a14="http://schemas.microsoft.com/office/drawing/2010/main" val="0"/>
+                  </a:ext>
+                </a:extLst>
+              </a:blip>
+              <a:stretch>
+                <a:fillRect/>
+              </a:stretch>
+            </p:blipFill>
+            <p:spPr>
+              <a:xfrm>
+                <a:off x="1495122" y="3251822"/>
+                <a:ext cx="876286" cy="363783"/>
+              </a:xfrm>
+              <a:prstGeom prst="rect">
+                <a:avLst/>
+              </a:prstGeom>
+            </p:spPr>
+          </p:pic>
+        </p:grpSp>
         <p:pic>
           <p:nvPicPr>
-            <p:cNvPr id="55" name="Image 54">
-              <a:extLst>
-                <a:ext uri="{FF2B5EF4-FFF2-40B4-BE49-F238E27FC236}">
-                  <a16:creationId xmlns="" xmlns:a16="http://schemas.microsoft.com/office/drawing/2014/main" xmlns:lc="http://schemas.openxmlformats.org/drawingml/2006/lockedCanvas" id="{8A3CA8B9-B9C7-4C5E-945E-30789F67099A}"/>
-                </a:ext>
-              </a:extLst>
-            </p:cNvPr>
+            <p:cNvPr id="59" name="Image 58"/>
             <p:cNvPicPr>
               <a:picLocks noChangeAspect="1"/>
             </p:cNvPicPr>
@@ -3806,8 +3911,8 @@
           </p:blipFill>
           <p:spPr>
             <a:xfrm>
-              <a:off x="1495122" y="3251822"/>
-              <a:ext cx="876286" cy="363783"/>
+              <a:off x="4029783" y="3310614"/>
+              <a:ext cx="428618" cy="381794"/>
             </a:xfrm>
             <a:prstGeom prst="rect">
               <a:avLst/>
@@ -3817,84 +3922,38 @@
       </p:grpSp>
       <p:grpSp>
         <p:nvGrpSpPr>
-          <p:cNvPr id="4" name="Groupe 3"/>
+          <p:cNvPr id="17" name="Groupe 16"/>
           <p:cNvGrpSpPr/>
           <p:nvPr/>
         </p:nvGrpSpPr>
         <p:grpSpPr>
           <a:xfrm>
-            <a:off x="2656435" y="4494086"/>
+            <a:off x="6638180" y="3289777"/>
             <a:ext cx="1871142" cy="972779"/>
-            <a:chOff x="2548410" y="4549332"/>
+            <a:chOff x="6638180" y="3289777"/>
             <a:chExt cx="1871142" cy="972779"/>
           </a:xfrm>
         </p:grpSpPr>
         <p:grpSp>
           <p:nvGrpSpPr>
-            <p:cNvPr id="45" name="Groupe 44">
-              <a:extLst>
-                <a:ext uri="{FF2B5EF4-FFF2-40B4-BE49-F238E27FC236}">
-                  <a16:creationId xmlns="" xmlns:a16="http://schemas.microsoft.com/office/drawing/2014/main" xmlns:lc="http://schemas.openxmlformats.org/drawingml/2006/lockedCanvas" id="{E0E230ED-9E76-46B5-92C4-AB7962005D3F}"/>
-                </a:ext>
-              </a:extLst>
-            </p:cNvPr>
+            <p:cNvPr id="10" name="Groupe 9"/>
             <p:cNvGrpSpPr/>
             <p:nvPr/>
           </p:nvGrpSpPr>
           <p:grpSpPr>
             <a:xfrm>
-              <a:off x="2548410" y="4549332"/>
+              <a:off x="6638180" y="3289777"/>
               <a:ext cx="1871142" cy="972779"/>
-              <a:chOff x="2155105" y="3861048"/>
-              <a:chExt cx="1336774" cy="720080"/>
+              <a:chOff x="5891328" y="3212974"/>
+              <a:chExt cx="1871142" cy="972779"/>
             </a:xfrm>
-            <a:solidFill>
-              <a:schemeClr val="bg1"/>
-            </a:solidFill>
           </p:grpSpPr>
-          <p:pic>
-            <p:nvPicPr>
-              <p:cNvPr id="46" name="Image 45">
+          <p:sp>
+            <p:nvSpPr>
+              <p:cNvPr id="23" name="Rectangle à coins arrondis 22">
                 <a:extLst>
                   <a:ext uri="{FF2B5EF4-FFF2-40B4-BE49-F238E27FC236}">
-                    <a16:creationId xmlns="" xmlns:a16="http://schemas.microsoft.com/office/drawing/2014/main" xmlns:lc="http://schemas.openxmlformats.org/drawingml/2006/lockedCanvas" id="{8A3CA8B9-B9C7-4C5E-945E-30789F67099A}"/>
-                  </a:ext>
-                </a:extLst>
-              </p:cNvPr>
-              <p:cNvPicPr>
-                <a:picLocks noChangeAspect="1"/>
-              </p:cNvPicPr>
-              <p:nvPr/>
-            </p:nvPicPr>
-            <p:blipFill>
-              <a:blip r:embed="rId2" cstate="print">
-                <a:extLst>
-                  <a:ext uri="{28A0092B-C50C-407E-A947-70E740481C1C}">
-                    <a14:useLocalDpi xmlns:a14="http://schemas.microsoft.com/office/drawing/2010/main" val="0"/>
-                  </a:ext>
-                </a:extLst>
-              </a:blip>
-              <a:stretch>
-                <a:fillRect/>
-              </a:stretch>
-            </p:blipFill>
-            <p:spPr>
-              <a:xfrm>
-                <a:off x="2204095" y="3905903"/>
-                <a:ext cx="517589" cy="222637"/>
-              </a:xfrm>
-              <a:prstGeom prst="rect">
-                <a:avLst/>
-              </a:prstGeom>
-              <a:grpFill/>
-            </p:spPr>
-          </p:pic>
-          <p:sp>
-            <p:nvSpPr>
-              <p:cNvPr id="47" name="Rectangle à coins arrondis 46">
-                <a:extLst>
-                  <a:ext uri="{FF2B5EF4-FFF2-40B4-BE49-F238E27FC236}">
-                    <a16:creationId xmlns="" xmlns:a16="http://schemas.microsoft.com/office/drawing/2014/main" xmlns:lc="http://schemas.openxmlformats.org/drawingml/2006/lockedCanvas" id="{D95582EE-8B26-42D1-A65F-CB3D8ACB3AAF}"/>
+                    <a16:creationId xmlns:lc="http://schemas.openxmlformats.org/drawingml/2006/lockedCanvas" xmlns:a16="http://schemas.microsoft.com/office/drawing/2014/main" xmlns="" id="{39EF6DF5-5B2C-46F6-9EF9-79BC9ADA4131}"/>
                   </a:ext>
                 </a:extLst>
               </p:cNvPr>
@@ -3903,18 +3962,23 @@
             </p:nvSpPr>
             <p:spPr>
               <a:xfrm flipH="1">
-                <a:off x="2155105" y="3861048"/>
-                <a:ext cx="1336774" cy="720080"/>
+                <a:off x="5891328" y="3212974"/>
+                <a:ext cx="1871142" cy="972779"/>
               </a:xfrm>
               <a:prstGeom prst="roundRect">
                 <a:avLst>
                   <a:gd name="adj" fmla="val 9644"/>
                 </a:avLst>
               </a:prstGeom>
-              <a:grpFill/>
+              <a:solidFill>
+                <a:schemeClr val="bg1"/>
+              </a:solidFill>
               <a:ln>
                 <a:solidFill>
-                  <a:srgbClr val="92D050"/>
+                  <a:schemeClr val="tx2">
+                    <a:lumMod val="60000"/>
+                    <a:lumOff val="40000"/>
+                  </a:schemeClr>
                 </a:solidFill>
               </a:ln>
             </p:spPr>
@@ -4067,62 +4131,91 @@
               </a:p>
             </p:txBody>
           </p:sp>
-        </p:grpSp>
-        <p:sp>
-          <p:nvSpPr>
-            <p:cNvPr id="48" name="ZoneTexte 47"/>
-            <p:cNvSpPr txBox="1"/>
-            <p:nvPr/>
-          </p:nvSpPr>
-          <p:spPr>
-            <a:xfrm>
-              <a:off x="2925919" y="4926263"/>
-              <a:ext cx="1116124" cy="530915"/>
-            </a:xfrm>
-            <a:prstGeom prst="rect">
-              <a:avLst/>
-            </a:prstGeom>
-            <a:noFill/>
-          </p:spPr>
-          <p:txBody>
-            <a:bodyPr wrap="square" rtlCol="0">
-              <a:spAutoFit/>
-            </a:bodyPr>
-            <a:lstStyle/>
-            <a:p>
-              <a:pPr lvl="0" algn="ctr"/>
-              <a:r>
-                <a:rPr lang="fr-FR" dirty="0" smtClean="0"/>
-                <a:t>Client-UI</a:t>
-              </a:r>
-            </a:p>
-            <a:p>
-              <a:pPr lvl="0" algn="ctr"/>
-              <a:r>
-                <a:rPr lang="fr-FR" sz="1050" dirty="0" smtClean="0">
+          <p:sp>
+            <p:nvSpPr>
+              <p:cNvPr id="43" name="ZoneTexte 42"/>
+              <p:cNvSpPr txBox="1"/>
+              <p:nvPr/>
+            </p:nvSpPr>
+            <p:spPr>
+              <a:xfrm>
+                <a:off x="6205247" y="3579432"/>
+                <a:ext cx="1116124" cy="530915"/>
+              </a:xfrm>
+              <a:prstGeom prst="rect">
+                <a:avLst/>
+              </a:prstGeom>
+              <a:noFill/>
+            </p:spPr>
+            <p:txBody>
+              <a:bodyPr wrap="square" rtlCol="0">
+                <a:spAutoFit/>
+              </a:bodyPr>
+              <a:lstStyle/>
+              <a:p>
+                <a:r>
+                  <a:rPr lang="fr-FR" dirty="0" smtClean="0"/>
+                  <a:t>Server-C</a:t>
+                </a:r>
+              </a:p>
+              <a:p>
+                <a:pPr lvl="0" algn="ctr"/>
+                <a:r>
+                  <a:rPr lang="fr-FR" sz="1050" dirty="0" smtClean="0">
+                    <a:solidFill>
+                      <a:prstClr val="black"/>
+                    </a:solidFill>
+                  </a:rPr>
+                  <a:t>192.168.0.14</a:t>
+                </a:r>
+                <a:endParaRPr lang="fr-FR" sz="1050" dirty="0">
                   <a:solidFill>
                     <a:prstClr val="black"/>
                   </a:solidFill>
-                </a:rPr>
-                <a:t>192.168.0.15</a:t>
-              </a:r>
-              <a:endParaRPr lang="fr-FR" sz="1050" dirty="0">
-                <a:solidFill>
-                  <a:prstClr val="black"/>
-                </a:solidFill>
-              </a:endParaRPr>
-            </a:p>
-          </p:txBody>
-        </p:sp>
+                </a:endParaRPr>
+              </a:p>
+            </p:txBody>
+          </p:sp>
+          <p:pic>
+            <p:nvPicPr>
+              <p:cNvPr id="58" name="Image 57">
+                <a:extLst>
+                  <a:ext uri="{FF2B5EF4-FFF2-40B4-BE49-F238E27FC236}">
+                    <a16:creationId xmlns:lc="http://schemas.openxmlformats.org/drawingml/2006/lockedCanvas" xmlns:a16="http://schemas.microsoft.com/office/drawing/2014/main" xmlns="" id="{8A3CA8B9-B9C7-4C5E-945E-30789F67099A}"/>
+                  </a:ext>
+                </a:extLst>
+              </p:cNvPr>
+              <p:cNvPicPr>
+                <a:picLocks noChangeAspect="1"/>
+              </p:cNvPicPr>
+              <p:nvPr/>
+            </p:nvPicPr>
+            <p:blipFill>
+              <a:blip r:embed="rId3" cstate="print">
+                <a:extLst>
+                  <a:ext uri="{28A0092B-C50C-407E-A947-70E740481C1C}">
+                    <a14:useLocalDpi xmlns:a14="http://schemas.microsoft.com/office/drawing/2010/main" val="0"/>
+                  </a:ext>
+                </a:extLst>
+              </a:blip>
+              <a:stretch>
+                <a:fillRect/>
+              </a:stretch>
+            </p:blipFill>
+            <p:spPr>
+              <a:xfrm>
+                <a:off x="5950613" y="3237770"/>
+                <a:ext cx="876286" cy="363783"/>
+              </a:xfrm>
+              <a:prstGeom prst="rect">
+                <a:avLst/>
+              </a:prstGeom>
+            </p:spPr>
+          </p:pic>
+        </p:grpSp>
         <p:pic>
           <p:nvPicPr>
-            <p:cNvPr id="56" name="Image 55">
-              <a:extLst>
-                <a:ext uri="{FF2B5EF4-FFF2-40B4-BE49-F238E27FC236}">
-                  <a16:creationId xmlns="" xmlns:a16="http://schemas.microsoft.com/office/drawing/2014/main" xmlns:lc="http://schemas.openxmlformats.org/drawingml/2006/lockedCanvas" id="{8A3CA8B9-B9C7-4C5E-945E-30789F67099A}"/>
-                </a:ext>
-              </a:extLst>
-            </p:cNvPr>
+            <p:cNvPr id="78" name="Image 77"/>
             <p:cNvPicPr>
               <a:picLocks noChangeAspect="1"/>
             </p:cNvPicPr>
@@ -4142,8 +4235,8 @@
           </p:blipFill>
           <p:spPr>
             <a:xfrm>
-              <a:off x="2616983" y="4584994"/>
-              <a:ext cx="876286" cy="363783"/>
+              <a:off x="8028384" y="3326074"/>
+              <a:ext cx="428618" cy="381794"/>
             </a:xfrm>
             <a:prstGeom prst="rect">
               <a:avLst/>
@@ -4153,47 +4246,322 @@
       </p:grpSp>
       <p:grpSp>
         <p:nvGrpSpPr>
-          <p:cNvPr id="13" name="Groupe 12"/>
+          <p:cNvPr id="20" name="Groupe 19"/>
           <p:cNvGrpSpPr/>
           <p:nvPr/>
         </p:nvGrpSpPr>
         <p:grpSpPr>
           <a:xfrm>
-            <a:off x="6780846" y="4424671"/>
+            <a:off x="6632944" y="4514122"/>
             <a:ext cx="1871142" cy="972779"/>
-            <a:chOff x="4801076" y="4549333"/>
+            <a:chOff x="6632944" y="4514122"/>
             <a:chExt cx="1871142" cy="972779"/>
           </a:xfrm>
         </p:grpSpPr>
         <p:grpSp>
           <p:nvGrpSpPr>
-            <p:cNvPr id="49" name="Groupe 48">
-              <a:extLst>
-                <a:ext uri="{FF2B5EF4-FFF2-40B4-BE49-F238E27FC236}">
-                  <a16:creationId xmlns="" xmlns:a16="http://schemas.microsoft.com/office/drawing/2014/main" xmlns:lc="http://schemas.openxmlformats.org/drawingml/2006/lockedCanvas" id="{E0E230ED-9E76-46B5-92C4-AB7962005D3F}"/>
-                </a:ext>
-              </a:extLst>
-            </p:cNvPr>
+            <p:cNvPr id="13" name="Groupe 12"/>
             <p:cNvGrpSpPr/>
             <p:nvPr/>
           </p:nvGrpSpPr>
           <p:grpSpPr>
             <a:xfrm>
-              <a:off x="4801076" y="4549333"/>
+              <a:off x="6632944" y="4514122"/>
               <a:ext cx="1871142" cy="972779"/>
-              <a:chOff x="2155105" y="3861048"/>
-              <a:chExt cx="1336774" cy="720080"/>
+              <a:chOff x="4801076" y="4549333"/>
+              <a:chExt cx="1871142" cy="972779"/>
             </a:xfrm>
-            <a:solidFill>
-              <a:schemeClr val="bg1"/>
-            </a:solidFill>
           </p:grpSpPr>
+          <p:grpSp>
+            <p:nvGrpSpPr>
+              <p:cNvPr id="49" name="Groupe 48">
+                <a:extLst>
+                  <a:ext uri="{FF2B5EF4-FFF2-40B4-BE49-F238E27FC236}">
+                    <a16:creationId xmlns:lc="http://schemas.openxmlformats.org/drawingml/2006/lockedCanvas" xmlns:a16="http://schemas.microsoft.com/office/drawing/2014/main" xmlns="" id="{E0E230ED-9E76-46B5-92C4-AB7962005D3F}"/>
+                  </a:ext>
+                </a:extLst>
+              </p:cNvPr>
+              <p:cNvGrpSpPr/>
+              <p:nvPr/>
+            </p:nvGrpSpPr>
+            <p:grpSpPr>
+              <a:xfrm>
+                <a:off x="4801076" y="4549333"/>
+                <a:ext cx="1871142" cy="972779"/>
+                <a:chOff x="2155105" y="3861048"/>
+                <a:chExt cx="1336774" cy="720080"/>
+              </a:xfrm>
+              <a:solidFill>
+                <a:schemeClr val="bg1"/>
+              </a:solidFill>
+            </p:grpSpPr>
+            <p:pic>
+              <p:nvPicPr>
+                <p:cNvPr id="50" name="Image 49">
+                  <a:extLst>
+                    <a:ext uri="{FF2B5EF4-FFF2-40B4-BE49-F238E27FC236}">
+                      <a16:creationId xmlns:lc="http://schemas.openxmlformats.org/drawingml/2006/lockedCanvas" xmlns:a16="http://schemas.microsoft.com/office/drawing/2014/main" xmlns="" id="{8A3CA8B9-B9C7-4C5E-945E-30789F67099A}"/>
+                    </a:ext>
+                  </a:extLst>
+                </p:cNvPr>
+                <p:cNvPicPr>
+                  <a:picLocks noChangeAspect="1"/>
+                </p:cNvPicPr>
+                <p:nvPr/>
+              </p:nvPicPr>
+              <p:blipFill>
+                <a:blip r:embed="rId3" cstate="print">
+                  <a:extLst>
+                    <a:ext uri="{28A0092B-C50C-407E-A947-70E740481C1C}">
+                      <a14:useLocalDpi xmlns:a14="http://schemas.microsoft.com/office/drawing/2010/main" val="0"/>
+                    </a:ext>
+                  </a:extLst>
+                </a:blip>
+                <a:stretch>
+                  <a:fillRect/>
+                </a:stretch>
+              </p:blipFill>
+              <p:spPr>
+                <a:xfrm>
+                  <a:off x="2204095" y="3905903"/>
+                  <a:ext cx="517589" cy="222637"/>
+                </a:xfrm>
+                <a:prstGeom prst="rect">
+                  <a:avLst/>
+                </a:prstGeom>
+                <a:grpFill/>
+              </p:spPr>
+            </p:pic>
+            <p:sp>
+              <p:nvSpPr>
+                <p:cNvPr id="51" name="Rectangle à coins arrondis 50">
+                  <a:extLst>
+                    <a:ext uri="{FF2B5EF4-FFF2-40B4-BE49-F238E27FC236}">
+                      <a16:creationId xmlns:lc="http://schemas.openxmlformats.org/drawingml/2006/lockedCanvas" xmlns:a16="http://schemas.microsoft.com/office/drawing/2014/main" xmlns="" id="{D95582EE-8B26-42D1-A65F-CB3D8ACB3AAF}"/>
+                    </a:ext>
+                  </a:extLst>
+                </p:cNvPr>
+                <p:cNvSpPr/>
+                <p:nvPr/>
+              </p:nvSpPr>
+              <p:spPr>
+                <a:xfrm flipH="1">
+                  <a:off x="2155105" y="3861048"/>
+                  <a:ext cx="1336774" cy="720080"/>
+                </a:xfrm>
+                <a:prstGeom prst="roundRect">
+                  <a:avLst>
+                    <a:gd name="adj" fmla="val 9644"/>
+                  </a:avLst>
+                </a:prstGeom>
+                <a:grpFill/>
+                <a:ln>
+                  <a:solidFill>
+                    <a:srgbClr val="00B050"/>
+                  </a:solidFill>
+                </a:ln>
+              </p:spPr>
+              <p:style>
+                <a:lnRef idx="2">
+                  <a:schemeClr val="accent1">
+                    <a:shade val="50000"/>
+                  </a:schemeClr>
+                </a:lnRef>
+                <a:fillRef idx="1">
+                  <a:schemeClr val="accent1"/>
+                </a:fillRef>
+                <a:effectRef idx="0">
+                  <a:schemeClr val="accent1"/>
+                </a:effectRef>
+                <a:fontRef idx="minor">
+                  <a:schemeClr val="lt1"/>
+                </a:fontRef>
+              </p:style>
+              <p:txBody>
+                <a:bodyPr rtlCol="0" anchor="ctr"/>
+                <a:lstStyle>
+                  <a:defPPr>
+                    <a:defRPr lang="fr-FR"/>
+                  </a:defPPr>
+                  <a:lvl1pPr algn="l" rtl="0" fontAlgn="base">
+                    <a:spcBef>
+                      <a:spcPct val="0"/>
+                    </a:spcBef>
+                    <a:spcAft>
+                      <a:spcPct val="0"/>
+                    </a:spcAft>
+                    <a:defRPr kern="1200">
+                      <a:solidFill>
+                        <a:schemeClr val="lt1"/>
+                      </a:solidFill>
+                      <a:latin typeface="+mn-lt"/>
+                      <a:ea typeface="+mn-ea"/>
+                      <a:cs typeface="+mn-cs"/>
+                    </a:defRPr>
+                  </a:lvl1pPr>
+                  <a:lvl2pPr marL="457200" algn="l" rtl="0" fontAlgn="base">
+                    <a:spcBef>
+                      <a:spcPct val="0"/>
+                    </a:spcBef>
+                    <a:spcAft>
+                      <a:spcPct val="0"/>
+                    </a:spcAft>
+                    <a:defRPr kern="1200">
+                      <a:solidFill>
+                        <a:schemeClr val="lt1"/>
+                      </a:solidFill>
+                      <a:latin typeface="+mn-lt"/>
+                      <a:ea typeface="+mn-ea"/>
+                      <a:cs typeface="+mn-cs"/>
+                    </a:defRPr>
+                  </a:lvl2pPr>
+                  <a:lvl3pPr marL="914400" algn="l" rtl="0" fontAlgn="base">
+                    <a:spcBef>
+                      <a:spcPct val="0"/>
+                    </a:spcBef>
+                    <a:spcAft>
+                      <a:spcPct val="0"/>
+                    </a:spcAft>
+                    <a:defRPr kern="1200">
+                      <a:solidFill>
+                        <a:schemeClr val="lt1"/>
+                      </a:solidFill>
+                      <a:latin typeface="+mn-lt"/>
+                      <a:ea typeface="+mn-ea"/>
+                      <a:cs typeface="+mn-cs"/>
+                    </a:defRPr>
+                  </a:lvl3pPr>
+                  <a:lvl4pPr marL="1371600" algn="l" rtl="0" fontAlgn="base">
+                    <a:spcBef>
+                      <a:spcPct val="0"/>
+                    </a:spcBef>
+                    <a:spcAft>
+                      <a:spcPct val="0"/>
+                    </a:spcAft>
+                    <a:defRPr kern="1200">
+                      <a:solidFill>
+                        <a:schemeClr val="lt1"/>
+                      </a:solidFill>
+                      <a:latin typeface="+mn-lt"/>
+                      <a:ea typeface="+mn-ea"/>
+                      <a:cs typeface="+mn-cs"/>
+                    </a:defRPr>
+                  </a:lvl4pPr>
+                  <a:lvl5pPr marL="1828800" algn="l" rtl="0" fontAlgn="base">
+                    <a:spcBef>
+                      <a:spcPct val="0"/>
+                    </a:spcBef>
+                    <a:spcAft>
+                      <a:spcPct val="0"/>
+                    </a:spcAft>
+                    <a:defRPr kern="1200">
+                      <a:solidFill>
+                        <a:schemeClr val="lt1"/>
+                      </a:solidFill>
+                      <a:latin typeface="+mn-lt"/>
+                      <a:ea typeface="+mn-ea"/>
+                      <a:cs typeface="+mn-cs"/>
+                    </a:defRPr>
+                  </a:lvl5pPr>
+                  <a:lvl6pPr marL="2286000" algn="l" defTabSz="914400" rtl="0" eaLnBrk="1" latinLnBrk="0" hangingPunct="1">
+                    <a:defRPr kern="1200">
+                      <a:solidFill>
+                        <a:schemeClr val="lt1"/>
+                      </a:solidFill>
+                      <a:latin typeface="+mn-lt"/>
+                      <a:ea typeface="+mn-ea"/>
+                      <a:cs typeface="+mn-cs"/>
+                    </a:defRPr>
+                  </a:lvl6pPr>
+                  <a:lvl7pPr marL="2743200" algn="l" defTabSz="914400" rtl="0" eaLnBrk="1" latinLnBrk="0" hangingPunct="1">
+                    <a:defRPr kern="1200">
+                      <a:solidFill>
+                        <a:schemeClr val="lt1"/>
+                      </a:solidFill>
+                      <a:latin typeface="+mn-lt"/>
+                      <a:ea typeface="+mn-ea"/>
+                      <a:cs typeface="+mn-cs"/>
+                    </a:defRPr>
+                  </a:lvl7pPr>
+                  <a:lvl8pPr marL="3200400" algn="l" defTabSz="914400" rtl="0" eaLnBrk="1" latinLnBrk="0" hangingPunct="1">
+                    <a:defRPr kern="1200">
+                      <a:solidFill>
+                        <a:schemeClr val="lt1"/>
+                      </a:solidFill>
+                      <a:latin typeface="+mn-lt"/>
+                      <a:ea typeface="+mn-ea"/>
+                      <a:cs typeface="+mn-cs"/>
+                    </a:defRPr>
+                  </a:lvl8pPr>
+                  <a:lvl9pPr marL="3657600" algn="l" defTabSz="914400" rtl="0" eaLnBrk="1" latinLnBrk="0" hangingPunct="1">
+                    <a:defRPr kern="1200">
+                      <a:solidFill>
+                        <a:schemeClr val="lt1"/>
+                      </a:solidFill>
+                      <a:latin typeface="+mn-lt"/>
+                      <a:ea typeface="+mn-ea"/>
+                      <a:cs typeface="+mn-cs"/>
+                    </a:defRPr>
+                  </a:lvl9pPr>
+                </a:lstStyle>
+                <a:p>
+                  <a:pPr algn="ctr"/>
+                  <a:endParaRPr lang="fr-FR"/>
+                </a:p>
+              </p:txBody>
+            </p:sp>
+          </p:grpSp>
+          <p:sp>
+            <p:nvSpPr>
+              <p:cNvPr id="52" name="ZoneTexte 51"/>
+              <p:cNvSpPr txBox="1"/>
+              <p:nvPr/>
+            </p:nvSpPr>
+            <p:spPr>
+              <a:xfrm>
+                <a:off x="5172867" y="4926263"/>
+                <a:ext cx="1116124" cy="530915"/>
+              </a:xfrm>
+              <a:prstGeom prst="rect">
+                <a:avLst/>
+              </a:prstGeom>
+              <a:noFill/>
+            </p:spPr>
+            <p:txBody>
+              <a:bodyPr wrap="square" rtlCol="0">
+                <a:spAutoFit/>
+              </a:bodyPr>
+              <a:lstStyle/>
+              <a:p>
+                <a:r>
+                  <a:rPr lang="fr-FR" dirty="0" smtClean="0"/>
+                  <a:t>Client-B</a:t>
+                </a:r>
+              </a:p>
+              <a:p>
+                <a:pPr lvl="0" algn="ctr"/>
+                <a:r>
+                  <a:rPr lang="fr-FR" sz="1050" dirty="0" smtClean="0">
+                    <a:solidFill>
+                      <a:prstClr val="black"/>
+                    </a:solidFill>
+                  </a:rPr>
+                  <a:t>192.168.0.17</a:t>
+                </a:r>
+                <a:endParaRPr lang="fr-FR" sz="1050" dirty="0">
+                  <a:solidFill>
+                    <a:prstClr val="black"/>
+                  </a:solidFill>
+                </a:endParaRPr>
+              </a:p>
+            </p:txBody>
+          </p:sp>
           <p:pic>
             <p:nvPicPr>
-              <p:cNvPr id="50" name="Image 49">
+              <p:cNvPr id="57" name="Image 56">
                 <a:extLst>
                   <a:ext uri="{FF2B5EF4-FFF2-40B4-BE49-F238E27FC236}">
-                    <a16:creationId xmlns="" xmlns:a16="http://schemas.microsoft.com/office/drawing/2014/main" xmlns:lc="http://schemas.openxmlformats.org/drawingml/2006/lockedCanvas" id="{8A3CA8B9-B9C7-4C5E-945E-30789F67099A}"/>
+                    <a16:creationId xmlns:lc="http://schemas.openxmlformats.org/drawingml/2006/lockedCanvas" xmlns:a16="http://schemas.microsoft.com/office/drawing/2014/main" xmlns="" id="{8A3CA8B9-B9C7-4C5E-945E-30789F67099A}"/>
                   </a:ext>
                 </a:extLst>
               </p:cNvPr>
@@ -4203,7 +4571,7 @@
               <p:nvPr/>
             </p:nvPicPr>
             <p:blipFill>
-              <a:blip r:embed="rId2" cstate="print">
+              <a:blip r:embed="rId3" cstate="print">
                 <a:extLst>
                   <a:ext uri="{28A0092B-C50C-407E-A947-70E740481C1C}">
                     <a14:useLocalDpi xmlns:a14="http://schemas.microsoft.com/office/drawing/2010/main" val="0"/>
@@ -4216,248 +4584,18 @@
             </p:blipFill>
             <p:spPr>
               <a:xfrm>
-                <a:off x="2204095" y="3905903"/>
-                <a:ext cx="517589" cy="222637"/>
+                <a:off x="4857277" y="4576416"/>
+                <a:ext cx="876286" cy="363783"/>
               </a:xfrm>
               <a:prstGeom prst="rect">
                 <a:avLst/>
               </a:prstGeom>
-              <a:grpFill/>
             </p:spPr>
           </p:pic>
-          <p:sp>
-            <p:nvSpPr>
-              <p:cNvPr id="51" name="Rectangle à coins arrondis 50">
-                <a:extLst>
-                  <a:ext uri="{FF2B5EF4-FFF2-40B4-BE49-F238E27FC236}">
-                    <a16:creationId xmlns="" xmlns:a16="http://schemas.microsoft.com/office/drawing/2014/main" xmlns:lc="http://schemas.openxmlformats.org/drawingml/2006/lockedCanvas" id="{D95582EE-8B26-42D1-A65F-CB3D8ACB3AAF}"/>
-                  </a:ext>
-                </a:extLst>
-              </p:cNvPr>
-              <p:cNvSpPr/>
-              <p:nvPr/>
-            </p:nvSpPr>
-            <p:spPr>
-              <a:xfrm flipH="1">
-                <a:off x="2155105" y="3861048"/>
-                <a:ext cx="1336774" cy="720080"/>
-              </a:xfrm>
-              <a:prstGeom prst="roundRect">
-                <a:avLst>
-                  <a:gd name="adj" fmla="val 9644"/>
-                </a:avLst>
-              </a:prstGeom>
-              <a:grpFill/>
-              <a:ln>
-                <a:solidFill>
-                  <a:srgbClr val="00B050"/>
-                </a:solidFill>
-              </a:ln>
-            </p:spPr>
-            <p:style>
-              <a:lnRef idx="2">
-                <a:schemeClr val="accent1">
-                  <a:shade val="50000"/>
-                </a:schemeClr>
-              </a:lnRef>
-              <a:fillRef idx="1">
-                <a:schemeClr val="accent1"/>
-              </a:fillRef>
-              <a:effectRef idx="0">
-                <a:schemeClr val="accent1"/>
-              </a:effectRef>
-              <a:fontRef idx="minor">
-                <a:schemeClr val="lt1"/>
-              </a:fontRef>
-            </p:style>
-            <p:txBody>
-              <a:bodyPr rtlCol="0" anchor="ctr"/>
-              <a:lstStyle>
-                <a:defPPr>
-                  <a:defRPr lang="fr-FR"/>
-                </a:defPPr>
-                <a:lvl1pPr algn="l" rtl="0" fontAlgn="base">
-                  <a:spcBef>
-                    <a:spcPct val="0"/>
-                  </a:spcBef>
-                  <a:spcAft>
-                    <a:spcPct val="0"/>
-                  </a:spcAft>
-                  <a:defRPr kern="1200">
-                    <a:solidFill>
-                      <a:schemeClr val="lt1"/>
-                    </a:solidFill>
-                    <a:latin typeface="+mn-lt"/>
-                    <a:ea typeface="+mn-ea"/>
-                    <a:cs typeface="+mn-cs"/>
-                  </a:defRPr>
-                </a:lvl1pPr>
-                <a:lvl2pPr marL="457200" algn="l" rtl="0" fontAlgn="base">
-                  <a:spcBef>
-                    <a:spcPct val="0"/>
-                  </a:spcBef>
-                  <a:spcAft>
-                    <a:spcPct val="0"/>
-                  </a:spcAft>
-                  <a:defRPr kern="1200">
-                    <a:solidFill>
-                      <a:schemeClr val="lt1"/>
-                    </a:solidFill>
-                    <a:latin typeface="+mn-lt"/>
-                    <a:ea typeface="+mn-ea"/>
-                    <a:cs typeface="+mn-cs"/>
-                  </a:defRPr>
-                </a:lvl2pPr>
-                <a:lvl3pPr marL="914400" algn="l" rtl="0" fontAlgn="base">
-                  <a:spcBef>
-                    <a:spcPct val="0"/>
-                  </a:spcBef>
-                  <a:spcAft>
-                    <a:spcPct val="0"/>
-                  </a:spcAft>
-                  <a:defRPr kern="1200">
-                    <a:solidFill>
-                      <a:schemeClr val="lt1"/>
-                    </a:solidFill>
-                    <a:latin typeface="+mn-lt"/>
-                    <a:ea typeface="+mn-ea"/>
-                    <a:cs typeface="+mn-cs"/>
-                  </a:defRPr>
-                </a:lvl3pPr>
-                <a:lvl4pPr marL="1371600" algn="l" rtl="0" fontAlgn="base">
-                  <a:spcBef>
-                    <a:spcPct val="0"/>
-                  </a:spcBef>
-                  <a:spcAft>
-                    <a:spcPct val="0"/>
-                  </a:spcAft>
-                  <a:defRPr kern="1200">
-                    <a:solidFill>
-                      <a:schemeClr val="lt1"/>
-                    </a:solidFill>
-                    <a:latin typeface="+mn-lt"/>
-                    <a:ea typeface="+mn-ea"/>
-                    <a:cs typeface="+mn-cs"/>
-                  </a:defRPr>
-                </a:lvl4pPr>
-                <a:lvl5pPr marL="1828800" algn="l" rtl="0" fontAlgn="base">
-                  <a:spcBef>
-                    <a:spcPct val="0"/>
-                  </a:spcBef>
-                  <a:spcAft>
-                    <a:spcPct val="0"/>
-                  </a:spcAft>
-                  <a:defRPr kern="1200">
-                    <a:solidFill>
-                      <a:schemeClr val="lt1"/>
-                    </a:solidFill>
-                    <a:latin typeface="+mn-lt"/>
-                    <a:ea typeface="+mn-ea"/>
-                    <a:cs typeface="+mn-cs"/>
-                  </a:defRPr>
-                </a:lvl5pPr>
-                <a:lvl6pPr marL="2286000" algn="l" defTabSz="914400" rtl="0" eaLnBrk="1" latinLnBrk="0" hangingPunct="1">
-                  <a:defRPr kern="1200">
-                    <a:solidFill>
-                      <a:schemeClr val="lt1"/>
-                    </a:solidFill>
-                    <a:latin typeface="+mn-lt"/>
-                    <a:ea typeface="+mn-ea"/>
-                    <a:cs typeface="+mn-cs"/>
-                  </a:defRPr>
-                </a:lvl6pPr>
-                <a:lvl7pPr marL="2743200" algn="l" defTabSz="914400" rtl="0" eaLnBrk="1" latinLnBrk="0" hangingPunct="1">
-                  <a:defRPr kern="1200">
-                    <a:solidFill>
-                      <a:schemeClr val="lt1"/>
-                    </a:solidFill>
-                    <a:latin typeface="+mn-lt"/>
-                    <a:ea typeface="+mn-ea"/>
-                    <a:cs typeface="+mn-cs"/>
-                  </a:defRPr>
-                </a:lvl7pPr>
-                <a:lvl8pPr marL="3200400" algn="l" defTabSz="914400" rtl="0" eaLnBrk="1" latinLnBrk="0" hangingPunct="1">
-                  <a:defRPr kern="1200">
-                    <a:solidFill>
-                      <a:schemeClr val="lt1"/>
-                    </a:solidFill>
-                    <a:latin typeface="+mn-lt"/>
-                    <a:ea typeface="+mn-ea"/>
-                    <a:cs typeface="+mn-cs"/>
-                  </a:defRPr>
-                </a:lvl8pPr>
-                <a:lvl9pPr marL="3657600" algn="l" defTabSz="914400" rtl="0" eaLnBrk="1" latinLnBrk="0" hangingPunct="1">
-                  <a:defRPr kern="1200">
-                    <a:solidFill>
-                      <a:schemeClr val="lt1"/>
-                    </a:solidFill>
-                    <a:latin typeface="+mn-lt"/>
-                    <a:ea typeface="+mn-ea"/>
-                    <a:cs typeface="+mn-cs"/>
-                  </a:defRPr>
-                </a:lvl9pPr>
-              </a:lstStyle>
-              <a:p>
-                <a:pPr algn="ctr"/>
-                <a:endParaRPr lang="fr-FR"/>
-              </a:p>
-            </p:txBody>
-          </p:sp>
         </p:grpSp>
-        <p:sp>
-          <p:nvSpPr>
-            <p:cNvPr id="52" name="ZoneTexte 51"/>
-            <p:cNvSpPr txBox="1"/>
-            <p:nvPr/>
-          </p:nvSpPr>
-          <p:spPr>
-            <a:xfrm>
-              <a:off x="5172867" y="4926263"/>
-              <a:ext cx="1116124" cy="530915"/>
-            </a:xfrm>
-            <a:prstGeom prst="rect">
-              <a:avLst/>
-            </a:prstGeom>
-            <a:noFill/>
-          </p:spPr>
-          <p:txBody>
-            <a:bodyPr wrap="square" rtlCol="0">
-              <a:spAutoFit/>
-            </a:bodyPr>
-            <a:lstStyle/>
-            <a:p>
-              <a:r>
-                <a:rPr lang="fr-FR" dirty="0" smtClean="0"/>
-                <a:t>Client-B</a:t>
-              </a:r>
-            </a:p>
-            <a:p>
-              <a:pPr lvl="0" algn="ctr"/>
-              <a:r>
-                <a:rPr lang="fr-FR" sz="1050" dirty="0" smtClean="0">
-                  <a:solidFill>
-                    <a:prstClr val="black"/>
-                  </a:solidFill>
-                </a:rPr>
-                <a:t>192.168.0.17</a:t>
-              </a:r>
-              <a:endParaRPr lang="fr-FR" sz="1050" dirty="0">
-                <a:solidFill>
-                  <a:prstClr val="black"/>
-                </a:solidFill>
-              </a:endParaRPr>
-            </a:p>
-          </p:txBody>
-        </p:sp>
         <p:pic>
           <p:nvPicPr>
-            <p:cNvPr id="57" name="Image 56">
-              <a:extLst>
-                <a:ext uri="{FF2B5EF4-FFF2-40B4-BE49-F238E27FC236}">
-                  <a16:creationId xmlns="" xmlns:a16="http://schemas.microsoft.com/office/drawing/2014/main" xmlns:lc="http://schemas.openxmlformats.org/drawingml/2006/lockedCanvas" id="{8A3CA8B9-B9C7-4C5E-945E-30789F67099A}"/>
-                </a:ext>
-              </a:extLst>
-            </p:cNvPr>
+            <p:cNvPr id="79" name="Image 78"/>
             <p:cNvPicPr>
               <a:picLocks noChangeAspect="1"/>
             </p:cNvPicPr>
@@ -4477,8 +4615,8 @@
           </p:blipFill>
           <p:spPr>
             <a:xfrm>
-              <a:off x="4857277" y="4576416"/>
-              <a:ext cx="876286" cy="363783"/>
+              <a:off x="8028384" y="4559374"/>
+              <a:ext cx="428618" cy="381794"/>
             </a:xfrm>
             <a:prstGeom prst="rect">
               <a:avLst/>
@@ -4488,255 +4626,356 @@
       </p:grpSp>
       <p:grpSp>
         <p:nvGrpSpPr>
-          <p:cNvPr id="10" name="Groupe 9"/>
+          <p:cNvPr id="21" name="Groupe 20"/>
           <p:cNvGrpSpPr/>
           <p:nvPr/>
         </p:nvGrpSpPr>
         <p:grpSpPr>
           <a:xfrm>
-            <a:off x="6764607" y="3284269"/>
+            <a:off x="4674741" y="5230522"/>
             <a:ext cx="1871142" cy="972779"/>
-            <a:chOff x="5891328" y="3212974"/>
+            <a:chOff x="4674741" y="5230522"/>
             <a:chExt cx="1871142" cy="972779"/>
           </a:xfrm>
         </p:grpSpPr>
-        <p:sp>
-          <p:nvSpPr>
-            <p:cNvPr id="23" name="Rectangle à coins arrondis 22">
-              <a:extLst>
-                <a:ext uri="{FF2B5EF4-FFF2-40B4-BE49-F238E27FC236}">
-                  <a16:creationId xmlns="" xmlns:a16="http://schemas.microsoft.com/office/drawing/2014/main" xmlns:lc="http://schemas.openxmlformats.org/drawingml/2006/lockedCanvas" id="{39EF6DF5-5B2C-46F6-9EF9-79BC9ADA4131}"/>
-                </a:ext>
-              </a:extLst>
-            </p:cNvPr>
-            <p:cNvSpPr/>
+        <p:grpSp>
+          <p:nvGrpSpPr>
+            <p:cNvPr id="60" name="Groupe 59"/>
+            <p:cNvGrpSpPr/>
             <p:nvPr/>
-          </p:nvSpPr>
-          <p:spPr>
-            <a:xfrm flipH="1">
-              <a:off x="5891328" y="3212974"/>
+          </p:nvGrpSpPr>
+          <p:grpSpPr>
+            <a:xfrm>
+              <a:off x="4674741" y="5230522"/>
               <a:ext cx="1871142" cy="972779"/>
+              <a:chOff x="4801076" y="4549333"/>
+              <a:chExt cx="1871142" cy="972779"/>
             </a:xfrm>
-            <a:prstGeom prst="roundRect">
-              <a:avLst>
-                <a:gd name="adj" fmla="val 9644"/>
-              </a:avLst>
-            </a:prstGeom>
-            <a:solidFill>
-              <a:schemeClr val="bg1"/>
-            </a:solidFill>
-            <a:ln>
+          </p:grpSpPr>
+          <p:grpSp>
+            <p:nvGrpSpPr>
+              <p:cNvPr id="61" name="Groupe 60">
+                <a:extLst>
+                  <a:ext uri="{FF2B5EF4-FFF2-40B4-BE49-F238E27FC236}">
+                    <a16:creationId xmlns:lc="http://schemas.openxmlformats.org/drawingml/2006/lockedCanvas" xmlns:a16="http://schemas.microsoft.com/office/drawing/2014/main" xmlns="" id="{E0E230ED-9E76-46B5-92C4-AB7962005D3F}"/>
+                  </a:ext>
+                </a:extLst>
+              </p:cNvPr>
+              <p:cNvGrpSpPr/>
+              <p:nvPr/>
+            </p:nvGrpSpPr>
+            <p:grpSpPr>
+              <a:xfrm>
+                <a:off x="4801076" y="4549333"/>
+                <a:ext cx="1871142" cy="972779"/>
+                <a:chOff x="2155105" y="3861048"/>
+                <a:chExt cx="1336774" cy="720080"/>
+              </a:xfrm>
               <a:solidFill>
-                <a:schemeClr val="tx2">
-                  <a:lumMod val="60000"/>
-                  <a:lumOff val="40000"/>
-                </a:schemeClr>
+                <a:schemeClr val="bg1"/>
               </a:solidFill>
-            </a:ln>
-          </p:spPr>
-          <p:style>
-            <a:lnRef idx="2">
-              <a:schemeClr val="accent1">
-                <a:shade val="50000"/>
-              </a:schemeClr>
-            </a:lnRef>
-            <a:fillRef idx="1">
-              <a:schemeClr val="accent1"/>
-            </a:fillRef>
-            <a:effectRef idx="0">
-              <a:schemeClr val="accent1"/>
-            </a:effectRef>
-            <a:fontRef idx="minor">
-              <a:schemeClr val="lt1"/>
-            </a:fontRef>
-          </p:style>
-          <p:txBody>
-            <a:bodyPr rtlCol="0" anchor="ctr"/>
-            <a:lstStyle>
-              <a:defPPr>
-                <a:defRPr lang="fr-FR"/>
-              </a:defPPr>
-              <a:lvl1pPr algn="l" rtl="0" fontAlgn="base">
-                <a:spcBef>
-                  <a:spcPct val="0"/>
-                </a:spcBef>
-                <a:spcAft>
-                  <a:spcPct val="0"/>
-                </a:spcAft>
-                <a:defRPr kern="1200">
+            </p:grpSpPr>
+            <p:pic>
+              <p:nvPicPr>
+                <p:cNvPr id="64" name="Image 63">
+                  <a:extLst>
+                    <a:ext uri="{FF2B5EF4-FFF2-40B4-BE49-F238E27FC236}">
+                      <a16:creationId xmlns:lc="http://schemas.openxmlformats.org/drawingml/2006/lockedCanvas" xmlns:a16="http://schemas.microsoft.com/office/drawing/2014/main" xmlns="" id="{8A3CA8B9-B9C7-4C5E-945E-30789F67099A}"/>
+                    </a:ext>
+                  </a:extLst>
+                </p:cNvPr>
+                <p:cNvPicPr>
+                  <a:picLocks noChangeAspect="1"/>
+                </p:cNvPicPr>
+                <p:nvPr/>
+              </p:nvPicPr>
+              <p:blipFill>
+                <a:blip r:embed="rId3" cstate="print">
+                  <a:extLst>
+                    <a:ext uri="{28A0092B-C50C-407E-A947-70E740481C1C}">
+                      <a14:useLocalDpi xmlns:a14="http://schemas.microsoft.com/office/drawing/2010/main" val="0"/>
+                    </a:ext>
+                  </a:extLst>
+                </a:blip>
+                <a:stretch>
+                  <a:fillRect/>
+                </a:stretch>
+              </p:blipFill>
+              <p:spPr>
+                <a:xfrm>
+                  <a:off x="2204095" y="3905903"/>
+                  <a:ext cx="517589" cy="222637"/>
+                </a:xfrm>
+                <a:prstGeom prst="rect">
+                  <a:avLst/>
+                </a:prstGeom>
+                <a:grpFill/>
+              </p:spPr>
+            </p:pic>
+            <p:sp>
+              <p:nvSpPr>
+                <p:cNvPr id="76" name="Rectangle à coins arrondis 75">
+                  <a:extLst>
+                    <a:ext uri="{FF2B5EF4-FFF2-40B4-BE49-F238E27FC236}">
+                      <a16:creationId xmlns:lc="http://schemas.openxmlformats.org/drawingml/2006/lockedCanvas" xmlns:a16="http://schemas.microsoft.com/office/drawing/2014/main" xmlns="" id="{D95582EE-8B26-42D1-A65F-CB3D8ACB3AAF}"/>
+                    </a:ext>
+                  </a:extLst>
+                </p:cNvPr>
+                <p:cNvSpPr/>
+                <p:nvPr/>
+              </p:nvSpPr>
+              <p:spPr>
+                <a:xfrm flipH="1">
+                  <a:off x="2155105" y="3861048"/>
+                  <a:ext cx="1336774" cy="720080"/>
+                </a:xfrm>
+                <a:prstGeom prst="roundRect">
+                  <a:avLst>
+                    <a:gd name="adj" fmla="val 9644"/>
+                  </a:avLst>
+                </a:prstGeom>
+                <a:grpFill/>
+                <a:ln>
                   <a:solidFill>
-                    <a:schemeClr val="lt1"/>
+                    <a:srgbClr val="00B050"/>
                   </a:solidFill>
-                  <a:latin typeface="+mn-lt"/>
-                  <a:ea typeface="+mn-ea"/>
-                  <a:cs typeface="+mn-cs"/>
-                </a:defRPr>
-              </a:lvl1pPr>
-              <a:lvl2pPr marL="457200" algn="l" rtl="0" fontAlgn="base">
-                <a:spcBef>
-                  <a:spcPct val="0"/>
-                </a:spcBef>
-                <a:spcAft>
-                  <a:spcPct val="0"/>
-                </a:spcAft>
-                <a:defRPr kern="1200">
-                  <a:solidFill>
-                    <a:schemeClr val="lt1"/>
-                  </a:solidFill>
-                  <a:latin typeface="+mn-lt"/>
-                  <a:ea typeface="+mn-ea"/>
-                  <a:cs typeface="+mn-cs"/>
-                </a:defRPr>
-              </a:lvl2pPr>
-              <a:lvl3pPr marL="914400" algn="l" rtl="0" fontAlgn="base">
-                <a:spcBef>
-                  <a:spcPct val="0"/>
-                </a:spcBef>
-                <a:spcAft>
-                  <a:spcPct val="0"/>
-                </a:spcAft>
-                <a:defRPr kern="1200">
-                  <a:solidFill>
-                    <a:schemeClr val="lt1"/>
-                  </a:solidFill>
-                  <a:latin typeface="+mn-lt"/>
-                  <a:ea typeface="+mn-ea"/>
-                  <a:cs typeface="+mn-cs"/>
-                </a:defRPr>
-              </a:lvl3pPr>
-              <a:lvl4pPr marL="1371600" algn="l" rtl="0" fontAlgn="base">
-                <a:spcBef>
-                  <a:spcPct val="0"/>
-                </a:spcBef>
-                <a:spcAft>
-                  <a:spcPct val="0"/>
-                </a:spcAft>
-                <a:defRPr kern="1200">
-                  <a:solidFill>
-                    <a:schemeClr val="lt1"/>
-                  </a:solidFill>
-                  <a:latin typeface="+mn-lt"/>
-                  <a:ea typeface="+mn-ea"/>
-                  <a:cs typeface="+mn-cs"/>
-                </a:defRPr>
-              </a:lvl4pPr>
-              <a:lvl5pPr marL="1828800" algn="l" rtl="0" fontAlgn="base">
-                <a:spcBef>
-                  <a:spcPct val="0"/>
-                </a:spcBef>
-                <a:spcAft>
-                  <a:spcPct val="0"/>
-                </a:spcAft>
-                <a:defRPr kern="1200">
-                  <a:solidFill>
-                    <a:schemeClr val="lt1"/>
-                  </a:solidFill>
-                  <a:latin typeface="+mn-lt"/>
-                  <a:ea typeface="+mn-ea"/>
-                  <a:cs typeface="+mn-cs"/>
-                </a:defRPr>
-              </a:lvl5pPr>
-              <a:lvl6pPr marL="2286000" algn="l" defTabSz="914400" rtl="0" eaLnBrk="1" latinLnBrk="0" hangingPunct="1">
-                <a:defRPr kern="1200">
-                  <a:solidFill>
-                    <a:schemeClr val="lt1"/>
-                  </a:solidFill>
-                  <a:latin typeface="+mn-lt"/>
-                  <a:ea typeface="+mn-ea"/>
-                  <a:cs typeface="+mn-cs"/>
-                </a:defRPr>
-              </a:lvl6pPr>
-              <a:lvl7pPr marL="2743200" algn="l" defTabSz="914400" rtl="0" eaLnBrk="1" latinLnBrk="0" hangingPunct="1">
-                <a:defRPr kern="1200">
-                  <a:solidFill>
-                    <a:schemeClr val="lt1"/>
-                  </a:solidFill>
-                  <a:latin typeface="+mn-lt"/>
-                  <a:ea typeface="+mn-ea"/>
-                  <a:cs typeface="+mn-cs"/>
-                </a:defRPr>
-              </a:lvl7pPr>
-              <a:lvl8pPr marL="3200400" algn="l" defTabSz="914400" rtl="0" eaLnBrk="1" latinLnBrk="0" hangingPunct="1">
-                <a:defRPr kern="1200">
-                  <a:solidFill>
-                    <a:schemeClr val="lt1"/>
-                  </a:solidFill>
-                  <a:latin typeface="+mn-lt"/>
-                  <a:ea typeface="+mn-ea"/>
-                  <a:cs typeface="+mn-cs"/>
-                </a:defRPr>
-              </a:lvl8pPr>
-              <a:lvl9pPr marL="3657600" algn="l" defTabSz="914400" rtl="0" eaLnBrk="1" latinLnBrk="0" hangingPunct="1">
-                <a:defRPr kern="1200">
-                  <a:solidFill>
-                    <a:schemeClr val="lt1"/>
-                  </a:solidFill>
-                  <a:latin typeface="+mn-lt"/>
-                  <a:ea typeface="+mn-ea"/>
-                  <a:cs typeface="+mn-cs"/>
-                </a:defRPr>
-              </a:lvl9pPr>
-            </a:lstStyle>
-            <a:p>
-              <a:pPr algn="ctr"/>
-              <a:endParaRPr lang="fr-FR"/>
-            </a:p>
-          </p:txBody>
-        </p:sp>
-        <p:sp>
-          <p:nvSpPr>
-            <p:cNvPr id="43" name="ZoneTexte 42"/>
-            <p:cNvSpPr txBox="1"/>
-            <p:nvPr/>
-          </p:nvSpPr>
-          <p:spPr>
-            <a:xfrm>
-              <a:off x="6205247" y="3579432"/>
-              <a:ext cx="1116124" cy="530915"/>
-            </a:xfrm>
-            <a:prstGeom prst="rect">
-              <a:avLst/>
-            </a:prstGeom>
-            <a:noFill/>
-          </p:spPr>
-          <p:txBody>
-            <a:bodyPr wrap="square" rtlCol="0">
-              <a:spAutoFit/>
-            </a:bodyPr>
-            <a:lstStyle/>
-            <a:p>
-              <a:r>
-                <a:rPr lang="fr-FR" dirty="0" smtClean="0"/>
-                <a:t>Server-C</a:t>
-              </a:r>
-            </a:p>
-            <a:p>
-              <a:pPr lvl="0" algn="ctr"/>
-              <a:r>
-                <a:rPr lang="fr-FR" sz="1050" dirty="0" smtClean="0">
+                </a:ln>
+              </p:spPr>
+              <p:style>
+                <a:lnRef idx="2">
+                  <a:schemeClr val="accent1">
+                    <a:shade val="50000"/>
+                  </a:schemeClr>
+                </a:lnRef>
+                <a:fillRef idx="1">
+                  <a:schemeClr val="accent1"/>
+                </a:fillRef>
+                <a:effectRef idx="0">
+                  <a:schemeClr val="accent1"/>
+                </a:effectRef>
+                <a:fontRef idx="minor">
+                  <a:schemeClr val="lt1"/>
+                </a:fontRef>
+              </p:style>
+              <p:txBody>
+                <a:bodyPr rtlCol="0" anchor="ctr"/>
+                <a:lstStyle>
+                  <a:defPPr>
+                    <a:defRPr lang="fr-FR"/>
+                  </a:defPPr>
+                  <a:lvl1pPr algn="l" rtl="0" fontAlgn="base">
+                    <a:spcBef>
+                      <a:spcPct val="0"/>
+                    </a:spcBef>
+                    <a:spcAft>
+                      <a:spcPct val="0"/>
+                    </a:spcAft>
+                    <a:defRPr kern="1200">
+                      <a:solidFill>
+                        <a:schemeClr val="lt1"/>
+                      </a:solidFill>
+                      <a:latin typeface="+mn-lt"/>
+                      <a:ea typeface="+mn-ea"/>
+                      <a:cs typeface="+mn-cs"/>
+                    </a:defRPr>
+                  </a:lvl1pPr>
+                  <a:lvl2pPr marL="457200" algn="l" rtl="0" fontAlgn="base">
+                    <a:spcBef>
+                      <a:spcPct val="0"/>
+                    </a:spcBef>
+                    <a:spcAft>
+                      <a:spcPct val="0"/>
+                    </a:spcAft>
+                    <a:defRPr kern="1200">
+                      <a:solidFill>
+                        <a:schemeClr val="lt1"/>
+                      </a:solidFill>
+                      <a:latin typeface="+mn-lt"/>
+                      <a:ea typeface="+mn-ea"/>
+                      <a:cs typeface="+mn-cs"/>
+                    </a:defRPr>
+                  </a:lvl2pPr>
+                  <a:lvl3pPr marL="914400" algn="l" rtl="0" fontAlgn="base">
+                    <a:spcBef>
+                      <a:spcPct val="0"/>
+                    </a:spcBef>
+                    <a:spcAft>
+                      <a:spcPct val="0"/>
+                    </a:spcAft>
+                    <a:defRPr kern="1200">
+                      <a:solidFill>
+                        <a:schemeClr val="lt1"/>
+                      </a:solidFill>
+                      <a:latin typeface="+mn-lt"/>
+                      <a:ea typeface="+mn-ea"/>
+                      <a:cs typeface="+mn-cs"/>
+                    </a:defRPr>
+                  </a:lvl3pPr>
+                  <a:lvl4pPr marL="1371600" algn="l" rtl="0" fontAlgn="base">
+                    <a:spcBef>
+                      <a:spcPct val="0"/>
+                    </a:spcBef>
+                    <a:spcAft>
+                      <a:spcPct val="0"/>
+                    </a:spcAft>
+                    <a:defRPr kern="1200">
+                      <a:solidFill>
+                        <a:schemeClr val="lt1"/>
+                      </a:solidFill>
+                      <a:latin typeface="+mn-lt"/>
+                      <a:ea typeface="+mn-ea"/>
+                      <a:cs typeface="+mn-cs"/>
+                    </a:defRPr>
+                  </a:lvl4pPr>
+                  <a:lvl5pPr marL="1828800" algn="l" rtl="0" fontAlgn="base">
+                    <a:spcBef>
+                      <a:spcPct val="0"/>
+                    </a:spcBef>
+                    <a:spcAft>
+                      <a:spcPct val="0"/>
+                    </a:spcAft>
+                    <a:defRPr kern="1200">
+                      <a:solidFill>
+                        <a:schemeClr val="lt1"/>
+                      </a:solidFill>
+                      <a:latin typeface="+mn-lt"/>
+                      <a:ea typeface="+mn-ea"/>
+                      <a:cs typeface="+mn-cs"/>
+                    </a:defRPr>
+                  </a:lvl5pPr>
+                  <a:lvl6pPr marL="2286000" algn="l" defTabSz="914400" rtl="0" eaLnBrk="1" latinLnBrk="0" hangingPunct="1">
+                    <a:defRPr kern="1200">
+                      <a:solidFill>
+                        <a:schemeClr val="lt1"/>
+                      </a:solidFill>
+                      <a:latin typeface="+mn-lt"/>
+                      <a:ea typeface="+mn-ea"/>
+                      <a:cs typeface="+mn-cs"/>
+                    </a:defRPr>
+                  </a:lvl6pPr>
+                  <a:lvl7pPr marL="2743200" algn="l" defTabSz="914400" rtl="0" eaLnBrk="1" latinLnBrk="0" hangingPunct="1">
+                    <a:defRPr kern="1200">
+                      <a:solidFill>
+                        <a:schemeClr val="lt1"/>
+                      </a:solidFill>
+                      <a:latin typeface="+mn-lt"/>
+                      <a:ea typeface="+mn-ea"/>
+                      <a:cs typeface="+mn-cs"/>
+                    </a:defRPr>
+                  </a:lvl7pPr>
+                  <a:lvl8pPr marL="3200400" algn="l" defTabSz="914400" rtl="0" eaLnBrk="1" latinLnBrk="0" hangingPunct="1">
+                    <a:defRPr kern="1200">
+                      <a:solidFill>
+                        <a:schemeClr val="lt1"/>
+                      </a:solidFill>
+                      <a:latin typeface="+mn-lt"/>
+                      <a:ea typeface="+mn-ea"/>
+                      <a:cs typeface="+mn-cs"/>
+                    </a:defRPr>
+                  </a:lvl8pPr>
+                  <a:lvl9pPr marL="3657600" algn="l" defTabSz="914400" rtl="0" eaLnBrk="1" latinLnBrk="0" hangingPunct="1">
+                    <a:defRPr kern="1200">
+                      <a:solidFill>
+                        <a:schemeClr val="lt1"/>
+                      </a:solidFill>
+                      <a:latin typeface="+mn-lt"/>
+                      <a:ea typeface="+mn-ea"/>
+                      <a:cs typeface="+mn-cs"/>
+                    </a:defRPr>
+                  </a:lvl9pPr>
+                </a:lstStyle>
+                <a:p>
+                  <a:pPr algn="ctr"/>
+                  <a:endParaRPr lang="fr-FR"/>
+                </a:p>
+              </p:txBody>
+            </p:sp>
+          </p:grpSp>
+          <p:sp>
+            <p:nvSpPr>
+              <p:cNvPr id="62" name="ZoneTexte 61"/>
+              <p:cNvSpPr txBox="1"/>
+              <p:nvPr/>
+            </p:nvSpPr>
+            <p:spPr>
+              <a:xfrm>
+                <a:off x="5172867" y="4926263"/>
+                <a:ext cx="1116124" cy="530915"/>
+              </a:xfrm>
+              <a:prstGeom prst="rect">
+                <a:avLst/>
+              </a:prstGeom>
+              <a:noFill/>
+            </p:spPr>
+            <p:txBody>
+              <a:bodyPr wrap="square" rtlCol="0">
+                <a:spAutoFit/>
+              </a:bodyPr>
+              <a:lstStyle/>
+              <a:p>
+                <a:r>
+                  <a:rPr lang="fr-FR" dirty="0" smtClean="0"/>
+                  <a:t>Client-A</a:t>
+                </a:r>
+              </a:p>
+              <a:p>
+                <a:pPr lvl="0" algn="ctr"/>
+                <a:r>
+                  <a:rPr lang="fr-FR" sz="1050" dirty="0" smtClean="0">
+                    <a:solidFill>
+                      <a:prstClr val="black"/>
+                    </a:solidFill>
+                  </a:rPr>
+                  <a:t>192.168.0.16</a:t>
+                </a:r>
+                <a:endParaRPr lang="fr-FR" sz="1050" dirty="0">
                   <a:solidFill>
                     <a:prstClr val="black"/>
                   </a:solidFill>
-                </a:rPr>
-                <a:t>192.168.0.14</a:t>
-              </a:r>
-              <a:endParaRPr lang="fr-FR" sz="1050" dirty="0">
-                <a:solidFill>
-                  <a:prstClr val="black"/>
-                </a:solidFill>
-              </a:endParaRPr>
-            </a:p>
-          </p:txBody>
-        </p:sp>
+                </a:endParaRPr>
+              </a:p>
+            </p:txBody>
+          </p:sp>
+          <p:pic>
+            <p:nvPicPr>
+              <p:cNvPr id="63" name="Image 62">
+                <a:extLst>
+                  <a:ext uri="{FF2B5EF4-FFF2-40B4-BE49-F238E27FC236}">
+                    <a16:creationId xmlns:lc="http://schemas.openxmlformats.org/drawingml/2006/lockedCanvas" xmlns:a16="http://schemas.microsoft.com/office/drawing/2014/main" xmlns="" id="{8A3CA8B9-B9C7-4C5E-945E-30789F67099A}"/>
+                  </a:ext>
+                </a:extLst>
+              </p:cNvPr>
+              <p:cNvPicPr>
+                <a:picLocks noChangeAspect="1"/>
+              </p:cNvPicPr>
+              <p:nvPr/>
+            </p:nvPicPr>
+            <p:blipFill>
+              <a:blip r:embed="rId3" cstate="print">
+                <a:extLst>
+                  <a:ext uri="{28A0092B-C50C-407E-A947-70E740481C1C}">
+                    <a14:useLocalDpi xmlns:a14="http://schemas.microsoft.com/office/drawing/2010/main" val="0"/>
+                  </a:ext>
+                </a:extLst>
+              </a:blip>
+              <a:stretch>
+                <a:fillRect/>
+              </a:stretch>
+            </p:blipFill>
+            <p:spPr>
+              <a:xfrm>
+                <a:off x="4857277" y="4576416"/>
+                <a:ext cx="876286" cy="363783"/>
+              </a:xfrm>
+              <a:prstGeom prst="rect">
+                <a:avLst/>
+              </a:prstGeom>
+            </p:spPr>
+          </p:pic>
+        </p:grpSp>
         <p:pic>
           <p:nvPicPr>
-            <p:cNvPr id="58" name="Image 57">
-              <a:extLst>
-                <a:ext uri="{FF2B5EF4-FFF2-40B4-BE49-F238E27FC236}">
-                  <a16:creationId xmlns="" xmlns:a16="http://schemas.microsoft.com/office/drawing/2014/main" xmlns:lc="http://schemas.openxmlformats.org/drawingml/2006/lockedCanvas" id="{8A3CA8B9-B9C7-4C5E-945E-30789F67099A}"/>
-                </a:ext>
-              </a:extLst>
-            </p:cNvPr>
+            <p:cNvPr id="83" name="Image 82"/>
             <p:cNvPicPr>
               <a:picLocks noChangeAspect="1"/>
             </p:cNvPicPr>
@@ -4756,8 +4995,8 @@
           </p:blipFill>
           <p:spPr>
             <a:xfrm>
-              <a:off x="5950613" y="3237770"/>
-              <a:ext cx="876286" cy="363783"/>
+              <a:off x="6052738" y="5257605"/>
+              <a:ext cx="428618" cy="381794"/>
             </a:xfrm>
             <a:prstGeom prst="rect">
               <a:avLst/>
@@ -4767,47 +5006,323 @@
       </p:grpSp>
       <p:grpSp>
         <p:nvGrpSpPr>
-          <p:cNvPr id="60" name="Groupe 59"/>
+          <p:cNvPr id="22" name="Groupe 21"/>
           <p:cNvGrpSpPr/>
           <p:nvPr/>
         </p:nvGrpSpPr>
         <p:grpSpPr>
           <a:xfrm>
-            <a:off x="4674741" y="5230522"/>
+            <a:off x="2656435" y="4494086"/>
             <a:ext cx="1871142" cy="972779"/>
-            <a:chOff x="4801076" y="4549333"/>
+            <a:chOff x="2656435" y="4494086"/>
             <a:chExt cx="1871142" cy="972779"/>
           </a:xfrm>
         </p:grpSpPr>
         <p:grpSp>
           <p:nvGrpSpPr>
-            <p:cNvPr id="61" name="Groupe 60">
-              <a:extLst>
-                <a:ext uri="{FF2B5EF4-FFF2-40B4-BE49-F238E27FC236}">
-                  <a16:creationId xmlns="" xmlns:a16="http://schemas.microsoft.com/office/drawing/2014/main" xmlns:lc="http://schemas.openxmlformats.org/drawingml/2006/lockedCanvas" id="{E0E230ED-9E76-46B5-92C4-AB7962005D3F}"/>
-                </a:ext>
-              </a:extLst>
-            </p:cNvPr>
+            <p:cNvPr id="4" name="Groupe 3"/>
             <p:cNvGrpSpPr/>
             <p:nvPr/>
           </p:nvGrpSpPr>
           <p:grpSpPr>
             <a:xfrm>
-              <a:off x="4801076" y="4549333"/>
+              <a:off x="2656435" y="4494086"/>
               <a:ext cx="1871142" cy="972779"/>
-              <a:chOff x="2155105" y="3861048"/>
-              <a:chExt cx="1336774" cy="720080"/>
+              <a:chOff x="2548410" y="4549332"/>
+              <a:chExt cx="1871142" cy="972779"/>
             </a:xfrm>
-            <a:solidFill>
-              <a:schemeClr val="bg1"/>
-            </a:solidFill>
           </p:grpSpPr>
+          <p:grpSp>
+            <p:nvGrpSpPr>
+              <p:cNvPr id="45" name="Groupe 44">
+                <a:extLst>
+                  <a:ext uri="{FF2B5EF4-FFF2-40B4-BE49-F238E27FC236}">
+                    <a16:creationId xmlns:lc="http://schemas.openxmlformats.org/drawingml/2006/lockedCanvas" xmlns:a16="http://schemas.microsoft.com/office/drawing/2014/main" xmlns="" id="{E0E230ED-9E76-46B5-92C4-AB7962005D3F}"/>
+                  </a:ext>
+                </a:extLst>
+              </p:cNvPr>
+              <p:cNvGrpSpPr/>
+              <p:nvPr/>
+            </p:nvGrpSpPr>
+            <p:grpSpPr>
+              <a:xfrm>
+                <a:off x="2548410" y="4549332"/>
+                <a:ext cx="1871142" cy="972779"/>
+                <a:chOff x="2155105" y="3861048"/>
+                <a:chExt cx="1336774" cy="720080"/>
+              </a:xfrm>
+              <a:solidFill>
+                <a:schemeClr val="bg1"/>
+              </a:solidFill>
+            </p:grpSpPr>
+            <p:pic>
+              <p:nvPicPr>
+                <p:cNvPr id="46" name="Image 45">
+                  <a:extLst>
+                    <a:ext uri="{FF2B5EF4-FFF2-40B4-BE49-F238E27FC236}">
+                      <a16:creationId xmlns:lc="http://schemas.openxmlformats.org/drawingml/2006/lockedCanvas" xmlns:a16="http://schemas.microsoft.com/office/drawing/2014/main" xmlns="" id="{8A3CA8B9-B9C7-4C5E-945E-30789F67099A}"/>
+                    </a:ext>
+                  </a:extLst>
+                </p:cNvPr>
+                <p:cNvPicPr>
+                  <a:picLocks noChangeAspect="1"/>
+                </p:cNvPicPr>
+                <p:nvPr/>
+              </p:nvPicPr>
+              <p:blipFill>
+                <a:blip r:embed="rId3" cstate="print">
+                  <a:extLst>
+                    <a:ext uri="{28A0092B-C50C-407E-A947-70E740481C1C}">
+                      <a14:useLocalDpi xmlns:a14="http://schemas.microsoft.com/office/drawing/2010/main" val="0"/>
+                    </a:ext>
+                  </a:extLst>
+                </a:blip>
+                <a:stretch>
+                  <a:fillRect/>
+                </a:stretch>
+              </p:blipFill>
+              <p:spPr>
+                <a:xfrm>
+                  <a:off x="2204095" y="3905903"/>
+                  <a:ext cx="517589" cy="222637"/>
+                </a:xfrm>
+                <a:prstGeom prst="rect">
+                  <a:avLst/>
+                </a:prstGeom>
+                <a:grpFill/>
+              </p:spPr>
+            </p:pic>
+            <p:sp>
+              <p:nvSpPr>
+                <p:cNvPr id="47" name="Rectangle à coins arrondis 46">
+                  <a:extLst>
+                    <a:ext uri="{FF2B5EF4-FFF2-40B4-BE49-F238E27FC236}">
+                      <a16:creationId xmlns:lc="http://schemas.openxmlformats.org/drawingml/2006/lockedCanvas" xmlns:a16="http://schemas.microsoft.com/office/drawing/2014/main" xmlns="" id="{D95582EE-8B26-42D1-A65F-CB3D8ACB3AAF}"/>
+                    </a:ext>
+                  </a:extLst>
+                </p:cNvPr>
+                <p:cNvSpPr/>
+                <p:nvPr/>
+              </p:nvSpPr>
+              <p:spPr>
+                <a:xfrm flipH="1">
+                  <a:off x="2155105" y="3861048"/>
+                  <a:ext cx="1336774" cy="720080"/>
+                </a:xfrm>
+                <a:prstGeom prst="roundRect">
+                  <a:avLst>
+                    <a:gd name="adj" fmla="val 9644"/>
+                  </a:avLst>
+                </a:prstGeom>
+                <a:grpFill/>
+                <a:ln>
+                  <a:solidFill>
+                    <a:srgbClr val="92D050"/>
+                  </a:solidFill>
+                </a:ln>
+              </p:spPr>
+              <p:style>
+                <a:lnRef idx="2">
+                  <a:schemeClr val="accent1">
+                    <a:shade val="50000"/>
+                  </a:schemeClr>
+                </a:lnRef>
+                <a:fillRef idx="1">
+                  <a:schemeClr val="accent1"/>
+                </a:fillRef>
+                <a:effectRef idx="0">
+                  <a:schemeClr val="accent1"/>
+                </a:effectRef>
+                <a:fontRef idx="minor">
+                  <a:schemeClr val="lt1"/>
+                </a:fontRef>
+              </p:style>
+              <p:txBody>
+                <a:bodyPr rtlCol="0" anchor="ctr"/>
+                <a:lstStyle>
+                  <a:defPPr>
+                    <a:defRPr lang="fr-FR"/>
+                  </a:defPPr>
+                  <a:lvl1pPr algn="l" rtl="0" fontAlgn="base">
+                    <a:spcBef>
+                      <a:spcPct val="0"/>
+                    </a:spcBef>
+                    <a:spcAft>
+                      <a:spcPct val="0"/>
+                    </a:spcAft>
+                    <a:defRPr kern="1200">
+                      <a:solidFill>
+                        <a:schemeClr val="lt1"/>
+                      </a:solidFill>
+                      <a:latin typeface="+mn-lt"/>
+                      <a:ea typeface="+mn-ea"/>
+                      <a:cs typeface="+mn-cs"/>
+                    </a:defRPr>
+                  </a:lvl1pPr>
+                  <a:lvl2pPr marL="457200" algn="l" rtl="0" fontAlgn="base">
+                    <a:spcBef>
+                      <a:spcPct val="0"/>
+                    </a:spcBef>
+                    <a:spcAft>
+                      <a:spcPct val="0"/>
+                    </a:spcAft>
+                    <a:defRPr kern="1200">
+                      <a:solidFill>
+                        <a:schemeClr val="lt1"/>
+                      </a:solidFill>
+                      <a:latin typeface="+mn-lt"/>
+                      <a:ea typeface="+mn-ea"/>
+                      <a:cs typeface="+mn-cs"/>
+                    </a:defRPr>
+                  </a:lvl2pPr>
+                  <a:lvl3pPr marL="914400" algn="l" rtl="0" fontAlgn="base">
+                    <a:spcBef>
+                      <a:spcPct val="0"/>
+                    </a:spcBef>
+                    <a:spcAft>
+                      <a:spcPct val="0"/>
+                    </a:spcAft>
+                    <a:defRPr kern="1200">
+                      <a:solidFill>
+                        <a:schemeClr val="lt1"/>
+                      </a:solidFill>
+                      <a:latin typeface="+mn-lt"/>
+                      <a:ea typeface="+mn-ea"/>
+                      <a:cs typeface="+mn-cs"/>
+                    </a:defRPr>
+                  </a:lvl3pPr>
+                  <a:lvl4pPr marL="1371600" algn="l" rtl="0" fontAlgn="base">
+                    <a:spcBef>
+                      <a:spcPct val="0"/>
+                    </a:spcBef>
+                    <a:spcAft>
+                      <a:spcPct val="0"/>
+                    </a:spcAft>
+                    <a:defRPr kern="1200">
+                      <a:solidFill>
+                        <a:schemeClr val="lt1"/>
+                      </a:solidFill>
+                      <a:latin typeface="+mn-lt"/>
+                      <a:ea typeface="+mn-ea"/>
+                      <a:cs typeface="+mn-cs"/>
+                    </a:defRPr>
+                  </a:lvl4pPr>
+                  <a:lvl5pPr marL="1828800" algn="l" rtl="0" fontAlgn="base">
+                    <a:spcBef>
+                      <a:spcPct val="0"/>
+                    </a:spcBef>
+                    <a:spcAft>
+                      <a:spcPct val="0"/>
+                    </a:spcAft>
+                    <a:defRPr kern="1200">
+                      <a:solidFill>
+                        <a:schemeClr val="lt1"/>
+                      </a:solidFill>
+                      <a:latin typeface="+mn-lt"/>
+                      <a:ea typeface="+mn-ea"/>
+                      <a:cs typeface="+mn-cs"/>
+                    </a:defRPr>
+                  </a:lvl5pPr>
+                  <a:lvl6pPr marL="2286000" algn="l" defTabSz="914400" rtl="0" eaLnBrk="1" latinLnBrk="0" hangingPunct="1">
+                    <a:defRPr kern="1200">
+                      <a:solidFill>
+                        <a:schemeClr val="lt1"/>
+                      </a:solidFill>
+                      <a:latin typeface="+mn-lt"/>
+                      <a:ea typeface="+mn-ea"/>
+                      <a:cs typeface="+mn-cs"/>
+                    </a:defRPr>
+                  </a:lvl6pPr>
+                  <a:lvl7pPr marL="2743200" algn="l" defTabSz="914400" rtl="0" eaLnBrk="1" latinLnBrk="0" hangingPunct="1">
+                    <a:defRPr kern="1200">
+                      <a:solidFill>
+                        <a:schemeClr val="lt1"/>
+                      </a:solidFill>
+                      <a:latin typeface="+mn-lt"/>
+                      <a:ea typeface="+mn-ea"/>
+                      <a:cs typeface="+mn-cs"/>
+                    </a:defRPr>
+                  </a:lvl7pPr>
+                  <a:lvl8pPr marL="3200400" algn="l" defTabSz="914400" rtl="0" eaLnBrk="1" latinLnBrk="0" hangingPunct="1">
+                    <a:defRPr kern="1200">
+                      <a:solidFill>
+                        <a:schemeClr val="lt1"/>
+                      </a:solidFill>
+                      <a:latin typeface="+mn-lt"/>
+                      <a:ea typeface="+mn-ea"/>
+                      <a:cs typeface="+mn-cs"/>
+                    </a:defRPr>
+                  </a:lvl8pPr>
+                  <a:lvl9pPr marL="3657600" algn="l" defTabSz="914400" rtl="0" eaLnBrk="1" latinLnBrk="0" hangingPunct="1">
+                    <a:defRPr kern="1200">
+                      <a:solidFill>
+                        <a:schemeClr val="lt1"/>
+                      </a:solidFill>
+                      <a:latin typeface="+mn-lt"/>
+                      <a:ea typeface="+mn-ea"/>
+                      <a:cs typeface="+mn-cs"/>
+                    </a:defRPr>
+                  </a:lvl9pPr>
+                </a:lstStyle>
+                <a:p>
+                  <a:pPr algn="ctr"/>
+                  <a:endParaRPr lang="fr-FR"/>
+                </a:p>
+              </p:txBody>
+            </p:sp>
+          </p:grpSp>
+          <p:sp>
+            <p:nvSpPr>
+              <p:cNvPr id="48" name="ZoneTexte 47"/>
+              <p:cNvSpPr txBox="1"/>
+              <p:nvPr/>
+            </p:nvSpPr>
+            <p:spPr>
+              <a:xfrm>
+                <a:off x="2925919" y="4926263"/>
+                <a:ext cx="1116124" cy="530915"/>
+              </a:xfrm>
+              <a:prstGeom prst="rect">
+                <a:avLst/>
+              </a:prstGeom>
+              <a:noFill/>
+            </p:spPr>
+            <p:txBody>
+              <a:bodyPr wrap="square" rtlCol="0">
+                <a:spAutoFit/>
+              </a:bodyPr>
+              <a:lstStyle/>
+              <a:p>
+                <a:pPr lvl="0" algn="ctr"/>
+                <a:r>
+                  <a:rPr lang="fr-FR" dirty="0" smtClean="0"/>
+                  <a:t>Client-UI</a:t>
+                </a:r>
+              </a:p>
+              <a:p>
+                <a:pPr lvl="0" algn="ctr"/>
+                <a:r>
+                  <a:rPr lang="fr-FR" sz="1050" dirty="0" smtClean="0">
+                    <a:solidFill>
+                      <a:prstClr val="black"/>
+                    </a:solidFill>
+                  </a:rPr>
+                  <a:t>192.168.0.15</a:t>
+                </a:r>
+                <a:endParaRPr lang="fr-FR" sz="1050" dirty="0">
+                  <a:solidFill>
+                    <a:prstClr val="black"/>
+                  </a:solidFill>
+                </a:endParaRPr>
+              </a:p>
+            </p:txBody>
+          </p:sp>
           <p:pic>
             <p:nvPicPr>
-              <p:cNvPr id="64" name="Image 63">
+              <p:cNvPr id="56" name="Image 55">
                 <a:extLst>
                   <a:ext uri="{FF2B5EF4-FFF2-40B4-BE49-F238E27FC236}">
-                    <a16:creationId xmlns="" xmlns:a16="http://schemas.microsoft.com/office/drawing/2014/main" xmlns:lc="http://schemas.openxmlformats.org/drawingml/2006/lockedCanvas" id="{8A3CA8B9-B9C7-4C5E-945E-30789F67099A}"/>
+                    <a16:creationId xmlns:lc="http://schemas.openxmlformats.org/drawingml/2006/lockedCanvas" xmlns:a16="http://schemas.microsoft.com/office/drawing/2014/main" xmlns="" id="{8A3CA8B9-B9C7-4C5E-945E-30789F67099A}"/>
                   </a:ext>
                 </a:extLst>
               </p:cNvPr>
@@ -4817,7 +5332,7 @@
               <p:nvPr/>
             </p:nvPicPr>
             <p:blipFill>
-              <a:blip r:embed="rId2" cstate="print">
+              <a:blip r:embed="rId3" cstate="print">
                 <a:extLst>
                   <a:ext uri="{28A0092B-C50C-407E-A947-70E740481C1C}">
                     <a14:useLocalDpi xmlns:a14="http://schemas.microsoft.com/office/drawing/2010/main" val="0"/>
@@ -4830,248 +5345,18 @@
             </p:blipFill>
             <p:spPr>
               <a:xfrm>
-                <a:off x="2204095" y="3905903"/>
-                <a:ext cx="517589" cy="222637"/>
+                <a:off x="2616983" y="4584994"/>
+                <a:ext cx="876286" cy="363783"/>
               </a:xfrm>
               <a:prstGeom prst="rect">
                 <a:avLst/>
               </a:prstGeom>
-              <a:grpFill/>
             </p:spPr>
           </p:pic>
-          <p:sp>
-            <p:nvSpPr>
-              <p:cNvPr id="76" name="Rectangle à coins arrondis 75">
-                <a:extLst>
-                  <a:ext uri="{FF2B5EF4-FFF2-40B4-BE49-F238E27FC236}">
-                    <a16:creationId xmlns="" xmlns:a16="http://schemas.microsoft.com/office/drawing/2014/main" xmlns:lc="http://schemas.openxmlformats.org/drawingml/2006/lockedCanvas" id="{D95582EE-8B26-42D1-A65F-CB3D8ACB3AAF}"/>
-                  </a:ext>
-                </a:extLst>
-              </p:cNvPr>
-              <p:cNvSpPr/>
-              <p:nvPr/>
-            </p:nvSpPr>
-            <p:spPr>
-              <a:xfrm flipH="1">
-                <a:off x="2155105" y="3861048"/>
-                <a:ext cx="1336774" cy="720080"/>
-              </a:xfrm>
-              <a:prstGeom prst="roundRect">
-                <a:avLst>
-                  <a:gd name="adj" fmla="val 9644"/>
-                </a:avLst>
-              </a:prstGeom>
-              <a:grpFill/>
-              <a:ln>
-                <a:solidFill>
-                  <a:srgbClr val="00B050"/>
-                </a:solidFill>
-              </a:ln>
-            </p:spPr>
-            <p:style>
-              <a:lnRef idx="2">
-                <a:schemeClr val="accent1">
-                  <a:shade val="50000"/>
-                </a:schemeClr>
-              </a:lnRef>
-              <a:fillRef idx="1">
-                <a:schemeClr val="accent1"/>
-              </a:fillRef>
-              <a:effectRef idx="0">
-                <a:schemeClr val="accent1"/>
-              </a:effectRef>
-              <a:fontRef idx="minor">
-                <a:schemeClr val="lt1"/>
-              </a:fontRef>
-            </p:style>
-            <p:txBody>
-              <a:bodyPr rtlCol="0" anchor="ctr"/>
-              <a:lstStyle>
-                <a:defPPr>
-                  <a:defRPr lang="fr-FR"/>
-                </a:defPPr>
-                <a:lvl1pPr algn="l" rtl="0" fontAlgn="base">
-                  <a:spcBef>
-                    <a:spcPct val="0"/>
-                  </a:spcBef>
-                  <a:spcAft>
-                    <a:spcPct val="0"/>
-                  </a:spcAft>
-                  <a:defRPr kern="1200">
-                    <a:solidFill>
-                      <a:schemeClr val="lt1"/>
-                    </a:solidFill>
-                    <a:latin typeface="+mn-lt"/>
-                    <a:ea typeface="+mn-ea"/>
-                    <a:cs typeface="+mn-cs"/>
-                  </a:defRPr>
-                </a:lvl1pPr>
-                <a:lvl2pPr marL="457200" algn="l" rtl="0" fontAlgn="base">
-                  <a:spcBef>
-                    <a:spcPct val="0"/>
-                  </a:spcBef>
-                  <a:spcAft>
-                    <a:spcPct val="0"/>
-                  </a:spcAft>
-                  <a:defRPr kern="1200">
-                    <a:solidFill>
-                      <a:schemeClr val="lt1"/>
-                    </a:solidFill>
-                    <a:latin typeface="+mn-lt"/>
-                    <a:ea typeface="+mn-ea"/>
-                    <a:cs typeface="+mn-cs"/>
-                  </a:defRPr>
-                </a:lvl2pPr>
-                <a:lvl3pPr marL="914400" algn="l" rtl="0" fontAlgn="base">
-                  <a:spcBef>
-                    <a:spcPct val="0"/>
-                  </a:spcBef>
-                  <a:spcAft>
-                    <a:spcPct val="0"/>
-                  </a:spcAft>
-                  <a:defRPr kern="1200">
-                    <a:solidFill>
-                      <a:schemeClr val="lt1"/>
-                    </a:solidFill>
-                    <a:latin typeface="+mn-lt"/>
-                    <a:ea typeface="+mn-ea"/>
-                    <a:cs typeface="+mn-cs"/>
-                  </a:defRPr>
-                </a:lvl3pPr>
-                <a:lvl4pPr marL="1371600" algn="l" rtl="0" fontAlgn="base">
-                  <a:spcBef>
-                    <a:spcPct val="0"/>
-                  </a:spcBef>
-                  <a:spcAft>
-                    <a:spcPct val="0"/>
-                  </a:spcAft>
-                  <a:defRPr kern="1200">
-                    <a:solidFill>
-                      <a:schemeClr val="lt1"/>
-                    </a:solidFill>
-                    <a:latin typeface="+mn-lt"/>
-                    <a:ea typeface="+mn-ea"/>
-                    <a:cs typeface="+mn-cs"/>
-                  </a:defRPr>
-                </a:lvl4pPr>
-                <a:lvl5pPr marL="1828800" algn="l" rtl="0" fontAlgn="base">
-                  <a:spcBef>
-                    <a:spcPct val="0"/>
-                  </a:spcBef>
-                  <a:spcAft>
-                    <a:spcPct val="0"/>
-                  </a:spcAft>
-                  <a:defRPr kern="1200">
-                    <a:solidFill>
-                      <a:schemeClr val="lt1"/>
-                    </a:solidFill>
-                    <a:latin typeface="+mn-lt"/>
-                    <a:ea typeface="+mn-ea"/>
-                    <a:cs typeface="+mn-cs"/>
-                  </a:defRPr>
-                </a:lvl5pPr>
-                <a:lvl6pPr marL="2286000" algn="l" defTabSz="914400" rtl="0" eaLnBrk="1" latinLnBrk="0" hangingPunct="1">
-                  <a:defRPr kern="1200">
-                    <a:solidFill>
-                      <a:schemeClr val="lt1"/>
-                    </a:solidFill>
-                    <a:latin typeface="+mn-lt"/>
-                    <a:ea typeface="+mn-ea"/>
-                    <a:cs typeface="+mn-cs"/>
-                  </a:defRPr>
-                </a:lvl6pPr>
-                <a:lvl7pPr marL="2743200" algn="l" defTabSz="914400" rtl="0" eaLnBrk="1" latinLnBrk="0" hangingPunct="1">
-                  <a:defRPr kern="1200">
-                    <a:solidFill>
-                      <a:schemeClr val="lt1"/>
-                    </a:solidFill>
-                    <a:latin typeface="+mn-lt"/>
-                    <a:ea typeface="+mn-ea"/>
-                    <a:cs typeface="+mn-cs"/>
-                  </a:defRPr>
-                </a:lvl7pPr>
-                <a:lvl8pPr marL="3200400" algn="l" defTabSz="914400" rtl="0" eaLnBrk="1" latinLnBrk="0" hangingPunct="1">
-                  <a:defRPr kern="1200">
-                    <a:solidFill>
-                      <a:schemeClr val="lt1"/>
-                    </a:solidFill>
-                    <a:latin typeface="+mn-lt"/>
-                    <a:ea typeface="+mn-ea"/>
-                    <a:cs typeface="+mn-cs"/>
-                  </a:defRPr>
-                </a:lvl8pPr>
-                <a:lvl9pPr marL="3657600" algn="l" defTabSz="914400" rtl="0" eaLnBrk="1" latinLnBrk="0" hangingPunct="1">
-                  <a:defRPr kern="1200">
-                    <a:solidFill>
-                      <a:schemeClr val="lt1"/>
-                    </a:solidFill>
-                    <a:latin typeface="+mn-lt"/>
-                    <a:ea typeface="+mn-ea"/>
-                    <a:cs typeface="+mn-cs"/>
-                  </a:defRPr>
-                </a:lvl9pPr>
-              </a:lstStyle>
-              <a:p>
-                <a:pPr algn="ctr"/>
-                <a:endParaRPr lang="fr-FR"/>
-              </a:p>
-            </p:txBody>
-          </p:sp>
         </p:grpSp>
-        <p:sp>
-          <p:nvSpPr>
-            <p:cNvPr id="62" name="ZoneTexte 61"/>
-            <p:cNvSpPr txBox="1"/>
-            <p:nvPr/>
-          </p:nvSpPr>
-          <p:spPr>
-            <a:xfrm>
-              <a:off x="5172867" y="4926263"/>
-              <a:ext cx="1116124" cy="530915"/>
-            </a:xfrm>
-            <a:prstGeom prst="rect">
-              <a:avLst/>
-            </a:prstGeom>
-            <a:noFill/>
-          </p:spPr>
-          <p:txBody>
-            <a:bodyPr wrap="square" rtlCol="0">
-              <a:spAutoFit/>
-            </a:bodyPr>
-            <a:lstStyle/>
-            <a:p>
-              <a:r>
-                <a:rPr lang="fr-FR" dirty="0" smtClean="0"/>
-                <a:t>Client-A</a:t>
-              </a:r>
-            </a:p>
-            <a:p>
-              <a:pPr lvl="0" algn="ctr"/>
-              <a:r>
-                <a:rPr lang="fr-FR" sz="1050" dirty="0" smtClean="0">
-                  <a:solidFill>
-                    <a:prstClr val="black"/>
-                  </a:solidFill>
-                </a:rPr>
-                <a:t>192.168.0.16</a:t>
-              </a:r>
-              <a:endParaRPr lang="fr-FR" sz="1050" dirty="0">
-                <a:solidFill>
-                  <a:prstClr val="black"/>
-                </a:solidFill>
-              </a:endParaRPr>
-            </a:p>
-          </p:txBody>
-        </p:sp>
         <p:pic>
           <p:nvPicPr>
-            <p:cNvPr id="63" name="Image 62">
-              <a:extLst>
-                <a:ext uri="{FF2B5EF4-FFF2-40B4-BE49-F238E27FC236}">
-                  <a16:creationId xmlns="" xmlns:a16="http://schemas.microsoft.com/office/drawing/2014/main" xmlns:lc="http://schemas.openxmlformats.org/drawingml/2006/lockedCanvas" id="{8A3CA8B9-B9C7-4C5E-945E-30789F67099A}"/>
-                </a:ext>
-              </a:extLst>
-            </p:cNvPr>
+            <p:cNvPr id="85" name="Image 84"/>
             <p:cNvPicPr>
               <a:picLocks noChangeAspect="1"/>
             </p:cNvPicPr>
@@ -5091,8 +5376,8 @@
           </p:blipFill>
           <p:spPr>
             <a:xfrm>
-              <a:off x="4857277" y="4576416"/>
-              <a:ext cx="876286" cy="363783"/>
+              <a:off x="4031570" y="4515254"/>
+              <a:ext cx="428618" cy="381794"/>
             </a:xfrm>
             <a:prstGeom prst="rect">
               <a:avLst/>
@@ -5100,186 +5385,6 @@
           </p:spPr>
         </p:pic>
       </p:grpSp>
-      <p:pic>
-        <p:nvPicPr>
-          <p:cNvPr id="8" name="Image 7"/>
-          <p:cNvPicPr>
-            <a:picLocks noChangeAspect="1"/>
-          </p:cNvPicPr>
-          <p:nvPr/>
-        </p:nvPicPr>
-        <p:blipFill>
-          <a:blip r:embed="rId3" cstate="print">
-            <a:extLst>
-              <a:ext uri="{28A0092B-C50C-407E-A947-70E740481C1C}">
-                <a14:useLocalDpi xmlns:a14="http://schemas.microsoft.com/office/drawing/2010/main" val="0"/>
-              </a:ext>
-            </a:extLst>
-          </a:blip>
-          <a:stretch>
-            <a:fillRect/>
-          </a:stretch>
-        </p:blipFill>
-        <p:spPr>
-          <a:xfrm>
-            <a:off x="6046007" y="2417367"/>
-            <a:ext cx="428618" cy="381794"/>
-          </a:xfrm>
-          <a:prstGeom prst="rect">
-            <a:avLst/>
-          </a:prstGeom>
-        </p:spPr>
-      </p:pic>
-      <p:pic>
-        <p:nvPicPr>
-          <p:cNvPr id="59" name="Image 58"/>
-          <p:cNvPicPr>
-            <a:picLocks noChangeAspect="1"/>
-          </p:cNvPicPr>
-          <p:nvPr/>
-        </p:nvPicPr>
-        <p:blipFill>
-          <a:blip r:embed="rId3" cstate="print">
-            <a:extLst>
-              <a:ext uri="{28A0092B-C50C-407E-A947-70E740481C1C}">
-                <a14:useLocalDpi xmlns:a14="http://schemas.microsoft.com/office/drawing/2010/main" val="0"/>
-              </a:ext>
-            </a:extLst>
-          </a:blip>
-          <a:stretch>
-            <a:fillRect/>
-          </a:stretch>
-        </p:blipFill>
-        <p:spPr>
-          <a:xfrm>
-            <a:off x="4029783" y="3310614"/>
-            <a:ext cx="428618" cy="381794"/>
-          </a:xfrm>
-          <a:prstGeom prst="rect">
-            <a:avLst/>
-          </a:prstGeom>
-        </p:spPr>
-      </p:pic>
-      <p:pic>
-        <p:nvPicPr>
-          <p:cNvPr id="78" name="Image 77"/>
-          <p:cNvPicPr>
-            <a:picLocks noChangeAspect="1"/>
-          </p:cNvPicPr>
-          <p:nvPr/>
-        </p:nvPicPr>
-        <p:blipFill>
-          <a:blip r:embed="rId3" cstate="print">
-            <a:extLst>
-              <a:ext uri="{28A0092B-C50C-407E-A947-70E740481C1C}">
-                <a14:useLocalDpi xmlns:a14="http://schemas.microsoft.com/office/drawing/2010/main" val="0"/>
-              </a:ext>
-            </a:extLst>
-          </a:blip>
-          <a:stretch>
-            <a:fillRect/>
-          </a:stretch>
-        </p:blipFill>
-        <p:spPr>
-          <a:xfrm>
-            <a:off x="8163366" y="3326074"/>
-            <a:ext cx="428618" cy="381794"/>
-          </a:xfrm>
-          <a:prstGeom prst="rect">
-            <a:avLst/>
-          </a:prstGeom>
-        </p:spPr>
-      </p:pic>
-      <p:pic>
-        <p:nvPicPr>
-          <p:cNvPr id="79" name="Image 78"/>
-          <p:cNvPicPr>
-            <a:picLocks noChangeAspect="1"/>
-          </p:cNvPicPr>
-          <p:nvPr/>
-        </p:nvPicPr>
-        <p:blipFill>
-          <a:blip r:embed="rId3" cstate="print">
-            <a:extLst>
-              <a:ext uri="{28A0092B-C50C-407E-A947-70E740481C1C}">
-                <a14:useLocalDpi xmlns:a14="http://schemas.microsoft.com/office/drawing/2010/main" val="0"/>
-              </a:ext>
-            </a:extLst>
-          </a:blip>
-          <a:stretch>
-            <a:fillRect/>
-          </a:stretch>
-        </p:blipFill>
-        <p:spPr>
-          <a:xfrm>
-            <a:off x="8170243" y="4454045"/>
-            <a:ext cx="428618" cy="381794"/>
-          </a:xfrm>
-          <a:prstGeom prst="rect">
-            <a:avLst/>
-          </a:prstGeom>
-        </p:spPr>
-      </p:pic>
-      <p:pic>
-        <p:nvPicPr>
-          <p:cNvPr id="83" name="Image 82"/>
-          <p:cNvPicPr>
-            <a:picLocks noChangeAspect="1"/>
-          </p:cNvPicPr>
-          <p:nvPr/>
-        </p:nvPicPr>
-        <p:blipFill>
-          <a:blip r:embed="rId3" cstate="print">
-            <a:extLst>
-              <a:ext uri="{28A0092B-C50C-407E-A947-70E740481C1C}">
-                <a14:useLocalDpi xmlns:a14="http://schemas.microsoft.com/office/drawing/2010/main" val="0"/>
-              </a:ext>
-            </a:extLst>
-          </a:blip>
-          <a:stretch>
-            <a:fillRect/>
-          </a:stretch>
-        </p:blipFill>
-        <p:spPr>
-          <a:xfrm>
-            <a:off x="6052738" y="5257605"/>
-            <a:ext cx="428618" cy="381794"/>
-          </a:xfrm>
-          <a:prstGeom prst="rect">
-            <a:avLst/>
-          </a:prstGeom>
-        </p:spPr>
-      </p:pic>
-      <p:pic>
-        <p:nvPicPr>
-          <p:cNvPr id="85" name="Image 84"/>
-          <p:cNvPicPr>
-            <a:picLocks noChangeAspect="1"/>
-          </p:cNvPicPr>
-          <p:nvPr/>
-        </p:nvPicPr>
-        <p:blipFill>
-          <a:blip r:embed="rId3" cstate="print">
-            <a:extLst>
-              <a:ext uri="{28A0092B-C50C-407E-A947-70E740481C1C}">
-                <a14:useLocalDpi xmlns:a14="http://schemas.microsoft.com/office/drawing/2010/main" val="0"/>
-              </a:ext>
-            </a:extLst>
-          </a:blip>
-          <a:stretch>
-            <a:fillRect/>
-          </a:stretch>
-        </p:blipFill>
-        <p:spPr>
-          <a:xfrm>
-            <a:off x="4031570" y="4515254"/>
-            <a:ext cx="428618" cy="381794"/>
-          </a:xfrm>
-          <a:prstGeom prst="rect">
-            <a:avLst/>
-          </a:prstGeom>
-        </p:spPr>
-      </p:pic>
       <p:pic>
         <p:nvPicPr>
           <p:cNvPr id="9" name="Image 8"/>
@@ -5441,7 +5546,7 @@
       </p:cxnSp>
       <p:grpSp>
         <p:nvGrpSpPr>
-          <p:cNvPr id="86" name="Groupe 85"/>
+          <p:cNvPr id="5" name="Groupe 4"/>
           <p:cNvGrpSpPr/>
           <p:nvPr/>
         </p:nvGrpSpPr>
@@ -5449,306 +5554,321 @@
           <a:xfrm>
             <a:off x="3807743" y="800790"/>
             <a:ext cx="1871142" cy="972779"/>
-            <a:chOff x="1411867" y="3212974"/>
+            <a:chOff x="3807743" y="800790"/>
             <a:chExt cx="1871142" cy="972779"/>
           </a:xfrm>
         </p:grpSpPr>
         <p:grpSp>
           <p:nvGrpSpPr>
-            <p:cNvPr id="87" name="Groupe 86">
-              <a:extLst>
-                <a:ext uri="{FF2B5EF4-FFF2-40B4-BE49-F238E27FC236}">
-                  <a16:creationId xmlns="" xmlns:a16="http://schemas.microsoft.com/office/drawing/2014/main" xmlns:lc="http://schemas.openxmlformats.org/drawingml/2006/lockedCanvas" id="{E0E230ED-9E76-46B5-92C4-AB7962005D3F}"/>
-                </a:ext>
-              </a:extLst>
-            </p:cNvPr>
+            <p:cNvPr id="86" name="Groupe 85"/>
             <p:cNvGrpSpPr/>
             <p:nvPr/>
           </p:nvGrpSpPr>
           <p:grpSpPr>
             <a:xfrm>
-              <a:off x="1411867" y="3212974"/>
+              <a:off x="3807743" y="800790"/>
               <a:ext cx="1871142" cy="972779"/>
-              <a:chOff x="2155105" y="3861048"/>
-              <a:chExt cx="1336774" cy="720080"/>
+              <a:chOff x="1411867" y="3212974"/>
+              <a:chExt cx="1871142" cy="972779"/>
             </a:xfrm>
-            <a:solidFill>
-              <a:schemeClr val="bg1"/>
-            </a:solidFill>
           </p:grpSpPr>
-          <p:pic>
-            <p:nvPicPr>
-              <p:cNvPr id="92" name="Image 91">
+          <p:grpSp>
+            <p:nvGrpSpPr>
+              <p:cNvPr id="87" name="Groupe 86">
                 <a:extLst>
                   <a:ext uri="{FF2B5EF4-FFF2-40B4-BE49-F238E27FC236}">
-                    <a16:creationId xmlns="" xmlns:a16="http://schemas.microsoft.com/office/drawing/2014/main" xmlns:lc="http://schemas.openxmlformats.org/drawingml/2006/lockedCanvas" id="{8A3CA8B9-B9C7-4C5E-945E-30789F67099A}"/>
+                    <a16:creationId xmlns:lc="http://schemas.openxmlformats.org/drawingml/2006/lockedCanvas" xmlns:a16="http://schemas.microsoft.com/office/drawing/2014/main" xmlns="" id="{E0E230ED-9E76-46B5-92C4-AB7962005D3F}"/>
                   </a:ext>
                 </a:extLst>
               </p:cNvPr>
-              <p:cNvPicPr>
-                <a:picLocks noChangeAspect="1"/>
-              </p:cNvPicPr>
+              <p:cNvGrpSpPr/>
               <p:nvPr/>
-            </p:nvPicPr>
-            <p:blipFill>
-              <a:blip r:embed="rId2" cstate="print">
-                <a:extLst>
-                  <a:ext uri="{28A0092B-C50C-407E-A947-70E740481C1C}">
-                    <a14:useLocalDpi xmlns:a14="http://schemas.microsoft.com/office/drawing/2010/main" val="0"/>
-                  </a:ext>
-                </a:extLst>
-              </a:blip>
-              <a:stretch>
-                <a:fillRect/>
-              </a:stretch>
-            </p:blipFill>
+            </p:nvGrpSpPr>
+            <p:grpSpPr>
+              <a:xfrm>
+                <a:off x="1411867" y="3212974"/>
+                <a:ext cx="1871142" cy="972779"/>
+                <a:chOff x="2155105" y="3861048"/>
+                <a:chExt cx="1336774" cy="720080"/>
+              </a:xfrm>
+              <a:solidFill>
+                <a:schemeClr val="bg1"/>
+              </a:solidFill>
+            </p:grpSpPr>
+            <p:pic>
+              <p:nvPicPr>
+                <p:cNvPr id="92" name="Image 91">
+                  <a:extLst>
+                    <a:ext uri="{FF2B5EF4-FFF2-40B4-BE49-F238E27FC236}">
+                      <a16:creationId xmlns:lc="http://schemas.openxmlformats.org/drawingml/2006/lockedCanvas" xmlns:a16="http://schemas.microsoft.com/office/drawing/2014/main" xmlns="" id="{8A3CA8B9-B9C7-4C5E-945E-30789F67099A}"/>
+                    </a:ext>
+                  </a:extLst>
+                </p:cNvPr>
+                <p:cNvPicPr>
+                  <a:picLocks noChangeAspect="1"/>
+                </p:cNvPicPr>
+                <p:nvPr/>
+              </p:nvPicPr>
+              <p:blipFill>
+                <a:blip r:embed="rId3" cstate="print">
+                  <a:extLst>
+                    <a:ext uri="{28A0092B-C50C-407E-A947-70E740481C1C}">
+                      <a14:useLocalDpi xmlns:a14="http://schemas.microsoft.com/office/drawing/2010/main" val="0"/>
+                    </a:ext>
+                  </a:extLst>
+                </a:blip>
+                <a:stretch>
+                  <a:fillRect/>
+                </a:stretch>
+              </p:blipFill>
+              <p:spPr>
+                <a:xfrm>
+                  <a:off x="2204094" y="3905903"/>
+                  <a:ext cx="612028" cy="263259"/>
+                </a:xfrm>
+                <a:prstGeom prst="rect">
+                  <a:avLst/>
+                </a:prstGeom>
+                <a:grpFill/>
+              </p:spPr>
+            </p:pic>
+            <p:sp>
+              <p:nvSpPr>
+                <p:cNvPr id="93" name="Rectangle à coins arrondis 92">
+                  <a:extLst>
+                    <a:ext uri="{FF2B5EF4-FFF2-40B4-BE49-F238E27FC236}">
+                      <a16:creationId xmlns:lc="http://schemas.openxmlformats.org/drawingml/2006/lockedCanvas" xmlns:a16="http://schemas.microsoft.com/office/drawing/2014/main" xmlns="" id="{D95582EE-8B26-42D1-A65F-CB3D8ACB3AAF}"/>
+                    </a:ext>
+                  </a:extLst>
+                </p:cNvPr>
+                <p:cNvSpPr/>
+                <p:nvPr/>
+              </p:nvSpPr>
+              <p:spPr>
+                <a:xfrm flipH="1">
+                  <a:off x="2155105" y="3861048"/>
+                  <a:ext cx="1336774" cy="720080"/>
+                </a:xfrm>
+                <a:prstGeom prst="roundRect">
+                  <a:avLst>
+                    <a:gd name="adj" fmla="val 9644"/>
+                  </a:avLst>
+                </a:prstGeom>
+                <a:grpFill/>
+              </p:spPr>
+              <p:style>
+                <a:lnRef idx="2">
+                  <a:schemeClr val="accent1">
+                    <a:shade val="50000"/>
+                  </a:schemeClr>
+                </a:lnRef>
+                <a:fillRef idx="1">
+                  <a:schemeClr val="accent1"/>
+                </a:fillRef>
+                <a:effectRef idx="0">
+                  <a:schemeClr val="accent1"/>
+                </a:effectRef>
+                <a:fontRef idx="minor">
+                  <a:schemeClr val="lt1"/>
+                </a:fontRef>
+              </p:style>
+              <p:txBody>
+                <a:bodyPr rtlCol="0" anchor="ctr"/>
+                <a:lstStyle>
+                  <a:defPPr>
+                    <a:defRPr lang="fr-FR"/>
+                  </a:defPPr>
+                  <a:lvl1pPr algn="l" rtl="0" fontAlgn="base">
+                    <a:spcBef>
+                      <a:spcPct val="0"/>
+                    </a:spcBef>
+                    <a:spcAft>
+                      <a:spcPct val="0"/>
+                    </a:spcAft>
+                    <a:defRPr kern="1200">
+                      <a:solidFill>
+                        <a:schemeClr val="lt1"/>
+                      </a:solidFill>
+                      <a:latin typeface="+mn-lt"/>
+                      <a:ea typeface="+mn-ea"/>
+                      <a:cs typeface="+mn-cs"/>
+                    </a:defRPr>
+                  </a:lvl1pPr>
+                  <a:lvl2pPr marL="457200" algn="l" rtl="0" fontAlgn="base">
+                    <a:spcBef>
+                      <a:spcPct val="0"/>
+                    </a:spcBef>
+                    <a:spcAft>
+                      <a:spcPct val="0"/>
+                    </a:spcAft>
+                    <a:defRPr kern="1200">
+                      <a:solidFill>
+                        <a:schemeClr val="lt1"/>
+                      </a:solidFill>
+                      <a:latin typeface="+mn-lt"/>
+                      <a:ea typeface="+mn-ea"/>
+                      <a:cs typeface="+mn-cs"/>
+                    </a:defRPr>
+                  </a:lvl2pPr>
+                  <a:lvl3pPr marL="914400" algn="l" rtl="0" fontAlgn="base">
+                    <a:spcBef>
+                      <a:spcPct val="0"/>
+                    </a:spcBef>
+                    <a:spcAft>
+                      <a:spcPct val="0"/>
+                    </a:spcAft>
+                    <a:defRPr kern="1200">
+                      <a:solidFill>
+                        <a:schemeClr val="lt1"/>
+                      </a:solidFill>
+                      <a:latin typeface="+mn-lt"/>
+                      <a:ea typeface="+mn-ea"/>
+                      <a:cs typeface="+mn-cs"/>
+                    </a:defRPr>
+                  </a:lvl3pPr>
+                  <a:lvl4pPr marL="1371600" algn="l" rtl="0" fontAlgn="base">
+                    <a:spcBef>
+                      <a:spcPct val="0"/>
+                    </a:spcBef>
+                    <a:spcAft>
+                      <a:spcPct val="0"/>
+                    </a:spcAft>
+                    <a:defRPr kern="1200">
+                      <a:solidFill>
+                        <a:schemeClr val="lt1"/>
+                      </a:solidFill>
+                      <a:latin typeface="+mn-lt"/>
+                      <a:ea typeface="+mn-ea"/>
+                      <a:cs typeface="+mn-cs"/>
+                    </a:defRPr>
+                  </a:lvl4pPr>
+                  <a:lvl5pPr marL="1828800" algn="l" rtl="0" fontAlgn="base">
+                    <a:spcBef>
+                      <a:spcPct val="0"/>
+                    </a:spcBef>
+                    <a:spcAft>
+                      <a:spcPct val="0"/>
+                    </a:spcAft>
+                    <a:defRPr kern="1200">
+                      <a:solidFill>
+                        <a:schemeClr val="lt1"/>
+                      </a:solidFill>
+                      <a:latin typeface="+mn-lt"/>
+                      <a:ea typeface="+mn-ea"/>
+                      <a:cs typeface="+mn-cs"/>
+                    </a:defRPr>
+                  </a:lvl5pPr>
+                  <a:lvl6pPr marL="2286000" algn="l" defTabSz="914400" rtl="0" eaLnBrk="1" latinLnBrk="0" hangingPunct="1">
+                    <a:defRPr kern="1200">
+                      <a:solidFill>
+                        <a:schemeClr val="lt1"/>
+                      </a:solidFill>
+                      <a:latin typeface="+mn-lt"/>
+                      <a:ea typeface="+mn-ea"/>
+                      <a:cs typeface="+mn-cs"/>
+                    </a:defRPr>
+                  </a:lvl6pPr>
+                  <a:lvl7pPr marL="2743200" algn="l" defTabSz="914400" rtl="0" eaLnBrk="1" latinLnBrk="0" hangingPunct="1">
+                    <a:defRPr kern="1200">
+                      <a:solidFill>
+                        <a:schemeClr val="lt1"/>
+                      </a:solidFill>
+                      <a:latin typeface="+mn-lt"/>
+                      <a:ea typeface="+mn-ea"/>
+                      <a:cs typeface="+mn-cs"/>
+                    </a:defRPr>
+                  </a:lvl7pPr>
+                  <a:lvl8pPr marL="3200400" algn="l" defTabSz="914400" rtl="0" eaLnBrk="1" latinLnBrk="0" hangingPunct="1">
+                    <a:defRPr kern="1200">
+                      <a:solidFill>
+                        <a:schemeClr val="lt1"/>
+                      </a:solidFill>
+                      <a:latin typeface="+mn-lt"/>
+                      <a:ea typeface="+mn-ea"/>
+                      <a:cs typeface="+mn-cs"/>
+                    </a:defRPr>
+                  </a:lvl8pPr>
+                  <a:lvl9pPr marL="3657600" algn="l" defTabSz="914400" rtl="0" eaLnBrk="1" latinLnBrk="0" hangingPunct="1">
+                    <a:defRPr kern="1200">
+                      <a:solidFill>
+                        <a:schemeClr val="lt1"/>
+                      </a:solidFill>
+                      <a:latin typeface="+mn-lt"/>
+                      <a:ea typeface="+mn-ea"/>
+                      <a:cs typeface="+mn-cs"/>
+                    </a:defRPr>
+                  </a:lvl9pPr>
+                </a:lstStyle>
+                <a:p>
+                  <a:pPr algn="ctr"/>
+                  <a:endParaRPr lang="fr-FR"/>
+                </a:p>
+              </p:txBody>
+            </p:sp>
+          </p:grpSp>
+          <p:sp>
+            <p:nvSpPr>
+              <p:cNvPr id="89" name="ZoneTexte 88"/>
+              <p:cNvSpPr txBox="1"/>
+              <p:nvPr/>
+            </p:nvSpPr>
             <p:spPr>
               <a:xfrm>
-                <a:off x="2204094" y="3905903"/>
-                <a:ext cx="612028" cy="263259"/>
+                <a:off x="1789376" y="3629215"/>
+                <a:ext cx="1116124" cy="369332"/>
               </a:xfrm>
               <a:prstGeom prst="rect">
                 <a:avLst/>
               </a:prstGeom>
-              <a:grpFill/>
+              <a:noFill/>
             </p:spPr>
-          </p:pic>
-          <p:sp>
-            <p:nvSpPr>
-              <p:cNvPr id="93" name="Rectangle à coins arrondis 92">
-                <a:extLst>
-                  <a:ext uri="{FF2B5EF4-FFF2-40B4-BE49-F238E27FC236}">
-                    <a16:creationId xmlns="" xmlns:a16="http://schemas.microsoft.com/office/drawing/2014/main" xmlns:lc="http://schemas.openxmlformats.org/drawingml/2006/lockedCanvas" id="{D95582EE-8B26-42D1-A65F-CB3D8ACB3AAF}"/>
-                  </a:ext>
-                </a:extLst>
-              </p:cNvPr>
-              <p:cNvSpPr/>
-              <p:nvPr/>
-            </p:nvSpPr>
-            <p:spPr>
-              <a:xfrm flipH="1">
-                <a:off x="2155105" y="3861048"/>
-                <a:ext cx="1336774" cy="720080"/>
-              </a:xfrm>
-              <a:prstGeom prst="roundRect">
-                <a:avLst>
-                  <a:gd name="adj" fmla="val 9644"/>
-                </a:avLst>
-              </a:prstGeom>
-              <a:grpFill/>
-            </p:spPr>
-            <p:style>
-              <a:lnRef idx="2">
-                <a:schemeClr val="accent1">
-                  <a:shade val="50000"/>
-                </a:schemeClr>
-              </a:lnRef>
-              <a:fillRef idx="1">
-                <a:schemeClr val="accent1"/>
-              </a:fillRef>
-              <a:effectRef idx="0">
-                <a:schemeClr val="accent1"/>
-              </a:effectRef>
-              <a:fontRef idx="minor">
-                <a:schemeClr val="lt1"/>
-              </a:fontRef>
-            </p:style>
             <p:txBody>
-              <a:bodyPr rtlCol="0" anchor="ctr"/>
-              <a:lstStyle>
-                <a:defPPr>
-                  <a:defRPr lang="fr-FR"/>
-                </a:defPPr>
-                <a:lvl1pPr algn="l" rtl="0" fontAlgn="base">
-                  <a:spcBef>
-                    <a:spcPct val="0"/>
-                  </a:spcBef>
-                  <a:spcAft>
-                    <a:spcPct val="0"/>
-                  </a:spcAft>
-                  <a:defRPr kern="1200">
-                    <a:solidFill>
-                      <a:schemeClr val="lt1"/>
-                    </a:solidFill>
-                    <a:latin typeface="+mn-lt"/>
-                    <a:ea typeface="+mn-ea"/>
-                    <a:cs typeface="+mn-cs"/>
-                  </a:defRPr>
-                </a:lvl1pPr>
-                <a:lvl2pPr marL="457200" algn="l" rtl="0" fontAlgn="base">
-                  <a:spcBef>
-                    <a:spcPct val="0"/>
-                  </a:spcBef>
-                  <a:spcAft>
-                    <a:spcPct val="0"/>
-                  </a:spcAft>
-                  <a:defRPr kern="1200">
-                    <a:solidFill>
-                      <a:schemeClr val="lt1"/>
-                    </a:solidFill>
-                    <a:latin typeface="+mn-lt"/>
-                    <a:ea typeface="+mn-ea"/>
-                    <a:cs typeface="+mn-cs"/>
-                  </a:defRPr>
-                </a:lvl2pPr>
-                <a:lvl3pPr marL="914400" algn="l" rtl="0" fontAlgn="base">
-                  <a:spcBef>
-                    <a:spcPct val="0"/>
-                  </a:spcBef>
-                  <a:spcAft>
-                    <a:spcPct val="0"/>
-                  </a:spcAft>
-                  <a:defRPr kern="1200">
-                    <a:solidFill>
-                      <a:schemeClr val="lt1"/>
-                    </a:solidFill>
-                    <a:latin typeface="+mn-lt"/>
-                    <a:ea typeface="+mn-ea"/>
-                    <a:cs typeface="+mn-cs"/>
-                  </a:defRPr>
-                </a:lvl3pPr>
-                <a:lvl4pPr marL="1371600" algn="l" rtl="0" fontAlgn="base">
-                  <a:spcBef>
-                    <a:spcPct val="0"/>
-                  </a:spcBef>
-                  <a:spcAft>
-                    <a:spcPct val="0"/>
-                  </a:spcAft>
-                  <a:defRPr kern="1200">
-                    <a:solidFill>
-                      <a:schemeClr val="lt1"/>
-                    </a:solidFill>
-                    <a:latin typeface="+mn-lt"/>
-                    <a:ea typeface="+mn-ea"/>
-                    <a:cs typeface="+mn-cs"/>
-                  </a:defRPr>
-                </a:lvl4pPr>
-                <a:lvl5pPr marL="1828800" algn="l" rtl="0" fontAlgn="base">
-                  <a:spcBef>
-                    <a:spcPct val="0"/>
-                  </a:spcBef>
-                  <a:spcAft>
-                    <a:spcPct val="0"/>
-                  </a:spcAft>
-                  <a:defRPr kern="1200">
-                    <a:solidFill>
-                      <a:schemeClr val="lt1"/>
-                    </a:solidFill>
-                    <a:latin typeface="+mn-lt"/>
-                    <a:ea typeface="+mn-ea"/>
-                    <a:cs typeface="+mn-cs"/>
-                  </a:defRPr>
-                </a:lvl5pPr>
-                <a:lvl6pPr marL="2286000" algn="l" defTabSz="914400" rtl="0" eaLnBrk="1" latinLnBrk="0" hangingPunct="1">
-                  <a:defRPr kern="1200">
-                    <a:solidFill>
-                      <a:schemeClr val="lt1"/>
-                    </a:solidFill>
-                    <a:latin typeface="+mn-lt"/>
-                    <a:ea typeface="+mn-ea"/>
-                    <a:cs typeface="+mn-cs"/>
-                  </a:defRPr>
-                </a:lvl6pPr>
-                <a:lvl7pPr marL="2743200" algn="l" defTabSz="914400" rtl="0" eaLnBrk="1" latinLnBrk="0" hangingPunct="1">
-                  <a:defRPr kern="1200">
-                    <a:solidFill>
-                      <a:schemeClr val="lt1"/>
-                    </a:solidFill>
-                    <a:latin typeface="+mn-lt"/>
-                    <a:ea typeface="+mn-ea"/>
-                    <a:cs typeface="+mn-cs"/>
-                  </a:defRPr>
-                </a:lvl7pPr>
-                <a:lvl8pPr marL="3200400" algn="l" defTabSz="914400" rtl="0" eaLnBrk="1" latinLnBrk="0" hangingPunct="1">
-                  <a:defRPr kern="1200">
-                    <a:solidFill>
-                      <a:schemeClr val="lt1"/>
-                    </a:solidFill>
-                    <a:latin typeface="+mn-lt"/>
-                    <a:ea typeface="+mn-ea"/>
-                    <a:cs typeface="+mn-cs"/>
-                  </a:defRPr>
-                </a:lvl8pPr>
-                <a:lvl9pPr marL="3657600" algn="l" defTabSz="914400" rtl="0" eaLnBrk="1" latinLnBrk="0" hangingPunct="1">
-                  <a:defRPr kern="1200">
-                    <a:solidFill>
-                      <a:schemeClr val="lt1"/>
-                    </a:solidFill>
-                    <a:latin typeface="+mn-lt"/>
-                    <a:ea typeface="+mn-ea"/>
-                    <a:cs typeface="+mn-cs"/>
-                  </a:defRPr>
-                </a:lvl9pPr>
-              </a:lstStyle>
+              <a:bodyPr wrap="square" rtlCol="0">
+                <a:spAutoFit/>
+              </a:bodyPr>
+              <a:lstStyle/>
               <a:p>
                 <a:pPr algn="ctr"/>
-                <a:endParaRPr lang="fr-FR"/>
+                <a:r>
+                  <a:rPr lang="fr-FR" dirty="0" err="1" smtClean="0"/>
+                  <a:t>Hotspot</a:t>
+                </a:r>
+                <a:endParaRPr lang="fr-FR" dirty="0" smtClean="0"/>
               </a:p>
             </p:txBody>
           </p:sp>
         </p:grpSp>
-        <p:sp>
-          <p:nvSpPr>
-            <p:cNvPr id="89" name="ZoneTexte 88"/>
-            <p:cNvSpPr txBox="1"/>
+        <p:pic>
+          <p:nvPicPr>
+            <p:cNvPr id="94" name="Image 93"/>
+            <p:cNvPicPr>
+              <a:picLocks noChangeAspect="1"/>
+            </p:cNvPicPr>
             <p:nvPr/>
-          </p:nvSpPr>
+          </p:nvPicPr>
+          <p:blipFill>
+            <a:blip r:embed="rId2" cstate="print">
+              <a:extLst>
+                <a:ext uri="{28A0092B-C50C-407E-A947-70E740481C1C}">
+                  <a14:useLocalDpi xmlns:a14="http://schemas.microsoft.com/office/drawing/2010/main" val="0"/>
+                </a:ext>
+              </a:extLst>
+            </a:blip>
+            <a:stretch>
+              <a:fillRect/>
+            </a:stretch>
+          </p:blipFill>
           <p:spPr>
             <a:xfrm>
-              <a:off x="1789376" y="3629215"/>
-              <a:ext cx="1116124" cy="369332"/>
+              <a:off x="4563014" y="855500"/>
+              <a:ext cx="428618" cy="381794"/>
             </a:xfrm>
             <a:prstGeom prst="rect">
               <a:avLst/>
             </a:prstGeom>
-            <a:noFill/>
           </p:spPr>
-          <p:txBody>
-            <a:bodyPr wrap="square" rtlCol="0">
-              <a:spAutoFit/>
-            </a:bodyPr>
-            <a:lstStyle/>
-            <a:p>
-              <a:pPr algn="ctr"/>
-              <a:r>
-                <a:rPr lang="fr-FR" dirty="0" err="1" smtClean="0"/>
-                <a:t>Hotspot</a:t>
-              </a:r>
-              <a:endParaRPr lang="fr-FR" dirty="0" smtClean="0"/>
-            </a:p>
-          </p:txBody>
-        </p:sp>
+        </p:pic>
       </p:grpSp>
-      <p:pic>
-        <p:nvPicPr>
-          <p:cNvPr id="94" name="Image 93"/>
-          <p:cNvPicPr>
-            <a:picLocks noChangeAspect="1"/>
-          </p:cNvPicPr>
-          <p:nvPr/>
-        </p:nvPicPr>
-        <p:blipFill>
-          <a:blip r:embed="rId3" cstate="print">
-            <a:extLst>
-              <a:ext uri="{28A0092B-C50C-407E-A947-70E740481C1C}">
-                <a14:useLocalDpi xmlns:a14="http://schemas.microsoft.com/office/drawing/2010/main" val="0"/>
-              </a:ext>
-            </a:extLst>
-          </a:blip>
-          <a:stretch>
-            <a:fillRect/>
-          </a:stretch>
-        </p:blipFill>
-        <p:spPr>
-          <a:xfrm>
-            <a:off x="4493135" y="855500"/>
-            <a:ext cx="428618" cy="381794"/>
-          </a:xfrm>
-          <a:prstGeom prst="rect">
-            <a:avLst/>
-          </a:prstGeom>
-        </p:spPr>
-      </p:pic>
       <p:pic>
         <p:nvPicPr>
           <p:cNvPr id="32" name="Image 31"/>
@@ -8106,12 +8226,9 @@
 </file>
 
 <file path=customXml/item1.xml><?xml version="1.0" encoding="utf-8"?>
-<?mso-contentType ?>
-<FormTemplates xmlns="http://schemas.microsoft.com/sharepoint/v3/contenttype/forms">
-  <Display>DocumentLibraryForm</Display>
-  <Edit>DocumentLibraryForm</Edit>
-  <New>DocumentLibraryForm</New>
-</FormTemplates>
+<p:properties xmlns:p="http://schemas.microsoft.com/office/2006/metadata/properties" xmlns:xsi="http://www.w3.org/2001/XMLSchema-instance">
+  <documentManagement/>
+</p:properties>
 </file>
 
 <file path=customXml/item2.xml><?xml version="1.0" encoding="utf-8"?>
@@ -8164,15 +8281,18 @@
 </file>
 
 <file path=customXml/item3.xml><?xml version="1.0" encoding="utf-8"?>
-<p:properties xmlns:p="http://schemas.microsoft.com/office/2006/metadata/properties" xmlns:xsi="http://www.w3.org/2001/XMLSchema-instance">
-  <documentManagement/>
-</p:properties>
+<?mso-contentType ?>
+<FormTemplates xmlns="http://schemas.microsoft.com/sharepoint/v3/contenttype/forms">
+  <Display>DocumentLibraryForm</Display>
+  <Edit>DocumentLibraryForm</Edit>
+  <New>DocumentLibraryForm</New>
+</FormTemplates>
 </file>
 
 <file path=customXml/itemProps1.xml><?xml version="1.0" encoding="utf-8"?>
-<ds:datastoreItem xmlns:ds="http://schemas.openxmlformats.org/officeDocument/2006/customXml" ds:itemID="{3B12FB4F-A943-493B-B875-6D5D04C611C6}">
+<ds:datastoreItem xmlns:ds="http://schemas.openxmlformats.org/officeDocument/2006/customXml" ds:itemID="{7B39A281-CC84-49AC-A49D-86BCB30113A3}">
   <ds:schemaRefs>
-    <ds:schemaRef ds:uri="http://schemas.microsoft.com/sharepoint/v3/contenttype/forms"/>
+    <ds:schemaRef ds:uri="http://schemas.microsoft.com/office/2006/metadata/properties"/>
   </ds:schemaRefs>
 </ds:datastoreItem>
 </file>
@@ -8193,9 +8313,9 @@
 </file>
 
 <file path=customXml/itemProps3.xml><?xml version="1.0" encoding="utf-8"?>
-<ds:datastoreItem xmlns:ds="http://schemas.openxmlformats.org/officeDocument/2006/customXml" ds:itemID="{7B39A281-CC84-49AC-A49D-86BCB30113A3}">
+<ds:datastoreItem xmlns:ds="http://schemas.openxmlformats.org/officeDocument/2006/customXml" ds:itemID="{3B12FB4F-A943-493B-B875-6D5D04C611C6}">
   <ds:schemaRefs>
-    <ds:schemaRef ds:uri="http://schemas.microsoft.com/office/2006/metadata/properties"/>
+    <ds:schemaRef ds:uri="http://schemas.microsoft.com/sharepoint/v3/contenttype/forms"/>
   </ds:schemaRefs>
 </ds:datastoreItem>
 </file>